--- a/comp_org/lec/7 - Performance.pptx
+++ b/comp_org/lec/7 - Performance.pptx
@@ -1,6 +1,6 @@
 
 <file path=ppt/presentation.xml><?xml version="1.0" encoding="utf-8"?>
-<p:presentation xmlns:a="http://schemas.openxmlformats.org/drawingml/2006/main" xmlns:r="http://schemas.openxmlformats.org/officeDocument/2006/relationships" xmlns:p="http://schemas.openxmlformats.org/presentationml/2006/main" saveSubsetFonts="1">
+<p:presentation xmlns:a="http://schemas.openxmlformats.org/drawingml/2006/main" xmlns:r="http://schemas.openxmlformats.org/officeDocument/2006/relationships" xmlns:mc="http://schemas.openxmlformats.org/markup-compatibility/2006" xmlns:mv="urn:schemas-microsoft-com:mac:vml" xmlns:p="http://schemas.openxmlformats.org/presentationml/2006/main" mc:Ignorable="mv" mc:PreserveAttributes="mv:*" saveSubsetFonts="1">
   <p:sldMasterIdLst>
     <p:sldMasterId id="2147483744" r:id="rId1"/>
   </p:sldMasterIdLst>
@@ -169,7 +169,7 @@
   </p:defaultTextStyle>
   <p:extLst>
     <p:ext uri="{EFAFB233-063F-42B5-8137-9DF3F51BA10A}">
-      <p15:sldGuideLst xmlns:p15="http://schemas.microsoft.com/office/powerpoint/2012/main">
+      <p15:sldGuideLst xmlns:p15="http://schemas.microsoft.com/office/powerpoint/2012/main" xmlns:p="http://schemas.openxmlformats.org/presentationml/2006/main" xmlns:r="http://schemas.openxmlformats.org/officeDocument/2006/relationships" xmlns:a="http://schemas.openxmlformats.org/drawingml/2006/main" xmlns="">
         <p15:guide id="1" orient="horz" pos="2160">
           <p15:clr>
             <a:srgbClr val="A4A3A4"/>
@@ -187,7 +187,7 @@
 </file>
 
 <file path=ppt/notesMasters/notesMaster1.xml><?xml version="1.0" encoding="utf-8"?>
-<p:notesMaster xmlns:a="http://schemas.openxmlformats.org/drawingml/2006/main" xmlns:r="http://schemas.openxmlformats.org/officeDocument/2006/relationships" xmlns:p="http://schemas.openxmlformats.org/presentationml/2006/main">
+<p:notesMaster xmlns:a="http://schemas.openxmlformats.org/drawingml/2006/main" xmlns:r="http://schemas.openxmlformats.org/officeDocument/2006/relationships" xmlns:mc="http://schemas.openxmlformats.org/markup-compatibility/2006" xmlns:mv="urn:schemas-microsoft-com:mac:vml" xmlns:p="http://schemas.openxmlformats.org/presentationml/2006/main" mc:Ignorable="mv" mc:PreserveAttributes="mv:*">
   <p:cSld>
     <p:bg>
       <p:bgRef idx="1001">
@@ -268,7 +268,8 @@
           <a:p>
             <a:fld id="{6E33E3C4-EFE9-4A41-B0EF-074A7ED5698F}" type="datetimeFigureOut">
               <a:rPr lang="en-US" smtClean="0"/>
-              <a:t>11/13/2013</a:t>
+              <a:pPr/>
+              <a:t>11/17/14</a:t>
             </a:fld>
             <a:endParaRPr lang="en-US"/>
           </a:p>
@@ -427,6 +428,7 @@
           <a:p>
             <a:fld id="{6B15D8FC-C889-4410-8862-C922C3EC1A28}" type="slidenum">
               <a:rPr lang="en-US" smtClean="0"/>
+              <a:pPr/>
               <a:t>‹#›</a:t>
             </a:fld>
             <a:endParaRPr lang="en-US"/>
@@ -436,7 +438,7 @@
     </p:spTree>
     <p:extLst>
       <p:ext uri="{BB962C8B-B14F-4D97-AF65-F5344CB8AC3E}">
-        <p14:creationId xmlns:p14="http://schemas.microsoft.com/office/powerpoint/2010/main" val="2015536203"/>
+        <p14:creationId xmlns:p14="http://schemas.microsoft.com/office/powerpoint/2010/main" xmlns:p="http://schemas.openxmlformats.org/presentationml/2006/main" xmlns:r="http://schemas.openxmlformats.org/officeDocument/2006/relationships" xmlns:a="http://schemas.openxmlformats.org/drawingml/2006/main" xmlns="" val="2015536203"/>
       </p:ext>
     </p:extLst>
   </p:cSld>
@@ -537,7 +539,7 @@
 </file>
 
 <file path=ppt/notesSlides/notesSlide1.xml><?xml version="1.0" encoding="utf-8"?>
-<p:notes xmlns:a="http://schemas.openxmlformats.org/drawingml/2006/main" xmlns:r="http://schemas.openxmlformats.org/officeDocument/2006/relationships" xmlns:p="http://schemas.openxmlformats.org/presentationml/2006/main">
+<p:notes xmlns:a="http://schemas.openxmlformats.org/drawingml/2006/main" xmlns:r="http://schemas.openxmlformats.org/officeDocument/2006/relationships" xmlns:mc="http://schemas.openxmlformats.org/markup-compatibility/2006" xmlns:mv="urn:schemas-microsoft-com:mac:vml" xmlns:p="http://schemas.openxmlformats.org/presentationml/2006/main" mc:Ignorable="mv" mc:PreserveAttributes="mv:*">
   <p:cSld>
     <p:spTree>
       <p:nvGrpSpPr>
@@ -795,7 +797,7 @@
                 <a:latin typeface="Times New Roman" panose="02020603050405020304" pitchFamily="18" charset="0"/>
               </a:rPr>
               <a:pPr/>
-              <a:t>November 13, 2013</a:t>
+              <a:t>November 17, 2014</a:t>
             </a:fld>
             <a:endParaRPr lang="en-US">
               <a:latin typeface="Times New Roman" panose="02020603050405020304" pitchFamily="18" charset="0"/>
@@ -1091,7 +1093,7 @@
     </p:spTree>
     <p:extLst>
       <p:ext uri="{BB962C8B-B14F-4D97-AF65-F5344CB8AC3E}">
-        <p14:creationId xmlns:p14="http://schemas.microsoft.com/office/powerpoint/2010/main" val="1758517189"/>
+        <p14:creationId xmlns:p14="http://schemas.microsoft.com/office/powerpoint/2010/main" xmlns:p="http://schemas.openxmlformats.org/presentationml/2006/main" xmlns:r="http://schemas.openxmlformats.org/officeDocument/2006/relationships" xmlns:a="http://schemas.openxmlformats.org/drawingml/2006/main" xmlns="" val="1758517189"/>
       </p:ext>
     </p:extLst>
   </p:cSld>
@@ -1102,7 +1104,7 @@
 </file>
 
 <file path=ppt/notesSlides/notesSlide10.xml><?xml version="1.0" encoding="utf-8"?>
-<p:notes xmlns:a="http://schemas.openxmlformats.org/drawingml/2006/main" xmlns:r="http://schemas.openxmlformats.org/officeDocument/2006/relationships" xmlns:p="http://schemas.openxmlformats.org/presentationml/2006/main">
+<p:notes xmlns:a="http://schemas.openxmlformats.org/drawingml/2006/main" xmlns:r="http://schemas.openxmlformats.org/officeDocument/2006/relationships" xmlns:mc="http://schemas.openxmlformats.org/markup-compatibility/2006" xmlns:mv="urn:schemas-microsoft-com:mac:vml" xmlns:p="http://schemas.openxmlformats.org/presentationml/2006/main" mc:Ignorable="mv" mc:PreserveAttributes="mv:*">
   <p:cSld>
     <p:spTree>
       <p:nvGrpSpPr>
@@ -1360,7 +1362,7 @@
                 <a:latin typeface="Times New Roman" panose="02020603050405020304" pitchFamily="18" charset="0"/>
               </a:rPr>
               <a:pPr/>
-              <a:t>November 13, 2013</a:t>
+              <a:t>November 17, 2014</a:t>
             </a:fld>
             <a:endParaRPr lang="en-US">
               <a:latin typeface="Times New Roman" panose="02020603050405020304" pitchFamily="18" charset="0"/>
@@ -1656,7 +1658,7 @@
     </p:spTree>
     <p:extLst>
       <p:ext uri="{BB962C8B-B14F-4D97-AF65-F5344CB8AC3E}">
-        <p14:creationId xmlns:p14="http://schemas.microsoft.com/office/powerpoint/2010/main" val="3877226125"/>
+        <p14:creationId xmlns:p14="http://schemas.microsoft.com/office/powerpoint/2010/main" xmlns:p="http://schemas.openxmlformats.org/presentationml/2006/main" xmlns:r="http://schemas.openxmlformats.org/officeDocument/2006/relationships" xmlns:a="http://schemas.openxmlformats.org/drawingml/2006/main" xmlns="" val="3877226125"/>
       </p:ext>
     </p:extLst>
   </p:cSld>
@@ -1667,7 +1669,7 @@
 </file>
 
 <file path=ppt/notesSlides/notesSlide11.xml><?xml version="1.0" encoding="utf-8"?>
-<p:notes xmlns:a="http://schemas.openxmlformats.org/drawingml/2006/main" xmlns:r="http://schemas.openxmlformats.org/officeDocument/2006/relationships" xmlns:p="http://schemas.openxmlformats.org/presentationml/2006/main">
+<p:notes xmlns:a="http://schemas.openxmlformats.org/drawingml/2006/main" xmlns:r="http://schemas.openxmlformats.org/officeDocument/2006/relationships" xmlns:mc="http://schemas.openxmlformats.org/markup-compatibility/2006" xmlns:mv="urn:schemas-microsoft-com:mac:vml" xmlns:p="http://schemas.openxmlformats.org/presentationml/2006/main" mc:Ignorable="mv" mc:PreserveAttributes="mv:*">
   <p:cSld>
     <p:spTree>
       <p:nvGrpSpPr>
@@ -1731,6 +1733,7 @@
           <a:p>
             <a:fld id="{6B15D8FC-C889-4410-8862-C922C3EC1A28}" type="slidenum">
               <a:rPr lang="en-US" smtClean="0"/>
+              <a:pPr/>
               <a:t>38</a:t>
             </a:fld>
             <a:endParaRPr lang="en-US"/>
@@ -1740,7 +1743,7 @@
     </p:spTree>
     <p:extLst>
       <p:ext uri="{BB962C8B-B14F-4D97-AF65-F5344CB8AC3E}">
-        <p14:creationId xmlns:p14="http://schemas.microsoft.com/office/powerpoint/2010/main" val="917370361"/>
+        <p14:creationId xmlns:p14="http://schemas.microsoft.com/office/powerpoint/2010/main" xmlns:p="http://schemas.openxmlformats.org/presentationml/2006/main" xmlns:r="http://schemas.openxmlformats.org/officeDocument/2006/relationships" xmlns:a="http://schemas.openxmlformats.org/drawingml/2006/main" xmlns="" val="917370361"/>
       </p:ext>
     </p:extLst>
   </p:cSld>
@@ -1751,7 +1754,7 @@
 </file>
 
 <file path=ppt/notesSlides/notesSlide12.xml><?xml version="1.0" encoding="utf-8"?>
-<p:notes xmlns:a="http://schemas.openxmlformats.org/drawingml/2006/main" xmlns:r="http://schemas.openxmlformats.org/officeDocument/2006/relationships" xmlns:p="http://schemas.openxmlformats.org/presentationml/2006/main">
+<p:notes xmlns:a="http://schemas.openxmlformats.org/drawingml/2006/main" xmlns:r="http://schemas.openxmlformats.org/officeDocument/2006/relationships" xmlns:mc="http://schemas.openxmlformats.org/markup-compatibility/2006" xmlns:mv="urn:schemas-microsoft-com:mac:vml" xmlns:p="http://schemas.openxmlformats.org/presentationml/2006/main" mc:Ignorable="mv" mc:PreserveAttributes="mv:*">
   <p:cSld>
     <p:spTree>
       <p:nvGrpSpPr>
@@ -1815,6 +1818,7 @@
           <a:p>
             <a:fld id="{6B15D8FC-C889-4410-8862-C922C3EC1A28}" type="slidenum">
               <a:rPr lang="en-US" smtClean="0"/>
+              <a:pPr/>
               <a:t>39</a:t>
             </a:fld>
             <a:endParaRPr lang="en-US"/>
@@ -1824,7 +1828,7 @@
     </p:spTree>
     <p:extLst>
       <p:ext uri="{BB962C8B-B14F-4D97-AF65-F5344CB8AC3E}">
-        <p14:creationId xmlns:p14="http://schemas.microsoft.com/office/powerpoint/2010/main" val="82235101"/>
+        <p14:creationId xmlns:p14="http://schemas.microsoft.com/office/powerpoint/2010/main" xmlns:p="http://schemas.openxmlformats.org/presentationml/2006/main" xmlns:r="http://schemas.openxmlformats.org/officeDocument/2006/relationships" xmlns:a="http://schemas.openxmlformats.org/drawingml/2006/main" xmlns="" val="82235101"/>
       </p:ext>
     </p:extLst>
   </p:cSld>
@@ -1835,7 +1839,7 @@
 </file>
 
 <file path=ppt/notesSlides/notesSlide13.xml><?xml version="1.0" encoding="utf-8"?>
-<p:notes xmlns:a="http://schemas.openxmlformats.org/drawingml/2006/main" xmlns:r="http://schemas.openxmlformats.org/officeDocument/2006/relationships" xmlns:p="http://schemas.openxmlformats.org/presentationml/2006/main">
+<p:notes xmlns:a="http://schemas.openxmlformats.org/drawingml/2006/main" xmlns:r="http://schemas.openxmlformats.org/officeDocument/2006/relationships" xmlns:mc="http://schemas.openxmlformats.org/markup-compatibility/2006" xmlns:mv="urn:schemas-microsoft-com:mac:vml" xmlns:p="http://schemas.openxmlformats.org/presentationml/2006/main" mc:Ignorable="mv" mc:PreserveAttributes="mv:*">
   <p:cSld>
     <p:spTree>
       <p:nvGrpSpPr>
@@ -1899,6 +1903,7 @@
           <a:p>
             <a:fld id="{6B15D8FC-C889-4410-8862-C922C3EC1A28}" type="slidenum">
               <a:rPr lang="en-US" smtClean="0"/>
+              <a:pPr/>
               <a:t>40</a:t>
             </a:fld>
             <a:endParaRPr lang="en-US"/>
@@ -1908,7 +1913,7 @@
     </p:spTree>
     <p:extLst>
       <p:ext uri="{BB962C8B-B14F-4D97-AF65-F5344CB8AC3E}">
-        <p14:creationId xmlns:p14="http://schemas.microsoft.com/office/powerpoint/2010/main" val="3522879"/>
+        <p14:creationId xmlns:p14="http://schemas.microsoft.com/office/powerpoint/2010/main" xmlns:p="http://schemas.openxmlformats.org/presentationml/2006/main" xmlns:r="http://schemas.openxmlformats.org/officeDocument/2006/relationships" xmlns:a="http://schemas.openxmlformats.org/drawingml/2006/main" xmlns="" val="3522879"/>
       </p:ext>
     </p:extLst>
   </p:cSld>
@@ -1919,7 +1924,7 @@
 </file>
 
 <file path=ppt/notesSlides/notesSlide14.xml><?xml version="1.0" encoding="utf-8"?>
-<p:notes xmlns:a="http://schemas.openxmlformats.org/drawingml/2006/main" xmlns:r="http://schemas.openxmlformats.org/officeDocument/2006/relationships" xmlns:p="http://schemas.openxmlformats.org/presentationml/2006/main">
+<p:notes xmlns:a="http://schemas.openxmlformats.org/drawingml/2006/main" xmlns:r="http://schemas.openxmlformats.org/officeDocument/2006/relationships" xmlns:mc="http://schemas.openxmlformats.org/markup-compatibility/2006" xmlns:mv="urn:schemas-microsoft-com:mac:vml" xmlns:p="http://schemas.openxmlformats.org/presentationml/2006/main" mc:Ignorable="mv" mc:PreserveAttributes="mv:*">
   <p:cSld>
     <p:spTree>
       <p:nvGrpSpPr>
@@ -1983,6 +1988,7 @@
           <a:p>
             <a:fld id="{6B15D8FC-C889-4410-8862-C922C3EC1A28}" type="slidenum">
               <a:rPr lang="en-US" smtClean="0"/>
+              <a:pPr/>
               <a:t>41</a:t>
             </a:fld>
             <a:endParaRPr lang="en-US"/>
@@ -1992,7 +1998,7 @@
     </p:spTree>
     <p:extLst>
       <p:ext uri="{BB962C8B-B14F-4D97-AF65-F5344CB8AC3E}">
-        <p14:creationId xmlns:p14="http://schemas.microsoft.com/office/powerpoint/2010/main" val="2520298151"/>
+        <p14:creationId xmlns:p14="http://schemas.microsoft.com/office/powerpoint/2010/main" xmlns:p="http://schemas.openxmlformats.org/presentationml/2006/main" xmlns:r="http://schemas.openxmlformats.org/officeDocument/2006/relationships" xmlns:a="http://schemas.openxmlformats.org/drawingml/2006/main" xmlns="" val="2520298151"/>
       </p:ext>
     </p:extLst>
   </p:cSld>
@@ -2003,7 +2009,7 @@
 </file>
 
 <file path=ppt/notesSlides/notesSlide15.xml><?xml version="1.0" encoding="utf-8"?>
-<p:notes xmlns:a="http://schemas.openxmlformats.org/drawingml/2006/main" xmlns:r="http://schemas.openxmlformats.org/officeDocument/2006/relationships" xmlns:p="http://schemas.openxmlformats.org/presentationml/2006/main">
+<p:notes xmlns:a="http://schemas.openxmlformats.org/drawingml/2006/main" xmlns:r="http://schemas.openxmlformats.org/officeDocument/2006/relationships" xmlns:mc="http://schemas.openxmlformats.org/markup-compatibility/2006" xmlns:mv="urn:schemas-microsoft-com:mac:vml" xmlns:p="http://schemas.openxmlformats.org/presentationml/2006/main" mc:Ignorable="mv" mc:PreserveAttributes="mv:*">
   <p:cSld>
     <p:spTree>
       <p:nvGrpSpPr>
@@ -2261,7 +2267,7 @@
                 <a:latin typeface="Times New Roman" panose="02020603050405020304" pitchFamily="18" charset="0"/>
               </a:rPr>
               <a:pPr/>
-              <a:t>November 13, 2013</a:t>
+              <a:t>November 17, 2014</a:t>
             </a:fld>
             <a:endParaRPr lang="en-US">
               <a:latin typeface="Times New Roman" panose="02020603050405020304" pitchFamily="18" charset="0"/>
@@ -2557,7 +2563,7 @@
     </p:spTree>
     <p:extLst>
       <p:ext uri="{BB962C8B-B14F-4D97-AF65-F5344CB8AC3E}">
-        <p14:creationId xmlns:p14="http://schemas.microsoft.com/office/powerpoint/2010/main" val="1115462984"/>
+        <p14:creationId xmlns:p14="http://schemas.microsoft.com/office/powerpoint/2010/main" xmlns:p="http://schemas.openxmlformats.org/presentationml/2006/main" xmlns:r="http://schemas.openxmlformats.org/officeDocument/2006/relationships" xmlns:a="http://schemas.openxmlformats.org/drawingml/2006/main" xmlns="" val="1115462984"/>
       </p:ext>
     </p:extLst>
   </p:cSld>
@@ -2568,7 +2574,7 @@
 </file>
 
 <file path=ppt/notesSlides/notesSlide16.xml><?xml version="1.0" encoding="utf-8"?>
-<p:notes xmlns:a="http://schemas.openxmlformats.org/drawingml/2006/main" xmlns:r="http://schemas.openxmlformats.org/officeDocument/2006/relationships" xmlns:p="http://schemas.openxmlformats.org/presentationml/2006/main">
+<p:notes xmlns:a="http://schemas.openxmlformats.org/drawingml/2006/main" xmlns:r="http://schemas.openxmlformats.org/officeDocument/2006/relationships" xmlns:mc="http://schemas.openxmlformats.org/markup-compatibility/2006" xmlns:mv="urn:schemas-microsoft-com:mac:vml" xmlns:p="http://schemas.openxmlformats.org/presentationml/2006/main" mc:Ignorable="mv" mc:PreserveAttributes="mv:*">
   <p:cSld>
     <p:spTree>
       <p:nvGrpSpPr>
@@ -2826,7 +2832,7 @@
                 <a:latin typeface="Times New Roman" panose="02020603050405020304" pitchFamily="18" charset="0"/>
               </a:rPr>
               <a:pPr/>
-              <a:t>November 13, 2013</a:t>
+              <a:t>November 17, 2014</a:t>
             </a:fld>
             <a:endParaRPr lang="en-US">
               <a:latin typeface="Times New Roman" panose="02020603050405020304" pitchFamily="18" charset="0"/>
@@ -3115,14 +3121,22 @@
           <a:bodyPr/>
           <a:lstStyle/>
           <a:p>
-            <a:endParaRPr lang="en-AU" smtClean="0"/>
+            <a:r>
+              <a:rPr lang="en-AU" dirty="0" smtClean="0"/>
+              <a:t>The</a:t>
+            </a:r>
+            <a:r>
+              <a:rPr lang="en-AU" baseline="0" dirty="0" smtClean="0"/>
+              <a:t> one with the high spec ratio is better</a:t>
+            </a:r>
+            <a:endParaRPr lang="en-AU" dirty="0" smtClean="0"/>
           </a:p>
         </p:txBody>
       </p:sp>
     </p:spTree>
     <p:extLst>
       <p:ext uri="{BB962C8B-B14F-4D97-AF65-F5344CB8AC3E}">
-        <p14:creationId xmlns:p14="http://schemas.microsoft.com/office/powerpoint/2010/main" val="1138221498"/>
+        <p14:creationId xmlns:p14="http://schemas.microsoft.com/office/powerpoint/2010/main" xmlns:p="http://schemas.openxmlformats.org/presentationml/2006/main" xmlns:r="http://schemas.openxmlformats.org/officeDocument/2006/relationships" xmlns:a="http://schemas.openxmlformats.org/drawingml/2006/main" xmlns="" val="1138221498"/>
       </p:ext>
     </p:extLst>
   </p:cSld>
@@ -3133,7 +3147,7 @@
 </file>
 
 <file path=ppt/notesSlides/notesSlide17.xml><?xml version="1.0" encoding="utf-8"?>
-<p:notes xmlns:a="http://schemas.openxmlformats.org/drawingml/2006/main" xmlns:r="http://schemas.openxmlformats.org/officeDocument/2006/relationships" xmlns:p="http://schemas.openxmlformats.org/presentationml/2006/main">
+<p:notes xmlns:a="http://schemas.openxmlformats.org/drawingml/2006/main" xmlns:r="http://schemas.openxmlformats.org/officeDocument/2006/relationships" xmlns:mc="http://schemas.openxmlformats.org/markup-compatibility/2006" xmlns:mv="urn:schemas-microsoft-com:mac:vml" xmlns:p="http://schemas.openxmlformats.org/presentationml/2006/main" mc:Ignorable="mv" mc:PreserveAttributes="mv:*">
   <p:cSld>
     <p:spTree>
       <p:nvGrpSpPr>
@@ -3151,545 +3165,66 @@
       </p:grpSpPr>
       <p:sp>
         <p:nvSpPr>
-          <p:cNvPr id="94210" name="Rectangle 2"/>
+          <p:cNvPr id="2" name="Slide Image Placeholder 1"/>
           <p:cNvSpPr>
-            <a:spLocks noGrp="1" noChangeArrowheads="1"/>
-          </p:cNvSpPr>
-          <p:nvPr>
-            <p:ph type="hdr" sz="quarter"/>
-          </p:nvPr>
-        </p:nvSpPr>
-        <p:spPr>
-          <a:noFill/>
-        </p:spPr>
-        <p:txBody>
-          <a:bodyPr/>
-          <a:lstStyle>
-            <a:lvl1pPr defTabSz="966788">
-              <a:defRPr>
-                <a:solidFill>
-                  <a:schemeClr val="tx1"/>
-                </a:solidFill>
-                <a:latin typeface="Arial" panose="020B0604020202020204" pitchFamily="34" charset="0"/>
-              </a:defRPr>
-            </a:lvl1pPr>
-            <a:lvl2pPr marL="742950" indent="-285750" defTabSz="966788">
-              <a:defRPr>
-                <a:solidFill>
-                  <a:schemeClr val="tx1"/>
-                </a:solidFill>
-                <a:latin typeface="Arial" panose="020B0604020202020204" pitchFamily="34" charset="0"/>
-              </a:defRPr>
-            </a:lvl2pPr>
-            <a:lvl3pPr marL="1143000" indent="-228600" defTabSz="966788">
-              <a:defRPr>
-                <a:solidFill>
-                  <a:schemeClr val="tx1"/>
-                </a:solidFill>
-                <a:latin typeface="Arial" panose="020B0604020202020204" pitchFamily="34" charset="0"/>
-              </a:defRPr>
-            </a:lvl3pPr>
-            <a:lvl4pPr marL="1600200" indent="-228600" defTabSz="966788">
-              <a:defRPr>
-                <a:solidFill>
-                  <a:schemeClr val="tx1"/>
-                </a:solidFill>
-                <a:latin typeface="Arial" panose="020B0604020202020204" pitchFamily="34" charset="0"/>
-              </a:defRPr>
-            </a:lvl4pPr>
-            <a:lvl5pPr marL="2057400" indent="-228600" defTabSz="966788">
-              <a:defRPr>
-                <a:solidFill>
-                  <a:schemeClr val="tx1"/>
-                </a:solidFill>
-                <a:latin typeface="Arial" panose="020B0604020202020204" pitchFamily="34" charset="0"/>
-              </a:defRPr>
-            </a:lvl5pPr>
-            <a:lvl6pPr marL="2514600" indent="-228600" defTabSz="966788" eaLnBrk="0" fontAlgn="base" hangingPunct="0">
-              <a:spcBef>
-                <a:spcPct val="0"/>
-              </a:spcBef>
-              <a:spcAft>
-                <a:spcPct val="0"/>
-              </a:spcAft>
-              <a:defRPr>
-                <a:solidFill>
-                  <a:schemeClr val="tx1"/>
-                </a:solidFill>
-                <a:latin typeface="Arial" panose="020B0604020202020204" pitchFamily="34" charset="0"/>
-              </a:defRPr>
-            </a:lvl6pPr>
-            <a:lvl7pPr marL="2971800" indent="-228600" defTabSz="966788" eaLnBrk="0" fontAlgn="base" hangingPunct="0">
-              <a:spcBef>
-                <a:spcPct val="0"/>
-              </a:spcBef>
-              <a:spcAft>
-                <a:spcPct val="0"/>
-              </a:spcAft>
-              <a:defRPr>
-                <a:solidFill>
-                  <a:schemeClr val="tx1"/>
-                </a:solidFill>
-                <a:latin typeface="Arial" panose="020B0604020202020204" pitchFamily="34" charset="0"/>
-              </a:defRPr>
-            </a:lvl7pPr>
-            <a:lvl8pPr marL="3429000" indent="-228600" defTabSz="966788" eaLnBrk="0" fontAlgn="base" hangingPunct="0">
-              <a:spcBef>
-                <a:spcPct val="0"/>
-              </a:spcBef>
-              <a:spcAft>
-                <a:spcPct val="0"/>
-              </a:spcAft>
-              <a:defRPr>
-                <a:solidFill>
-                  <a:schemeClr val="tx1"/>
-                </a:solidFill>
-                <a:latin typeface="Arial" panose="020B0604020202020204" pitchFamily="34" charset="0"/>
-              </a:defRPr>
-            </a:lvl8pPr>
-            <a:lvl9pPr marL="3886200" indent="-228600" defTabSz="966788" eaLnBrk="0" fontAlgn="base" hangingPunct="0">
-              <a:spcBef>
-                <a:spcPct val="0"/>
-              </a:spcBef>
-              <a:spcAft>
-                <a:spcPct val="0"/>
-              </a:spcAft>
-              <a:defRPr>
-                <a:solidFill>
-                  <a:schemeClr val="tx1"/>
-                </a:solidFill>
-                <a:latin typeface="Arial" panose="020B0604020202020204" pitchFamily="34" charset="0"/>
-              </a:defRPr>
-            </a:lvl9pPr>
-          </a:lstStyle>
-          <a:p>
-            <a:r>
-              <a:rPr lang="en-US">
-                <a:latin typeface="Times New Roman" panose="02020603050405020304" pitchFamily="18" charset="0"/>
-              </a:rPr>
-              <a:t>Morgan Kaufmann Publishers</a:t>
-            </a:r>
-          </a:p>
-        </p:txBody>
-      </p:sp>
-      <p:sp>
-        <p:nvSpPr>
-          <p:cNvPr id="94211" name="Rectangle 3"/>
-          <p:cNvSpPr>
-            <a:spLocks noGrp="1" noChangeArrowheads="1"/>
-          </p:cNvSpPr>
-          <p:nvPr>
-            <p:ph type="dt" sz="quarter" idx="1"/>
-          </p:nvPr>
-        </p:nvSpPr>
-        <p:spPr>
-          <a:noFill/>
-        </p:spPr>
-        <p:txBody>
-          <a:bodyPr/>
-          <a:lstStyle>
-            <a:lvl1pPr defTabSz="966788">
-              <a:defRPr>
-                <a:solidFill>
-                  <a:schemeClr val="tx1"/>
-                </a:solidFill>
-                <a:latin typeface="Arial" panose="020B0604020202020204" pitchFamily="34" charset="0"/>
-              </a:defRPr>
-            </a:lvl1pPr>
-            <a:lvl2pPr marL="742950" indent="-285750" defTabSz="966788">
-              <a:defRPr>
-                <a:solidFill>
-                  <a:schemeClr val="tx1"/>
-                </a:solidFill>
-                <a:latin typeface="Arial" panose="020B0604020202020204" pitchFamily="34" charset="0"/>
-              </a:defRPr>
-            </a:lvl2pPr>
-            <a:lvl3pPr marL="1143000" indent="-228600" defTabSz="966788">
-              <a:defRPr>
-                <a:solidFill>
-                  <a:schemeClr val="tx1"/>
-                </a:solidFill>
-                <a:latin typeface="Arial" panose="020B0604020202020204" pitchFamily="34" charset="0"/>
-              </a:defRPr>
-            </a:lvl3pPr>
-            <a:lvl4pPr marL="1600200" indent="-228600" defTabSz="966788">
-              <a:defRPr>
-                <a:solidFill>
-                  <a:schemeClr val="tx1"/>
-                </a:solidFill>
-                <a:latin typeface="Arial" panose="020B0604020202020204" pitchFamily="34" charset="0"/>
-              </a:defRPr>
-            </a:lvl4pPr>
-            <a:lvl5pPr marL="2057400" indent="-228600" defTabSz="966788">
-              <a:defRPr>
-                <a:solidFill>
-                  <a:schemeClr val="tx1"/>
-                </a:solidFill>
-                <a:latin typeface="Arial" panose="020B0604020202020204" pitchFamily="34" charset="0"/>
-              </a:defRPr>
-            </a:lvl5pPr>
-            <a:lvl6pPr marL="2514600" indent="-228600" defTabSz="966788" eaLnBrk="0" fontAlgn="base" hangingPunct="0">
-              <a:spcBef>
-                <a:spcPct val="0"/>
-              </a:spcBef>
-              <a:spcAft>
-                <a:spcPct val="0"/>
-              </a:spcAft>
-              <a:defRPr>
-                <a:solidFill>
-                  <a:schemeClr val="tx1"/>
-                </a:solidFill>
-                <a:latin typeface="Arial" panose="020B0604020202020204" pitchFamily="34" charset="0"/>
-              </a:defRPr>
-            </a:lvl6pPr>
-            <a:lvl7pPr marL="2971800" indent="-228600" defTabSz="966788" eaLnBrk="0" fontAlgn="base" hangingPunct="0">
-              <a:spcBef>
-                <a:spcPct val="0"/>
-              </a:spcBef>
-              <a:spcAft>
-                <a:spcPct val="0"/>
-              </a:spcAft>
-              <a:defRPr>
-                <a:solidFill>
-                  <a:schemeClr val="tx1"/>
-                </a:solidFill>
-                <a:latin typeface="Arial" panose="020B0604020202020204" pitchFamily="34" charset="0"/>
-              </a:defRPr>
-            </a:lvl7pPr>
-            <a:lvl8pPr marL="3429000" indent="-228600" defTabSz="966788" eaLnBrk="0" fontAlgn="base" hangingPunct="0">
-              <a:spcBef>
-                <a:spcPct val="0"/>
-              </a:spcBef>
-              <a:spcAft>
-                <a:spcPct val="0"/>
-              </a:spcAft>
-              <a:defRPr>
-                <a:solidFill>
-                  <a:schemeClr val="tx1"/>
-                </a:solidFill>
-                <a:latin typeface="Arial" panose="020B0604020202020204" pitchFamily="34" charset="0"/>
-              </a:defRPr>
-            </a:lvl8pPr>
-            <a:lvl9pPr marL="3886200" indent="-228600" defTabSz="966788" eaLnBrk="0" fontAlgn="base" hangingPunct="0">
-              <a:spcBef>
-                <a:spcPct val="0"/>
-              </a:spcBef>
-              <a:spcAft>
-                <a:spcPct val="0"/>
-              </a:spcAft>
-              <a:defRPr>
-                <a:solidFill>
-                  <a:schemeClr val="tx1"/>
-                </a:solidFill>
-                <a:latin typeface="Arial" panose="020B0604020202020204" pitchFamily="34" charset="0"/>
-              </a:defRPr>
-            </a:lvl9pPr>
-          </a:lstStyle>
-          <a:p>
-            <a:fld id="{237B8151-E367-4C57-9079-5BF8D66F3DFA}" type="datetime4">
-              <a:rPr lang="en-US">
-                <a:latin typeface="Times New Roman" panose="02020603050405020304" pitchFamily="18" charset="0"/>
-              </a:rPr>
-              <a:pPr/>
-              <a:t>November 13, 2013</a:t>
-            </a:fld>
-            <a:endParaRPr lang="en-US">
-              <a:latin typeface="Times New Roman" panose="02020603050405020304" pitchFamily="18" charset="0"/>
-            </a:endParaRPr>
-          </a:p>
-        </p:txBody>
-      </p:sp>
-      <p:sp>
-        <p:nvSpPr>
-          <p:cNvPr id="94212" name="Rectangle 6"/>
-          <p:cNvSpPr>
-            <a:spLocks noGrp="1" noChangeArrowheads="1"/>
-          </p:cNvSpPr>
-          <p:nvPr>
-            <p:ph type="ftr" sz="quarter" idx="4"/>
-          </p:nvPr>
-        </p:nvSpPr>
-        <p:spPr>
-          <a:noFill/>
-        </p:spPr>
-        <p:txBody>
-          <a:bodyPr/>
-          <a:lstStyle>
-            <a:lvl1pPr defTabSz="966788">
-              <a:defRPr>
-                <a:solidFill>
-                  <a:schemeClr val="tx1"/>
-                </a:solidFill>
-                <a:latin typeface="Arial" panose="020B0604020202020204" pitchFamily="34" charset="0"/>
-              </a:defRPr>
-            </a:lvl1pPr>
-            <a:lvl2pPr marL="742950" indent="-285750" defTabSz="966788">
-              <a:defRPr>
-                <a:solidFill>
-                  <a:schemeClr val="tx1"/>
-                </a:solidFill>
-                <a:latin typeface="Arial" panose="020B0604020202020204" pitchFamily="34" charset="0"/>
-              </a:defRPr>
-            </a:lvl2pPr>
-            <a:lvl3pPr marL="1143000" indent="-228600" defTabSz="966788">
-              <a:defRPr>
-                <a:solidFill>
-                  <a:schemeClr val="tx1"/>
-                </a:solidFill>
-                <a:latin typeface="Arial" panose="020B0604020202020204" pitchFamily="34" charset="0"/>
-              </a:defRPr>
-            </a:lvl3pPr>
-            <a:lvl4pPr marL="1600200" indent="-228600" defTabSz="966788">
-              <a:defRPr>
-                <a:solidFill>
-                  <a:schemeClr val="tx1"/>
-                </a:solidFill>
-                <a:latin typeface="Arial" panose="020B0604020202020204" pitchFamily="34" charset="0"/>
-              </a:defRPr>
-            </a:lvl4pPr>
-            <a:lvl5pPr marL="2057400" indent="-228600" defTabSz="966788">
-              <a:defRPr>
-                <a:solidFill>
-                  <a:schemeClr val="tx1"/>
-                </a:solidFill>
-                <a:latin typeface="Arial" panose="020B0604020202020204" pitchFamily="34" charset="0"/>
-              </a:defRPr>
-            </a:lvl5pPr>
-            <a:lvl6pPr marL="2514600" indent="-228600" defTabSz="966788" eaLnBrk="0" fontAlgn="base" hangingPunct="0">
-              <a:spcBef>
-                <a:spcPct val="0"/>
-              </a:spcBef>
-              <a:spcAft>
-                <a:spcPct val="0"/>
-              </a:spcAft>
-              <a:defRPr>
-                <a:solidFill>
-                  <a:schemeClr val="tx1"/>
-                </a:solidFill>
-                <a:latin typeface="Arial" panose="020B0604020202020204" pitchFamily="34" charset="0"/>
-              </a:defRPr>
-            </a:lvl6pPr>
-            <a:lvl7pPr marL="2971800" indent="-228600" defTabSz="966788" eaLnBrk="0" fontAlgn="base" hangingPunct="0">
-              <a:spcBef>
-                <a:spcPct val="0"/>
-              </a:spcBef>
-              <a:spcAft>
-                <a:spcPct val="0"/>
-              </a:spcAft>
-              <a:defRPr>
-                <a:solidFill>
-                  <a:schemeClr val="tx1"/>
-                </a:solidFill>
-                <a:latin typeface="Arial" panose="020B0604020202020204" pitchFamily="34" charset="0"/>
-              </a:defRPr>
-            </a:lvl7pPr>
-            <a:lvl8pPr marL="3429000" indent="-228600" defTabSz="966788" eaLnBrk="0" fontAlgn="base" hangingPunct="0">
-              <a:spcBef>
-                <a:spcPct val="0"/>
-              </a:spcBef>
-              <a:spcAft>
-                <a:spcPct val="0"/>
-              </a:spcAft>
-              <a:defRPr>
-                <a:solidFill>
-                  <a:schemeClr val="tx1"/>
-                </a:solidFill>
-                <a:latin typeface="Arial" panose="020B0604020202020204" pitchFamily="34" charset="0"/>
-              </a:defRPr>
-            </a:lvl8pPr>
-            <a:lvl9pPr marL="3886200" indent="-228600" defTabSz="966788" eaLnBrk="0" fontAlgn="base" hangingPunct="0">
-              <a:spcBef>
-                <a:spcPct val="0"/>
-              </a:spcBef>
-              <a:spcAft>
-                <a:spcPct val="0"/>
-              </a:spcAft>
-              <a:defRPr>
-                <a:solidFill>
-                  <a:schemeClr val="tx1"/>
-                </a:solidFill>
-                <a:latin typeface="Arial" panose="020B0604020202020204" pitchFamily="34" charset="0"/>
-              </a:defRPr>
-            </a:lvl9pPr>
-          </a:lstStyle>
-          <a:p>
-            <a:r>
-              <a:rPr lang="en-US">
-                <a:latin typeface="Times New Roman" panose="02020603050405020304" pitchFamily="18" charset="0"/>
-              </a:rPr>
-              <a:t>Chapter 1 — Computer Abstractions and Technology</a:t>
-            </a:r>
-          </a:p>
-        </p:txBody>
-      </p:sp>
-      <p:sp>
-        <p:nvSpPr>
-          <p:cNvPr id="94213" name="Rectangle 7"/>
-          <p:cNvSpPr>
-            <a:spLocks noGrp="1" noChangeArrowheads="1"/>
-          </p:cNvSpPr>
-          <p:nvPr>
-            <p:ph type="sldNum" sz="quarter" idx="5"/>
-          </p:nvPr>
-        </p:nvSpPr>
-        <p:spPr>
-          <a:noFill/>
-        </p:spPr>
-        <p:txBody>
-          <a:bodyPr/>
-          <a:lstStyle>
-            <a:lvl1pPr defTabSz="966788">
-              <a:defRPr>
-                <a:solidFill>
-                  <a:schemeClr val="tx1"/>
-                </a:solidFill>
-                <a:latin typeface="Arial" panose="020B0604020202020204" pitchFamily="34" charset="0"/>
-              </a:defRPr>
-            </a:lvl1pPr>
-            <a:lvl2pPr marL="742950" indent="-285750" defTabSz="966788">
-              <a:defRPr>
-                <a:solidFill>
-                  <a:schemeClr val="tx1"/>
-                </a:solidFill>
-                <a:latin typeface="Arial" panose="020B0604020202020204" pitchFamily="34" charset="0"/>
-              </a:defRPr>
-            </a:lvl2pPr>
-            <a:lvl3pPr marL="1143000" indent="-228600" defTabSz="966788">
-              <a:defRPr>
-                <a:solidFill>
-                  <a:schemeClr val="tx1"/>
-                </a:solidFill>
-                <a:latin typeface="Arial" panose="020B0604020202020204" pitchFamily="34" charset="0"/>
-              </a:defRPr>
-            </a:lvl3pPr>
-            <a:lvl4pPr marL="1600200" indent="-228600" defTabSz="966788">
-              <a:defRPr>
-                <a:solidFill>
-                  <a:schemeClr val="tx1"/>
-                </a:solidFill>
-                <a:latin typeface="Arial" panose="020B0604020202020204" pitchFamily="34" charset="0"/>
-              </a:defRPr>
-            </a:lvl4pPr>
-            <a:lvl5pPr marL="2057400" indent="-228600" defTabSz="966788">
-              <a:defRPr>
-                <a:solidFill>
-                  <a:schemeClr val="tx1"/>
-                </a:solidFill>
-                <a:latin typeface="Arial" panose="020B0604020202020204" pitchFamily="34" charset="0"/>
-              </a:defRPr>
-            </a:lvl5pPr>
-            <a:lvl6pPr marL="2514600" indent="-228600" defTabSz="966788" eaLnBrk="0" fontAlgn="base" hangingPunct="0">
-              <a:spcBef>
-                <a:spcPct val="0"/>
-              </a:spcBef>
-              <a:spcAft>
-                <a:spcPct val="0"/>
-              </a:spcAft>
-              <a:defRPr>
-                <a:solidFill>
-                  <a:schemeClr val="tx1"/>
-                </a:solidFill>
-                <a:latin typeface="Arial" panose="020B0604020202020204" pitchFamily="34" charset="0"/>
-              </a:defRPr>
-            </a:lvl6pPr>
-            <a:lvl7pPr marL="2971800" indent="-228600" defTabSz="966788" eaLnBrk="0" fontAlgn="base" hangingPunct="0">
-              <a:spcBef>
-                <a:spcPct val="0"/>
-              </a:spcBef>
-              <a:spcAft>
-                <a:spcPct val="0"/>
-              </a:spcAft>
-              <a:defRPr>
-                <a:solidFill>
-                  <a:schemeClr val="tx1"/>
-                </a:solidFill>
-                <a:latin typeface="Arial" panose="020B0604020202020204" pitchFamily="34" charset="0"/>
-              </a:defRPr>
-            </a:lvl7pPr>
-            <a:lvl8pPr marL="3429000" indent="-228600" defTabSz="966788" eaLnBrk="0" fontAlgn="base" hangingPunct="0">
-              <a:spcBef>
-                <a:spcPct val="0"/>
-              </a:spcBef>
-              <a:spcAft>
-                <a:spcPct val="0"/>
-              </a:spcAft>
-              <a:defRPr>
-                <a:solidFill>
-                  <a:schemeClr val="tx1"/>
-                </a:solidFill>
-                <a:latin typeface="Arial" panose="020B0604020202020204" pitchFamily="34" charset="0"/>
-              </a:defRPr>
-            </a:lvl8pPr>
-            <a:lvl9pPr marL="3886200" indent="-228600" defTabSz="966788" eaLnBrk="0" fontAlgn="base" hangingPunct="0">
-              <a:spcBef>
-                <a:spcPct val="0"/>
-              </a:spcBef>
-              <a:spcAft>
-                <a:spcPct val="0"/>
-              </a:spcAft>
-              <a:defRPr>
-                <a:solidFill>
-                  <a:schemeClr val="tx1"/>
-                </a:solidFill>
-                <a:latin typeface="Arial" panose="020B0604020202020204" pitchFamily="34" charset="0"/>
-              </a:defRPr>
-            </a:lvl9pPr>
-          </a:lstStyle>
-          <a:p>
-            <a:fld id="{D0FAF989-B622-45C9-8BBF-B9A5A1F360DC}" type="slidenum">
-              <a:rPr lang="en-US">
-                <a:latin typeface="Times New Roman" panose="02020603050405020304" pitchFamily="18" charset="0"/>
-              </a:rPr>
-              <a:pPr/>
-              <a:t>54</a:t>
-            </a:fld>
-            <a:endParaRPr lang="en-US">
-              <a:latin typeface="Times New Roman" panose="02020603050405020304" pitchFamily="18" charset="0"/>
-            </a:endParaRPr>
-          </a:p>
-        </p:txBody>
-      </p:sp>
-      <p:sp>
-        <p:nvSpPr>
-          <p:cNvPr id="94214" name="Rectangle 2"/>
-          <p:cNvSpPr>
-            <a:spLocks noGrp="1" noRot="1" noChangeAspect="1" noChangeArrowheads="1" noTextEdit="1"/>
+            <a:spLocks noGrp="1" noRot="1" noChangeAspect="1"/>
           </p:cNvSpPr>
           <p:nvPr>
             <p:ph type="sldImg"/>
           </p:nvPr>
         </p:nvSpPr>
-        <p:spPr>
-          <a:ln/>
-        </p:spPr>
-      </p:sp>
-      <p:sp>
-        <p:nvSpPr>
-          <p:cNvPr id="94215" name="Rectangle 3"/>
+        <p:spPr/>
+      </p:sp>
+      <p:sp>
+        <p:nvSpPr>
+          <p:cNvPr id="3" name="Notes Placeholder 2"/>
           <p:cNvSpPr>
-            <a:spLocks noGrp="1" noChangeArrowheads="1"/>
+            <a:spLocks noGrp="1"/>
           </p:cNvSpPr>
           <p:nvPr>
             <p:ph type="body" idx="1"/>
           </p:nvPr>
         </p:nvSpPr>
-        <p:spPr>
-          <a:noFill/>
-        </p:spPr>
+        <p:spPr/>
+        <p:txBody>
+          <a:bodyPr>
+            <a:normAutofit/>
+          </a:bodyPr>
+          <a:lstStyle/>
+          <a:p>
+            <a:r>
+              <a:rPr lang="en-US" dirty="0" smtClean="0"/>
+              <a:t>Geometric Mean </a:t>
+            </a:r>
+            <a:endParaRPr lang="en-US" dirty="0"/>
+          </a:p>
+        </p:txBody>
+      </p:sp>
+      <p:sp>
+        <p:nvSpPr>
+          <p:cNvPr id="4" name="Slide Number Placeholder 3"/>
+          <p:cNvSpPr>
+            <a:spLocks noGrp="1"/>
+          </p:cNvSpPr>
+          <p:nvPr>
+            <p:ph type="sldNum" sz="quarter" idx="10"/>
+          </p:nvPr>
+        </p:nvSpPr>
+        <p:spPr/>
         <p:txBody>
           <a:bodyPr/>
           <a:lstStyle/>
           <a:p>
-            <a:endParaRPr lang="en-AU" smtClean="0"/>
+            <a:fld id="{6B15D8FC-C889-4410-8862-C922C3EC1A28}" type="slidenum">
+              <a:rPr lang="en-US" smtClean="0"/>
+              <a:pPr/>
+              <a:t>51</a:t>
+            </a:fld>
+            <a:endParaRPr lang="en-US"/>
           </a:p>
         </p:txBody>
       </p:sp>
     </p:spTree>
-    <p:extLst>
-      <p:ext uri="{BB962C8B-B14F-4D97-AF65-F5344CB8AC3E}">
-        <p14:creationId xmlns:p14="http://schemas.microsoft.com/office/powerpoint/2010/main" val="2785437952"/>
-      </p:ext>
-    </p:extLst>
   </p:cSld>
   <p:clrMapOvr>
     <a:masterClrMapping/>
@@ -3698,7 +3233,7 @@
 </file>
 
 <file path=ppt/notesSlides/notesSlide18.xml><?xml version="1.0" encoding="utf-8"?>
-<p:notes xmlns:a="http://schemas.openxmlformats.org/drawingml/2006/main" xmlns:r="http://schemas.openxmlformats.org/officeDocument/2006/relationships" xmlns:p="http://schemas.openxmlformats.org/presentationml/2006/main">
+<p:notes xmlns:a="http://schemas.openxmlformats.org/drawingml/2006/main" xmlns:r="http://schemas.openxmlformats.org/officeDocument/2006/relationships" xmlns:mc="http://schemas.openxmlformats.org/markup-compatibility/2006" xmlns:mv="urn:schemas-microsoft-com:mac:vml" xmlns:p="http://schemas.openxmlformats.org/presentationml/2006/main" mc:Ignorable="mv" mc:PreserveAttributes="mv:*">
   <p:cSld>
     <p:spTree>
       <p:nvGrpSpPr>
@@ -3716,545 +3251,72 @@
       </p:grpSpPr>
       <p:sp>
         <p:nvSpPr>
-          <p:cNvPr id="94210" name="Rectangle 2"/>
+          <p:cNvPr id="2" name="Slide Image Placeholder 1"/>
           <p:cNvSpPr>
-            <a:spLocks noGrp="1" noChangeArrowheads="1"/>
-          </p:cNvSpPr>
-          <p:nvPr>
-            <p:ph type="hdr" sz="quarter"/>
-          </p:nvPr>
-        </p:nvSpPr>
-        <p:spPr>
-          <a:noFill/>
-        </p:spPr>
-        <p:txBody>
-          <a:bodyPr/>
-          <a:lstStyle>
-            <a:lvl1pPr defTabSz="966788">
-              <a:defRPr>
-                <a:solidFill>
-                  <a:schemeClr val="tx1"/>
-                </a:solidFill>
-                <a:latin typeface="Arial" panose="020B0604020202020204" pitchFamily="34" charset="0"/>
-              </a:defRPr>
-            </a:lvl1pPr>
-            <a:lvl2pPr marL="742950" indent="-285750" defTabSz="966788">
-              <a:defRPr>
-                <a:solidFill>
-                  <a:schemeClr val="tx1"/>
-                </a:solidFill>
-                <a:latin typeface="Arial" panose="020B0604020202020204" pitchFamily="34" charset="0"/>
-              </a:defRPr>
-            </a:lvl2pPr>
-            <a:lvl3pPr marL="1143000" indent="-228600" defTabSz="966788">
-              <a:defRPr>
-                <a:solidFill>
-                  <a:schemeClr val="tx1"/>
-                </a:solidFill>
-                <a:latin typeface="Arial" panose="020B0604020202020204" pitchFamily="34" charset="0"/>
-              </a:defRPr>
-            </a:lvl3pPr>
-            <a:lvl4pPr marL="1600200" indent="-228600" defTabSz="966788">
-              <a:defRPr>
-                <a:solidFill>
-                  <a:schemeClr val="tx1"/>
-                </a:solidFill>
-                <a:latin typeface="Arial" panose="020B0604020202020204" pitchFamily="34" charset="0"/>
-              </a:defRPr>
-            </a:lvl4pPr>
-            <a:lvl5pPr marL="2057400" indent="-228600" defTabSz="966788">
-              <a:defRPr>
-                <a:solidFill>
-                  <a:schemeClr val="tx1"/>
-                </a:solidFill>
-                <a:latin typeface="Arial" panose="020B0604020202020204" pitchFamily="34" charset="0"/>
-              </a:defRPr>
-            </a:lvl5pPr>
-            <a:lvl6pPr marL="2514600" indent="-228600" defTabSz="966788" eaLnBrk="0" fontAlgn="base" hangingPunct="0">
-              <a:spcBef>
-                <a:spcPct val="0"/>
-              </a:spcBef>
-              <a:spcAft>
-                <a:spcPct val="0"/>
-              </a:spcAft>
-              <a:defRPr>
-                <a:solidFill>
-                  <a:schemeClr val="tx1"/>
-                </a:solidFill>
-                <a:latin typeface="Arial" panose="020B0604020202020204" pitchFamily="34" charset="0"/>
-              </a:defRPr>
-            </a:lvl6pPr>
-            <a:lvl7pPr marL="2971800" indent="-228600" defTabSz="966788" eaLnBrk="0" fontAlgn="base" hangingPunct="0">
-              <a:spcBef>
-                <a:spcPct val="0"/>
-              </a:spcBef>
-              <a:spcAft>
-                <a:spcPct val="0"/>
-              </a:spcAft>
-              <a:defRPr>
-                <a:solidFill>
-                  <a:schemeClr val="tx1"/>
-                </a:solidFill>
-                <a:latin typeface="Arial" panose="020B0604020202020204" pitchFamily="34" charset="0"/>
-              </a:defRPr>
-            </a:lvl7pPr>
-            <a:lvl8pPr marL="3429000" indent="-228600" defTabSz="966788" eaLnBrk="0" fontAlgn="base" hangingPunct="0">
-              <a:spcBef>
-                <a:spcPct val="0"/>
-              </a:spcBef>
-              <a:spcAft>
-                <a:spcPct val="0"/>
-              </a:spcAft>
-              <a:defRPr>
-                <a:solidFill>
-                  <a:schemeClr val="tx1"/>
-                </a:solidFill>
-                <a:latin typeface="Arial" panose="020B0604020202020204" pitchFamily="34" charset="0"/>
-              </a:defRPr>
-            </a:lvl8pPr>
-            <a:lvl9pPr marL="3886200" indent="-228600" defTabSz="966788" eaLnBrk="0" fontAlgn="base" hangingPunct="0">
-              <a:spcBef>
-                <a:spcPct val="0"/>
-              </a:spcBef>
-              <a:spcAft>
-                <a:spcPct val="0"/>
-              </a:spcAft>
-              <a:defRPr>
-                <a:solidFill>
-                  <a:schemeClr val="tx1"/>
-                </a:solidFill>
-                <a:latin typeface="Arial" panose="020B0604020202020204" pitchFamily="34" charset="0"/>
-              </a:defRPr>
-            </a:lvl9pPr>
-          </a:lstStyle>
-          <a:p>
-            <a:r>
-              <a:rPr lang="en-US">
-                <a:latin typeface="Times New Roman" panose="02020603050405020304" pitchFamily="18" charset="0"/>
-              </a:rPr>
-              <a:t>Morgan Kaufmann Publishers</a:t>
-            </a:r>
-          </a:p>
-        </p:txBody>
-      </p:sp>
-      <p:sp>
-        <p:nvSpPr>
-          <p:cNvPr id="94211" name="Rectangle 3"/>
-          <p:cNvSpPr>
-            <a:spLocks noGrp="1" noChangeArrowheads="1"/>
-          </p:cNvSpPr>
-          <p:nvPr>
-            <p:ph type="dt" sz="quarter" idx="1"/>
-          </p:nvPr>
-        </p:nvSpPr>
-        <p:spPr>
-          <a:noFill/>
-        </p:spPr>
-        <p:txBody>
-          <a:bodyPr/>
-          <a:lstStyle>
-            <a:lvl1pPr defTabSz="966788">
-              <a:defRPr>
-                <a:solidFill>
-                  <a:schemeClr val="tx1"/>
-                </a:solidFill>
-                <a:latin typeface="Arial" panose="020B0604020202020204" pitchFamily="34" charset="0"/>
-              </a:defRPr>
-            </a:lvl1pPr>
-            <a:lvl2pPr marL="742950" indent="-285750" defTabSz="966788">
-              <a:defRPr>
-                <a:solidFill>
-                  <a:schemeClr val="tx1"/>
-                </a:solidFill>
-                <a:latin typeface="Arial" panose="020B0604020202020204" pitchFamily="34" charset="0"/>
-              </a:defRPr>
-            </a:lvl2pPr>
-            <a:lvl3pPr marL="1143000" indent="-228600" defTabSz="966788">
-              <a:defRPr>
-                <a:solidFill>
-                  <a:schemeClr val="tx1"/>
-                </a:solidFill>
-                <a:latin typeface="Arial" panose="020B0604020202020204" pitchFamily="34" charset="0"/>
-              </a:defRPr>
-            </a:lvl3pPr>
-            <a:lvl4pPr marL="1600200" indent="-228600" defTabSz="966788">
-              <a:defRPr>
-                <a:solidFill>
-                  <a:schemeClr val="tx1"/>
-                </a:solidFill>
-                <a:latin typeface="Arial" panose="020B0604020202020204" pitchFamily="34" charset="0"/>
-              </a:defRPr>
-            </a:lvl4pPr>
-            <a:lvl5pPr marL="2057400" indent="-228600" defTabSz="966788">
-              <a:defRPr>
-                <a:solidFill>
-                  <a:schemeClr val="tx1"/>
-                </a:solidFill>
-                <a:latin typeface="Arial" panose="020B0604020202020204" pitchFamily="34" charset="0"/>
-              </a:defRPr>
-            </a:lvl5pPr>
-            <a:lvl6pPr marL="2514600" indent="-228600" defTabSz="966788" eaLnBrk="0" fontAlgn="base" hangingPunct="0">
-              <a:spcBef>
-                <a:spcPct val="0"/>
-              </a:spcBef>
-              <a:spcAft>
-                <a:spcPct val="0"/>
-              </a:spcAft>
-              <a:defRPr>
-                <a:solidFill>
-                  <a:schemeClr val="tx1"/>
-                </a:solidFill>
-                <a:latin typeface="Arial" panose="020B0604020202020204" pitchFamily="34" charset="0"/>
-              </a:defRPr>
-            </a:lvl6pPr>
-            <a:lvl7pPr marL="2971800" indent="-228600" defTabSz="966788" eaLnBrk="0" fontAlgn="base" hangingPunct="0">
-              <a:spcBef>
-                <a:spcPct val="0"/>
-              </a:spcBef>
-              <a:spcAft>
-                <a:spcPct val="0"/>
-              </a:spcAft>
-              <a:defRPr>
-                <a:solidFill>
-                  <a:schemeClr val="tx1"/>
-                </a:solidFill>
-                <a:latin typeface="Arial" panose="020B0604020202020204" pitchFamily="34" charset="0"/>
-              </a:defRPr>
-            </a:lvl7pPr>
-            <a:lvl8pPr marL="3429000" indent="-228600" defTabSz="966788" eaLnBrk="0" fontAlgn="base" hangingPunct="0">
-              <a:spcBef>
-                <a:spcPct val="0"/>
-              </a:spcBef>
-              <a:spcAft>
-                <a:spcPct val="0"/>
-              </a:spcAft>
-              <a:defRPr>
-                <a:solidFill>
-                  <a:schemeClr val="tx1"/>
-                </a:solidFill>
-                <a:latin typeface="Arial" panose="020B0604020202020204" pitchFamily="34" charset="0"/>
-              </a:defRPr>
-            </a:lvl8pPr>
-            <a:lvl9pPr marL="3886200" indent="-228600" defTabSz="966788" eaLnBrk="0" fontAlgn="base" hangingPunct="0">
-              <a:spcBef>
-                <a:spcPct val="0"/>
-              </a:spcBef>
-              <a:spcAft>
-                <a:spcPct val="0"/>
-              </a:spcAft>
-              <a:defRPr>
-                <a:solidFill>
-                  <a:schemeClr val="tx1"/>
-                </a:solidFill>
-                <a:latin typeface="Arial" panose="020B0604020202020204" pitchFamily="34" charset="0"/>
-              </a:defRPr>
-            </a:lvl9pPr>
-          </a:lstStyle>
-          <a:p>
-            <a:fld id="{237B8151-E367-4C57-9079-5BF8D66F3DFA}" type="datetime4">
-              <a:rPr lang="en-US">
-                <a:latin typeface="Times New Roman" panose="02020603050405020304" pitchFamily="18" charset="0"/>
-              </a:rPr>
-              <a:pPr/>
-              <a:t>November 13, 2013</a:t>
-            </a:fld>
-            <a:endParaRPr lang="en-US">
-              <a:latin typeface="Times New Roman" panose="02020603050405020304" pitchFamily="18" charset="0"/>
-            </a:endParaRPr>
-          </a:p>
-        </p:txBody>
-      </p:sp>
-      <p:sp>
-        <p:nvSpPr>
-          <p:cNvPr id="94212" name="Rectangle 6"/>
-          <p:cNvSpPr>
-            <a:spLocks noGrp="1" noChangeArrowheads="1"/>
-          </p:cNvSpPr>
-          <p:nvPr>
-            <p:ph type="ftr" sz="quarter" idx="4"/>
-          </p:nvPr>
-        </p:nvSpPr>
-        <p:spPr>
-          <a:noFill/>
-        </p:spPr>
-        <p:txBody>
-          <a:bodyPr/>
-          <a:lstStyle>
-            <a:lvl1pPr defTabSz="966788">
-              <a:defRPr>
-                <a:solidFill>
-                  <a:schemeClr val="tx1"/>
-                </a:solidFill>
-                <a:latin typeface="Arial" panose="020B0604020202020204" pitchFamily="34" charset="0"/>
-              </a:defRPr>
-            </a:lvl1pPr>
-            <a:lvl2pPr marL="742950" indent="-285750" defTabSz="966788">
-              <a:defRPr>
-                <a:solidFill>
-                  <a:schemeClr val="tx1"/>
-                </a:solidFill>
-                <a:latin typeface="Arial" panose="020B0604020202020204" pitchFamily="34" charset="0"/>
-              </a:defRPr>
-            </a:lvl2pPr>
-            <a:lvl3pPr marL="1143000" indent="-228600" defTabSz="966788">
-              <a:defRPr>
-                <a:solidFill>
-                  <a:schemeClr val="tx1"/>
-                </a:solidFill>
-                <a:latin typeface="Arial" panose="020B0604020202020204" pitchFamily="34" charset="0"/>
-              </a:defRPr>
-            </a:lvl3pPr>
-            <a:lvl4pPr marL="1600200" indent="-228600" defTabSz="966788">
-              <a:defRPr>
-                <a:solidFill>
-                  <a:schemeClr val="tx1"/>
-                </a:solidFill>
-                <a:latin typeface="Arial" panose="020B0604020202020204" pitchFamily="34" charset="0"/>
-              </a:defRPr>
-            </a:lvl4pPr>
-            <a:lvl5pPr marL="2057400" indent="-228600" defTabSz="966788">
-              <a:defRPr>
-                <a:solidFill>
-                  <a:schemeClr val="tx1"/>
-                </a:solidFill>
-                <a:latin typeface="Arial" panose="020B0604020202020204" pitchFamily="34" charset="0"/>
-              </a:defRPr>
-            </a:lvl5pPr>
-            <a:lvl6pPr marL="2514600" indent="-228600" defTabSz="966788" eaLnBrk="0" fontAlgn="base" hangingPunct="0">
-              <a:spcBef>
-                <a:spcPct val="0"/>
-              </a:spcBef>
-              <a:spcAft>
-                <a:spcPct val="0"/>
-              </a:spcAft>
-              <a:defRPr>
-                <a:solidFill>
-                  <a:schemeClr val="tx1"/>
-                </a:solidFill>
-                <a:latin typeface="Arial" panose="020B0604020202020204" pitchFamily="34" charset="0"/>
-              </a:defRPr>
-            </a:lvl6pPr>
-            <a:lvl7pPr marL="2971800" indent="-228600" defTabSz="966788" eaLnBrk="0" fontAlgn="base" hangingPunct="0">
-              <a:spcBef>
-                <a:spcPct val="0"/>
-              </a:spcBef>
-              <a:spcAft>
-                <a:spcPct val="0"/>
-              </a:spcAft>
-              <a:defRPr>
-                <a:solidFill>
-                  <a:schemeClr val="tx1"/>
-                </a:solidFill>
-                <a:latin typeface="Arial" panose="020B0604020202020204" pitchFamily="34" charset="0"/>
-              </a:defRPr>
-            </a:lvl7pPr>
-            <a:lvl8pPr marL="3429000" indent="-228600" defTabSz="966788" eaLnBrk="0" fontAlgn="base" hangingPunct="0">
-              <a:spcBef>
-                <a:spcPct val="0"/>
-              </a:spcBef>
-              <a:spcAft>
-                <a:spcPct val="0"/>
-              </a:spcAft>
-              <a:defRPr>
-                <a:solidFill>
-                  <a:schemeClr val="tx1"/>
-                </a:solidFill>
-                <a:latin typeface="Arial" panose="020B0604020202020204" pitchFamily="34" charset="0"/>
-              </a:defRPr>
-            </a:lvl8pPr>
-            <a:lvl9pPr marL="3886200" indent="-228600" defTabSz="966788" eaLnBrk="0" fontAlgn="base" hangingPunct="0">
-              <a:spcBef>
-                <a:spcPct val="0"/>
-              </a:spcBef>
-              <a:spcAft>
-                <a:spcPct val="0"/>
-              </a:spcAft>
-              <a:defRPr>
-                <a:solidFill>
-                  <a:schemeClr val="tx1"/>
-                </a:solidFill>
-                <a:latin typeface="Arial" panose="020B0604020202020204" pitchFamily="34" charset="0"/>
-              </a:defRPr>
-            </a:lvl9pPr>
-          </a:lstStyle>
-          <a:p>
-            <a:r>
-              <a:rPr lang="en-US">
-                <a:latin typeface="Times New Roman" panose="02020603050405020304" pitchFamily="18" charset="0"/>
-              </a:rPr>
-              <a:t>Chapter 1 — Computer Abstractions and Technology</a:t>
-            </a:r>
-          </a:p>
-        </p:txBody>
-      </p:sp>
-      <p:sp>
-        <p:nvSpPr>
-          <p:cNvPr id="94213" name="Rectangle 7"/>
-          <p:cNvSpPr>
-            <a:spLocks noGrp="1" noChangeArrowheads="1"/>
-          </p:cNvSpPr>
-          <p:nvPr>
-            <p:ph type="sldNum" sz="quarter" idx="5"/>
-          </p:nvPr>
-        </p:nvSpPr>
-        <p:spPr>
-          <a:noFill/>
-        </p:spPr>
-        <p:txBody>
-          <a:bodyPr/>
-          <a:lstStyle>
-            <a:lvl1pPr defTabSz="966788">
-              <a:defRPr>
-                <a:solidFill>
-                  <a:schemeClr val="tx1"/>
-                </a:solidFill>
-                <a:latin typeface="Arial" panose="020B0604020202020204" pitchFamily="34" charset="0"/>
-              </a:defRPr>
-            </a:lvl1pPr>
-            <a:lvl2pPr marL="742950" indent="-285750" defTabSz="966788">
-              <a:defRPr>
-                <a:solidFill>
-                  <a:schemeClr val="tx1"/>
-                </a:solidFill>
-                <a:latin typeface="Arial" panose="020B0604020202020204" pitchFamily="34" charset="0"/>
-              </a:defRPr>
-            </a:lvl2pPr>
-            <a:lvl3pPr marL="1143000" indent="-228600" defTabSz="966788">
-              <a:defRPr>
-                <a:solidFill>
-                  <a:schemeClr val="tx1"/>
-                </a:solidFill>
-                <a:latin typeface="Arial" panose="020B0604020202020204" pitchFamily="34" charset="0"/>
-              </a:defRPr>
-            </a:lvl3pPr>
-            <a:lvl4pPr marL="1600200" indent="-228600" defTabSz="966788">
-              <a:defRPr>
-                <a:solidFill>
-                  <a:schemeClr val="tx1"/>
-                </a:solidFill>
-                <a:latin typeface="Arial" panose="020B0604020202020204" pitchFamily="34" charset="0"/>
-              </a:defRPr>
-            </a:lvl4pPr>
-            <a:lvl5pPr marL="2057400" indent="-228600" defTabSz="966788">
-              <a:defRPr>
-                <a:solidFill>
-                  <a:schemeClr val="tx1"/>
-                </a:solidFill>
-                <a:latin typeface="Arial" panose="020B0604020202020204" pitchFamily="34" charset="0"/>
-              </a:defRPr>
-            </a:lvl5pPr>
-            <a:lvl6pPr marL="2514600" indent="-228600" defTabSz="966788" eaLnBrk="0" fontAlgn="base" hangingPunct="0">
-              <a:spcBef>
-                <a:spcPct val="0"/>
-              </a:spcBef>
-              <a:spcAft>
-                <a:spcPct val="0"/>
-              </a:spcAft>
-              <a:defRPr>
-                <a:solidFill>
-                  <a:schemeClr val="tx1"/>
-                </a:solidFill>
-                <a:latin typeface="Arial" panose="020B0604020202020204" pitchFamily="34" charset="0"/>
-              </a:defRPr>
-            </a:lvl6pPr>
-            <a:lvl7pPr marL="2971800" indent="-228600" defTabSz="966788" eaLnBrk="0" fontAlgn="base" hangingPunct="0">
-              <a:spcBef>
-                <a:spcPct val="0"/>
-              </a:spcBef>
-              <a:spcAft>
-                <a:spcPct val="0"/>
-              </a:spcAft>
-              <a:defRPr>
-                <a:solidFill>
-                  <a:schemeClr val="tx1"/>
-                </a:solidFill>
-                <a:latin typeface="Arial" panose="020B0604020202020204" pitchFamily="34" charset="0"/>
-              </a:defRPr>
-            </a:lvl7pPr>
-            <a:lvl8pPr marL="3429000" indent="-228600" defTabSz="966788" eaLnBrk="0" fontAlgn="base" hangingPunct="0">
-              <a:spcBef>
-                <a:spcPct val="0"/>
-              </a:spcBef>
-              <a:spcAft>
-                <a:spcPct val="0"/>
-              </a:spcAft>
-              <a:defRPr>
-                <a:solidFill>
-                  <a:schemeClr val="tx1"/>
-                </a:solidFill>
-                <a:latin typeface="Arial" panose="020B0604020202020204" pitchFamily="34" charset="0"/>
-              </a:defRPr>
-            </a:lvl8pPr>
-            <a:lvl9pPr marL="3886200" indent="-228600" defTabSz="966788" eaLnBrk="0" fontAlgn="base" hangingPunct="0">
-              <a:spcBef>
-                <a:spcPct val="0"/>
-              </a:spcBef>
-              <a:spcAft>
-                <a:spcPct val="0"/>
-              </a:spcAft>
-              <a:defRPr>
-                <a:solidFill>
-                  <a:schemeClr val="tx1"/>
-                </a:solidFill>
-                <a:latin typeface="Arial" panose="020B0604020202020204" pitchFamily="34" charset="0"/>
-              </a:defRPr>
-            </a:lvl9pPr>
-          </a:lstStyle>
-          <a:p>
-            <a:fld id="{D0FAF989-B622-45C9-8BBF-B9A5A1F360DC}" type="slidenum">
-              <a:rPr lang="en-US">
-                <a:latin typeface="Times New Roman" panose="02020603050405020304" pitchFamily="18" charset="0"/>
-              </a:rPr>
-              <a:pPr/>
-              <a:t>56</a:t>
-            </a:fld>
-            <a:endParaRPr lang="en-US">
-              <a:latin typeface="Times New Roman" panose="02020603050405020304" pitchFamily="18" charset="0"/>
-            </a:endParaRPr>
-          </a:p>
-        </p:txBody>
-      </p:sp>
-      <p:sp>
-        <p:nvSpPr>
-          <p:cNvPr id="94214" name="Rectangle 2"/>
-          <p:cNvSpPr>
-            <a:spLocks noGrp="1" noRot="1" noChangeAspect="1" noChangeArrowheads="1" noTextEdit="1"/>
+            <a:spLocks noGrp="1" noRot="1" noChangeAspect="1"/>
           </p:cNvSpPr>
           <p:nvPr>
             <p:ph type="sldImg"/>
           </p:nvPr>
         </p:nvSpPr>
-        <p:spPr>
-          <a:ln/>
-        </p:spPr>
-      </p:sp>
-      <p:sp>
-        <p:nvSpPr>
-          <p:cNvPr id="94215" name="Rectangle 3"/>
+        <p:spPr/>
+      </p:sp>
+      <p:sp>
+        <p:nvSpPr>
+          <p:cNvPr id="3" name="Notes Placeholder 2"/>
           <p:cNvSpPr>
-            <a:spLocks noGrp="1" noChangeArrowheads="1"/>
+            <a:spLocks noGrp="1"/>
           </p:cNvSpPr>
           <p:nvPr>
             <p:ph type="body" idx="1"/>
           </p:nvPr>
         </p:nvSpPr>
-        <p:spPr>
-          <a:noFill/>
-        </p:spPr>
+        <p:spPr/>
+        <p:txBody>
+          <a:bodyPr>
+            <a:normAutofit/>
+          </a:bodyPr>
+          <a:lstStyle/>
+          <a:p>
+            <a:r>
+              <a:rPr lang="en-US" dirty="0" err="1" smtClean="0"/>
+              <a:t>Spec.org/benchmark.html#cpu</a:t>
+            </a:r>
+            <a:endParaRPr lang="en-US" dirty="0" smtClean="0"/>
+          </a:p>
+          <a:p>
+            <a:endParaRPr lang="en-US" dirty="0" smtClean="0"/>
+          </a:p>
+          <a:p>
+            <a:endParaRPr lang="en-US" dirty="0"/>
+          </a:p>
+        </p:txBody>
+      </p:sp>
+      <p:sp>
+        <p:nvSpPr>
+          <p:cNvPr id="4" name="Slide Number Placeholder 3"/>
+          <p:cNvSpPr>
+            <a:spLocks noGrp="1"/>
+          </p:cNvSpPr>
+          <p:nvPr>
+            <p:ph type="sldNum" sz="quarter" idx="10"/>
+          </p:nvPr>
+        </p:nvSpPr>
+        <p:spPr/>
         <p:txBody>
           <a:bodyPr/>
           <a:lstStyle/>
           <a:p>
-            <a:endParaRPr lang="en-AU" smtClean="0"/>
+            <a:fld id="{6B15D8FC-C889-4410-8862-C922C3EC1A28}" type="slidenum">
+              <a:rPr lang="en-US" smtClean="0"/>
+              <a:pPr/>
+              <a:t>52</a:t>
+            </a:fld>
+            <a:endParaRPr lang="en-US"/>
           </a:p>
         </p:txBody>
       </p:sp>
     </p:spTree>
-    <p:extLst>
-      <p:ext uri="{BB962C8B-B14F-4D97-AF65-F5344CB8AC3E}">
-        <p14:creationId xmlns:p14="http://schemas.microsoft.com/office/powerpoint/2010/main" val="1261721790"/>
-      </p:ext>
-    </p:extLst>
   </p:cSld>
   <p:clrMapOvr>
     <a:masterClrMapping/>
@@ -4263,7 +3325,7 @@
 </file>
 
 <file path=ppt/notesSlides/notesSlide19.xml><?xml version="1.0" encoding="utf-8"?>
-<p:notes xmlns:a="http://schemas.openxmlformats.org/drawingml/2006/main" xmlns:r="http://schemas.openxmlformats.org/officeDocument/2006/relationships" xmlns:p="http://schemas.openxmlformats.org/presentationml/2006/main">
+<p:notes xmlns:a="http://schemas.openxmlformats.org/drawingml/2006/main" xmlns:r="http://schemas.openxmlformats.org/officeDocument/2006/relationships" xmlns:mc="http://schemas.openxmlformats.org/markup-compatibility/2006" xmlns:mv="urn:schemas-microsoft-com:mac:vml" xmlns:p="http://schemas.openxmlformats.org/presentationml/2006/main" mc:Ignorable="mv" mc:PreserveAttributes="mv:*">
   <p:cSld>
     <p:spTree>
       <p:nvGrpSpPr>
@@ -4281,545 +3343,62 @@
       </p:grpSpPr>
       <p:sp>
         <p:nvSpPr>
-          <p:cNvPr id="94210" name="Rectangle 2"/>
+          <p:cNvPr id="2" name="Slide Image Placeholder 1"/>
           <p:cNvSpPr>
-            <a:spLocks noGrp="1" noChangeArrowheads="1"/>
-          </p:cNvSpPr>
-          <p:nvPr>
-            <p:ph type="hdr" sz="quarter"/>
-          </p:nvPr>
-        </p:nvSpPr>
-        <p:spPr>
-          <a:noFill/>
-        </p:spPr>
-        <p:txBody>
-          <a:bodyPr/>
-          <a:lstStyle>
-            <a:lvl1pPr defTabSz="966788">
-              <a:defRPr>
-                <a:solidFill>
-                  <a:schemeClr val="tx1"/>
-                </a:solidFill>
-                <a:latin typeface="Arial" panose="020B0604020202020204" pitchFamily="34" charset="0"/>
-              </a:defRPr>
-            </a:lvl1pPr>
-            <a:lvl2pPr marL="742950" indent="-285750" defTabSz="966788">
-              <a:defRPr>
-                <a:solidFill>
-                  <a:schemeClr val="tx1"/>
-                </a:solidFill>
-                <a:latin typeface="Arial" panose="020B0604020202020204" pitchFamily="34" charset="0"/>
-              </a:defRPr>
-            </a:lvl2pPr>
-            <a:lvl3pPr marL="1143000" indent="-228600" defTabSz="966788">
-              <a:defRPr>
-                <a:solidFill>
-                  <a:schemeClr val="tx1"/>
-                </a:solidFill>
-                <a:latin typeface="Arial" panose="020B0604020202020204" pitchFamily="34" charset="0"/>
-              </a:defRPr>
-            </a:lvl3pPr>
-            <a:lvl4pPr marL="1600200" indent="-228600" defTabSz="966788">
-              <a:defRPr>
-                <a:solidFill>
-                  <a:schemeClr val="tx1"/>
-                </a:solidFill>
-                <a:latin typeface="Arial" panose="020B0604020202020204" pitchFamily="34" charset="0"/>
-              </a:defRPr>
-            </a:lvl4pPr>
-            <a:lvl5pPr marL="2057400" indent="-228600" defTabSz="966788">
-              <a:defRPr>
-                <a:solidFill>
-                  <a:schemeClr val="tx1"/>
-                </a:solidFill>
-                <a:latin typeface="Arial" panose="020B0604020202020204" pitchFamily="34" charset="0"/>
-              </a:defRPr>
-            </a:lvl5pPr>
-            <a:lvl6pPr marL="2514600" indent="-228600" defTabSz="966788" eaLnBrk="0" fontAlgn="base" hangingPunct="0">
-              <a:spcBef>
-                <a:spcPct val="0"/>
-              </a:spcBef>
-              <a:spcAft>
-                <a:spcPct val="0"/>
-              </a:spcAft>
-              <a:defRPr>
-                <a:solidFill>
-                  <a:schemeClr val="tx1"/>
-                </a:solidFill>
-                <a:latin typeface="Arial" panose="020B0604020202020204" pitchFamily="34" charset="0"/>
-              </a:defRPr>
-            </a:lvl6pPr>
-            <a:lvl7pPr marL="2971800" indent="-228600" defTabSz="966788" eaLnBrk="0" fontAlgn="base" hangingPunct="0">
-              <a:spcBef>
-                <a:spcPct val="0"/>
-              </a:spcBef>
-              <a:spcAft>
-                <a:spcPct val="0"/>
-              </a:spcAft>
-              <a:defRPr>
-                <a:solidFill>
-                  <a:schemeClr val="tx1"/>
-                </a:solidFill>
-                <a:latin typeface="Arial" panose="020B0604020202020204" pitchFamily="34" charset="0"/>
-              </a:defRPr>
-            </a:lvl7pPr>
-            <a:lvl8pPr marL="3429000" indent="-228600" defTabSz="966788" eaLnBrk="0" fontAlgn="base" hangingPunct="0">
-              <a:spcBef>
-                <a:spcPct val="0"/>
-              </a:spcBef>
-              <a:spcAft>
-                <a:spcPct val="0"/>
-              </a:spcAft>
-              <a:defRPr>
-                <a:solidFill>
-                  <a:schemeClr val="tx1"/>
-                </a:solidFill>
-                <a:latin typeface="Arial" panose="020B0604020202020204" pitchFamily="34" charset="0"/>
-              </a:defRPr>
-            </a:lvl8pPr>
-            <a:lvl9pPr marL="3886200" indent="-228600" defTabSz="966788" eaLnBrk="0" fontAlgn="base" hangingPunct="0">
-              <a:spcBef>
-                <a:spcPct val="0"/>
-              </a:spcBef>
-              <a:spcAft>
-                <a:spcPct val="0"/>
-              </a:spcAft>
-              <a:defRPr>
-                <a:solidFill>
-                  <a:schemeClr val="tx1"/>
-                </a:solidFill>
-                <a:latin typeface="Arial" panose="020B0604020202020204" pitchFamily="34" charset="0"/>
-              </a:defRPr>
-            </a:lvl9pPr>
-          </a:lstStyle>
-          <a:p>
-            <a:r>
-              <a:rPr lang="en-US">
-                <a:latin typeface="Times New Roman" panose="02020603050405020304" pitchFamily="18" charset="0"/>
-              </a:rPr>
-              <a:t>Morgan Kaufmann Publishers</a:t>
-            </a:r>
-          </a:p>
-        </p:txBody>
-      </p:sp>
-      <p:sp>
-        <p:nvSpPr>
-          <p:cNvPr id="94211" name="Rectangle 3"/>
-          <p:cNvSpPr>
-            <a:spLocks noGrp="1" noChangeArrowheads="1"/>
-          </p:cNvSpPr>
-          <p:nvPr>
-            <p:ph type="dt" sz="quarter" idx="1"/>
-          </p:nvPr>
-        </p:nvSpPr>
-        <p:spPr>
-          <a:noFill/>
-        </p:spPr>
-        <p:txBody>
-          <a:bodyPr/>
-          <a:lstStyle>
-            <a:lvl1pPr defTabSz="966788">
-              <a:defRPr>
-                <a:solidFill>
-                  <a:schemeClr val="tx1"/>
-                </a:solidFill>
-                <a:latin typeface="Arial" panose="020B0604020202020204" pitchFamily="34" charset="0"/>
-              </a:defRPr>
-            </a:lvl1pPr>
-            <a:lvl2pPr marL="742950" indent="-285750" defTabSz="966788">
-              <a:defRPr>
-                <a:solidFill>
-                  <a:schemeClr val="tx1"/>
-                </a:solidFill>
-                <a:latin typeface="Arial" panose="020B0604020202020204" pitchFamily="34" charset="0"/>
-              </a:defRPr>
-            </a:lvl2pPr>
-            <a:lvl3pPr marL="1143000" indent="-228600" defTabSz="966788">
-              <a:defRPr>
-                <a:solidFill>
-                  <a:schemeClr val="tx1"/>
-                </a:solidFill>
-                <a:latin typeface="Arial" panose="020B0604020202020204" pitchFamily="34" charset="0"/>
-              </a:defRPr>
-            </a:lvl3pPr>
-            <a:lvl4pPr marL="1600200" indent="-228600" defTabSz="966788">
-              <a:defRPr>
-                <a:solidFill>
-                  <a:schemeClr val="tx1"/>
-                </a:solidFill>
-                <a:latin typeface="Arial" panose="020B0604020202020204" pitchFamily="34" charset="0"/>
-              </a:defRPr>
-            </a:lvl4pPr>
-            <a:lvl5pPr marL="2057400" indent="-228600" defTabSz="966788">
-              <a:defRPr>
-                <a:solidFill>
-                  <a:schemeClr val="tx1"/>
-                </a:solidFill>
-                <a:latin typeface="Arial" panose="020B0604020202020204" pitchFamily="34" charset="0"/>
-              </a:defRPr>
-            </a:lvl5pPr>
-            <a:lvl6pPr marL="2514600" indent="-228600" defTabSz="966788" eaLnBrk="0" fontAlgn="base" hangingPunct="0">
-              <a:spcBef>
-                <a:spcPct val="0"/>
-              </a:spcBef>
-              <a:spcAft>
-                <a:spcPct val="0"/>
-              </a:spcAft>
-              <a:defRPr>
-                <a:solidFill>
-                  <a:schemeClr val="tx1"/>
-                </a:solidFill>
-                <a:latin typeface="Arial" panose="020B0604020202020204" pitchFamily="34" charset="0"/>
-              </a:defRPr>
-            </a:lvl6pPr>
-            <a:lvl7pPr marL="2971800" indent="-228600" defTabSz="966788" eaLnBrk="0" fontAlgn="base" hangingPunct="0">
-              <a:spcBef>
-                <a:spcPct val="0"/>
-              </a:spcBef>
-              <a:spcAft>
-                <a:spcPct val="0"/>
-              </a:spcAft>
-              <a:defRPr>
-                <a:solidFill>
-                  <a:schemeClr val="tx1"/>
-                </a:solidFill>
-                <a:latin typeface="Arial" panose="020B0604020202020204" pitchFamily="34" charset="0"/>
-              </a:defRPr>
-            </a:lvl7pPr>
-            <a:lvl8pPr marL="3429000" indent="-228600" defTabSz="966788" eaLnBrk="0" fontAlgn="base" hangingPunct="0">
-              <a:spcBef>
-                <a:spcPct val="0"/>
-              </a:spcBef>
-              <a:spcAft>
-                <a:spcPct val="0"/>
-              </a:spcAft>
-              <a:defRPr>
-                <a:solidFill>
-                  <a:schemeClr val="tx1"/>
-                </a:solidFill>
-                <a:latin typeface="Arial" panose="020B0604020202020204" pitchFamily="34" charset="0"/>
-              </a:defRPr>
-            </a:lvl8pPr>
-            <a:lvl9pPr marL="3886200" indent="-228600" defTabSz="966788" eaLnBrk="0" fontAlgn="base" hangingPunct="0">
-              <a:spcBef>
-                <a:spcPct val="0"/>
-              </a:spcBef>
-              <a:spcAft>
-                <a:spcPct val="0"/>
-              </a:spcAft>
-              <a:defRPr>
-                <a:solidFill>
-                  <a:schemeClr val="tx1"/>
-                </a:solidFill>
-                <a:latin typeface="Arial" panose="020B0604020202020204" pitchFamily="34" charset="0"/>
-              </a:defRPr>
-            </a:lvl9pPr>
-          </a:lstStyle>
-          <a:p>
-            <a:fld id="{237B8151-E367-4C57-9079-5BF8D66F3DFA}" type="datetime4">
-              <a:rPr lang="en-US">
-                <a:latin typeface="Times New Roman" panose="02020603050405020304" pitchFamily="18" charset="0"/>
-              </a:rPr>
-              <a:pPr/>
-              <a:t>November 13, 2013</a:t>
-            </a:fld>
-            <a:endParaRPr lang="en-US">
-              <a:latin typeface="Times New Roman" panose="02020603050405020304" pitchFamily="18" charset="0"/>
-            </a:endParaRPr>
-          </a:p>
-        </p:txBody>
-      </p:sp>
-      <p:sp>
-        <p:nvSpPr>
-          <p:cNvPr id="94212" name="Rectangle 6"/>
-          <p:cNvSpPr>
-            <a:spLocks noGrp="1" noChangeArrowheads="1"/>
-          </p:cNvSpPr>
-          <p:nvPr>
-            <p:ph type="ftr" sz="quarter" idx="4"/>
-          </p:nvPr>
-        </p:nvSpPr>
-        <p:spPr>
-          <a:noFill/>
-        </p:spPr>
-        <p:txBody>
-          <a:bodyPr/>
-          <a:lstStyle>
-            <a:lvl1pPr defTabSz="966788">
-              <a:defRPr>
-                <a:solidFill>
-                  <a:schemeClr val="tx1"/>
-                </a:solidFill>
-                <a:latin typeface="Arial" panose="020B0604020202020204" pitchFamily="34" charset="0"/>
-              </a:defRPr>
-            </a:lvl1pPr>
-            <a:lvl2pPr marL="742950" indent="-285750" defTabSz="966788">
-              <a:defRPr>
-                <a:solidFill>
-                  <a:schemeClr val="tx1"/>
-                </a:solidFill>
-                <a:latin typeface="Arial" panose="020B0604020202020204" pitchFamily="34" charset="0"/>
-              </a:defRPr>
-            </a:lvl2pPr>
-            <a:lvl3pPr marL="1143000" indent="-228600" defTabSz="966788">
-              <a:defRPr>
-                <a:solidFill>
-                  <a:schemeClr val="tx1"/>
-                </a:solidFill>
-                <a:latin typeface="Arial" panose="020B0604020202020204" pitchFamily="34" charset="0"/>
-              </a:defRPr>
-            </a:lvl3pPr>
-            <a:lvl4pPr marL="1600200" indent="-228600" defTabSz="966788">
-              <a:defRPr>
-                <a:solidFill>
-                  <a:schemeClr val="tx1"/>
-                </a:solidFill>
-                <a:latin typeface="Arial" panose="020B0604020202020204" pitchFamily="34" charset="0"/>
-              </a:defRPr>
-            </a:lvl4pPr>
-            <a:lvl5pPr marL="2057400" indent="-228600" defTabSz="966788">
-              <a:defRPr>
-                <a:solidFill>
-                  <a:schemeClr val="tx1"/>
-                </a:solidFill>
-                <a:latin typeface="Arial" panose="020B0604020202020204" pitchFamily="34" charset="0"/>
-              </a:defRPr>
-            </a:lvl5pPr>
-            <a:lvl6pPr marL="2514600" indent="-228600" defTabSz="966788" eaLnBrk="0" fontAlgn="base" hangingPunct="0">
-              <a:spcBef>
-                <a:spcPct val="0"/>
-              </a:spcBef>
-              <a:spcAft>
-                <a:spcPct val="0"/>
-              </a:spcAft>
-              <a:defRPr>
-                <a:solidFill>
-                  <a:schemeClr val="tx1"/>
-                </a:solidFill>
-                <a:latin typeface="Arial" panose="020B0604020202020204" pitchFamily="34" charset="0"/>
-              </a:defRPr>
-            </a:lvl6pPr>
-            <a:lvl7pPr marL="2971800" indent="-228600" defTabSz="966788" eaLnBrk="0" fontAlgn="base" hangingPunct="0">
-              <a:spcBef>
-                <a:spcPct val="0"/>
-              </a:spcBef>
-              <a:spcAft>
-                <a:spcPct val="0"/>
-              </a:spcAft>
-              <a:defRPr>
-                <a:solidFill>
-                  <a:schemeClr val="tx1"/>
-                </a:solidFill>
-                <a:latin typeface="Arial" panose="020B0604020202020204" pitchFamily="34" charset="0"/>
-              </a:defRPr>
-            </a:lvl7pPr>
-            <a:lvl8pPr marL="3429000" indent="-228600" defTabSz="966788" eaLnBrk="0" fontAlgn="base" hangingPunct="0">
-              <a:spcBef>
-                <a:spcPct val="0"/>
-              </a:spcBef>
-              <a:spcAft>
-                <a:spcPct val="0"/>
-              </a:spcAft>
-              <a:defRPr>
-                <a:solidFill>
-                  <a:schemeClr val="tx1"/>
-                </a:solidFill>
-                <a:latin typeface="Arial" panose="020B0604020202020204" pitchFamily="34" charset="0"/>
-              </a:defRPr>
-            </a:lvl8pPr>
-            <a:lvl9pPr marL="3886200" indent="-228600" defTabSz="966788" eaLnBrk="0" fontAlgn="base" hangingPunct="0">
-              <a:spcBef>
-                <a:spcPct val="0"/>
-              </a:spcBef>
-              <a:spcAft>
-                <a:spcPct val="0"/>
-              </a:spcAft>
-              <a:defRPr>
-                <a:solidFill>
-                  <a:schemeClr val="tx1"/>
-                </a:solidFill>
-                <a:latin typeface="Arial" panose="020B0604020202020204" pitchFamily="34" charset="0"/>
-              </a:defRPr>
-            </a:lvl9pPr>
-          </a:lstStyle>
-          <a:p>
-            <a:r>
-              <a:rPr lang="en-US">
-                <a:latin typeface="Times New Roman" panose="02020603050405020304" pitchFamily="18" charset="0"/>
-              </a:rPr>
-              <a:t>Chapter 1 — Computer Abstractions and Technology</a:t>
-            </a:r>
-          </a:p>
-        </p:txBody>
-      </p:sp>
-      <p:sp>
-        <p:nvSpPr>
-          <p:cNvPr id="94213" name="Rectangle 7"/>
-          <p:cNvSpPr>
-            <a:spLocks noGrp="1" noChangeArrowheads="1"/>
-          </p:cNvSpPr>
-          <p:nvPr>
-            <p:ph type="sldNum" sz="quarter" idx="5"/>
-          </p:nvPr>
-        </p:nvSpPr>
-        <p:spPr>
-          <a:noFill/>
-        </p:spPr>
-        <p:txBody>
-          <a:bodyPr/>
-          <a:lstStyle>
-            <a:lvl1pPr defTabSz="966788">
-              <a:defRPr>
-                <a:solidFill>
-                  <a:schemeClr val="tx1"/>
-                </a:solidFill>
-                <a:latin typeface="Arial" panose="020B0604020202020204" pitchFamily="34" charset="0"/>
-              </a:defRPr>
-            </a:lvl1pPr>
-            <a:lvl2pPr marL="742950" indent="-285750" defTabSz="966788">
-              <a:defRPr>
-                <a:solidFill>
-                  <a:schemeClr val="tx1"/>
-                </a:solidFill>
-                <a:latin typeface="Arial" panose="020B0604020202020204" pitchFamily="34" charset="0"/>
-              </a:defRPr>
-            </a:lvl2pPr>
-            <a:lvl3pPr marL="1143000" indent="-228600" defTabSz="966788">
-              <a:defRPr>
-                <a:solidFill>
-                  <a:schemeClr val="tx1"/>
-                </a:solidFill>
-                <a:latin typeface="Arial" panose="020B0604020202020204" pitchFamily="34" charset="0"/>
-              </a:defRPr>
-            </a:lvl3pPr>
-            <a:lvl4pPr marL="1600200" indent="-228600" defTabSz="966788">
-              <a:defRPr>
-                <a:solidFill>
-                  <a:schemeClr val="tx1"/>
-                </a:solidFill>
-                <a:latin typeface="Arial" panose="020B0604020202020204" pitchFamily="34" charset="0"/>
-              </a:defRPr>
-            </a:lvl4pPr>
-            <a:lvl5pPr marL="2057400" indent="-228600" defTabSz="966788">
-              <a:defRPr>
-                <a:solidFill>
-                  <a:schemeClr val="tx1"/>
-                </a:solidFill>
-                <a:latin typeface="Arial" panose="020B0604020202020204" pitchFamily="34" charset="0"/>
-              </a:defRPr>
-            </a:lvl5pPr>
-            <a:lvl6pPr marL="2514600" indent="-228600" defTabSz="966788" eaLnBrk="0" fontAlgn="base" hangingPunct="0">
-              <a:spcBef>
-                <a:spcPct val="0"/>
-              </a:spcBef>
-              <a:spcAft>
-                <a:spcPct val="0"/>
-              </a:spcAft>
-              <a:defRPr>
-                <a:solidFill>
-                  <a:schemeClr val="tx1"/>
-                </a:solidFill>
-                <a:latin typeface="Arial" panose="020B0604020202020204" pitchFamily="34" charset="0"/>
-              </a:defRPr>
-            </a:lvl6pPr>
-            <a:lvl7pPr marL="2971800" indent="-228600" defTabSz="966788" eaLnBrk="0" fontAlgn="base" hangingPunct="0">
-              <a:spcBef>
-                <a:spcPct val="0"/>
-              </a:spcBef>
-              <a:spcAft>
-                <a:spcPct val="0"/>
-              </a:spcAft>
-              <a:defRPr>
-                <a:solidFill>
-                  <a:schemeClr val="tx1"/>
-                </a:solidFill>
-                <a:latin typeface="Arial" panose="020B0604020202020204" pitchFamily="34" charset="0"/>
-              </a:defRPr>
-            </a:lvl7pPr>
-            <a:lvl8pPr marL="3429000" indent="-228600" defTabSz="966788" eaLnBrk="0" fontAlgn="base" hangingPunct="0">
-              <a:spcBef>
-                <a:spcPct val="0"/>
-              </a:spcBef>
-              <a:spcAft>
-                <a:spcPct val="0"/>
-              </a:spcAft>
-              <a:defRPr>
-                <a:solidFill>
-                  <a:schemeClr val="tx1"/>
-                </a:solidFill>
-                <a:latin typeface="Arial" panose="020B0604020202020204" pitchFamily="34" charset="0"/>
-              </a:defRPr>
-            </a:lvl8pPr>
-            <a:lvl9pPr marL="3886200" indent="-228600" defTabSz="966788" eaLnBrk="0" fontAlgn="base" hangingPunct="0">
-              <a:spcBef>
-                <a:spcPct val="0"/>
-              </a:spcBef>
-              <a:spcAft>
-                <a:spcPct val="0"/>
-              </a:spcAft>
-              <a:defRPr>
-                <a:solidFill>
-                  <a:schemeClr val="tx1"/>
-                </a:solidFill>
-                <a:latin typeface="Arial" panose="020B0604020202020204" pitchFamily="34" charset="0"/>
-              </a:defRPr>
-            </a:lvl9pPr>
-          </a:lstStyle>
-          <a:p>
-            <a:fld id="{D0FAF989-B622-45C9-8BBF-B9A5A1F360DC}" type="slidenum">
-              <a:rPr lang="en-US">
-                <a:latin typeface="Times New Roman" panose="02020603050405020304" pitchFamily="18" charset="0"/>
-              </a:rPr>
-              <a:pPr/>
-              <a:t>57</a:t>
-            </a:fld>
-            <a:endParaRPr lang="en-US">
-              <a:latin typeface="Times New Roman" panose="02020603050405020304" pitchFamily="18" charset="0"/>
-            </a:endParaRPr>
-          </a:p>
-        </p:txBody>
-      </p:sp>
-      <p:sp>
-        <p:nvSpPr>
-          <p:cNvPr id="94214" name="Rectangle 2"/>
-          <p:cNvSpPr>
-            <a:spLocks noGrp="1" noRot="1" noChangeAspect="1" noChangeArrowheads="1" noTextEdit="1"/>
+            <a:spLocks noGrp="1" noRot="1" noChangeAspect="1"/>
           </p:cNvSpPr>
           <p:nvPr>
             <p:ph type="sldImg"/>
           </p:nvPr>
         </p:nvSpPr>
-        <p:spPr>
-          <a:ln/>
-        </p:spPr>
-      </p:sp>
-      <p:sp>
-        <p:nvSpPr>
-          <p:cNvPr id="94215" name="Rectangle 3"/>
+        <p:spPr/>
+      </p:sp>
+      <p:sp>
+        <p:nvSpPr>
+          <p:cNvPr id="3" name="Notes Placeholder 2"/>
           <p:cNvSpPr>
-            <a:spLocks noGrp="1" noChangeArrowheads="1"/>
+            <a:spLocks noGrp="1"/>
           </p:cNvSpPr>
           <p:nvPr>
             <p:ph type="body" idx="1"/>
           </p:nvPr>
         </p:nvSpPr>
-        <p:spPr>
-          <a:noFill/>
-        </p:spPr>
+        <p:spPr/>
+        <p:txBody>
+          <a:bodyPr>
+            <a:normAutofit/>
+          </a:bodyPr>
+          <a:lstStyle/>
+          <a:p>
+            <a:endParaRPr lang="en-US" dirty="0"/>
+          </a:p>
+        </p:txBody>
+      </p:sp>
+      <p:sp>
+        <p:nvSpPr>
+          <p:cNvPr id="4" name="Slide Number Placeholder 3"/>
+          <p:cNvSpPr>
+            <a:spLocks noGrp="1"/>
+          </p:cNvSpPr>
+          <p:nvPr>
+            <p:ph type="sldNum" sz="quarter" idx="10"/>
+          </p:nvPr>
+        </p:nvSpPr>
+        <p:spPr/>
         <p:txBody>
           <a:bodyPr/>
           <a:lstStyle/>
           <a:p>
-            <a:endParaRPr lang="en-AU" smtClean="0"/>
+            <a:fld id="{6B15D8FC-C889-4410-8862-C922C3EC1A28}" type="slidenum">
+              <a:rPr lang="en-US" smtClean="0"/>
+              <a:pPr/>
+              <a:t>53</a:t>
+            </a:fld>
+            <a:endParaRPr lang="en-US"/>
           </a:p>
         </p:txBody>
       </p:sp>
     </p:spTree>
-    <p:extLst>
-      <p:ext uri="{BB962C8B-B14F-4D97-AF65-F5344CB8AC3E}">
-        <p14:creationId xmlns:p14="http://schemas.microsoft.com/office/powerpoint/2010/main" val="1218655513"/>
-      </p:ext>
-    </p:extLst>
   </p:cSld>
   <p:clrMapOvr>
     <a:masterClrMapping/>
@@ -4828,7 +3407,7 @@
 </file>
 
 <file path=ppt/notesSlides/notesSlide2.xml><?xml version="1.0" encoding="utf-8"?>
-<p:notes xmlns:a="http://schemas.openxmlformats.org/drawingml/2006/main" xmlns:r="http://schemas.openxmlformats.org/officeDocument/2006/relationships" xmlns:p="http://schemas.openxmlformats.org/presentationml/2006/main">
+<p:notes xmlns:a="http://schemas.openxmlformats.org/drawingml/2006/main" xmlns:r="http://schemas.openxmlformats.org/officeDocument/2006/relationships" xmlns:mc="http://schemas.openxmlformats.org/markup-compatibility/2006" xmlns:mv="urn:schemas-microsoft-com:mac:vml" xmlns:p="http://schemas.openxmlformats.org/presentationml/2006/main" mc:Ignorable="mv" mc:PreserveAttributes="mv:*">
   <p:cSld>
     <p:spTree>
       <p:nvGrpSpPr>
@@ -5086,7 +3665,7 @@
                 <a:latin typeface="Times New Roman" panose="02020603050405020304" pitchFamily="18" charset="0"/>
               </a:rPr>
               <a:pPr/>
-              <a:t>November 13, 2013</a:t>
+              <a:t>November 17, 2014</a:t>
             </a:fld>
             <a:endParaRPr lang="en-US">
               <a:latin typeface="Times New Roman" panose="02020603050405020304" pitchFamily="18" charset="0"/>
@@ -5382,7 +3961,7 @@
     </p:spTree>
     <p:extLst>
       <p:ext uri="{BB962C8B-B14F-4D97-AF65-F5344CB8AC3E}">
-        <p14:creationId xmlns:p14="http://schemas.microsoft.com/office/powerpoint/2010/main" val="616243921"/>
+        <p14:creationId xmlns:p14="http://schemas.microsoft.com/office/powerpoint/2010/main" xmlns:p="http://schemas.openxmlformats.org/presentationml/2006/main" xmlns:r="http://schemas.openxmlformats.org/officeDocument/2006/relationships" xmlns:a="http://schemas.openxmlformats.org/drawingml/2006/main" xmlns="" val="616243921"/>
       </p:ext>
     </p:extLst>
   </p:cSld>
@@ -5393,7 +3972,7 @@
 </file>
 
 <file path=ppt/notesSlides/notesSlide20.xml><?xml version="1.0" encoding="utf-8"?>
-<p:notes xmlns:a="http://schemas.openxmlformats.org/drawingml/2006/main" xmlns:r="http://schemas.openxmlformats.org/officeDocument/2006/relationships" xmlns:p="http://schemas.openxmlformats.org/presentationml/2006/main">
+<p:notes xmlns:a="http://schemas.openxmlformats.org/drawingml/2006/main" xmlns:r="http://schemas.openxmlformats.org/officeDocument/2006/relationships" xmlns:mc="http://schemas.openxmlformats.org/markup-compatibility/2006" xmlns:mv="urn:schemas-microsoft-com:mac:vml" xmlns:p="http://schemas.openxmlformats.org/presentationml/2006/main" mc:Ignorable="mv" mc:PreserveAttributes="mv:*">
   <p:cSld>
     <p:spTree>
       <p:nvGrpSpPr>
@@ -5411,7 +3990,7 @@
       </p:grpSpPr>
       <p:sp>
         <p:nvSpPr>
-          <p:cNvPr id="82946" name="Rectangle 2"/>
+          <p:cNvPr id="94210" name="Rectangle 2"/>
           <p:cNvSpPr>
             <a:spLocks noGrp="1" noChangeArrowheads="1"/>
           </p:cNvSpPr>
@@ -5534,7 +4113,7 @@
       </p:sp>
       <p:sp>
         <p:nvSpPr>
-          <p:cNvPr id="82947" name="Rectangle 3"/>
+          <p:cNvPr id="94211" name="Rectangle 3"/>
           <p:cNvSpPr>
             <a:spLocks noGrp="1" noChangeArrowheads="1"/>
           </p:cNvSpPr>
@@ -5646,12 +4225,12 @@
             </a:lvl9pPr>
           </a:lstStyle>
           <a:p>
-            <a:fld id="{3F4146F5-1D6C-4265-85A3-C8474683062F}" type="datetime4">
+            <a:fld id="{237B8151-E367-4C57-9079-5BF8D66F3DFA}" type="datetime4">
               <a:rPr lang="en-US">
                 <a:latin typeface="Times New Roman" panose="02020603050405020304" pitchFamily="18" charset="0"/>
               </a:rPr>
               <a:pPr/>
-              <a:t>November 13, 2013</a:t>
+              <a:t>November 17, 2014</a:t>
             </a:fld>
             <a:endParaRPr lang="en-US">
               <a:latin typeface="Times New Roman" panose="02020603050405020304" pitchFamily="18" charset="0"/>
@@ -5661,7 +4240,7 @@
       </p:sp>
       <p:sp>
         <p:nvSpPr>
-          <p:cNvPr id="82948" name="Rectangle 6"/>
+          <p:cNvPr id="94212" name="Rectangle 6"/>
           <p:cNvSpPr>
             <a:spLocks noGrp="1" noChangeArrowheads="1"/>
           </p:cNvSpPr>
@@ -5784,7 +4363,7 @@
       </p:sp>
       <p:sp>
         <p:nvSpPr>
-          <p:cNvPr id="82949" name="Rectangle 7"/>
+          <p:cNvPr id="94213" name="Rectangle 7"/>
           <p:cNvSpPr>
             <a:spLocks noGrp="1" noChangeArrowheads="1"/>
           </p:cNvSpPr>
@@ -5896,12 +4475,12 @@
             </a:lvl9pPr>
           </a:lstStyle>
           <a:p>
-            <a:fld id="{CD1CEA74-A250-45C6-878D-0703D814A068}" type="slidenum">
+            <a:fld id="{D0FAF989-B622-45C9-8BBF-B9A5A1F360DC}" type="slidenum">
               <a:rPr lang="en-US">
                 <a:latin typeface="Times New Roman" panose="02020603050405020304" pitchFamily="18" charset="0"/>
               </a:rPr>
               <a:pPr/>
-              <a:t>59</a:t>
+              <a:t>54</a:t>
             </a:fld>
             <a:endParaRPr lang="en-US">
               <a:latin typeface="Times New Roman" panose="02020603050405020304" pitchFamily="18" charset="0"/>
@@ -5911,7 +4490,7 @@
       </p:sp>
       <p:sp>
         <p:nvSpPr>
-          <p:cNvPr id="82950" name="Rectangle 2"/>
+          <p:cNvPr id="94214" name="Rectangle 2"/>
           <p:cNvSpPr>
             <a:spLocks noGrp="1" noRot="1" noChangeAspect="1" noChangeArrowheads="1" noTextEdit="1"/>
           </p:cNvSpPr>
@@ -5925,7 +4504,7 @@
       </p:sp>
       <p:sp>
         <p:nvSpPr>
-          <p:cNvPr id="82951" name="Rectangle 3"/>
+          <p:cNvPr id="94215" name="Rectangle 3"/>
           <p:cNvSpPr>
             <a:spLocks noGrp="1" noChangeArrowheads="1"/>
           </p:cNvSpPr>
@@ -5940,14 +4519,22 @@
           <a:bodyPr/>
           <a:lstStyle/>
           <a:p>
-            <a:endParaRPr lang="en-AU" smtClean="0"/>
+            <a:r>
+              <a:rPr lang="en-AU" dirty="0" smtClean="0"/>
+              <a:t>This is entirely based on how often the element</a:t>
+            </a:r>
+            <a:r>
+              <a:rPr lang="en-AU" baseline="0" dirty="0" smtClean="0"/>
+              <a:t> is used.</a:t>
+            </a:r>
+            <a:endParaRPr lang="en-AU" dirty="0" smtClean="0"/>
           </a:p>
         </p:txBody>
       </p:sp>
     </p:spTree>
     <p:extLst>
       <p:ext uri="{BB962C8B-B14F-4D97-AF65-F5344CB8AC3E}">
-        <p14:creationId xmlns:p14="http://schemas.microsoft.com/office/powerpoint/2010/main" val="3455466533"/>
+        <p14:creationId xmlns:p14="http://schemas.microsoft.com/office/powerpoint/2010/main" xmlns:p="http://schemas.openxmlformats.org/presentationml/2006/main" xmlns:r="http://schemas.openxmlformats.org/officeDocument/2006/relationships" xmlns:a="http://schemas.openxmlformats.org/drawingml/2006/main" xmlns="" val="2785437952"/>
       </p:ext>
     </p:extLst>
   </p:cSld>
@@ -5958,7 +4545,7 @@
 </file>
 
 <file path=ppt/notesSlides/notesSlide21.xml><?xml version="1.0" encoding="utf-8"?>
-<p:notes xmlns:a="http://schemas.openxmlformats.org/drawingml/2006/main" xmlns:r="http://schemas.openxmlformats.org/officeDocument/2006/relationships" xmlns:p="http://schemas.openxmlformats.org/presentationml/2006/main">
+<p:notes xmlns:a="http://schemas.openxmlformats.org/drawingml/2006/main" xmlns:r="http://schemas.openxmlformats.org/officeDocument/2006/relationships" xmlns:mc="http://schemas.openxmlformats.org/markup-compatibility/2006" xmlns:mv="urn:schemas-microsoft-com:mac:vml" xmlns:p="http://schemas.openxmlformats.org/presentationml/2006/main" mc:Ignorable="mv" mc:PreserveAttributes="mv:*">
   <p:cSld>
     <p:spTree>
       <p:nvGrpSpPr>
@@ -5976,545 +4563,76 @@
       </p:grpSpPr>
       <p:sp>
         <p:nvSpPr>
-          <p:cNvPr id="83970" name="Rectangle 2"/>
+          <p:cNvPr id="2" name="Slide Image Placeholder 1"/>
           <p:cNvSpPr>
-            <a:spLocks noGrp="1" noChangeArrowheads="1"/>
-          </p:cNvSpPr>
-          <p:nvPr>
-            <p:ph type="hdr" sz="quarter"/>
-          </p:nvPr>
-        </p:nvSpPr>
-        <p:spPr>
-          <a:noFill/>
-        </p:spPr>
-        <p:txBody>
-          <a:bodyPr/>
-          <a:lstStyle>
-            <a:lvl1pPr defTabSz="966788">
-              <a:defRPr>
-                <a:solidFill>
-                  <a:schemeClr val="tx1"/>
-                </a:solidFill>
-                <a:latin typeface="Arial" panose="020B0604020202020204" pitchFamily="34" charset="0"/>
-              </a:defRPr>
-            </a:lvl1pPr>
-            <a:lvl2pPr marL="742950" indent="-285750" defTabSz="966788">
-              <a:defRPr>
-                <a:solidFill>
-                  <a:schemeClr val="tx1"/>
-                </a:solidFill>
-                <a:latin typeface="Arial" panose="020B0604020202020204" pitchFamily="34" charset="0"/>
-              </a:defRPr>
-            </a:lvl2pPr>
-            <a:lvl3pPr marL="1143000" indent="-228600" defTabSz="966788">
-              <a:defRPr>
-                <a:solidFill>
-                  <a:schemeClr val="tx1"/>
-                </a:solidFill>
-                <a:latin typeface="Arial" panose="020B0604020202020204" pitchFamily="34" charset="0"/>
-              </a:defRPr>
-            </a:lvl3pPr>
-            <a:lvl4pPr marL="1600200" indent="-228600" defTabSz="966788">
-              <a:defRPr>
-                <a:solidFill>
-                  <a:schemeClr val="tx1"/>
-                </a:solidFill>
-                <a:latin typeface="Arial" panose="020B0604020202020204" pitchFamily="34" charset="0"/>
-              </a:defRPr>
-            </a:lvl4pPr>
-            <a:lvl5pPr marL="2057400" indent="-228600" defTabSz="966788">
-              <a:defRPr>
-                <a:solidFill>
-                  <a:schemeClr val="tx1"/>
-                </a:solidFill>
-                <a:latin typeface="Arial" panose="020B0604020202020204" pitchFamily="34" charset="0"/>
-              </a:defRPr>
-            </a:lvl5pPr>
-            <a:lvl6pPr marL="2514600" indent="-228600" defTabSz="966788" eaLnBrk="0" fontAlgn="base" hangingPunct="0">
-              <a:spcBef>
-                <a:spcPct val="0"/>
-              </a:spcBef>
-              <a:spcAft>
-                <a:spcPct val="0"/>
-              </a:spcAft>
-              <a:defRPr>
-                <a:solidFill>
-                  <a:schemeClr val="tx1"/>
-                </a:solidFill>
-                <a:latin typeface="Arial" panose="020B0604020202020204" pitchFamily="34" charset="0"/>
-              </a:defRPr>
-            </a:lvl6pPr>
-            <a:lvl7pPr marL="2971800" indent="-228600" defTabSz="966788" eaLnBrk="0" fontAlgn="base" hangingPunct="0">
-              <a:spcBef>
-                <a:spcPct val="0"/>
-              </a:spcBef>
-              <a:spcAft>
-                <a:spcPct val="0"/>
-              </a:spcAft>
-              <a:defRPr>
-                <a:solidFill>
-                  <a:schemeClr val="tx1"/>
-                </a:solidFill>
-                <a:latin typeface="Arial" panose="020B0604020202020204" pitchFamily="34" charset="0"/>
-              </a:defRPr>
-            </a:lvl7pPr>
-            <a:lvl8pPr marL="3429000" indent="-228600" defTabSz="966788" eaLnBrk="0" fontAlgn="base" hangingPunct="0">
-              <a:spcBef>
-                <a:spcPct val="0"/>
-              </a:spcBef>
-              <a:spcAft>
-                <a:spcPct val="0"/>
-              </a:spcAft>
-              <a:defRPr>
-                <a:solidFill>
-                  <a:schemeClr val="tx1"/>
-                </a:solidFill>
-                <a:latin typeface="Arial" panose="020B0604020202020204" pitchFamily="34" charset="0"/>
-              </a:defRPr>
-            </a:lvl8pPr>
-            <a:lvl9pPr marL="3886200" indent="-228600" defTabSz="966788" eaLnBrk="0" fontAlgn="base" hangingPunct="0">
-              <a:spcBef>
-                <a:spcPct val="0"/>
-              </a:spcBef>
-              <a:spcAft>
-                <a:spcPct val="0"/>
-              </a:spcAft>
-              <a:defRPr>
-                <a:solidFill>
-                  <a:schemeClr val="tx1"/>
-                </a:solidFill>
-                <a:latin typeface="Arial" panose="020B0604020202020204" pitchFamily="34" charset="0"/>
-              </a:defRPr>
-            </a:lvl9pPr>
-          </a:lstStyle>
-          <a:p>
-            <a:r>
-              <a:rPr lang="en-US">
-                <a:latin typeface="Times New Roman" panose="02020603050405020304" pitchFamily="18" charset="0"/>
-              </a:rPr>
-              <a:t>Morgan Kaufmann Publishers</a:t>
-            </a:r>
-          </a:p>
-        </p:txBody>
-      </p:sp>
-      <p:sp>
-        <p:nvSpPr>
-          <p:cNvPr id="83971" name="Rectangle 3"/>
-          <p:cNvSpPr>
-            <a:spLocks noGrp="1" noChangeArrowheads="1"/>
-          </p:cNvSpPr>
-          <p:nvPr>
-            <p:ph type="dt" sz="quarter" idx="1"/>
-          </p:nvPr>
-        </p:nvSpPr>
-        <p:spPr>
-          <a:noFill/>
-        </p:spPr>
-        <p:txBody>
-          <a:bodyPr/>
-          <a:lstStyle>
-            <a:lvl1pPr defTabSz="966788">
-              <a:defRPr>
-                <a:solidFill>
-                  <a:schemeClr val="tx1"/>
-                </a:solidFill>
-                <a:latin typeface="Arial" panose="020B0604020202020204" pitchFamily="34" charset="0"/>
-              </a:defRPr>
-            </a:lvl1pPr>
-            <a:lvl2pPr marL="742950" indent="-285750" defTabSz="966788">
-              <a:defRPr>
-                <a:solidFill>
-                  <a:schemeClr val="tx1"/>
-                </a:solidFill>
-                <a:latin typeface="Arial" panose="020B0604020202020204" pitchFamily="34" charset="0"/>
-              </a:defRPr>
-            </a:lvl2pPr>
-            <a:lvl3pPr marL="1143000" indent="-228600" defTabSz="966788">
-              <a:defRPr>
-                <a:solidFill>
-                  <a:schemeClr val="tx1"/>
-                </a:solidFill>
-                <a:latin typeface="Arial" panose="020B0604020202020204" pitchFamily="34" charset="0"/>
-              </a:defRPr>
-            </a:lvl3pPr>
-            <a:lvl4pPr marL="1600200" indent="-228600" defTabSz="966788">
-              <a:defRPr>
-                <a:solidFill>
-                  <a:schemeClr val="tx1"/>
-                </a:solidFill>
-                <a:latin typeface="Arial" panose="020B0604020202020204" pitchFamily="34" charset="0"/>
-              </a:defRPr>
-            </a:lvl4pPr>
-            <a:lvl5pPr marL="2057400" indent="-228600" defTabSz="966788">
-              <a:defRPr>
-                <a:solidFill>
-                  <a:schemeClr val="tx1"/>
-                </a:solidFill>
-                <a:latin typeface="Arial" panose="020B0604020202020204" pitchFamily="34" charset="0"/>
-              </a:defRPr>
-            </a:lvl5pPr>
-            <a:lvl6pPr marL="2514600" indent="-228600" defTabSz="966788" eaLnBrk="0" fontAlgn="base" hangingPunct="0">
-              <a:spcBef>
-                <a:spcPct val="0"/>
-              </a:spcBef>
-              <a:spcAft>
-                <a:spcPct val="0"/>
-              </a:spcAft>
-              <a:defRPr>
-                <a:solidFill>
-                  <a:schemeClr val="tx1"/>
-                </a:solidFill>
-                <a:latin typeface="Arial" panose="020B0604020202020204" pitchFamily="34" charset="0"/>
-              </a:defRPr>
-            </a:lvl6pPr>
-            <a:lvl7pPr marL="2971800" indent="-228600" defTabSz="966788" eaLnBrk="0" fontAlgn="base" hangingPunct="0">
-              <a:spcBef>
-                <a:spcPct val="0"/>
-              </a:spcBef>
-              <a:spcAft>
-                <a:spcPct val="0"/>
-              </a:spcAft>
-              <a:defRPr>
-                <a:solidFill>
-                  <a:schemeClr val="tx1"/>
-                </a:solidFill>
-                <a:latin typeface="Arial" panose="020B0604020202020204" pitchFamily="34" charset="0"/>
-              </a:defRPr>
-            </a:lvl7pPr>
-            <a:lvl8pPr marL="3429000" indent="-228600" defTabSz="966788" eaLnBrk="0" fontAlgn="base" hangingPunct="0">
-              <a:spcBef>
-                <a:spcPct val="0"/>
-              </a:spcBef>
-              <a:spcAft>
-                <a:spcPct val="0"/>
-              </a:spcAft>
-              <a:defRPr>
-                <a:solidFill>
-                  <a:schemeClr val="tx1"/>
-                </a:solidFill>
-                <a:latin typeface="Arial" panose="020B0604020202020204" pitchFamily="34" charset="0"/>
-              </a:defRPr>
-            </a:lvl8pPr>
-            <a:lvl9pPr marL="3886200" indent="-228600" defTabSz="966788" eaLnBrk="0" fontAlgn="base" hangingPunct="0">
-              <a:spcBef>
-                <a:spcPct val="0"/>
-              </a:spcBef>
-              <a:spcAft>
-                <a:spcPct val="0"/>
-              </a:spcAft>
-              <a:defRPr>
-                <a:solidFill>
-                  <a:schemeClr val="tx1"/>
-                </a:solidFill>
-                <a:latin typeface="Arial" panose="020B0604020202020204" pitchFamily="34" charset="0"/>
-              </a:defRPr>
-            </a:lvl9pPr>
-          </a:lstStyle>
-          <a:p>
-            <a:fld id="{76A38FEF-AC47-43E3-8961-0117C322C84B}" type="datetime4">
-              <a:rPr lang="en-US">
-                <a:latin typeface="Times New Roman" panose="02020603050405020304" pitchFamily="18" charset="0"/>
-              </a:rPr>
-              <a:pPr/>
-              <a:t>November 13, 2013</a:t>
-            </a:fld>
-            <a:endParaRPr lang="en-US">
-              <a:latin typeface="Times New Roman" panose="02020603050405020304" pitchFamily="18" charset="0"/>
-            </a:endParaRPr>
-          </a:p>
-        </p:txBody>
-      </p:sp>
-      <p:sp>
-        <p:nvSpPr>
-          <p:cNvPr id="83972" name="Rectangle 6"/>
-          <p:cNvSpPr>
-            <a:spLocks noGrp="1" noChangeArrowheads="1"/>
-          </p:cNvSpPr>
-          <p:nvPr>
-            <p:ph type="ftr" sz="quarter" idx="4"/>
-          </p:nvPr>
-        </p:nvSpPr>
-        <p:spPr>
-          <a:noFill/>
-        </p:spPr>
-        <p:txBody>
-          <a:bodyPr/>
-          <a:lstStyle>
-            <a:lvl1pPr defTabSz="966788">
-              <a:defRPr>
-                <a:solidFill>
-                  <a:schemeClr val="tx1"/>
-                </a:solidFill>
-                <a:latin typeface="Arial" panose="020B0604020202020204" pitchFamily="34" charset="0"/>
-              </a:defRPr>
-            </a:lvl1pPr>
-            <a:lvl2pPr marL="742950" indent="-285750" defTabSz="966788">
-              <a:defRPr>
-                <a:solidFill>
-                  <a:schemeClr val="tx1"/>
-                </a:solidFill>
-                <a:latin typeface="Arial" panose="020B0604020202020204" pitchFamily="34" charset="0"/>
-              </a:defRPr>
-            </a:lvl2pPr>
-            <a:lvl3pPr marL="1143000" indent="-228600" defTabSz="966788">
-              <a:defRPr>
-                <a:solidFill>
-                  <a:schemeClr val="tx1"/>
-                </a:solidFill>
-                <a:latin typeface="Arial" panose="020B0604020202020204" pitchFamily="34" charset="0"/>
-              </a:defRPr>
-            </a:lvl3pPr>
-            <a:lvl4pPr marL="1600200" indent="-228600" defTabSz="966788">
-              <a:defRPr>
-                <a:solidFill>
-                  <a:schemeClr val="tx1"/>
-                </a:solidFill>
-                <a:latin typeface="Arial" panose="020B0604020202020204" pitchFamily="34" charset="0"/>
-              </a:defRPr>
-            </a:lvl4pPr>
-            <a:lvl5pPr marL="2057400" indent="-228600" defTabSz="966788">
-              <a:defRPr>
-                <a:solidFill>
-                  <a:schemeClr val="tx1"/>
-                </a:solidFill>
-                <a:latin typeface="Arial" panose="020B0604020202020204" pitchFamily="34" charset="0"/>
-              </a:defRPr>
-            </a:lvl5pPr>
-            <a:lvl6pPr marL="2514600" indent="-228600" defTabSz="966788" eaLnBrk="0" fontAlgn="base" hangingPunct="0">
-              <a:spcBef>
-                <a:spcPct val="0"/>
-              </a:spcBef>
-              <a:spcAft>
-                <a:spcPct val="0"/>
-              </a:spcAft>
-              <a:defRPr>
-                <a:solidFill>
-                  <a:schemeClr val="tx1"/>
-                </a:solidFill>
-                <a:latin typeface="Arial" panose="020B0604020202020204" pitchFamily="34" charset="0"/>
-              </a:defRPr>
-            </a:lvl6pPr>
-            <a:lvl7pPr marL="2971800" indent="-228600" defTabSz="966788" eaLnBrk="0" fontAlgn="base" hangingPunct="0">
-              <a:spcBef>
-                <a:spcPct val="0"/>
-              </a:spcBef>
-              <a:spcAft>
-                <a:spcPct val="0"/>
-              </a:spcAft>
-              <a:defRPr>
-                <a:solidFill>
-                  <a:schemeClr val="tx1"/>
-                </a:solidFill>
-                <a:latin typeface="Arial" panose="020B0604020202020204" pitchFamily="34" charset="0"/>
-              </a:defRPr>
-            </a:lvl7pPr>
-            <a:lvl8pPr marL="3429000" indent="-228600" defTabSz="966788" eaLnBrk="0" fontAlgn="base" hangingPunct="0">
-              <a:spcBef>
-                <a:spcPct val="0"/>
-              </a:spcBef>
-              <a:spcAft>
-                <a:spcPct val="0"/>
-              </a:spcAft>
-              <a:defRPr>
-                <a:solidFill>
-                  <a:schemeClr val="tx1"/>
-                </a:solidFill>
-                <a:latin typeface="Arial" panose="020B0604020202020204" pitchFamily="34" charset="0"/>
-              </a:defRPr>
-            </a:lvl8pPr>
-            <a:lvl9pPr marL="3886200" indent="-228600" defTabSz="966788" eaLnBrk="0" fontAlgn="base" hangingPunct="0">
-              <a:spcBef>
-                <a:spcPct val="0"/>
-              </a:spcBef>
-              <a:spcAft>
-                <a:spcPct val="0"/>
-              </a:spcAft>
-              <a:defRPr>
-                <a:solidFill>
-                  <a:schemeClr val="tx1"/>
-                </a:solidFill>
-                <a:latin typeface="Arial" panose="020B0604020202020204" pitchFamily="34" charset="0"/>
-              </a:defRPr>
-            </a:lvl9pPr>
-          </a:lstStyle>
-          <a:p>
-            <a:r>
-              <a:rPr lang="en-US">
-                <a:latin typeface="Times New Roman" panose="02020603050405020304" pitchFamily="18" charset="0"/>
-              </a:rPr>
-              <a:t>Chapter 1 — Computer Abstractions and Technology</a:t>
-            </a:r>
-          </a:p>
-        </p:txBody>
-      </p:sp>
-      <p:sp>
-        <p:nvSpPr>
-          <p:cNvPr id="83973" name="Rectangle 7"/>
-          <p:cNvSpPr>
-            <a:spLocks noGrp="1" noChangeArrowheads="1"/>
-          </p:cNvSpPr>
-          <p:nvPr>
-            <p:ph type="sldNum" sz="quarter" idx="5"/>
-          </p:nvPr>
-        </p:nvSpPr>
-        <p:spPr>
-          <a:noFill/>
-        </p:spPr>
-        <p:txBody>
-          <a:bodyPr/>
-          <a:lstStyle>
-            <a:lvl1pPr defTabSz="966788">
-              <a:defRPr>
-                <a:solidFill>
-                  <a:schemeClr val="tx1"/>
-                </a:solidFill>
-                <a:latin typeface="Arial" panose="020B0604020202020204" pitchFamily="34" charset="0"/>
-              </a:defRPr>
-            </a:lvl1pPr>
-            <a:lvl2pPr marL="742950" indent="-285750" defTabSz="966788">
-              <a:defRPr>
-                <a:solidFill>
-                  <a:schemeClr val="tx1"/>
-                </a:solidFill>
-                <a:latin typeface="Arial" panose="020B0604020202020204" pitchFamily="34" charset="0"/>
-              </a:defRPr>
-            </a:lvl2pPr>
-            <a:lvl3pPr marL="1143000" indent="-228600" defTabSz="966788">
-              <a:defRPr>
-                <a:solidFill>
-                  <a:schemeClr val="tx1"/>
-                </a:solidFill>
-                <a:latin typeface="Arial" panose="020B0604020202020204" pitchFamily="34" charset="0"/>
-              </a:defRPr>
-            </a:lvl3pPr>
-            <a:lvl4pPr marL="1600200" indent="-228600" defTabSz="966788">
-              <a:defRPr>
-                <a:solidFill>
-                  <a:schemeClr val="tx1"/>
-                </a:solidFill>
-                <a:latin typeface="Arial" panose="020B0604020202020204" pitchFamily="34" charset="0"/>
-              </a:defRPr>
-            </a:lvl4pPr>
-            <a:lvl5pPr marL="2057400" indent="-228600" defTabSz="966788">
-              <a:defRPr>
-                <a:solidFill>
-                  <a:schemeClr val="tx1"/>
-                </a:solidFill>
-                <a:latin typeface="Arial" panose="020B0604020202020204" pitchFamily="34" charset="0"/>
-              </a:defRPr>
-            </a:lvl5pPr>
-            <a:lvl6pPr marL="2514600" indent="-228600" defTabSz="966788" eaLnBrk="0" fontAlgn="base" hangingPunct="0">
-              <a:spcBef>
-                <a:spcPct val="0"/>
-              </a:spcBef>
-              <a:spcAft>
-                <a:spcPct val="0"/>
-              </a:spcAft>
-              <a:defRPr>
-                <a:solidFill>
-                  <a:schemeClr val="tx1"/>
-                </a:solidFill>
-                <a:latin typeface="Arial" panose="020B0604020202020204" pitchFamily="34" charset="0"/>
-              </a:defRPr>
-            </a:lvl6pPr>
-            <a:lvl7pPr marL="2971800" indent="-228600" defTabSz="966788" eaLnBrk="0" fontAlgn="base" hangingPunct="0">
-              <a:spcBef>
-                <a:spcPct val="0"/>
-              </a:spcBef>
-              <a:spcAft>
-                <a:spcPct val="0"/>
-              </a:spcAft>
-              <a:defRPr>
-                <a:solidFill>
-                  <a:schemeClr val="tx1"/>
-                </a:solidFill>
-                <a:latin typeface="Arial" panose="020B0604020202020204" pitchFamily="34" charset="0"/>
-              </a:defRPr>
-            </a:lvl7pPr>
-            <a:lvl8pPr marL="3429000" indent="-228600" defTabSz="966788" eaLnBrk="0" fontAlgn="base" hangingPunct="0">
-              <a:spcBef>
-                <a:spcPct val="0"/>
-              </a:spcBef>
-              <a:spcAft>
-                <a:spcPct val="0"/>
-              </a:spcAft>
-              <a:defRPr>
-                <a:solidFill>
-                  <a:schemeClr val="tx1"/>
-                </a:solidFill>
-                <a:latin typeface="Arial" panose="020B0604020202020204" pitchFamily="34" charset="0"/>
-              </a:defRPr>
-            </a:lvl8pPr>
-            <a:lvl9pPr marL="3886200" indent="-228600" defTabSz="966788" eaLnBrk="0" fontAlgn="base" hangingPunct="0">
-              <a:spcBef>
-                <a:spcPct val="0"/>
-              </a:spcBef>
-              <a:spcAft>
-                <a:spcPct val="0"/>
-              </a:spcAft>
-              <a:defRPr>
-                <a:solidFill>
-                  <a:schemeClr val="tx1"/>
-                </a:solidFill>
-                <a:latin typeface="Arial" panose="020B0604020202020204" pitchFamily="34" charset="0"/>
-              </a:defRPr>
-            </a:lvl9pPr>
-          </a:lstStyle>
-          <a:p>
-            <a:fld id="{1BCF3EFA-1D1C-44AC-A9EA-D3322F0983FE}" type="slidenum">
-              <a:rPr lang="en-US">
-                <a:latin typeface="Times New Roman" panose="02020603050405020304" pitchFamily="18" charset="0"/>
-              </a:rPr>
-              <a:pPr/>
-              <a:t>60</a:t>
-            </a:fld>
-            <a:endParaRPr lang="en-US">
-              <a:latin typeface="Times New Roman" panose="02020603050405020304" pitchFamily="18" charset="0"/>
-            </a:endParaRPr>
-          </a:p>
-        </p:txBody>
-      </p:sp>
-      <p:sp>
-        <p:nvSpPr>
-          <p:cNvPr id="83974" name="Rectangle 2"/>
-          <p:cNvSpPr>
-            <a:spLocks noGrp="1" noRot="1" noChangeAspect="1" noChangeArrowheads="1" noTextEdit="1"/>
+            <a:spLocks noGrp="1" noRot="1" noChangeAspect="1"/>
           </p:cNvSpPr>
           <p:nvPr>
             <p:ph type="sldImg"/>
           </p:nvPr>
         </p:nvSpPr>
-        <p:spPr>
-          <a:ln/>
-        </p:spPr>
-      </p:sp>
-      <p:sp>
-        <p:nvSpPr>
-          <p:cNvPr id="83975" name="Rectangle 3"/>
+        <p:spPr/>
+      </p:sp>
+      <p:sp>
+        <p:nvSpPr>
+          <p:cNvPr id="3" name="Notes Placeholder 2"/>
           <p:cNvSpPr>
-            <a:spLocks noGrp="1" noChangeArrowheads="1"/>
+            <a:spLocks noGrp="1"/>
           </p:cNvSpPr>
           <p:nvPr>
             <p:ph type="body" idx="1"/>
           </p:nvPr>
         </p:nvSpPr>
-        <p:spPr>
-          <a:noFill/>
-        </p:spPr>
+        <p:spPr/>
+        <p:txBody>
+          <a:bodyPr>
+            <a:normAutofit/>
+          </a:bodyPr>
+          <a:lstStyle/>
+          <a:p>
+            <a:r>
+              <a:rPr lang="en-US" dirty="0" smtClean="0"/>
+              <a:t>This means that is not</a:t>
+            </a:r>
+            <a:r>
+              <a:rPr lang="en-US" baseline="0" dirty="0" smtClean="0"/>
+              <a:t> possible to improve the speed by five times as fast.</a:t>
+            </a:r>
+          </a:p>
+          <a:p>
+            <a:r>
+              <a:rPr lang="en-US" baseline="0" dirty="0" smtClean="0"/>
+              <a:t>This is a demonstration of the law of diminishing return.</a:t>
+            </a:r>
+            <a:endParaRPr lang="en-US" dirty="0"/>
+          </a:p>
+        </p:txBody>
+      </p:sp>
+      <p:sp>
+        <p:nvSpPr>
+          <p:cNvPr id="4" name="Slide Number Placeholder 3"/>
+          <p:cNvSpPr>
+            <a:spLocks noGrp="1"/>
+          </p:cNvSpPr>
+          <p:nvPr>
+            <p:ph type="sldNum" sz="quarter" idx="10"/>
+          </p:nvPr>
+        </p:nvSpPr>
+        <p:spPr/>
         <p:txBody>
           <a:bodyPr/>
           <a:lstStyle/>
           <a:p>
-            <a:endParaRPr lang="en-AU" smtClean="0"/>
+            <a:fld id="{6B15D8FC-C889-4410-8862-C922C3EC1A28}" type="slidenum">
+              <a:rPr lang="en-US" smtClean="0"/>
+              <a:pPr/>
+              <a:t>55</a:t>
+            </a:fld>
+            <a:endParaRPr lang="en-US"/>
           </a:p>
         </p:txBody>
       </p:sp>
     </p:spTree>
-    <p:extLst>
-      <p:ext uri="{BB962C8B-B14F-4D97-AF65-F5344CB8AC3E}">
-        <p14:creationId xmlns:p14="http://schemas.microsoft.com/office/powerpoint/2010/main" val="1719060301"/>
-      </p:ext>
-    </p:extLst>
   </p:cSld>
   <p:clrMapOvr>
     <a:masterClrMapping/>
@@ -6523,7 +4641,7 @@
 </file>
 
 <file path=ppt/notesSlides/notesSlide22.xml><?xml version="1.0" encoding="utf-8"?>
-<p:notes xmlns:a="http://schemas.openxmlformats.org/drawingml/2006/main" xmlns:r="http://schemas.openxmlformats.org/officeDocument/2006/relationships" xmlns:p="http://schemas.openxmlformats.org/presentationml/2006/main">
+<p:notes xmlns:a="http://schemas.openxmlformats.org/drawingml/2006/main" xmlns:r="http://schemas.openxmlformats.org/officeDocument/2006/relationships" xmlns:mc="http://schemas.openxmlformats.org/markup-compatibility/2006" xmlns:mv="urn:schemas-microsoft-com:mac:vml" xmlns:p="http://schemas.openxmlformats.org/presentationml/2006/main" mc:Ignorable="mv" mc:PreserveAttributes="mv:*">
   <p:cSld>
     <p:spTree>
       <p:nvGrpSpPr>
@@ -6541,7 +4659,7 @@
       </p:grpSpPr>
       <p:sp>
         <p:nvSpPr>
-          <p:cNvPr id="86018" name="Rectangle 2"/>
+          <p:cNvPr id="94210" name="Rectangle 2"/>
           <p:cNvSpPr>
             <a:spLocks noGrp="1" noChangeArrowheads="1"/>
           </p:cNvSpPr>
@@ -6664,7 +4782,7 @@
       </p:sp>
       <p:sp>
         <p:nvSpPr>
-          <p:cNvPr id="86019" name="Rectangle 3"/>
+          <p:cNvPr id="94211" name="Rectangle 3"/>
           <p:cNvSpPr>
             <a:spLocks noGrp="1" noChangeArrowheads="1"/>
           </p:cNvSpPr>
@@ -6776,12 +4894,12 @@
             </a:lvl9pPr>
           </a:lstStyle>
           <a:p>
-            <a:fld id="{3105409D-1609-4B53-BEE9-086FD49D8E56}" type="datetime4">
+            <a:fld id="{237B8151-E367-4C57-9079-5BF8D66F3DFA}" type="datetime4">
               <a:rPr lang="en-US">
                 <a:latin typeface="Times New Roman" panose="02020603050405020304" pitchFamily="18" charset="0"/>
               </a:rPr>
               <a:pPr/>
-              <a:t>November 13, 2013</a:t>
+              <a:t>November 17, 2014</a:t>
             </a:fld>
             <a:endParaRPr lang="en-US">
               <a:latin typeface="Times New Roman" panose="02020603050405020304" pitchFamily="18" charset="0"/>
@@ -6791,7 +4909,7 @@
       </p:sp>
       <p:sp>
         <p:nvSpPr>
-          <p:cNvPr id="86020" name="Rectangle 6"/>
+          <p:cNvPr id="94212" name="Rectangle 6"/>
           <p:cNvSpPr>
             <a:spLocks noGrp="1" noChangeArrowheads="1"/>
           </p:cNvSpPr>
@@ -6914,7 +5032,7 @@
       </p:sp>
       <p:sp>
         <p:nvSpPr>
-          <p:cNvPr id="86021" name="Rectangle 7"/>
+          <p:cNvPr id="94213" name="Rectangle 7"/>
           <p:cNvSpPr>
             <a:spLocks noGrp="1" noChangeArrowheads="1"/>
           </p:cNvSpPr>
@@ -7026,12 +5144,12 @@
             </a:lvl9pPr>
           </a:lstStyle>
           <a:p>
-            <a:fld id="{20B18AB6-7871-44A7-8EA3-E0BFD7E25CB1}" type="slidenum">
+            <a:fld id="{D0FAF989-B622-45C9-8BBF-B9A5A1F360DC}" type="slidenum">
               <a:rPr lang="en-US">
                 <a:latin typeface="Times New Roman" panose="02020603050405020304" pitchFamily="18" charset="0"/>
               </a:rPr>
               <a:pPr/>
-              <a:t>61</a:t>
+              <a:t>56</a:t>
             </a:fld>
             <a:endParaRPr lang="en-US">
               <a:latin typeface="Times New Roman" panose="02020603050405020304" pitchFamily="18" charset="0"/>
@@ -7041,7 +5159,7 @@
       </p:sp>
       <p:sp>
         <p:nvSpPr>
-          <p:cNvPr id="86022" name="Rectangle 2"/>
+          <p:cNvPr id="94214" name="Rectangle 2"/>
           <p:cNvSpPr>
             <a:spLocks noGrp="1" noRot="1" noChangeAspect="1" noChangeArrowheads="1" noTextEdit="1"/>
           </p:cNvSpPr>
@@ -7055,7 +5173,7 @@
       </p:sp>
       <p:sp>
         <p:nvSpPr>
-          <p:cNvPr id="86023" name="Rectangle 3"/>
+          <p:cNvPr id="94215" name="Rectangle 3"/>
           <p:cNvSpPr>
             <a:spLocks noGrp="1" noChangeArrowheads="1"/>
           </p:cNvSpPr>
@@ -7070,14 +5188,14 @@
           <a:bodyPr/>
           <a:lstStyle/>
           <a:p>
-            <a:endParaRPr lang="en-AU" smtClean="0"/>
+            <a:endParaRPr lang="en-AU" dirty="0" smtClean="0"/>
           </a:p>
         </p:txBody>
       </p:sp>
     </p:spTree>
     <p:extLst>
       <p:ext uri="{BB962C8B-B14F-4D97-AF65-F5344CB8AC3E}">
-        <p14:creationId xmlns:p14="http://schemas.microsoft.com/office/powerpoint/2010/main" val="3569292867"/>
+        <p14:creationId xmlns:p14="http://schemas.microsoft.com/office/powerpoint/2010/main" xmlns:p="http://schemas.openxmlformats.org/presentationml/2006/main" xmlns:r="http://schemas.openxmlformats.org/officeDocument/2006/relationships" xmlns:a="http://schemas.openxmlformats.org/drawingml/2006/main" xmlns="" val="1261721790"/>
       </p:ext>
     </p:extLst>
   </p:cSld>
@@ -7087,8 +5205,8 @@
 </p:notes>
 </file>
 
-<file path=ppt/notesSlides/notesSlide3.xml><?xml version="1.0" encoding="utf-8"?>
-<p:notes xmlns:a="http://schemas.openxmlformats.org/drawingml/2006/main" xmlns:r="http://schemas.openxmlformats.org/officeDocument/2006/relationships" xmlns:p="http://schemas.openxmlformats.org/presentationml/2006/main">
+<file path=ppt/notesSlides/notesSlide23.xml><?xml version="1.0" encoding="utf-8"?>
+<p:notes xmlns:a="http://schemas.openxmlformats.org/drawingml/2006/main" xmlns:r="http://schemas.openxmlformats.org/officeDocument/2006/relationships" xmlns:mc="http://schemas.openxmlformats.org/markup-compatibility/2006" xmlns:mv="urn:schemas-microsoft-com:mac:vml" xmlns:p="http://schemas.openxmlformats.org/presentationml/2006/main" mc:Ignorable="mv" mc:PreserveAttributes="mv:*">
   <p:cSld>
     <p:spTree>
       <p:nvGrpSpPr>
@@ -7106,7 +5224,7 @@
       </p:grpSpPr>
       <p:sp>
         <p:nvSpPr>
-          <p:cNvPr id="73730" name="Rectangle 2"/>
+          <p:cNvPr id="94210" name="Rectangle 2"/>
           <p:cNvSpPr>
             <a:spLocks noGrp="1" noChangeArrowheads="1"/>
           </p:cNvSpPr>
@@ -7229,7 +5347,7 @@
       </p:sp>
       <p:sp>
         <p:nvSpPr>
-          <p:cNvPr id="73731" name="Rectangle 3"/>
+          <p:cNvPr id="94211" name="Rectangle 3"/>
           <p:cNvSpPr>
             <a:spLocks noGrp="1" noChangeArrowheads="1"/>
           </p:cNvSpPr>
@@ -7341,12 +5459,12 @@
             </a:lvl9pPr>
           </a:lstStyle>
           <a:p>
-            <a:fld id="{3CCFE775-65E1-446B-B40A-505B8B4D00A8}" type="datetime4">
+            <a:fld id="{237B8151-E367-4C57-9079-5BF8D66F3DFA}" type="datetime4">
               <a:rPr lang="en-US">
                 <a:latin typeface="Times New Roman" panose="02020603050405020304" pitchFamily="18" charset="0"/>
               </a:rPr>
               <a:pPr/>
-              <a:t>November 13, 2013</a:t>
+              <a:t>November 17, 2014</a:t>
             </a:fld>
             <a:endParaRPr lang="en-US">
               <a:latin typeface="Times New Roman" panose="02020603050405020304" pitchFamily="18" charset="0"/>
@@ -7356,7 +5474,7 @@
       </p:sp>
       <p:sp>
         <p:nvSpPr>
-          <p:cNvPr id="73732" name="Rectangle 6"/>
+          <p:cNvPr id="94212" name="Rectangle 6"/>
           <p:cNvSpPr>
             <a:spLocks noGrp="1" noChangeArrowheads="1"/>
           </p:cNvSpPr>
@@ -7479,7 +5597,7 @@
       </p:sp>
       <p:sp>
         <p:nvSpPr>
-          <p:cNvPr id="73733" name="Rectangle 7"/>
+          <p:cNvPr id="94213" name="Rectangle 7"/>
           <p:cNvSpPr>
             <a:spLocks noGrp="1" noChangeArrowheads="1"/>
           </p:cNvSpPr>
@@ -7591,12 +5709,12 @@
             </a:lvl9pPr>
           </a:lstStyle>
           <a:p>
-            <a:fld id="{399683E7-D655-4DE8-B705-B1198EBD2C37}" type="slidenum">
+            <a:fld id="{D0FAF989-B622-45C9-8BBF-B9A5A1F360DC}" type="slidenum">
               <a:rPr lang="en-US">
                 <a:latin typeface="Times New Roman" panose="02020603050405020304" pitchFamily="18" charset="0"/>
               </a:rPr>
               <a:pPr/>
-              <a:t>8</a:t>
+              <a:t>57</a:t>
             </a:fld>
             <a:endParaRPr lang="en-US">
               <a:latin typeface="Times New Roman" panose="02020603050405020304" pitchFamily="18" charset="0"/>
@@ -7606,7 +5724,7 @@
       </p:sp>
       <p:sp>
         <p:nvSpPr>
-          <p:cNvPr id="73734" name="Rectangle 2"/>
+          <p:cNvPr id="94214" name="Rectangle 2"/>
           <p:cNvSpPr>
             <a:spLocks noGrp="1" noRot="1" noChangeAspect="1" noChangeArrowheads="1" noTextEdit="1"/>
           </p:cNvSpPr>
@@ -7620,7 +5738,7 @@
       </p:sp>
       <p:sp>
         <p:nvSpPr>
-          <p:cNvPr id="73735" name="Rectangle 3"/>
+          <p:cNvPr id="94215" name="Rectangle 3"/>
           <p:cNvSpPr>
             <a:spLocks noGrp="1" noChangeArrowheads="1"/>
           </p:cNvSpPr>
@@ -7635,14 +5753,22 @@
           <a:bodyPr/>
           <a:lstStyle/>
           <a:p>
-            <a:endParaRPr lang="en-AU" smtClean="0"/>
+            <a:r>
+              <a:rPr lang="en-AU" dirty="0" smtClean="0"/>
+              <a:t>We want to improve the common</a:t>
+            </a:r>
+            <a:r>
+              <a:rPr lang="en-AU" baseline="0" dirty="0" smtClean="0"/>
+              <a:t> case versus the rare case.  </a:t>
+            </a:r>
+            <a:endParaRPr lang="en-AU" dirty="0" smtClean="0"/>
           </a:p>
         </p:txBody>
       </p:sp>
     </p:spTree>
     <p:extLst>
       <p:ext uri="{BB962C8B-B14F-4D97-AF65-F5344CB8AC3E}">
-        <p14:creationId xmlns:p14="http://schemas.microsoft.com/office/powerpoint/2010/main" val="1380137515"/>
+        <p14:creationId xmlns:p14="http://schemas.microsoft.com/office/powerpoint/2010/main" xmlns:p="http://schemas.openxmlformats.org/presentationml/2006/main" xmlns:r="http://schemas.openxmlformats.org/officeDocument/2006/relationships" xmlns:a="http://schemas.openxmlformats.org/drawingml/2006/main" xmlns="" val="1218655513"/>
       </p:ext>
     </p:extLst>
   </p:cSld>
@@ -7652,8 +5778,8 @@
 </p:notes>
 </file>
 
-<file path=ppt/notesSlides/notesSlide4.xml><?xml version="1.0" encoding="utf-8"?>
-<p:notes xmlns:a="http://schemas.openxmlformats.org/drawingml/2006/main" xmlns:r="http://schemas.openxmlformats.org/officeDocument/2006/relationships" xmlns:p="http://schemas.openxmlformats.org/presentationml/2006/main">
+<file path=ppt/notesSlides/notesSlide24.xml><?xml version="1.0" encoding="utf-8"?>
+<p:notes xmlns:a="http://schemas.openxmlformats.org/drawingml/2006/main" xmlns:r="http://schemas.openxmlformats.org/officeDocument/2006/relationships" xmlns:mc="http://schemas.openxmlformats.org/markup-compatibility/2006" xmlns:mv="urn:schemas-microsoft-com:mac:vml" xmlns:p="http://schemas.openxmlformats.org/presentationml/2006/main" mc:Ignorable="mv" mc:PreserveAttributes="mv:*">
   <p:cSld>
     <p:spTree>
       <p:nvGrpSpPr>
@@ -7671,545 +5797,62 @@
       </p:grpSpPr>
       <p:sp>
         <p:nvSpPr>
-          <p:cNvPr id="74754" name="Rectangle 2"/>
+          <p:cNvPr id="2" name="Slide Image Placeholder 1"/>
           <p:cNvSpPr>
-            <a:spLocks noGrp="1" noChangeArrowheads="1"/>
-          </p:cNvSpPr>
-          <p:nvPr>
-            <p:ph type="hdr" sz="quarter"/>
-          </p:nvPr>
-        </p:nvSpPr>
-        <p:spPr>
-          <a:noFill/>
-        </p:spPr>
-        <p:txBody>
-          <a:bodyPr/>
-          <a:lstStyle>
-            <a:lvl1pPr defTabSz="966788">
-              <a:defRPr>
-                <a:solidFill>
-                  <a:schemeClr val="tx1"/>
-                </a:solidFill>
-                <a:latin typeface="Arial" panose="020B0604020202020204" pitchFamily="34" charset="0"/>
-              </a:defRPr>
-            </a:lvl1pPr>
-            <a:lvl2pPr marL="742950" indent="-285750" defTabSz="966788">
-              <a:defRPr>
-                <a:solidFill>
-                  <a:schemeClr val="tx1"/>
-                </a:solidFill>
-                <a:latin typeface="Arial" panose="020B0604020202020204" pitchFamily="34" charset="0"/>
-              </a:defRPr>
-            </a:lvl2pPr>
-            <a:lvl3pPr marL="1143000" indent="-228600" defTabSz="966788">
-              <a:defRPr>
-                <a:solidFill>
-                  <a:schemeClr val="tx1"/>
-                </a:solidFill>
-                <a:latin typeface="Arial" panose="020B0604020202020204" pitchFamily="34" charset="0"/>
-              </a:defRPr>
-            </a:lvl3pPr>
-            <a:lvl4pPr marL="1600200" indent="-228600" defTabSz="966788">
-              <a:defRPr>
-                <a:solidFill>
-                  <a:schemeClr val="tx1"/>
-                </a:solidFill>
-                <a:latin typeface="Arial" panose="020B0604020202020204" pitchFamily="34" charset="0"/>
-              </a:defRPr>
-            </a:lvl4pPr>
-            <a:lvl5pPr marL="2057400" indent="-228600" defTabSz="966788">
-              <a:defRPr>
-                <a:solidFill>
-                  <a:schemeClr val="tx1"/>
-                </a:solidFill>
-                <a:latin typeface="Arial" panose="020B0604020202020204" pitchFamily="34" charset="0"/>
-              </a:defRPr>
-            </a:lvl5pPr>
-            <a:lvl6pPr marL="2514600" indent="-228600" defTabSz="966788" eaLnBrk="0" fontAlgn="base" hangingPunct="0">
-              <a:spcBef>
-                <a:spcPct val="0"/>
-              </a:spcBef>
-              <a:spcAft>
-                <a:spcPct val="0"/>
-              </a:spcAft>
-              <a:defRPr>
-                <a:solidFill>
-                  <a:schemeClr val="tx1"/>
-                </a:solidFill>
-                <a:latin typeface="Arial" panose="020B0604020202020204" pitchFamily="34" charset="0"/>
-              </a:defRPr>
-            </a:lvl6pPr>
-            <a:lvl7pPr marL="2971800" indent="-228600" defTabSz="966788" eaLnBrk="0" fontAlgn="base" hangingPunct="0">
-              <a:spcBef>
-                <a:spcPct val="0"/>
-              </a:spcBef>
-              <a:spcAft>
-                <a:spcPct val="0"/>
-              </a:spcAft>
-              <a:defRPr>
-                <a:solidFill>
-                  <a:schemeClr val="tx1"/>
-                </a:solidFill>
-                <a:latin typeface="Arial" panose="020B0604020202020204" pitchFamily="34" charset="0"/>
-              </a:defRPr>
-            </a:lvl7pPr>
-            <a:lvl8pPr marL="3429000" indent="-228600" defTabSz="966788" eaLnBrk="0" fontAlgn="base" hangingPunct="0">
-              <a:spcBef>
-                <a:spcPct val="0"/>
-              </a:spcBef>
-              <a:spcAft>
-                <a:spcPct val="0"/>
-              </a:spcAft>
-              <a:defRPr>
-                <a:solidFill>
-                  <a:schemeClr val="tx1"/>
-                </a:solidFill>
-                <a:latin typeface="Arial" panose="020B0604020202020204" pitchFamily="34" charset="0"/>
-              </a:defRPr>
-            </a:lvl8pPr>
-            <a:lvl9pPr marL="3886200" indent="-228600" defTabSz="966788" eaLnBrk="0" fontAlgn="base" hangingPunct="0">
-              <a:spcBef>
-                <a:spcPct val="0"/>
-              </a:spcBef>
-              <a:spcAft>
-                <a:spcPct val="0"/>
-              </a:spcAft>
-              <a:defRPr>
-                <a:solidFill>
-                  <a:schemeClr val="tx1"/>
-                </a:solidFill>
-                <a:latin typeface="Arial" panose="020B0604020202020204" pitchFamily="34" charset="0"/>
-              </a:defRPr>
-            </a:lvl9pPr>
-          </a:lstStyle>
-          <a:p>
-            <a:r>
-              <a:rPr lang="en-US">
-                <a:latin typeface="Times New Roman" panose="02020603050405020304" pitchFamily="18" charset="0"/>
-              </a:rPr>
-              <a:t>Morgan Kaufmann Publishers</a:t>
-            </a:r>
-          </a:p>
-        </p:txBody>
-      </p:sp>
-      <p:sp>
-        <p:nvSpPr>
-          <p:cNvPr id="74755" name="Rectangle 3"/>
-          <p:cNvSpPr>
-            <a:spLocks noGrp="1" noChangeArrowheads="1"/>
-          </p:cNvSpPr>
-          <p:nvPr>
-            <p:ph type="dt" sz="quarter" idx="1"/>
-          </p:nvPr>
-        </p:nvSpPr>
-        <p:spPr>
-          <a:noFill/>
-        </p:spPr>
-        <p:txBody>
-          <a:bodyPr/>
-          <a:lstStyle>
-            <a:lvl1pPr defTabSz="966788">
-              <a:defRPr>
-                <a:solidFill>
-                  <a:schemeClr val="tx1"/>
-                </a:solidFill>
-                <a:latin typeface="Arial" panose="020B0604020202020204" pitchFamily="34" charset="0"/>
-              </a:defRPr>
-            </a:lvl1pPr>
-            <a:lvl2pPr marL="742950" indent="-285750" defTabSz="966788">
-              <a:defRPr>
-                <a:solidFill>
-                  <a:schemeClr val="tx1"/>
-                </a:solidFill>
-                <a:latin typeface="Arial" panose="020B0604020202020204" pitchFamily="34" charset="0"/>
-              </a:defRPr>
-            </a:lvl2pPr>
-            <a:lvl3pPr marL="1143000" indent="-228600" defTabSz="966788">
-              <a:defRPr>
-                <a:solidFill>
-                  <a:schemeClr val="tx1"/>
-                </a:solidFill>
-                <a:latin typeface="Arial" panose="020B0604020202020204" pitchFamily="34" charset="0"/>
-              </a:defRPr>
-            </a:lvl3pPr>
-            <a:lvl4pPr marL="1600200" indent="-228600" defTabSz="966788">
-              <a:defRPr>
-                <a:solidFill>
-                  <a:schemeClr val="tx1"/>
-                </a:solidFill>
-                <a:latin typeface="Arial" panose="020B0604020202020204" pitchFamily="34" charset="0"/>
-              </a:defRPr>
-            </a:lvl4pPr>
-            <a:lvl5pPr marL="2057400" indent="-228600" defTabSz="966788">
-              <a:defRPr>
-                <a:solidFill>
-                  <a:schemeClr val="tx1"/>
-                </a:solidFill>
-                <a:latin typeface="Arial" panose="020B0604020202020204" pitchFamily="34" charset="0"/>
-              </a:defRPr>
-            </a:lvl5pPr>
-            <a:lvl6pPr marL="2514600" indent="-228600" defTabSz="966788" eaLnBrk="0" fontAlgn="base" hangingPunct="0">
-              <a:spcBef>
-                <a:spcPct val="0"/>
-              </a:spcBef>
-              <a:spcAft>
-                <a:spcPct val="0"/>
-              </a:spcAft>
-              <a:defRPr>
-                <a:solidFill>
-                  <a:schemeClr val="tx1"/>
-                </a:solidFill>
-                <a:latin typeface="Arial" panose="020B0604020202020204" pitchFamily="34" charset="0"/>
-              </a:defRPr>
-            </a:lvl6pPr>
-            <a:lvl7pPr marL="2971800" indent="-228600" defTabSz="966788" eaLnBrk="0" fontAlgn="base" hangingPunct="0">
-              <a:spcBef>
-                <a:spcPct val="0"/>
-              </a:spcBef>
-              <a:spcAft>
-                <a:spcPct val="0"/>
-              </a:spcAft>
-              <a:defRPr>
-                <a:solidFill>
-                  <a:schemeClr val="tx1"/>
-                </a:solidFill>
-                <a:latin typeface="Arial" panose="020B0604020202020204" pitchFamily="34" charset="0"/>
-              </a:defRPr>
-            </a:lvl7pPr>
-            <a:lvl8pPr marL="3429000" indent="-228600" defTabSz="966788" eaLnBrk="0" fontAlgn="base" hangingPunct="0">
-              <a:spcBef>
-                <a:spcPct val="0"/>
-              </a:spcBef>
-              <a:spcAft>
-                <a:spcPct val="0"/>
-              </a:spcAft>
-              <a:defRPr>
-                <a:solidFill>
-                  <a:schemeClr val="tx1"/>
-                </a:solidFill>
-                <a:latin typeface="Arial" panose="020B0604020202020204" pitchFamily="34" charset="0"/>
-              </a:defRPr>
-            </a:lvl8pPr>
-            <a:lvl9pPr marL="3886200" indent="-228600" defTabSz="966788" eaLnBrk="0" fontAlgn="base" hangingPunct="0">
-              <a:spcBef>
-                <a:spcPct val="0"/>
-              </a:spcBef>
-              <a:spcAft>
-                <a:spcPct val="0"/>
-              </a:spcAft>
-              <a:defRPr>
-                <a:solidFill>
-                  <a:schemeClr val="tx1"/>
-                </a:solidFill>
-                <a:latin typeface="Arial" panose="020B0604020202020204" pitchFamily="34" charset="0"/>
-              </a:defRPr>
-            </a:lvl9pPr>
-          </a:lstStyle>
-          <a:p>
-            <a:fld id="{6A492C50-3082-4462-8314-8528F18875BF}" type="datetime4">
-              <a:rPr lang="en-US">
-                <a:latin typeface="Times New Roman" panose="02020603050405020304" pitchFamily="18" charset="0"/>
-              </a:rPr>
-              <a:pPr/>
-              <a:t>November 13, 2013</a:t>
-            </a:fld>
-            <a:endParaRPr lang="en-US">
-              <a:latin typeface="Times New Roman" panose="02020603050405020304" pitchFamily="18" charset="0"/>
-            </a:endParaRPr>
-          </a:p>
-        </p:txBody>
-      </p:sp>
-      <p:sp>
-        <p:nvSpPr>
-          <p:cNvPr id="74756" name="Rectangle 6"/>
-          <p:cNvSpPr>
-            <a:spLocks noGrp="1" noChangeArrowheads="1"/>
-          </p:cNvSpPr>
-          <p:nvPr>
-            <p:ph type="ftr" sz="quarter" idx="4"/>
-          </p:nvPr>
-        </p:nvSpPr>
-        <p:spPr>
-          <a:noFill/>
-        </p:spPr>
-        <p:txBody>
-          <a:bodyPr/>
-          <a:lstStyle>
-            <a:lvl1pPr defTabSz="966788">
-              <a:defRPr>
-                <a:solidFill>
-                  <a:schemeClr val="tx1"/>
-                </a:solidFill>
-                <a:latin typeface="Arial" panose="020B0604020202020204" pitchFamily="34" charset="0"/>
-              </a:defRPr>
-            </a:lvl1pPr>
-            <a:lvl2pPr marL="742950" indent="-285750" defTabSz="966788">
-              <a:defRPr>
-                <a:solidFill>
-                  <a:schemeClr val="tx1"/>
-                </a:solidFill>
-                <a:latin typeface="Arial" panose="020B0604020202020204" pitchFamily="34" charset="0"/>
-              </a:defRPr>
-            </a:lvl2pPr>
-            <a:lvl3pPr marL="1143000" indent="-228600" defTabSz="966788">
-              <a:defRPr>
-                <a:solidFill>
-                  <a:schemeClr val="tx1"/>
-                </a:solidFill>
-                <a:latin typeface="Arial" panose="020B0604020202020204" pitchFamily="34" charset="0"/>
-              </a:defRPr>
-            </a:lvl3pPr>
-            <a:lvl4pPr marL="1600200" indent="-228600" defTabSz="966788">
-              <a:defRPr>
-                <a:solidFill>
-                  <a:schemeClr val="tx1"/>
-                </a:solidFill>
-                <a:latin typeface="Arial" panose="020B0604020202020204" pitchFamily="34" charset="0"/>
-              </a:defRPr>
-            </a:lvl4pPr>
-            <a:lvl5pPr marL="2057400" indent="-228600" defTabSz="966788">
-              <a:defRPr>
-                <a:solidFill>
-                  <a:schemeClr val="tx1"/>
-                </a:solidFill>
-                <a:latin typeface="Arial" panose="020B0604020202020204" pitchFamily="34" charset="0"/>
-              </a:defRPr>
-            </a:lvl5pPr>
-            <a:lvl6pPr marL="2514600" indent="-228600" defTabSz="966788" eaLnBrk="0" fontAlgn="base" hangingPunct="0">
-              <a:spcBef>
-                <a:spcPct val="0"/>
-              </a:spcBef>
-              <a:spcAft>
-                <a:spcPct val="0"/>
-              </a:spcAft>
-              <a:defRPr>
-                <a:solidFill>
-                  <a:schemeClr val="tx1"/>
-                </a:solidFill>
-                <a:latin typeface="Arial" panose="020B0604020202020204" pitchFamily="34" charset="0"/>
-              </a:defRPr>
-            </a:lvl6pPr>
-            <a:lvl7pPr marL="2971800" indent="-228600" defTabSz="966788" eaLnBrk="0" fontAlgn="base" hangingPunct="0">
-              <a:spcBef>
-                <a:spcPct val="0"/>
-              </a:spcBef>
-              <a:spcAft>
-                <a:spcPct val="0"/>
-              </a:spcAft>
-              <a:defRPr>
-                <a:solidFill>
-                  <a:schemeClr val="tx1"/>
-                </a:solidFill>
-                <a:latin typeface="Arial" panose="020B0604020202020204" pitchFamily="34" charset="0"/>
-              </a:defRPr>
-            </a:lvl7pPr>
-            <a:lvl8pPr marL="3429000" indent="-228600" defTabSz="966788" eaLnBrk="0" fontAlgn="base" hangingPunct="0">
-              <a:spcBef>
-                <a:spcPct val="0"/>
-              </a:spcBef>
-              <a:spcAft>
-                <a:spcPct val="0"/>
-              </a:spcAft>
-              <a:defRPr>
-                <a:solidFill>
-                  <a:schemeClr val="tx1"/>
-                </a:solidFill>
-                <a:latin typeface="Arial" panose="020B0604020202020204" pitchFamily="34" charset="0"/>
-              </a:defRPr>
-            </a:lvl8pPr>
-            <a:lvl9pPr marL="3886200" indent="-228600" defTabSz="966788" eaLnBrk="0" fontAlgn="base" hangingPunct="0">
-              <a:spcBef>
-                <a:spcPct val="0"/>
-              </a:spcBef>
-              <a:spcAft>
-                <a:spcPct val="0"/>
-              </a:spcAft>
-              <a:defRPr>
-                <a:solidFill>
-                  <a:schemeClr val="tx1"/>
-                </a:solidFill>
-                <a:latin typeface="Arial" panose="020B0604020202020204" pitchFamily="34" charset="0"/>
-              </a:defRPr>
-            </a:lvl9pPr>
-          </a:lstStyle>
-          <a:p>
-            <a:r>
-              <a:rPr lang="en-US">
-                <a:latin typeface="Times New Roman" panose="02020603050405020304" pitchFamily="18" charset="0"/>
-              </a:rPr>
-              <a:t>Chapter 1 — Computer Abstractions and Technology</a:t>
-            </a:r>
-          </a:p>
-        </p:txBody>
-      </p:sp>
-      <p:sp>
-        <p:nvSpPr>
-          <p:cNvPr id="74757" name="Rectangle 7"/>
-          <p:cNvSpPr>
-            <a:spLocks noGrp="1" noChangeArrowheads="1"/>
-          </p:cNvSpPr>
-          <p:nvPr>
-            <p:ph type="sldNum" sz="quarter" idx="5"/>
-          </p:nvPr>
-        </p:nvSpPr>
-        <p:spPr>
-          <a:noFill/>
-        </p:spPr>
-        <p:txBody>
-          <a:bodyPr/>
-          <a:lstStyle>
-            <a:lvl1pPr defTabSz="966788">
-              <a:defRPr>
-                <a:solidFill>
-                  <a:schemeClr val="tx1"/>
-                </a:solidFill>
-                <a:latin typeface="Arial" panose="020B0604020202020204" pitchFamily="34" charset="0"/>
-              </a:defRPr>
-            </a:lvl1pPr>
-            <a:lvl2pPr marL="742950" indent="-285750" defTabSz="966788">
-              <a:defRPr>
-                <a:solidFill>
-                  <a:schemeClr val="tx1"/>
-                </a:solidFill>
-                <a:latin typeface="Arial" panose="020B0604020202020204" pitchFamily="34" charset="0"/>
-              </a:defRPr>
-            </a:lvl2pPr>
-            <a:lvl3pPr marL="1143000" indent="-228600" defTabSz="966788">
-              <a:defRPr>
-                <a:solidFill>
-                  <a:schemeClr val="tx1"/>
-                </a:solidFill>
-                <a:latin typeface="Arial" panose="020B0604020202020204" pitchFamily="34" charset="0"/>
-              </a:defRPr>
-            </a:lvl3pPr>
-            <a:lvl4pPr marL="1600200" indent="-228600" defTabSz="966788">
-              <a:defRPr>
-                <a:solidFill>
-                  <a:schemeClr val="tx1"/>
-                </a:solidFill>
-                <a:latin typeface="Arial" panose="020B0604020202020204" pitchFamily="34" charset="0"/>
-              </a:defRPr>
-            </a:lvl4pPr>
-            <a:lvl5pPr marL="2057400" indent="-228600" defTabSz="966788">
-              <a:defRPr>
-                <a:solidFill>
-                  <a:schemeClr val="tx1"/>
-                </a:solidFill>
-                <a:latin typeface="Arial" panose="020B0604020202020204" pitchFamily="34" charset="0"/>
-              </a:defRPr>
-            </a:lvl5pPr>
-            <a:lvl6pPr marL="2514600" indent="-228600" defTabSz="966788" eaLnBrk="0" fontAlgn="base" hangingPunct="0">
-              <a:spcBef>
-                <a:spcPct val="0"/>
-              </a:spcBef>
-              <a:spcAft>
-                <a:spcPct val="0"/>
-              </a:spcAft>
-              <a:defRPr>
-                <a:solidFill>
-                  <a:schemeClr val="tx1"/>
-                </a:solidFill>
-                <a:latin typeface="Arial" panose="020B0604020202020204" pitchFamily="34" charset="0"/>
-              </a:defRPr>
-            </a:lvl6pPr>
-            <a:lvl7pPr marL="2971800" indent="-228600" defTabSz="966788" eaLnBrk="0" fontAlgn="base" hangingPunct="0">
-              <a:spcBef>
-                <a:spcPct val="0"/>
-              </a:spcBef>
-              <a:spcAft>
-                <a:spcPct val="0"/>
-              </a:spcAft>
-              <a:defRPr>
-                <a:solidFill>
-                  <a:schemeClr val="tx1"/>
-                </a:solidFill>
-                <a:latin typeface="Arial" panose="020B0604020202020204" pitchFamily="34" charset="0"/>
-              </a:defRPr>
-            </a:lvl7pPr>
-            <a:lvl8pPr marL="3429000" indent="-228600" defTabSz="966788" eaLnBrk="0" fontAlgn="base" hangingPunct="0">
-              <a:spcBef>
-                <a:spcPct val="0"/>
-              </a:spcBef>
-              <a:spcAft>
-                <a:spcPct val="0"/>
-              </a:spcAft>
-              <a:defRPr>
-                <a:solidFill>
-                  <a:schemeClr val="tx1"/>
-                </a:solidFill>
-                <a:latin typeface="Arial" panose="020B0604020202020204" pitchFamily="34" charset="0"/>
-              </a:defRPr>
-            </a:lvl8pPr>
-            <a:lvl9pPr marL="3886200" indent="-228600" defTabSz="966788" eaLnBrk="0" fontAlgn="base" hangingPunct="0">
-              <a:spcBef>
-                <a:spcPct val="0"/>
-              </a:spcBef>
-              <a:spcAft>
-                <a:spcPct val="0"/>
-              </a:spcAft>
-              <a:defRPr>
-                <a:solidFill>
-                  <a:schemeClr val="tx1"/>
-                </a:solidFill>
-                <a:latin typeface="Arial" panose="020B0604020202020204" pitchFamily="34" charset="0"/>
-              </a:defRPr>
-            </a:lvl9pPr>
-          </a:lstStyle>
-          <a:p>
-            <a:fld id="{04543D1C-4621-4736-B86A-345C752D5A29}" type="slidenum">
-              <a:rPr lang="en-US">
-                <a:latin typeface="Times New Roman" panose="02020603050405020304" pitchFamily="18" charset="0"/>
-              </a:rPr>
-              <a:pPr/>
-              <a:t>9</a:t>
-            </a:fld>
-            <a:endParaRPr lang="en-US">
-              <a:latin typeface="Times New Roman" panose="02020603050405020304" pitchFamily="18" charset="0"/>
-            </a:endParaRPr>
-          </a:p>
-        </p:txBody>
-      </p:sp>
-      <p:sp>
-        <p:nvSpPr>
-          <p:cNvPr id="74758" name="Rectangle 2"/>
-          <p:cNvSpPr>
-            <a:spLocks noGrp="1" noRot="1" noChangeAspect="1" noChangeArrowheads="1" noTextEdit="1"/>
+            <a:spLocks noGrp="1" noRot="1" noChangeAspect="1"/>
           </p:cNvSpPr>
           <p:nvPr>
             <p:ph type="sldImg"/>
           </p:nvPr>
         </p:nvSpPr>
-        <p:spPr>
-          <a:ln/>
-        </p:spPr>
-      </p:sp>
-      <p:sp>
-        <p:nvSpPr>
-          <p:cNvPr id="74759" name="Rectangle 3"/>
+        <p:spPr/>
+      </p:sp>
+      <p:sp>
+        <p:nvSpPr>
+          <p:cNvPr id="3" name="Notes Placeholder 2"/>
           <p:cNvSpPr>
-            <a:spLocks noGrp="1" noChangeArrowheads="1"/>
+            <a:spLocks noGrp="1"/>
           </p:cNvSpPr>
           <p:nvPr>
             <p:ph type="body" idx="1"/>
           </p:nvPr>
         </p:nvSpPr>
-        <p:spPr>
-          <a:noFill/>
-        </p:spPr>
+        <p:spPr/>
+        <p:txBody>
+          <a:bodyPr>
+            <a:normAutofit/>
+          </a:bodyPr>
+          <a:lstStyle/>
+          <a:p>
+            <a:endParaRPr lang="en-US" dirty="0"/>
+          </a:p>
+        </p:txBody>
+      </p:sp>
+      <p:sp>
+        <p:nvSpPr>
+          <p:cNvPr id="4" name="Slide Number Placeholder 3"/>
+          <p:cNvSpPr>
+            <a:spLocks noGrp="1"/>
+          </p:cNvSpPr>
+          <p:nvPr>
+            <p:ph type="sldNum" sz="quarter" idx="10"/>
+          </p:nvPr>
+        </p:nvSpPr>
+        <p:spPr/>
         <p:txBody>
           <a:bodyPr/>
           <a:lstStyle/>
           <a:p>
-            <a:endParaRPr lang="en-AU" smtClean="0"/>
+            <a:fld id="{6B15D8FC-C889-4410-8862-C922C3EC1A28}" type="slidenum">
+              <a:rPr lang="en-US" smtClean="0"/>
+              <a:pPr/>
+              <a:t>58</a:t>
+            </a:fld>
+            <a:endParaRPr lang="en-US"/>
           </a:p>
         </p:txBody>
       </p:sp>
     </p:spTree>
-    <p:extLst>
-      <p:ext uri="{BB962C8B-B14F-4D97-AF65-F5344CB8AC3E}">
-        <p14:creationId xmlns:p14="http://schemas.microsoft.com/office/powerpoint/2010/main" val="774606590"/>
-      </p:ext>
-    </p:extLst>
   </p:cSld>
   <p:clrMapOvr>
     <a:masterClrMapping/>
@@ -8217,8 +5860,8 @@
 </p:notes>
 </file>
 
-<file path=ppt/notesSlides/notesSlide5.xml><?xml version="1.0" encoding="utf-8"?>
-<p:notes xmlns:a="http://schemas.openxmlformats.org/drawingml/2006/main" xmlns:r="http://schemas.openxmlformats.org/officeDocument/2006/relationships" xmlns:p="http://schemas.openxmlformats.org/presentationml/2006/main">
+<file path=ppt/notesSlides/notesSlide25.xml><?xml version="1.0" encoding="utf-8"?>
+<p:notes xmlns:a="http://schemas.openxmlformats.org/drawingml/2006/main" xmlns:r="http://schemas.openxmlformats.org/officeDocument/2006/relationships" xmlns:mc="http://schemas.openxmlformats.org/markup-compatibility/2006" xmlns:mv="urn:schemas-microsoft-com:mac:vml" xmlns:p="http://schemas.openxmlformats.org/presentationml/2006/main" mc:Ignorable="mv" mc:PreserveAttributes="mv:*">
   <p:cSld>
     <p:spTree>
       <p:nvGrpSpPr>
@@ -8236,7 +5879,7 @@
       </p:grpSpPr>
       <p:sp>
         <p:nvSpPr>
-          <p:cNvPr id="75778" name="Rectangle 2"/>
+          <p:cNvPr id="82946" name="Rectangle 2"/>
           <p:cNvSpPr>
             <a:spLocks noGrp="1" noChangeArrowheads="1"/>
           </p:cNvSpPr>
@@ -8359,7 +6002,7 @@
       </p:sp>
       <p:sp>
         <p:nvSpPr>
-          <p:cNvPr id="75779" name="Rectangle 3"/>
+          <p:cNvPr id="82947" name="Rectangle 3"/>
           <p:cNvSpPr>
             <a:spLocks noGrp="1" noChangeArrowheads="1"/>
           </p:cNvSpPr>
@@ -8471,12 +6114,12 @@
             </a:lvl9pPr>
           </a:lstStyle>
           <a:p>
-            <a:fld id="{8887E4E8-C597-4B49-94E5-5783C7DBE7BC}" type="datetime4">
+            <a:fld id="{3F4146F5-1D6C-4265-85A3-C8474683062F}" type="datetime4">
               <a:rPr lang="en-US">
                 <a:latin typeface="Times New Roman" panose="02020603050405020304" pitchFamily="18" charset="0"/>
               </a:rPr>
               <a:pPr/>
-              <a:t>November 13, 2013</a:t>
+              <a:t>November 17, 2014</a:t>
             </a:fld>
             <a:endParaRPr lang="en-US">
               <a:latin typeface="Times New Roman" panose="02020603050405020304" pitchFamily="18" charset="0"/>
@@ -8486,7 +6129,7 @@
       </p:sp>
       <p:sp>
         <p:nvSpPr>
-          <p:cNvPr id="75780" name="Rectangle 6"/>
+          <p:cNvPr id="82948" name="Rectangle 6"/>
           <p:cNvSpPr>
             <a:spLocks noGrp="1" noChangeArrowheads="1"/>
           </p:cNvSpPr>
@@ -8609,7 +6252,7 @@
       </p:sp>
       <p:sp>
         <p:nvSpPr>
-          <p:cNvPr id="75781" name="Rectangle 7"/>
+          <p:cNvPr id="82949" name="Rectangle 7"/>
           <p:cNvSpPr>
             <a:spLocks noGrp="1" noChangeArrowheads="1"/>
           </p:cNvSpPr>
@@ -8721,12 +6364,12 @@
             </a:lvl9pPr>
           </a:lstStyle>
           <a:p>
-            <a:fld id="{AE3DED84-D1EF-4974-9AE6-3C69ED3298AC}" type="slidenum">
+            <a:fld id="{CD1CEA74-A250-45C6-878D-0703D814A068}" type="slidenum">
               <a:rPr lang="en-US">
                 <a:latin typeface="Times New Roman" panose="02020603050405020304" pitchFamily="18" charset="0"/>
               </a:rPr>
               <a:pPr/>
-              <a:t>10</a:t>
+              <a:t>59</a:t>
             </a:fld>
             <a:endParaRPr lang="en-US">
               <a:latin typeface="Times New Roman" panose="02020603050405020304" pitchFamily="18" charset="0"/>
@@ -8736,7 +6379,7 @@
       </p:sp>
       <p:sp>
         <p:nvSpPr>
-          <p:cNvPr id="75782" name="Rectangle 2"/>
+          <p:cNvPr id="82950" name="Rectangle 2"/>
           <p:cNvSpPr>
             <a:spLocks noGrp="1" noRot="1" noChangeAspect="1" noChangeArrowheads="1" noTextEdit="1"/>
           </p:cNvSpPr>
@@ -8750,7 +6393,7 @@
       </p:sp>
       <p:sp>
         <p:nvSpPr>
-          <p:cNvPr id="75783" name="Rectangle 3"/>
+          <p:cNvPr id="82951" name="Rectangle 3"/>
           <p:cNvSpPr>
             <a:spLocks noGrp="1" noChangeArrowheads="1"/>
           </p:cNvSpPr>
@@ -8765,14 +6408,41 @@
           <a:bodyPr/>
           <a:lstStyle/>
           <a:p>
-            <a:endParaRPr lang="en-AU" smtClean="0"/>
+            <a:r>
+              <a:rPr lang="en-AU" dirty="0" smtClean="0"/>
+              <a:t>We’ve made all the improvements</a:t>
+            </a:r>
+            <a:r>
+              <a:rPr lang="en-AU" baseline="0" dirty="0" smtClean="0"/>
+              <a:t> on the hardware, thus we have reach the limit of our transistors capabilities </a:t>
+            </a:r>
+            <a:r>
+              <a:rPr lang="en-US" baseline="0" dirty="0" err="1" smtClean="0">
+                <a:sym typeface="Wingdings"/>
+              </a:rPr>
+              <a:t></a:t>
+            </a:r>
+            <a:r>
+              <a:rPr lang="en-US" baseline="0" dirty="0" smtClean="0">
+                <a:sym typeface="Wingdings"/>
+              </a:rPr>
+              <a:t> Power Wall.</a:t>
+            </a:r>
+          </a:p>
+          <a:p>
+            <a:endParaRPr lang="en-US" baseline="0" dirty="0" smtClean="0">
+              <a:sym typeface="Wingdings"/>
+            </a:endParaRPr>
+          </a:p>
+          <a:p>
+            <a:endParaRPr lang="en-AU" dirty="0" smtClean="0"/>
           </a:p>
         </p:txBody>
       </p:sp>
     </p:spTree>
     <p:extLst>
       <p:ext uri="{BB962C8B-B14F-4D97-AF65-F5344CB8AC3E}">
-        <p14:creationId xmlns:p14="http://schemas.microsoft.com/office/powerpoint/2010/main" val="2056673383"/>
+        <p14:creationId xmlns:p14="http://schemas.microsoft.com/office/powerpoint/2010/main" xmlns:p="http://schemas.openxmlformats.org/presentationml/2006/main" xmlns:r="http://schemas.openxmlformats.org/officeDocument/2006/relationships" xmlns:a="http://schemas.openxmlformats.org/drawingml/2006/main" xmlns="" val="3455466533"/>
       </p:ext>
     </p:extLst>
   </p:cSld>
@@ -8782,8 +6452,8 @@
 </p:notes>
 </file>
 
-<file path=ppt/notesSlides/notesSlide6.xml><?xml version="1.0" encoding="utf-8"?>
-<p:notes xmlns:a="http://schemas.openxmlformats.org/drawingml/2006/main" xmlns:r="http://schemas.openxmlformats.org/officeDocument/2006/relationships" xmlns:p="http://schemas.openxmlformats.org/presentationml/2006/main">
+<file path=ppt/notesSlides/notesSlide26.xml><?xml version="1.0" encoding="utf-8"?>
+<p:notes xmlns:a="http://schemas.openxmlformats.org/drawingml/2006/main" xmlns:r="http://schemas.openxmlformats.org/officeDocument/2006/relationships" xmlns:mc="http://schemas.openxmlformats.org/markup-compatibility/2006" xmlns:mv="urn:schemas-microsoft-com:mac:vml" xmlns:p="http://schemas.openxmlformats.org/presentationml/2006/main" mc:Ignorable="mv" mc:PreserveAttributes="mv:*">
   <p:cSld>
     <p:spTree>
       <p:nvGrpSpPr>
@@ -8801,7 +6471,7 @@
       </p:grpSpPr>
       <p:sp>
         <p:nvSpPr>
-          <p:cNvPr id="76802" name="Rectangle 2"/>
+          <p:cNvPr id="83970" name="Rectangle 2"/>
           <p:cNvSpPr>
             <a:spLocks noGrp="1" noChangeArrowheads="1"/>
           </p:cNvSpPr>
@@ -8924,7 +6594,7 @@
       </p:sp>
       <p:sp>
         <p:nvSpPr>
-          <p:cNvPr id="76803" name="Rectangle 3"/>
+          <p:cNvPr id="83971" name="Rectangle 3"/>
           <p:cNvSpPr>
             <a:spLocks noGrp="1" noChangeArrowheads="1"/>
           </p:cNvSpPr>
@@ -9036,12 +6706,12 @@
             </a:lvl9pPr>
           </a:lstStyle>
           <a:p>
-            <a:fld id="{4E24C7B5-5F7D-4572-A79B-67E2C6EB6E68}" type="datetime4">
+            <a:fld id="{76A38FEF-AC47-43E3-8961-0117C322C84B}" type="datetime4">
               <a:rPr lang="en-US">
                 <a:latin typeface="Times New Roman" panose="02020603050405020304" pitchFamily="18" charset="0"/>
               </a:rPr>
               <a:pPr/>
-              <a:t>November 13, 2013</a:t>
+              <a:t>November 17, 2014</a:t>
             </a:fld>
             <a:endParaRPr lang="en-US">
               <a:latin typeface="Times New Roman" panose="02020603050405020304" pitchFamily="18" charset="0"/>
@@ -9051,7 +6721,7 @@
       </p:sp>
       <p:sp>
         <p:nvSpPr>
-          <p:cNvPr id="76804" name="Rectangle 6"/>
+          <p:cNvPr id="83972" name="Rectangle 6"/>
           <p:cNvSpPr>
             <a:spLocks noGrp="1" noChangeArrowheads="1"/>
           </p:cNvSpPr>
@@ -9174,7 +6844,7 @@
       </p:sp>
       <p:sp>
         <p:nvSpPr>
-          <p:cNvPr id="76805" name="Rectangle 7"/>
+          <p:cNvPr id="83973" name="Rectangle 7"/>
           <p:cNvSpPr>
             <a:spLocks noGrp="1" noChangeArrowheads="1"/>
           </p:cNvSpPr>
@@ -9286,12 +6956,12 @@
             </a:lvl9pPr>
           </a:lstStyle>
           <a:p>
-            <a:fld id="{51E6F837-9912-4F2F-8459-3DA887203D40}" type="slidenum">
+            <a:fld id="{1BCF3EFA-1D1C-44AC-A9EA-D3322F0983FE}" type="slidenum">
               <a:rPr lang="en-US">
                 <a:latin typeface="Times New Roman" panose="02020603050405020304" pitchFamily="18" charset="0"/>
               </a:rPr>
               <a:pPr/>
-              <a:t>12</a:t>
+              <a:t>60</a:t>
             </a:fld>
             <a:endParaRPr lang="en-US">
               <a:latin typeface="Times New Roman" panose="02020603050405020304" pitchFamily="18" charset="0"/>
@@ -9301,7 +6971,7 @@
       </p:sp>
       <p:sp>
         <p:nvSpPr>
-          <p:cNvPr id="76806" name="Rectangle 2"/>
+          <p:cNvPr id="83974" name="Rectangle 2"/>
           <p:cNvSpPr>
             <a:spLocks noGrp="1" noRot="1" noChangeAspect="1" noChangeArrowheads="1" noTextEdit="1"/>
           </p:cNvSpPr>
@@ -9315,7 +6985,7 @@
       </p:sp>
       <p:sp>
         <p:nvSpPr>
-          <p:cNvPr id="76807" name="Rectangle 3"/>
+          <p:cNvPr id="83975" name="Rectangle 3"/>
           <p:cNvSpPr>
             <a:spLocks noGrp="1" noChangeArrowheads="1"/>
           </p:cNvSpPr>
@@ -9330,14 +7000,110 @@
           <a:bodyPr/>
           <a:lstStyle/>
           <a:p>
-            <a:endParaRPr lang="en-AU" smtClean="0"/>
+            <a:r>
+              <a:rPr lang="en-AU" dirty="0" smtClean="0"/>
+              <a:t>Lowering</a:t>
+            </a:r>
+            <a:r>
+              <a:rPr lang="en-AU" baseline="0" dirty="0" smtClean="0"/>
+              <a:t> the voltage </a:t>
+            </a:r>
+            <a:r>
+              <a:rPr lang="en-US" baseline="0" dirty="0" err="1" smtClean="0">
+                <a:sym typeface="Wingdings"/>
+              </a:rPr>
+              <a:t></a:t>
+            </a:r>
+            <a:r>
+              <a:rPr lang="en-US" baseline="0" dirty="0" smtClean="0">
+                <a:sym typeface="Wingdings"/>
+              </a:rPr>
+              <a:t> but transistors can not hold the power (leaky transistors)</a:t>
+            </a:r>
+          </a:p>
+          <a:p>
+            <a:endParaRPr lang="en-US" baseline="0" dirty="0" smtClean="0">
+              <a:sym typeface="Wingdings"/>
+            </a:endParaRPr>
+          </a:p>
+          <a:p>
+            <a:r>
+              <a:rPr lang="en-US" baseline="0" dirty="0" smtClean="0">
+                <a:sym typeface="Wingdings"/>
+              </a:rPr>
+              <a:t>Removing heat from the system </a:t>
+            </a:r>
+            <a:r>
+              <a:rPr lang="en-US" baseline="0" dirty="0" err="1" smtClean="0">
+                <a:sym typeface="Wingdings"/>
+              </a:rPr>
+              <a:t></a:t>
+            </a:r>
+            <a:r>
+              <a:rPr lang="en-US" baseline="0" dirty="0" smtClean="0">
+                <a:sym typeface="Wingdings"/>
+              </a:rPr>
+              <a:t> But this is really expensive!</a:t>
+            </a:r>
+          </a:p>
+          <a:p>
+            <a:endParaRPr lang="en-US" baseline="0" dirty="0" smtClean="0">
+              <a:sym typeface="Wingdings"/>
+            </a:endParaRPr>
+          </a:p>
+          <a:p>
+            <a:r>
+              <a:rPr lang="en-US" baseline="0" dirty="0" smtClean="0">
+                <a:sym typeface="Wingdings"/>
+              </a:rPr>
+              <a:t>So what else we got?</a:t>
+            </a:r>
+          </a:p>
+          <a:p>
+            <a:r>
+              <a:rPr lang="en-US" baseline="0" dirty="0" smtClean="0">
+                <a:sym typeface="Wingdings"/>
+              </a:rPr>
+              <a:t>        Thus, the improvements now-a-days can only be improve in the software</a:t>
+            </a:r>
+          </a:p>
+          <a:p>
+            <a:r>
+              <a:rPr lang="en-US" baseline="0" dirty="0" smtClean="0">
+                <a:sym typeface="Wingdings"/>
+              </a:rPr>
+              <a:t>        </a:t>
+            </a:r>
+          </a:p>
+          <a:p>
+            <a:r>
+              <a:rPr lang="en-US" baseline="0" dirty="0" smtClean="0">
+                <a:sym typeface="Wingdings"/>
+              </a:rPr>
+              <a:t>Next slide </a:t>
+            </a:r>
+            <a:r>
+              <a:rPr lang="en-US" baseline="0" dirty="0" err="1" smtClean="0">
+                <a:sym typeface="Wingdings"/>
+              </a:rPr>
+              <a:t></a:t>
+            </a:r>
+            <a:r>
+              <a:rPr lang="en-US" baseline="0" dirty="0" smtClean="0">
+                <a:sym typeface="Wingdings"/>
+              </a:rPr>
+              <a:t>	</a:t>
+            </a:r>
+          </a:p>
+          <a:p>
+            <a:endParaRPr lang="en-AU" dirty="0" smtClean="0"/>
           </a:p>
         </p:txBody>
       </p:sp>
     </p:spTree>
     <p:extLst>
       <p:ext uri="{BB962C8B-B14F-4D97-AF65-F5344CB8AC3E}">
-        <p14:creationId xmlns:p14="http://schemas.microsoft.com/office/powerpoint/2010/main" val="4256705709"/>
+        <p14:creationId xmlns:p14="http://schemas.microsoft.com/office/powerpoint/2010/main" xmlns:p="http://schemas.openxmlformats.org/presentationml/2006/main" xmlns:r="http://schemas.openxmlformats.org/officeDocument/2006/relationships" xmlns:a="http://schemas.openxmlformats.org/drawingml/2006/main" xmlns="" val="1719060301"/>
       </p:ext>
     </p:extLst>
   </p:cSld>
@@ -9347,8 +7113,8 @@
 </p:notes>
 </file>
 
-<file path=ppt/notesSlides/notesSlide7.xml><?xml version="1.0" encoding="utf-8"?>
-<p:notes xmlns:a="http://schemas.openxmlformats.org/drawingml/2006/main" xmlns:r="http://schemas.openxmlformats.org/officeDocument/2006/relationships" xmlns:p="http://schemas.openxmlformats.org/presentationml/2006/main">
+<file path=ppt/notesSlides/notesSlide27.xml><?xml version="1.0" encoding="utf-8"?>
+<p:notes xmlns:a="http://schemas.openxmlformats.org/drawingml/2006/main" xmlns:r="http://schemas.openxmlformats.org/officeDocument/2006/relationships" xmlns:mc="http://schemas.openxmlformats.org/markup-compatibility/2006" xmlns:mv="urn:schemas-microsoft-com:mac:vml" xmlns:p="http://schemas.openxmlformats.org/presentationml/2006/main" mc:Ignorable="mv" mc:PreserveAttributes="mv:*">
   <p:cSld>
     <p:spTree>
       <p:nvGrpSpPr>
@@ -9366,62 +7132,556 @@
       </p:grpSpPr>
       <p:sp>
         <p:nvSpPr>
-          <p:cNvPr id="2" name="Slide Image Placeholder 1"/>
+          <p:cNvPr id="86018" name="Rectangle 2"/>
           <p:cNvSpPr>
-            <a:spLocks noGrp="1" noRot="1" noChangeAspect="1"/>
+            <a:spLocks noGrp="1" noChangeArrowheads="1"/>
+          </p:cNvSpPr>
+          <p:nvPr>
+            <p:ph type="hdr" sz="quarter"/>
+          </p:nvPr>
+        </p:nvSpPr>
+        <p:spPr>
+          <a:noFill/>
+        </p:spPr>
+        <p:txBody>
+          <a:bodyPr/>
+          <a:lstStyle>
+            <a:lvl1pPr defTabSz="966788">
+              <a:defRPr>
+                <a:solidFill>
+                  <a:schemeClr val="tx1"/>
+                </a:solidFill>
+                <a:latin typeface="Arial" panose="020B0604020202020204" pitchFamily="34" charset="0"/>
+              </a:defRPr>
+            </a:lvl1pPr>
+            <a:lvl2pPr marL="742950" indent="-285750" defTabSz="966788">
+              <a:defRPr>
+                <a:solidFill>
+                  <a:schemeClr val="tx1"/>
+                </a:solidFill>
+                <a:latin typeface="Arial" panose="020B0604020202020204" pitchFamily="34" charset="0"/>
+              </a:defRPr>
+            </a:lvl2pPr>
+            <a:lvl3pPr marL="1143000" indent="-228600" defTabSz="966788">
+              <a:defRPr>
+                <a:solidFill>
+                  <a:schemeClr val="tx1"/>
+                </a:solidFill>
+                <a:latin typeface="Arial" panose="020B0604020202020204" pitchFamily="34" charset="0"/>
+              </a:defRPr>
+            </a:lvl3pPr>
+            <a:lvl4pPr marL="1600200" indent="-228600" defTabSz="966788">
+              <a:defRPr>
+                <a:solidFill>
+                  <a:schemeClr val="tx1"/>
+                </a:solidFill>
+                <a:latin typeface="Arial" panose="020B0604020202020204" pitchFamily="34" charset="0"/>
+              </a:defRPr>
+            </a:lvl4pPr>
+            <a:lvl5pPr marL="2057400" indent="-228600" defTabSz="966788">
+              <a:defRPr>
+                <a:solidFill>
+                  <a:schemeClr val="tx1"/>
+                </a:solidFill>
+                <a:latin typeface="Arial" panose="020B0604020202020204" pitchFamily="34" charset="0"/>
+              </a:defRPr>
+            </a:lvl5pPr>
+            <a:lvl6pPr marL="2514600" indent="-228600" defTabSz="966788" eaLnBrk="0" fontAlgn="base" hangingPunct="0">
+              <a:spcBef>
+                <a:spcPct val="0"/>
+              </a:spcBef>
+              <a:spcAft>
+                <a:spcPct val="0"/>
+              </a:spcAft>
+              <a:defRPr>
+                <a:solidFill>
+                  <a:schemeClr val="tx1"/>
+                </a:solidFill>
+                <a:latin typeface="Arial" panose="020B0604020202020204" pitchFamily="34" charset="0"/>
+              </a:defRPr>
+            </a:lvl6pPr>
+            <a:lvl7pPr marL="2971800" indent="-228600" defTabSz="966788" eaLnBrk="0" fontAlgn="base" hangingPunct="0">
+              <a:spcBef>
+                <a:spcPct val="0"/>
+              </a:spcBef>
+              <a:spcAft>
+                <a:spcPct val="0"/>
+              </a:spcAft>
+              <a:defRPr>
+                <a:solidFill>
+                  <a:schemeClr val="tx1"/>
+                </a:solidFill>
+                <a:latin typeface="Arial" panose="020B0604020202020204" pitchFamily="34" charset="0"/>
+              </a:defRPr>
+            </a:lvl7pPr>
+            <a:lvl8pPr marL="3429000" indent="-228600" defTabSz="966788" eaLnBrk="0" fontAlgn="base" hangingPunct="0">
+              <a:spcBef>
+                <a:spcPct val="0"/>
+              </a:spcBef>
+              <a:spcAft>
+                <a:spcPct val="0"/>
+              </a:spcAft>
+              <a:defRPr>
+                <a:solidFill>
+                  <a:schemeClr val="tx1"/>
+                </a:solidFill>
+                <a:latin typeface="Arial" panose="020B0604020202020204" pitchFamily="34" charset="0"/>
+              </a:defRPr>
+            </a:lvl8pPr>
+            <a:lvl9pPr marL="3886200" indent="-228600" defTabSz="966788" eaLnBrk="0" fontAlgn="base" hangingPunct="0">
+              <a:spcBef>
+                <a:spcPct val="0"/>
+              </a:spcBef>
+              <a:spcAft>
+                <a:spcPct val="0"/>
+              </a:spcAft>
+              <a:defRPr>
+                <a:solidFill>
+                  <a:schemeClr val="tx1"/>
+                </a:solidFill>
+                <a:latin typeface="Arial" panose="020B0604020202020204" pitchFamily="34" charset="0"/>
+              </a:defRPr>
+            </a:lvl9pPr>
+          </a:lstStyle>
+          <a:p>
+            <a:r>
+              <a:rPr lang="en-US">
+                <a:latin typeface="Times New Roman" panose="02020603050405020304" pitchFamily="18" charset="0"/>
+              </a:rPr>
+              <a:t>Morgan Kaufmann Publishers</a:t>
+            </a:r>
+          </a:p>
+        </p:txBody>
+      </p:sp>
+      <p:sp>
+        <p:nvSpPr>
+          <p:cNvPr id="86019" name="Rectangle 3"/>
+          <p:cNvSpPr>
+            <a:spLocks noGrp="1" noChangeArrowheads="1"/>
+          </p:cNvSpPr>
+          <p:nvPr>
+            <p:ph type="dt" sz="quarter" idx="1"/>
+          </p:nvPr>
+        </p:nvSpPr>
+        <p:spPr>
+          <a:noFill/>
+        </p:spPr>
+        <p:txBody>
+          <a:bodyPr/>
+          <a:lstStyle>
+            <a:lvl1pPr defTabSz="966788">
+              <a:defRPr>
+                <a:solidFill>
+                  <a:schemeClr val="tx1"/>
+                </a:solidFill>
+                <a:latin typeface="Arial" panose="020B0604020202020204" pitchFamily="34" charset="0"/>
+              </a:defRPr>
+            </a:lvl1pPr>
+            <a:lvl2pPr marL="742950" indent="-285750" defTabSz="966788">
+              <a:defRPr>
+                <a:solidFill>
+                  <a:schemeClr val="tx1"/>
+                </a:solidFill>
+                <a:latin typeface="Arial" panose="020B0604020202020204" pitchFamily="34" charset="0"/>
+              </a:defRPr>
+            </a:lvl2pPr>
+            <a:lvl3pPr marL="1143000" indent="-228600" defTabSz="966788">
+              <a:defRPr>
+                <a:solidFill>
+                  <a:schemeClr val="tx1"/>
+                </a:solidFill>
+                <a:latin typeface="Arial" panose="020B0604020202020204" pitchFamily="34" charset="0"/>
+              </a:defRPr>
+            </a:lvl3pPr>
+            <a:lvl4pPr marL="1600200" indent="-228600" defTabSz="966788">
+              <a:defRPr>
+                <a:solidFill>
+                  <a:schemeClr val="tx1"/>
+                </a:solidFill>
+                <a:latin typeface="Arial" panose="020B0604020202020204" pitchFamily="34" charset="0"/>
+              </a:defRPr>
+            </a:lvl4pPr>
+            <a:lvl5pPr marL="2057400" indent="-228600" defTabSz="966788">
+              <a:defRPr>
+                <a:solidFill>
+                  <a:schemeClr val="tx1"/>
+                </a:solidFill>
+                <a:latin typeface="Arial" panose="020B0604020202020204" pitchFamily="34" charset="0"/>
+              </a:defRPr>
+            </a:lvl5pPr>
+            <a:lvl6pPr marL="2514600" indent="-228600" defTabSz="966788" eaLnBrk="0" fontAlgn="base" hangingPunct="0">
+              <a:spcBef>
+                <a:spcPct val="0"/>
+              </a:spcBef>
+              <a:spcAft>
+                <a:spcPct val="0"/>
+              </a:spcAft>
+              <a:defRPr>
+                <a:solidFill>
+                  <a:schemeClr val="tx1"/>
+                </a:solidFill>
+                <a:latin typeface="Arial" panose="020B0604020202020204" pitchFamily="34" charset="0"/>
+              </a:defRPr>
+            </a:lvl6pPr>
+            <a:lvl7pPr marL="2971800" indent="-228600" defTabSz="966788" eaLnBrk="0" fontAlgn="base" hangingPunct="0">
+              <a:spcBef>
+                <a:spcPct val="0"/>
+              </a:spcBef>
+              <a:spcAft>
+                <a:spcPct val="0"/>
+              </a:spcAft>
+              <a:defRPr>
+                <a:solidFill>
+                  <a:schemeClr val="tx1"/>
+                </a:solidFill>
+                <a:latin typeface="Arial" panose="020B0604020202020204" pitchFamily="34" charset="0"/>
+              </a:defRPr>
+            </a:lvl7pPr>
+            <a:lvl8pPr marL="3429000" indent="-228600" defTabSz="966788" eaLnBrk="0" fontAlgn="base" hangingPunct="0">
+              <a:spcBef>
+                <a:spcPct val="0"/>
+              </a:spcBef>
+              <a:spcAft>
+                <a:spcPct val="0"/>
+              </a:spcAft>
+              <a:defRPr>
+                <a:solidFill>
+                  <a:schemeClr val="tx1"/>
+                </a:solidFill>
+                <a:latin typeface="Arial" panose="020B0604020202020204" pitchFamily="34" charset="0"/>
+              </a:defRPr>
+            </a:lvl8pPr>
+            <a:lvl9pPr marL="3886200" indent="-228600" defTabSz="966788" eaLnBrk="0" fontAlgn="base" hangingPunct="0">
+              <a:spcBef>
+                <a:spcPct val="0"/>
+              </a:spcBef>
+              <a:spcAft>
+                <a:spcPct val="0"/>
+              </a:spcAft>
+              <a:defRPr>
+                <a:solidFill>
+                  <a:schemeClr val="tx1"/>
+                </a:solidFill>
+                <a:latin typeface="Arial" panose="020B0604020202020204" pitchFamily="34" charset="0"/>
+              </a:defRPr>
+            </a:lvl9pPr>
+          </a:lstStyle>
+          <a:p>
+            <a:fld id="{3105409D-1609-4B53-BEE9-086FD49D8E56}" type="datetime4">
+              <a:rPr lang="en-US">
+                <a:latin typeface="Times New Roman" panose="02020603050405020304" pitchFamily="18" charset="0"/>
+              </a:rPr>
+              <a:pPr/>
+              <a:t>November 17, 2014</a:t>
+            </a:fld>
+            <a:endParaRPr lang="en-US">
+              <a:latin typeface="Times New Roman" panose="02020603050405020304" pitchFamily="18" charset="0"/>
+            </a:endParaRPr>
+          </a:p>
+        </p:txBody>
+      </p:sp>
+      <p:sp>
+        <p:nvSpPr>
+          <p:cNvPr id="86020" name="Rectangle 6"/>
+          <p:cNvSpPr>
+            <a:spLocks noGrp="1" noChangeArrowheads="1"/>
+          </p:cNvSpPr>
+          <p:nvPr>
+            <p:ph type="ftr" sz="quarter" idx="4"/>
+          </p:nvPr>
+        </p:nvSpPr>
+        <p:spPr>
+          <a:noFill/>
+        </p:spPr>
+        <p:txBody>
+          <a:bodyPr/>
+          <a:lstStyle>
+            <a:lvl1pPr defTabSz="966788">
+              <a:defRPr>
+                <a:solidFill>
+                  <a:schemeClr val="tx1"/>
+                </a:solidFill>
+                <a:latin typeface="Arial" panose="020B0604020202020204" pitchFamily="34" charset="0"/>
+              </a:defRPr>
+            </a:lvl1pPr>
+            <a:lvl2pPr marL="742950" indent="-285750" defTabSz="966788">
+              <a:defRPr>
+                <a:solidFill>
+                  <a:schemeClr val="tx1"/>
+                </a:solidFill>
+                <a:latin typeface="Arial" panose="020B0604020202020204" pitchFamily="34" charset="0"/>
+              </a:defRPr>
+            </a:lvl2pPr>
+            <a:lvl3pPr marL="1143000" indent="-228600" defTabSz="966788">
+              <a:defRPr>
+                <a:solidFill>
+                  <a:schemeClr val="tx1"/>
+                </a:solidFill>
+                <a:latin typeface="Arial" panose="020B0604020202020204" pitchFamily="34" charset="0"/>
+              </a:defRPr>
+            </a:lvl3pPr>
+            <a:lvl4pPr marL="1600200" indent="-228600" defTabSz="966788">
+              <a:defRPr>
+                <a:solidFill>
+                  <a:schemeClr val="tx1"/>
+                </a:solidFill>
+                <a:latin typeface="Arial" panose="020B0604020202020204" pitchFamily="34" charset="0"/>
+              </a:defRPr>
+            </a:lvl4pPr>
+            <a:lvl5pPr marL="2057400" indent="-228600" defTabSz="966788">
+              <a:defRPr>
+                <a:solidFill>
+                  <a:schemeClr val="tx1"/>
+                </a:solidFill>
+                <a:latin typeface="Arial" panose="020B0604020202020204" pitchFamily="34" charset="0"/>
+              </a:defRPr>
+            </a:lvl5pPr>
+            <a:lvl6pPr marL="2514600" indent="-228600" defTabSz="966788" eaLnBrk="0" fontAlgn="base" hangingPunct="0">
+              <a:spcBef>
+                <a:spcPct val="0"/>
+              </a:spcBef>
+              <a:spcAft>
+                <a:spcPct val="0"/>
+              </a:spcAft>
+              <a:defRPr>
+                <a:solidFill>
+                  <a:schemeClr val="tx1"/>
+                </a:solidFill>
+                <a:latin typeface="Arial" panose="020B0604020202020204" pitchFamily="34" charset="0"/>
+              </a:defRPr>
+            </a:lvl6pPr>
+            <a:lvl7pPr marL="2971800" indent="-228600" defTabSz="966788" eaLnBrk="0" fontAlgn="base" hangingPunct="0">
+              <a:spcBef>
+                <a:spcPct val="0"/>
+              </a:spcBef>
+              <a:spcAft>
+                <a:spcPct val="0"/>
+              </a:spcAft>
+              <a:defRPr>
+                <a:solidFill>
+                  <a:schemeClr val="tx1"/>
+                </a:solidFill>
+                <a:latin typeface="Arial" panose="020B0604020202020204" pitchFamily="34" charset="0"/>
+              </a:defRPr>
+            </a:lvl7pPr>
+            <a:lvl8pPr marL="3429000" indent="-228600" defTabSz="966788" eaLnBrk="0" fontAlgn="base" hangingPunct="0">
+              <a:spcBef>
+                <a:spcPct val="0"/>
+              </a:spcBef>
+              <a:spcAft>
+                <a:spcPct val="0"/>
+              </a:spcAft>
+              <a:defRPr>
+                <a:solidFill>
+                  <a:schemeClr val="tx1"/>
+                </a:solidFill>
+                <a:latin typeface="Arial" panose="020B0604020202020204" pitchFamily="34" charset="0"/>
+              </a:defRPr>
+            </a:lvl8pPr>
+            <a:lvl9pPr marL="3886200" indent="-228600" defTabSz="966788" eaLnBrk="0" fontAlgn="base" hangingPunct="0">
+              <a:spcBef>
+                <a:spcPct val="0"/>
+              </a:spcBef>
+              <a:spcAft>
+                <a:spcPct val="0"/>
+              </a:spcAft>
+              <a:defRPr>
+                <a:solidFill>
+                  <a:schemeClr val="tx1"/>
+                </a:solidFill>
+                <a:latin typeface="Arial" panose="020B0604020202020204" pitchFamily="34" charset="0"/>
+              </a:defRPr>
+            </a:lvl9pPr>
+          </a:lstStyle>
+          <a:p>
+            <a:r>
+              <a:rPr lang="en-US">
+                <a:latin typeface="Times New Roman" panose="02020603050405020304" pitchFamily="18" charset="0"/>
+              </a:rPr>
+              <a:t>Chapter 1 — Computer Abstractions and Technology</a:t>
+            </a:r>
+          </a:p>
+        </p:txBody>
+      </p:sp>
+      <p:sp>
+        <p:nvSpPr>
+          <p:cNvPr id="86021" name="Rectangle 7"/>
+          <p:cNvSpPr>
+            <a:spLocks noGrp="1" noChangeArrowheads="1"/>
+          </p:cNvSpPr>
+          <p:nvPr>
+            <p:ph type="sldNum" sz="quarter" idx="5"/>
+          </p:nvPr>
+        </p:nvSpPr>
+        <p:spPr>
+          <a:noFill/>
+        </p:spPr>
+        <p:txBody>
+          <a:bodyPr/>
+          <a:lstStyle>
+            <a:lvl1pPr defTabSz="966788">
+              <a:defRPr>
+                <a:solidFill>
+                  <a:schemeClr val="tx1"/>
+                </a:solidFill>
+                <a:latin typeface="Arial" panose="020B0604020202020204" pitchFamily="34" charset="0"/>
+              </a:defRPr>
+            </a:lvl1pPr>
+            <a:lvl2pPr marL="742950" indent="-285750" defTabSz="966788">
+              <a:defRPr>
+                <a:solidFill>
+                  <a:schemeClr val="tx1"/>
+                </a:solidFill>
+                <a:latin typeface="Arial" panose="020B0604020202020204" pitchFamily="34" charset="0"/>
+              </a:defRPr>
+            </a:lvl2pPr>
+            <a:lvl3pPr marL="1143000" indent="-228600" defTabSz="966788">
+              <a:defRPr>
+                <a:solidFill>
+                  <a:schemeClr val="tx1"/>
+                </a:solidFill>
+                <a:latin typeface="Arial" panose="020B0604020202020204" pitchFamily="34" charset="0"/>
+              </a:defRPr>
+            </a:lvl3pPr>
+            <a:lvl4pPr marL="1600200" indent="-228600" defTabSz="966788">
+              <a:defRPr>
+                <a:solidFill>
+                  <a:schemeClr val="tx1"/>
+                </a:solidFill>
+                <a:latin typeface="Arial" panose="020B0604020202020204" pitchFamily="34" charset="0"/>
+              </a:defRPr>
+            </a:lvl4pPr>
+            <a:lvl5pPr marL="2057400" indent="-228600" defTabSz="966788">
+              <a:defRPr>
+                <a:solidFill>
+                  <a:schemeClr val="tx1"/>
+                </a:solidFill>
+                <a:latin typeface="Arial" panose="020B0604020202020204" pitchFamily="34" charset="0"/>
+              </a:defRPr>
+            </a:lvl5pPr>
+            <a:lvl6pPr marL="2514600" indent="-228600" defTabSz="966788" eaLnBrk="0" fontAlgn="base" hangingPunct="0">
+              <a:spcBef>
+                <a:spcPct val="0"/>
+              </a:spcBef>
+              <a:spcAft>
+                <a:spcPct val="0"/>
+              </a:spcAft>
+              <a:defRPr>
+                <a:solidFill>
+                  <a:schemeClr val="tx1"/>
+                </a:solidFill>
+                <a:latin typeface="Arial" panose="020B0604020202020204" pitchFamily="34" charset="0"/>
+              </a:defRPr>
+            </a:lvl6pPr>
+            <a:lvl7pPr marL="2971800" indent="-228600" defTabSz="966788" eaLnBrk="0" fontAlgn="base" hangingPunct="0">
+              <a:spcBef>
+                <a:spcPct val="0"/>
+              </a:spcBef>
+              <a:spcAft>
+                <a:spcPct val="0"/>
+              </a:spcAft>
+              <a:defRPr>
+                <a:solidFill>
+                  <a:schemeClr val="tx1"/>
+                </a:solidFill>
+                <a:latin typeface="Arial" panose="020B0604020202020204" pitchFamily="34" charset="0"/>
+              </a:defRPr>
+            </a:lvl7pPr>
+            <a:lvl8pPr marL="3429000" indent="-228600" defTabSz="966788" eaLnBrk="0" fontAlgn="base" hangingPunct="0">
+              <a:spcBef>
+                <a:spcPct val="0"/>
+              </a:spcBef>
+              <a:spcAft>
+                <a:spcPct val="0"/>
+              </a:spcAft>
+              <a:defRPr>
+                <a:solidFill>
+                  <a:schemeClr val="tx1"/>
+                </a:solidFill>
+                <a:latin typeface="Arial" panose="020B0604020202020204" pitchFamily="34" charset="0"/>
+              </a:defRPr>
+            </a:lvl8pPr>
+            <a:lvl9pPr marL="3886200" indent="-228600" defTabSz="966788" eaLnBrk="0" fontAlgn="base" hangingPunct="0">
+              <a:spcBef>
+                <a:spcPct val="0"/>
+              </a:spcBef>
+              <a:spcAft>
+                <a:spcPct val="0"/>
+              </a:spcAft>
+              <a:defRPr>
+                <a:solidFill>
+                  <a:schemeClr val="tx1"/>
+                </a:solidFill>
+                <a:latin typeface="Arial" panose="020B0604020202020204" pitchFamily="34" charset="0"/>
+              </a:defRPr>
+            </a:lvl9pPr>
+          </a:lstStyle>
+          <a:p>
+            <a:fld id="{20B18AB6-7871-44A7-8EA3-E0BFD7E25CB1}" type="slidenum">
+              <a:rPr lang="en-US">
+                <a:latin typeface="Times New Roman" panose="02020603050405020304" pitchFamily="18" charset="0"/>
+              </a:rPr>
+              <a:pPr/>
+              <a:t>61</a:t>
+            </a:fld>
+            <a:endParaRPr lang="en-US">
+              <a:latin typeface="Times New Roman" panose="02020603050405020304" pitchFamily="18" charset="0"/>
+            </a:endParaRPr>
+          </a:p>
+        </p:txBody>
+      </p:sp>
+      <p:sp>
+        <p:nvSpPr>
+          <p:cNvPr id="86022" name="Rectangle 2"/>
+          <p:cNvSpPr>
+            <a:spLocks noGrp="1" noRot="1" noChangeAspect="1" noChangeArrowheads="1" noTextEdit="1"/>
           </p:cNvSpPr>
           <p:nvPr>
             <p:ph type="sldImg"/>
           </p:nvPr>
         </p:nvSpPr>
-        <p:spPr/>
-      </p:sp>
-      <p:sp>
-        <p:nvSpPr>
-          <p:cNvPr id="3" name="Notes Placeholder 2"/>
+        <p:spPr>
+          <a:ln/>
+        </p:spPr>
+      </p:sp>
+      <p:sp>
+        <p:nvSpPr>
+          <p:cNvPr id="86023" name="Rectangle 3"/>
           <p:cNvSpPr>
-            <a:spLocks noGrp="1"/>
+            <a:spLocks noGrp="1" noChangeArrowheads="1"/>
           </p:cNvSpPr>
           <p:nvPr>
             <p:ph type="body" idx="1"/>
           </p:nvPr>
         </p:nvSpPr>
-        <p:spPr/>
+        <p:spPr>
+          <a:noFill/>
+        </p:spPr>
         <p:txBody>
           <a:bodyPr/>
           <a:lstStyle/>
           <a:p>
-            <a:endParaRPr lang="en-US" dirty="0"/>
-          </a:p>
-        </p:txBody>
-      </p:sp>
-      <p:sp>
-        <p:nvSpPr>
-          <p:cNvPr id="4" name="Slide Number Placeholder 3"/>
-          <p:cNvSpPr>
-            <a:spLocks noGrp="1"/>
-          </p:cNvSpPr>
-          <p:nvPr>
-            <p:ph type="sldNum" sz="quarter" idx="10"/>
-          </p:nvPr>
-        </p:nvSpPr>
-        <p:spPr/>
-        <p:txBody>
-          <a:bodyPr/>
-          <a:lstStyle/>
-          <a:p>
-            <a:fld id="{6B15D8FC-C889-4410-8862-C922C3EC1A28}" type="slidenum">
-              <a:rPr lang="en-US" smtClean="0"/>
-              <a:t>15</a:t>
-            </a:fld>
-            <a:endParaRPr lang="en-US"/>
+            <a:r>
+              <a:rPr lang="en-US" baseline="0" dirty="0" smtClean="0">
+                <a:sym typeface="Wingdings"/>
+              </a:rPr>
+              <a:t>We can also increase the amount of processors in our computer</a:t>
+            </a:r>
+          </a:p>
+          <a:p>
+            <a:endParaRPr lang="en-US" baseline="0" dirty="0" smtClean="0">
+              <a:sym typeface="Wingdings"/>
+            </a:endParaRPr>
+          </a:p>
+          <a:p>
+            <a:endParaRPr lang="en-AU" dirty="0" smtClean="0"/>
           </a:p>
         </p:txBody>
       </p:sp>
     </p:spTree>
     <p:extLst>
       <p:ext uri="{BB962C8B-B14F-4D97-AF65-F5344CB8AC3E}">
-        <p14:creationId xmlns:p14="http://schemas.microsoft.com/office/powerpoint/2010/main" val="2951910185"/>
+        <p14:creationId xmlns:p14="http://schemas.microsoft.com/office/powerpoint/2010/main" xmlns:p="http://schemas.openxmlformats.org/presentationml/2006/main" xmlns:r="http://schemas.openxmlformats.org/officeDocument/2006/relationships" xmlns:a="http://schemas.openxmlformats.org/drawingml/2006/main" xmlns="" val="3569292867"/>
       </p:ext>
     </p:extLst>
   </p:cSld>
@@ -9431,8 +7691,8 @@
 </p:notes>
 </file>
 
-<file path=ppt/notesSlides/notesSlide8.xml><?xml version="1.0" encoding="utf-8"?>
-<p:notes xmlns:a="http://schemas.openxmlformats.org/drawingml/2006/main" xmlns:r="http://schemas.openxmlformats.org/officeDocument/2006/relationships" xmlns:p="http://schemas.openxmlformats.org/presentationml/2006/main">
+<file path=ppt/notesSlides/notesSlide3.xml><?xml version="1.0" encoding="utf-8"?>
+<p:notes xmlns:a="http://schemas.openxmlformats.org/drawingml/2006/main" xmlns:r="http://schemas.openxmlformats.org/officeDocument/2006/relationships" xmlns:mc="http://schemas.openxmlformats.org/markup-compatibility/2006" xmlns:mv="urn:schemas-microsoft-com:mac:vml" xmlns:p="http://schemas.openxmlformats.org/presentationml/2006/main" mc:Ignorable="mv" mc:PreserveAttributes="mv:*">
   <p:cSld>
     <p:spTree>
       <p:nvGrpSpPr>
@@ -9450,62 +7710,543 @@
       </p:grpSpPr>
       <p:sp>
         <p:nvSpPr>
-          <p:cNvPr id="2" name="Slide Image Placeholder 1"/>
+          <p:cNvPr id="73730" name="Rectangle 2"/>
           <p:cNvSpPr>
-            <a:spLocks noGrp="1" noRot="1" noChangeAspect="1"/>
+            <a:spLocks noGrp="1" noChangeArrowheads="1"/>
+          </p:cNvSpPr>
+          <p:nvPr>
+            <p:ph type="hdr" sz="quarter"/>
+          </p:nvPr>
+        </p:nvSpPr>
+        <p:spPr>
+          <a:noFill/>
+        </p:spPr>
+        <p:txBody>
+          <a:bodyPr/>
+          <a:lstStyle>
+            <a:lvl1pPr defTabSz="966788">
+              <a:defRPr>
+                <a:solidFill>
+                  <a:schemeClr val="tx1"/>
+                </a:solidFill>
+                <a:latin typeface="Arial" panose="020B0604020202020204" pitchFamily="34" charset="0"/>
+              </a:defRPr>
+            </a:lvl1pPr>
+            <a:lvl2pPr marL="742950" indent="-285750" defTabSz="966788">
+              <a:defRPr>
+                <a:solidFill>
+                  <a:schemeClr val="tx1"/>
+                </a:solidFill>
+                <a:latin typeface="Arial" panose="020B0604020202020204" pitchFamily="34" charset="0"/>
+              </a:defRPr>
+            </a:lvl2pPr>
+            <a:lvl3pPr marL="1143000" indent="-228600" defTabSz="966788">
+              <a:defRPr>
+                <a:solidFill>
+                  <a:schemeClr val="tx1"/>
+                </a:solidFill>
+                <a:latin typeface="Arial" panose="020B0604020202020204" pitchFamily="34" charset="0"/>
+              </a:defRPr>
+            </a:lvl3pPr>
+            <a:lvl4pPr marL="1600200" indent="-228600" defTabSz="966788">
+              <a:defRPr>
+                <a:solidFill>
+                  <a:schemeClr val="tx1"/>
+                </a:solidFill>
+                <a:latin typeface="Arial" panose="020B0604020202020204" pitchFamily="34" charset="0"/>
+              </a:defRPr>
+            </a:lvl4pPr>
+            <a:lvl5pPr marL="2057400" indent="-228600" defTabSz="966788">
+              <a:defRPr>
+                <a:solidFill>
+                  <a:schemeClr val="tx1"/>
+                </a:solidFill>
+                <a:latin typeface="Arial" panose="020B0604020202020204" pitchFamily="34" charset="0"/>
+              </a:defRPr>
+            </a:lvl5pPr>
+            <a:lvl6pPr marL="2514600" indent="-228600" defTabSz="966788" eaLnBrk="0" fontAlgn="base" hangingPunct="0">
+              <a:spcBef>
+                <a:spcPct val="0"/>
+              </a:spcBef>
+              <a:spcAft>
+                <a:spcPct val="0"/>
+              </a:spcAft>
+              <a:defRPr>
+                <a:solidFill>
+                  <a:schemeClr val="tx1"/>
+                </a:solidFill>
+                <a:latin typeface="Arial" panose="020B0604020202020204" pitchFamily="34" charset="0"/>
+              </a:defRPr>
+            </a:lvl6pPr>
+            <a:lvl7pPr marL="2971800" indent="-228600" defTabSz="966788" eaLnBrk="0" fontAlgn="base" hangingPunct="0">
+              <a:spcBef>
+                <a:spcPct val="0"/>
+              </a:spcBef>
+              <a:spcAft>
+                <a:spcPct val="0"/>
+              </a:spcAft>
+              <a:defRPr>
+                <a:solidFill>
+                  <a:schemeClr val="tx1"/>
+                </a:solidFill>
+                <a:latin typeface="Arial" panose="020B0604020202020204" pitchFamily="34" charset="0"/>
+              </a:defRPr>
+            </a:lvl7pPr>
+            <a:lvl8pPr marL="3429000" indent="-228600" defTabSz="966788" eaLnBrk="0" fontAlgn="base" hangingPunct="0">
+              <a:spcBef>
+                <a:spcPct val="0"/>
+              </a:spcBef>
+              <a:spcAft>
+                <a:spcPct val="0"/>
+              </a:spcAft>
+              <a:defRPr>
+                <a:solidFill>
+                  <a:schemeClr val="tx1"/>
+                </a:solidFill>
+                <a:latin typeface="Arial" panose="020B0604020202020204" pitchFamily="34" charset="0"/>
+              </a:defRPr>
+            </a:lvl8pPr>
+            <a:lvl9pPr marL="3886200" indent="-228600" defTabSz="966788" eaLnBrk="0" fontAlgn="base" hangingPunct="0">
+              <a:spcBef>
+                <a:spcPct val="0"/>
+              </a:spcBef>
+              <a:spcAft>
+                <a:spcPct val="0"/>
+              </a:spcAft>
+              <a:defRPr>
+                <a:solidFill>
+                  <a:schemeClr val="tx1"/>
+                </a:solidFill>
+                <a:latin typeface="Arial" panose="020B0604020202020204" pitchFamily="34" charset="0"/>
+              </a:defRPr>
+            </a:lvl9pPr>
+          </a:lstStyle>
+          <a:p>
+            <a:r>
+              <a:rPr lang="en-US">
+                <a:latin typeface="Times New Roman" panose="02020603050405020304" pitchFamily="18" charset="0"/>
+              </a:rPr>
+              <a:t>Morgan Kaufmann Publishers</a:t>
+            </a:r>
+          </a:p>
+        </p:txBody>
+      </p:sp>
+      <p:sp>
+        <p:nvSpPr>
+          <p:cNvPr id="73731" name="Rectangle 3"/>
+          <p:cNvSpPr>
+            <a:spLocks noGrp="1" noChangeArrowheads="1"/>
+          </p:cNvSpPr>
+          <p:nvPr>
+            <p:ph type="dt" sz="quarter" idx="1"/>
+          </p:nvPr>
+        </p:nvSpPr>
+        <p:spPr>
+          <a:noFill/>
+        </p:spPr>
+        <p:txBody>
+          <a:bodyPr/>
+          <a:lstStyle>
+            <a:lvl1pPr defTabSz="966788">
+              <a:defRPr>
+                <a:solidFill>
+                  <a:schemeClr val="tx1"/>
+                </a:solidFill>
+                <a:latin typeface="Arial" panose="020B0604020202020204" pitchFamily="34" charset="0"/>
+              </a:defRPr>
+            </a:lvl1pPr>
+            <a:lvl2pPr marL="742950" indent="-285750" defTabSz="966788">
+              <a:defRPr>
+                <a:solidFill>
+                  <a:schemeClr val="tx1"/>
+                </a:solidFill>
+                <a:latin typeface="Arial" panose="020B0604020202020204" pitchFamily="34" charset="0"/>
+              </a:defRPr>
+            </a:lvl2pPr>
+            <a:lvl3pPr marL="1143000" indent="-228600" defTabSz="966788">
+              <a:defRPr>
+                <a:solidFill>
+                  <a:schemeClr val="tx1"/>
+                </a:solidFill>
+                <a:latin typeface="Arial" panose="020B0604020202020204" pitchFamily="34" charset="0"/>
+              </a:defRPr>
+            </a:lvl3pPr>
+            <a:lvl4pPr marL="1600200" indent="-228600" defTabSz="966788">
+              <a:defRPr>
+                <a:solidFill>
+                  <a:schemeClr val="tx1"/>
+                </a:solidFill>
+                <a:latin typeface="Arial" panose="020B0604020202020204" pitchFamily="34" charset="0"/>
+              </a:defRPr>
+            </a:lvl4pPr>
+            <a:lvl5pPr marL="2057400" indent="-228600" defTabSz="966788">
+              <a:defRPr>
+                <a:solidFill>
+                  <a:schemeClr val="tx1"/>
+                </a:solidFill>
+                <a:latin typeface="Arial" panose="020B0604020202020204" pitchFamily="34" charset="0"/>
+              </a:defRPr>
+            </a:lvl5pPr>
+            <a:lvl6pPr marL="2514600" indent="-228600" defTabSz="966788" eaLnBrk="0" fontAlgn="base" hangingPunct="0">
+              <a:spcBef>
+                <a:spcPct val="0"/>
+              </a:spcBef>
+              <a:spcAft>
+                <a:spcPct val="0"/>
+              </a:spcAft>
+              <a:defRPr>
+                <a:solidFill>
+                  <a:schemeClr val="tx1"/>
+                </a:solidFill>
+                <a:latin typeface="Arial" panose="020B0604020202020204" pitchFamily="34" charset="0"/>
+              </a:defRPr>
+            </a:lvl6pPr>
+            <a:lvl7pPr marL="2971800" indent="-228600" defTabSz="966788" eaLnBrk="0" fontAlgn="base" hangingPunct="0">
+              <a:spcBef>
+                <a:spcPct val="0"/>
+              </a:spcBef>
+              <a:spcAft>
+                <a:spcPct val="0"/>
+              </a:spcAft>
+              <a:defRPr>
+                <a:solidFill>
+                  <a:schemeClr val="tx1"/>
+                </a:solidFill>
+                <a:latin typeface="Arial" panose="020B0604020202020204" pitchFamily="34" charset="0"/>
+              </a:defRPr>
+            </a:lvl7pPr>
+            <a:lvl8pPr marL="3429000" indent="-228600" defTabSz="966788" eaLnBrk="0" fontAlgn="base" hangingPunct="0">
+              <a:spcBef>
+                <a:spcPct val="0"/>
+              </a:spcBef>
+              <a:spcAft>
+                <a:spcPct val="0"/>
+              </a:spcAft>
+              <a:defRPr>
+                <a:solidFill>
+                  <a:schemeClr val="tx1"/>
+                </a:solidFill>
+                <a:latin typeface="Arial" panose="020B0604020202020204" pitchFamily="34" charset="0"/>
+              </a:defRPr>
+            </a:lvl8pPr>
+            <a:lvl9pPr marL="3886200" indent="-228600" defTabSz="966788" eaLnBrk="0" fontAlgn="base" hangingPunct="0">
+              <a:spcBef>
+                <a:spcPct val="0"/>
+              </a:spcBef>
+              <a:spcAft>
+                <a:spcPct val="0"/>
+              </a:spcAft>
+              <a:defRPr>
+                <a:solidFill>
+                  <a:schemeClr val="tx1"/>
+                </a:solidFill>
+                <a:latin typeface="Arial" panose="020B0604020202020204" pitchFamily="34" charset="0"/>
+              </a:defRPr>
+            </a:lvl9pPr>
+          </a:lstStyle>
+          <a:p>
+            <a:fld id="{3CCFE775-65E1-446B-B40A-505B8B4D00A8}" type="datetime4">
+              <a:rPr lang="en-US">
+                <a:latin typeface="Times New Roman" panose="02020603050405020304" pitchFamily="18" charset="0"/>
+              </a:rPr>
+              <a:pPr/>
+              <a:t>November 17, 2014</a:t>
+            </a:fld>
+            <a:endParaRPr lang="en-US">
+              <a:latin typeface="Times New Roman" panose="02020603050405020304" pitchFamily="18" charset="0"/>
+            </a:endParaRPr>
+          </a:p>
+        </p:txBody>
+      </p:sp>
+      <p:sp>
+        <p:nvSpPr>
+          <p:cNvPr id="73732" name="Rectangle 6"/>
+          <p:cNvSpPr>
+            <a:spLocks noGrp="1" noChangeArrowheads="1"/>
+          </p:cNvSpPr>
+          <p:nvPr>
+            <p:ph type="ftr" sz="quarter" idx="4"/>
+          </p:nvPr>
+        </p:nvSpPr>
+        <p:spPr>
+          <a:noFill/>
+        </p:spPr>
+        <p:txBody>
+          <a:bodyPr/>
+          <a:lstStyle>
+            <a:lvl1pPr defTabSz="966788">
+              <a:defRPr>
+                <a:solidFill>
+                  <a:schemeClr val="tx1"/>
+                </a:solidFill>
+                <a:latin typeface="Arial" panose="020B0604020202020204" pitchFamily="34" charset="0"/>
+              </a:defRPr>
+            </a:lvl1pPr>
+            <a:lvl2pPr marL="742950" indent="-285750" defTabSz="966788">
+              <a:defRPr>
+                <a:solidFill>
+                  <a:schemeClr val="tx1"/>
+                </a:solidFill>
+                <a:latin typeface="Arial" panose="020B0604020202020204" pitchFamily="34" charset="0"/>
+              </a:defRPr>
+            </a:lvl2pPr>
+            <a:lvl3pPr marL="1143000" indent="-228600" defTabSz="966788">
+              <a:defRPr>
+                <a:solidFill>
+                  <a:schemeClr val="tx1"/>
+                </a:solidFill>
+                <a:latin typeface="Arial" panose="020B0604020202020204" pitchFamily="34" charset="0"/>
+              </a:defRPr>
+            </a:lvl3pPr>
+            <a:lvl4pPr marL="1600200" indent="-228600" defTabSz="966788">
+              <a:defRPr>
+                <a:solidFill>
+                  <a:schemeClr val="tx1"/>
+                </a:solidFill>
+                <a:latin typeface="Arial" panose="020B0604020202020204" pitchFamily="34" charset="0"/>
+              </a:defRPr>
+            </a:lvl4pPr>
+            <a:lvl5pPr marL="2057400" indent="-228600" defTabSz="966788">
+              <a:defRPr>
+                <a:solidFill>
+                  <a:schemeClr val="tx1"/>
+                </a:solidFill>
+                <a:latin typeface="Arial" panose="020B0604020202020204" pitchFamily="34" charset="0"/>
+              </a:defRPr>
+            </a:lvl5pPr>
+            <a:lvl6pPr marL="2514600" indent="-228600" defTabSz="966788" eaLnBrk="0" fontAlgn="base" hangingPunct="0">
+              <a:spcBef>
+                <a:spcPct val="0"/>
+              </a:spcBef>
+              <a:spcAft>
+                <a:spcPct val="0"/>
+              </a:spcAft>
+              <a:defRPr>
+                <a:solidFill>
+                  <a:schemeClr val="tx1"/>
+                </a:solidFill>
+                <a:latin typeface="Arial" panose="020B0604020202020204" pitchFamily="34" charset="0"/>
+              </a:defRPr>
+            </a:lvl6pPr>
+            <a:lvl7pPr marL="2971800" indent="-228600" defTabSz="966788" eaLnBrk="0" fontAlgn="base" hangingPunct="0">
+              <a:spcBef>
+                <a:spcPct val="0"/>
+              </a:spcBef>
+              <a:spcAft>
+                <a:spcPct val="0"/>
+              </a:spcAft>
+              <a:defRPr>
+                <a:solidFill>
+                  <a:schemeClr val="tx1"/>
+                </a:solidFill>
+                <a:latin typeface="Arial" panose="020B0604020202020204" pitchFamily="34" charset="0"/>
+              </a:defRPr>
+            </a:lvl7pPr>
+            <a:lvl8pPr marL="3429000" indent="-228600" defTabSz="966788" eaLnBrk="0" fontAlgn="base" hangingPunct="0">
+              <a:spcBef>
+                <a:spcPct val="0"/>
+              </a:spcBef>
+              <a:spcAft>
+                <a:spcPct val="0"/>
+              </a:spcAft>
+              <a:defRPr>
+                <a:solidFill>
+                  <a:schemeClr val="tx1"/>
+                </a:solidFill>
+                <a:latin typeface="Arial" panose="020B0604020202020204" pitchFamily="34" charset="0"/>
+              </a:defRPr>
+            </a:lvl8pPr>
+            <a:lvl9pPr marL="3886200" indent="-228600" defTabSz="966788" eaLnBrk="0" fontAlgn="base" hangingPunct="0">
+              <a:spcBef>
+                <a:spcPct val="0"/>
+              </a:spcBef>
+              <a:spcAft>
+                <a:spcPct val="0"/>
+              </a:spcAft>
+              <a:defRPr>
+                <a:solidFill>
+                  <a:schemeClr val="tx1"/>
+                </a:solidFill>
+                <a:latin typeface="Arial" panose="020B0604020202020204" pitchFamily="34" charset="0"/>
+              </a:defRPr>
+            </a:lvl9pPr>
+          </a:lstStyle>
+          <a:p>
+            <a:r>
+              <a:rPr lang="en-US">
+                <a:latin typeface="Times New Roman" panose="02020603050405020304" pitchFamily="18" charset="0"/>
+              </a:rPr>
+              <a:t>Chapter 1 — Computer Abstractions and Technology</a:t>
+            </a:r>
+          </a:p>
+        </p:txBody>
+      </p:sp>
+      <p:sp>
+        <p:nvSpPr>
+          <p:cNvPr id="73733" name="Rectangle 7"/>
+          <p:cNvSpPr>
+            <a:spLocks noGrp="1" noChangeArrowheads="1"/>
+          </p:cNvSpPr>
+          <p:nvPr>
+            <p:ph type="sldNum" sz="quarter" idx="5"/>
+          </p:nvPr>
+        </p:nvSpPr>
+        <p:spPr>
+          <a:noFill/>
+        </p:spPr>
+        <p:txBody>
+          <a:bodyPr/>
+          <a:lstStyle>
+            <a:lvl1pPr defTabSz="966788">
+              <a:defRPr>
+                <a:solidFill>
+                  <a:schemeClr val="tx1"/>
+                </a:solidFill>
+                <a:latin typeface="Arial" panose="020B0604020202020204" pitchFamily="34" charset="0"/>
+              </a:defRPr>
+            </a:lvl1pPr>
+            <a:lvl2pPr marL="742950" indent="-285750" defTabSz="966788">
+              <a:defRPr>
+                <a:solidFill>
+                  <a:schemeClr val="tx1"/>
+                </a:solidFill>
+                <a:latin typeface="Arial" panose="020B0604020202020204" pitchFamily="34" charset="0"/>
+              </a:defRPr>
+            </a:lvl2pPr>
+            <a:lvl3pPr marL="1143000" indent="-228600" defTabSz="966788">
+              <a:defRPr>
+                <a:solidFill>
+                  <a:schemeClr val="tx1"/>
+                </a:solidFill>
+                <a:latin typeface="Arial" panose="020B0604020202020204" pitchFamily="34" charset="0"/>
+              </a:defRPr>
+            </a:lvl3pPr>
+            <a:lvl4pPr marL="1600200" indent="-228600" defTabSz="966788">
+              <a:defRPr>
+                <a:solidFill>
+                  <a:schemeClr val="tx1"/>
+                </a:solidFill>
+                <a:latin typeface="Arial" panose="020B0604020202020204" pitchFamily="34" charset="0"/>
+              </a:defRPr>
+            </a:lvl4pPr>
+            <a:lvl5pPr marL="2057400" indent="-228600" defTabSz="966788">
+              <a:defRPr>
+                <a:solidFill>
+                  <a:schemeClr val="tx1"/>
+                </a:solidFill>
+                <a:latin typeface="Arial" panose="020B0604020202020204" pitchFamily="34" charset="0"/>
+              </a:defRPr>
+            </a:lvl5pPr>
+            <a:lvl6pPr marL="2514600" indent="-228600" defTabSz="966788" eaLnBrk="0" fontAlgn="base" hangingPunct="0">
+              <a:spcBef>
+                <a:spcPct val="0"/>
+              </a:spcBef>
+              <a:spcAft>
+                <a:spcPct val="0"/>
+              </a:spcAft>
+              <a:defRPr>
+                <a:solidFill>
+                  <a:schemeClr val="tx1"/>
+                </a:solidFill>
+                <a:latin typeface="Arial" panose="020B0604020202020204" pitchFamily="34" charset="0"/>
+              </a:defRPr>
+            </a:lvl6pPr>
+            <a:lvl7pPr marL="2971800" indent="-228600" defTabSz="966788" eaLnBrk="0" fontAlgn="base" hangingPunct="0">
+              <a:spcBef>
+                <a:spcPct val="0"/>
+              </a:spcBef>
+              <a:spcAft>
+                <a:spcPct val="0"/>
+              </a:spcAft>
+              <a:defRPr>
+                <a:solidFill>
+                  <a:schemeClr val="tx1"/>
+                </a:solidFill>
+                <a:latin typeface="Arial" panose="020B0604020202020204" pitchFamily="34" charset="0"/>
+              </a:defRPr>
+            </a:lvl7pPr>
+            <a:lvl8pPr marL="3429000" indent="-228600" defTabSz="966788" eaLnBrk="0" fontAlgn="base" hangingPunct="0">
+              <a:spcBef>
+                <a:spcPct val="0"/>
+              </a:spcBef>
+              <a:spcAft>
+                <a:spcPct val="0"/>
+              </a:spcAft>
+              <a:defRPr>
+                <a:solidFill>
+                  <a:schemeClr val="tx1"/>
+                </a:solidFill>
+                <a:latin typeface="Arial" panose="020B0604020202020204" pitchFamily="34" charset="0"/>
+              </a:defRPr>
+            </a:lvl8pPr>
+            <a:lvl9pPr marL="3886200" indent="-228600" defTabSz="966788" eaLnBrk="0" fontAlgn="base" hangingPunct="0">
+              <a:spcBef>
+                <a:spcPct val="0"/>
+              </a:spcBef>
+              <a:spcAft>
+                <a:spcPct val="0"/>
+              </a:spcAft>
+              <a:defRPr>
+                <a:solidFill>
+                  <a:schemeClr val="tx1"/>
+                </a:solidFill>
+                <a:latin typeface="Arial" panose="020B0604020202020204" pitchFamily="34" charset="0"/>
+              </a:defRPr>
+            </a:lvl9pPr>
+          </a:lstStyle>
+          <a:p>
+            <a:fld id="{399683E7-D655-4DE8-B705-B1198EBD2C37}" type="slidenum">
+              <a:rPr lang="en-US">
+                <a:latin typeface="Times New Roman" panose="02020603050405020304" pitchFamily="18" charset="0"/>
+              </a:rPr>
+              <a:pPr/>
+              <a:t>8</a:t>
+            </a:fld>
+            <a:endParaRPr lang="en-US">
+              <a:latin typeface="Times New Roman" panose="02020603050405020304" pitchFamily="18" charset="0"/>
+            </a:endParaRPr>
+          </a:p>
+        </p:txBody>
+      </p:sp>
+      <p:sp>
+        <p:nvSpPr>
+          <p:cNvPr id="73734" name="Rectangle 2"/>
+          <p:cNvSpPr>
+            <a:spLocks noGrp="1" noRot="1" noChangeAspect="1" noChangeArrowheads="1" noTextEdit="1"/>
           </p:cNvSpPr>
           <p:nvPr>
             <p:ph type="sldImg"/>
           </p:nvPr>
         </p:nvSpPr>
-        <p:spPr/>
-      </p:sp>
-      <p:sp>
-        <p:nvSpPr>
-          <p:cNvPr id="3" name="Notes Placeholder 2"/>
+        <p:spPr>
+          <a:ln/>
+        </p:spPr>
+      </p:sp>
+      <p:sp>
+        <p:nvSpPr>
+          <p:cNvPr id="73735" name="Rectangle 3"/>
           <p:cNvSpPr>
-            <a:spLocks noGrp="1"/>
+            <a:spLocks noGrp="1" noChangeArrowheads="1"/>
           </p:cNvSpPr>
           <p:nvPr>
             <p:ph type="body" idx="1"/>
           </p:nvPr>
         </p:nvSpPr>
-        <p:spPr/>
+        <p:spPr>
+          <a:noFill/>
+        </p:spPr>
         <p:txBody>
           <a:bodyPr/>
           <a:lstStyle/>
           <a:p>
-            <a:endParaRPr lang="en-US" dirty="0"/>
-          </a:p>
-        </p:txBody>
-      </p:sp>
-      <p:sp>
-        <p:nvSpPr>
-          <p:cNvPr id="4" name="Slide Number Placeholder 3"/>
-          <p:cNvSpPr>
-            <a:spLocks noGrp="1"/>
-          </p:cNvSpPr>
-          <p:nvPr>
-            <p:ph type="sldNum" sz="quarter" idx="10"/>
-          </p:nvPr>
-        </p:nvSpPr>
-        <p:spPr/>
-        <p:txBody>
-          <a:bodyPr/>
-          <a:lstStyle/>
-          <a:p>
-            <a:fld id="{6B15D8FC-C889-4410-8862-C922C3EC1A28}" type="slidenum">
-              <a:rPr lang="en-US" smtClean="0"/>
-              <a:t>16</a:t>
-            </a:fld>
-            <a:endParaRPr lang="en-US"/>
+            <a:endParaRPr lang="en-AU" smtClean="0"/>
           </a:p>
         </p:txBody>
       </p:sp>
     </p:spTree>
     <p:extLst>
       <p:ext uri="{BB962C8B-B14F-4D97-AF65-F5344CB8AC3E}">
-        <p14:creationId xmlns:p14="http://schemas.microsoft.com/office/powerpoint/2010/main" val="975735723"/>
+        <p14:creationId xmlns:p14="http://schemas.microsoft.com/office/powerpoint/2010/main" xmlns:p="http://schemas.openxmlformats.org/presentationml/2006/main" xmlns:r="http://schemas.openxmlformats.org/officeDocument/2006/relationships" xmlns:a="http://schemas.openxmlformats.org/drawingml/2006/main" xmlns="" val="1380137515"/>
       </p:ext>
     </p:extLst>
   </p:cSld>
@@ -9515,8 +8256,8 @@
 </p:notes>
 </file>
 
-<file path=ppt/notesSlides/notesSlide9.xml><?xml version="1.0" encoding="utf-8"?>
-<p:notes xmlns:a="http://schemas.openxmlformats.org/drawingml/2006/main" xmlns:r="http://schemas.openxmlformats.org/officeDocument/2006/relationships" xmlns:p="http://schemas.openxmlformats.org/presentationml/2006/main">
+<file path=ppt/notesSlides/notesSlide4.xml><?xml version="1.0" encoding="utf-8"?>
+<p:notes xmlns:a="http://schemas.openxmlformats.org/drawingml/2006/main" xmlns:r="http://schemas.openxmlformats.org/officeDocument/2006/relationships" xmlns:mc="http://schemas.openxmlformats.org/markup-compatibility/2006" xmlns:mv="urn:schemas-microsoft-com:mac:vml" xmlns:p="http://schemas.openxmlformats.org/presentationml/2006/main" mc:Ignorable="mv" mc:PreserveAttributes="mv:*">
   <p:cSld>
     <p:spTree>
       <p:nvGrpSpPr>
@@ -9534,6 +8275,1871 @@
       </p:grpSpPr>
       <p:sp>
         <p:nvSpPr>
+          <p:cNvPr id="74754" name="Rectangle 2"/>
+          <p:cNvSpPr>
+            <a:spLocks noGrp="1" noChangeArrowheads="1"/>
+          </p:cNvSpPr>
+          <p:nvPr>
+            <p:ph type="hdr" sz="quarter"/>
+          </p:nvPr>
+        </p:nvSpPr>
+        <p:spPr>
+          <a:noFill/>
+        </p:spPr>
+        <p:txBody>
+          <a:bodyPr/>
+          <a:lstStyle>
+            <a:lvl1pPr defTabSz="966788">
+              <a:defRPr>
+                <a:solidFill>
+                  <a:schemeClr val="tx1"/>
+                </a:solidFill>
+                <a:latin typeface="Arial" panose="020B0604020202020204" pitchFamily="34" charset="0"/>
+              </a:defRPr>
+            </a:lvl1pPr>
+            <a:lvl2pPr marL="742950" indent="-285750" defTabSz="966788">
+              <a:defRPr>
+                <a:solidFill>
+                  <a:schemeClr val="tx1"/>
+                </a:solidFill>
+                <a:latin typeface="Arial" panose="020B0604020202020204" pitchFamily="34" charset="0"/>
+              </a:defRPr>
+            </a:lvl2pPr>
+            <a:lvl3pPr marL="1143000" indent="-228600" defTabSz="966788">
+              <a:defRPr>
+                <a:solidFill>
+                  <a:schemeClr val="tx1"/>
+                </a:solidFill>
+                <a:latin typeface="Arial" panose="020B0604020202020204" pitchFamily="34" charset="0"/>
+              </a:defRPr>
+            </a:lvl3pPr>
+            <a:lvl4pPr marL="1600200" indent="-228600" defTabSz="966788">
+              <a:defRPr>
+                <a:solidFill>
+                  <a:schemeClr val="tx1"/>
+                </a:solidFill>
+                <a:latin typeface="Arial" panose="020B0604020202020204" pitchFamily="34" charset="0"/>
+              </a:defRPr>
+            </a:lvl4pPr>
+            <a:lvl5pPr marL="2057400" indent="-228600" defTabSz="966788">
+              <a:defRPr>
+                <a:solidFill>
+                  <a:schemeClr val="tx1"/>
+                </a:solidFill>
+                <a:latin typeface="Arial" panose="020B0604020202020204" pitchFamily="34" charset="0"/>
+              </a:defRPr>
+            </a:lvl5pPr>
+            <a:lvl6pPr marL="2514600" indent="-228600" defTabSz="966788" eaLnBrk="0" fontAlgn="base" hangingPunct="0">
+              <a:spcBef>
+                <a:spcPct val="0"/>
+              </a:spcBef>
+              <a:spcAft>
+                <a:spcPct val="0"/>
+              </a:spcAft>
+              <a:defRPr>
+                <a:solidFill>
+                  <a:schemeClr val="tx1"/>
+                </a:solidFill>
+                <a:latin typeface="Arial" panose="020B0604020202020204" pitchFamily="34" charset="0"/>
+              </a:defRPr>
+            </a:lvl6pPr>
+            <a:lvl7pPr marL="2971800" indent="-228600" defTabSz="966788" eaLnBrk="0" fontAlgn="base" hangingPunct="0">
+              <a:spcBef>
+                <a:spcPct val="0"/>
+              </a:spcBef>
+              <a:spcAft>
+                <a:spcPct val="0"/>
+              </a:spcAft>
+              <a:defRPr>
+                <a:solidFill>
+                  <a:schemeClr val="tx1"/>
+                </a:solidFill>
+                <a:latin typeface="Arial" panose="020B0604020202020204" pitchFamily="34" charset="0"/>
+              </a:defRPr>
+            </a:lvl7pPr>
+            <a:lvl8pPr marL="3429000" indent="-228600" defTabSz="966788" eaLnBrk="0" fontAlgn="base" hangingPunct="0">
+              <a:spcBef>
+                <a:spcPct val="0"/>
+              </a:spcBef>
+              <a:spcAft>
+                <a:spcPct val="0"/>
+              </a:spcAft>
+              <a:defRPr>
+                <a:solidFill>
+                  <a:schemeClr val="tx1"/>
+                </a:solidFill>
+                <a:latin typeface="Arial" panose="020B0604020202020204" pitchFamily="34" charset="0"/>
+              </a:defRPr>
+            </a:lvl8pPr>
+            <a:lvl9pPr marL="3886200" indent="-228600" defTabSz="966788" eaLnBrk="0" fontAlgn="base" hangingPunct="0">
+              <a:spcBef>
+                <a:spcPct val="0"/>
+              </a:spcBef>
+              <a:spcAft>
+                <a:spcPct val="0"/>
+              </a:spcAft>
+              <a:defRPr>
+                <a:solidFill>
+                  <a:schemeClr val="tx1"/>
+                </a:solidFill>
+                <a:latin typeface="Arial" panose="020B0604020202020204" pitchFamily="34" charset="0"/>
+              </a:defRPr>
+            </a:lvl9pPr>
+          </a:lstStyle>
+          <a:p>
+            <a:r>
+              <a:rPr lang="en-US">
+                <a:latin typeface="Times New Roman" panose="02020603050405020304" pitchFamily="18" charset="0"/>
+              </a:rPr>
+              <a:t>Morgan Kaufmann Publishers</a:t>
+            </a:r>
+          </a:p>
+        </p:txBody>
+      </p:sp>
+      <p:sp>
+        <p:nvSpPr>
+          <p:cNvPr id="74755" name="Rectangle 3"/>
+          <p:cNvSpPr>
+            <a:spLocks noGrp="1" noChangeArrowheads="1"/>
+          </p:cNvSpPr>
+          <p:nvPr>
+            <p:ph type="dt" sz="quarter" idx="1"/>
+          </p:nvPr>
+        </p:nvSpPr>
+        <p:spPr>
+          <a:noFill/>
+        </p:spPr>
+        <p:txBody>
+          <a:bodyPr/>
+          <a:lstStyle>
+            <a:lvl1pPr defTabSz="966788">
+              <a:defRPr>
+                <a:solidFill>
+                  <a:schemeClr val="tx1"/>
+                </a:solidFill>
+                <a:latin typeface="Arial" panose="020B0604020202020204" pitchFamily="34" charset="0"/>
+              </a:defRPr>
+            </a:lvl1pPr>
+            <a:lvl2pPr marL="742950" indent="-285750" defTabSz="966788">
+              <a:defRPr>
+                <a:solidFill>
+                  <a:schemeClr val="tx1"/>
+                </a:solidFill>
+                <a:latin typeface="Arial" panose="020B0604020202020204" pitchFamily="34" charset="0"/>
+              </a:defRPr>
+            </a:lvl2pPr>
+            <a:lvl3pPr marL="1143000" indent="-228600" defTabSz="966788">
+              <a:defRPr>
+                <a:solidFill>
+                  <a:schemeClr val="tx1"/>
+                </a:solidFill>
+                <a:latin typeface="Arial" panose="020B0604020202020204" pitchFamily="34" charset="0"/>
+              </a:defRPr>
+            </a:lvl3pPr>
+            <a:lvl4pPr marL="1600200" indent="-228600" defTabSz="966788">
+              <a:defRPr>
+                <a:solidFill>
+                  <a:schemeClr val="tx1"/>
+                </a:solidFill>
+                <a:latin typeface="Arial" panose="020B0604020202020204" pitchFamily="34" charset="0"/>
+              </a:defRPr>
+            </a:lvl4pPr>
+            <a:lvl5pPr marL="2057400" indent="-228600" defTabSz="966788">
+              <a:defRPr>
+                <a:solidFill>
+                  <a:schemeClr val="tx1"/>
+                </a:solidFill>
+                <a:latin typeface="Arial" panose="020B0604020202020204" pitchFamily="34" charset="0"/>
+              </a:defRPr>
+            </a:lvl5pPr>
+            <a:lvl6pPr marL="2514600" indent="-228600" defTabSz="966788" eaLnBrk="0" fontAlgn="base" hangingPunct="0">
+              <a:spcBef>
+                <a:spcPct val="0"/>
+              </a:spcBef>
+              <a:spcAft>
+                <a:spcPct val="0"/>
+              </a:spcAft>
+              <a:defRPr>
+                <a:solidFill>
+                  <a:schemeClr val="tx1"/>
+                </a:solidFill>
+                <a:latin typeface="Arial" panose="020B0604020202020204" pitchFamily="34" charset="0"/>
+              </a:defRPr>
+            </a:lvl6pPr>
+            <a:lvl7pPr marL="2971800" indent="-228600" defTabSz="966788" eaLnBrk="0" fontAlgn="base" hangingPunct="0">
+              <a:spcBef>
+                <a:spcPct val="0"/>
+              </a:spcBef>
+              <a:spcAft>
+                <a:spcPct val="0"/>
+              </a:spcAft>
+              <a:defRPr>
+                <a:solidFill>
+                  <a:schemeClr val="tx1"/>
+                </a:solidFill>
+                <a:latin typeface="Arial" panose="020B0604020202020204" pitchFamily="34" charset="0"/>
+              </a:defRPr>
+            </a:lvl7pPr>
+            <a:lvl8pPr marL="3429000" indent="-228600" defTabSz="966788" eaLnBrk="0" fontAlgn="base" hangingPunct="0">
+              <a:spcBef>
+                <a:spcPct val="0"/>
+              </a:spcBef>
+              <a:spcAft>
+                <a:spcPct val="0"/>
+              </a:spcAft>
+              <a:defRPr>
+                <a:solidFill>
+                  <a:schemeClr val="tx1"/>
+                </a:solidFill>
+                <a:latin typeface="Arial" panose="020B0604020202020204" pitchFamily="34" charset="0"/>
+              </a:defRPr>
+            </a:lvl8pPr>
+            <a:lvl9pPr marL="3886200" indent="-228600" defTabSz="966788" eaLnBrk="0" fontAlgn="base" hangingPunct="0">
+              <a:spcBef>
+                <a:spcPct val="0"/>
+              </a:spcBef>
+              <a:spcAft>
+                <a:spcPct val="0"/>
+              </a:spcAft>
+              <a:defRPr>
+                <a:solidFill>
+                  <a:schemeClr val="tx1"/>
+                </a:solidFill>
+                <a:latin typeface="Arial" panose="020B0604020202020204" pitchFamily="34" charset="0"/>
+              </a:defRPr>
+            </a:lvl9pPr>
+          </a:lstStyle>
+          <a:p>
+            <a:fld id="{6A492C50-3082-4462-8314-8528F18875BF}" type="datetime4">
+              <a:rPr lang="en-US">
+                <a:latin typeface="Times New Roman" panose="02020603050405020304" pitchFamily="18" charset="0"/>
+              </a:rPr>
+              <a:pPr/>
+              <a:t>November 17, 2014</a:t>
+            </a:fld>
+            <a:endParaRPr lang="en-US">
+              <a:latin typeface="Times New Roman" panose="02020603050405020304" pitchFamily="18" charset="0"/>
+            </a:endParaRPr>
+          </a:p>
+        </p:txBody>
+      </p:sp>
+      <p:sp>
+        <p:nvSpPr>
+          <p:cNvPr id="74756" name="Rectangle 6"/>
+          <p:cNvSpPr>
+            <a:spLocks noGrp="1" noChangeArrowheads="1"/>
+          </p:cNvSpPr>
+          <p:nvPr>
+            <p:ph type="ftr" sz="quarter" idx="4"/>
+          </p:nvPr>
+        </p:nvSpPr>
+        <p:spPr>
+          <a:noFill/>
+        </p:spPr>
+        <p:txBody>
+          <a:bodyPr/>
+          <a:lstStyle>
+            <a:lvl1pPr defTabSz="966788">
+              <a:defRPr>
+                <a:solidFill>
+                  <a:schemeClr val="tx1"/>
+                </a:solidFill>
+                <a:latin typeface="Arial" panose="020B0604020202020204" pitchFamily="34" charset="0"/>
+              </a:defRPr>
+            </a:lvl1pPr>
+            <a:lvl2pPr marL="742950" indent="-285750" defTabSz="966788">
+              <a:defRPr>
+                <a:solidFill>
+                  <a:schemeClr val="tx1"/>
+                </a:solidFill>
+                <a:latin typeface="Arial" panose="020B0604020202020204" pitchFamily="34" charset="0"/>
+              </a:defRPr>
+            </a:lvl2pPr>
+            <a:lvl3pPr marL="1143000" indent="-228600" defTabSz="966788">
+              <a:defRPr>
+                <a:solidFill>
+                  <a:schemeClr val="tx1"/>
+                </a:solidFill>
+                <a:latin typeface="Arial" panose="020B0604020202020204" pitchFamily="34" charset="0"/>
+              </a:defRPr>
+            </a:lvl3pPr>
+            <a:lvl4pPr marL="1600200" indent="-228600" defTabSz="966788">
+              <a:defRPr>
+                <a:solidFill>
+                  <a:schemeClr val="tx1"/>
+                </a:solidFill>
+                <a:latin typeface="Arial" panose="020B0604020202020204" pitchFamily="34" charset="0"/>
+              </a:defRPr>
+            </a:lvl4pPr>
+            <a:lvl5pPr marL="2057400" indent="-228600" defTabSz="966788">
+              <a:defRPr>
+                <a:solidFill>
+                  <a:schemeClr val="tx1"/>
+                </a:solidFill>
+                <a:latin typeface="Arial" panose="020B0604020202020204" pitchFamily="34" charset="0"/>
+              </a:defRPr>
+            </a:lvl5pPr>
+            <a:lvl6pPr marL="2514600" indent="-228600" defTabSz="966788" eaLnBrk="0" fontAlgn="base" hangingPunct="0">
+              <a:spcBef>
+                <a:spcPct val="0"/>
+              </a:spcBef>
+              <a:spcAft>
+                <a:spcPct val="0"/>
+              </a:spcAft>
+              <a:defRPr>
+                <a:solidFill>
+                  <a:schemeClr val="tx1"/>
+                </a:solidFill>
+                <a:latin typeface="Arial" panose="020B0604020202020204" pitchFamily="34" charset="0"/>
+              </a:defRPr>
+            </a:lvl6pPr>
+            <a:lvl7pPr marL="2971800" indent="-228600" defTabSz="966788" eaLnBrk="0" fontAlgn="base" hangingPunct="0">
+              <a:spcBef>
+                <a:spcPct val="0"/>
+              </a:spcBef>
+              <a:spcAft>
+                <a:spcPct val="0"/>
+              </a:spcAft>
+              <a:defRPr>
+                <a:solidFill>
+                  <a:schemeClr val="tx1"/>
+                </a:solidFill>
+                <a:latin typeface="Arial" panose="020B0604020202020204" pitchFamily="34" charset="0"/>
+              </a:defRPr>
+            </a:lvl7pPr>
+            <a:lvl8pPr marL="3429000" indent="-228600" defTabSz="966788" eaLnBrk="0" fontAlgn="base" hangingPunct="0">
+              <a:spcBef>
+                <a:spcPct val="0"/>
+              </a:spcBef>
+              <a:spcAft>
+                <a:spcPct val="0"/>
+              </a:spcAft>
+              <a:defRPr>
+                <a:solidFill>
+                  <a:schemeClr val="tx1"/>
+                </a:solidFill>
+                <a:latin typeface="Arial" panose="020B0604020202020204" pitchFamily="34" charset="0"/>
+              </a:defRPr>
+            </a:lvl8pPr>
+            <a:lvl9pPr marL="3886200" indent="-228600" defTabSz="966788" eaLnBrk="0" fontAlgn="base" hangingPunct="0">
+              <a:spcBef>
+                <a:spcPct val="0"/>
+              </a:spcBef>
+              <a:spcAft>
+                <a:spcPct val="0"/>
+              </a:spcAft>
+              <a:defRPr>
+                <a:solidFill>
+                  <a:schemeClr val="tx1"/>
+                </a:solidFill>
+                <a:latin typeface="Arial" panose="020B0604020202020204" pitchFamily="34" charset="0"/>
+              </a:defRPr>
+            </a:lvl9pPr>
+          </a:lstStyle>
+          <a:p>
+            <a:r>
+              <a:rPr lang="en-US">
+                <a:latin typeface="Times New Roman" panose="02020603050405020304" pitchFamily="18" charset="0"/>
+              </a:rPr>
+              <a:t>Chapter 1 — Computer Abstractions and Technology</a:t>
+            </a:r>
+          </a:p>
+        </p:txBody>
+      </p:sp>
+      <p:sp>
+        <p:nvSpPr>
+          <p:cNvPr id="74757" name="Rectangle 7"/>
+          <p:cNvSpPr>
+            <a:spLocks noGrp="1" noChangeArrowheads="1"/>
+          </p:cNvSpPr>
+          <p:nvPr>
+            <p:ph type="sldNum" sz="quarter" idx="5"/>
+          </p:nvPr>
+        </p:nvSpPr>
+        <p:spPr>
+          <a:noFill/>
+        </p:spPr>
+        <p:txBody>
+          <a:bodyPr/>
+          <a:lstStyle>
+            <a:lvl1pPr defTabSz="966788">
+              <a:defRPr>
+                <a:solidFill>
+                  <a:schemeClr val="tx1"/>
+                </a:solidFill>
+                <a:latin typeface="Arial" panose="020B0604020202020204" pitchFamily="34" charset="0"/>
+              </a:defRPr>
+            </a:lvl1pPr>
+            <a:lvl2pPr marL="742950" indent="-285750" defTabSz="966788">
+              <a:defRPr>
+                <a:solidFill>
+                  <a:schemeClr val="tx1"/>
+                </a:solidFill>
+                <a:latin typeface="Arial" panose="020B0604020202020204" pitchFamily="34" charset="0"/>
+              </a:defRPr>
+            </a:lvl2pPr>
+            <a:lvl3pPr marL="1143000" indent="-228600" defTabSz="966788">
+              <a:defRPr>
+                <a:solidFill>
+                  <a:schemeClr val="tx1"/>
+                </a:solidFill>
+                <a:latin typeface="Arial" panose="020B0604020202020204" pitchFamily="34" charset="0"/>
+              </a:defRPr>
+            </a:lvl3pPr>
+            <a:lvl4pPr marL="1600200" indent="-228600" defTabSz="966788">
+              <a:defRPr>
+                <a:solidFill>
+                  <a:schemeClr val="tx1"/>
+                </a:solidFill>
+                <a:latin typeface="Arial" panose="020B0604020202020204" pitchFamily="34" charset="0"/>
+              </a:defRPr>
+            </a:lvl4pPr>
+            <a:lvl5pPr marL="2057400" indent="-228600" defTabSz="966788">
+              <a:defRPr>
+                <a:solidFill>
+                  <a:schemeClr val="tx1"/>
+                </a:solidFill>
+                <a:latin typeface="Arial" panose="020B0604020202020204" pitchFamily="34" charset="0"/>
+              </a:defRPr>
+            </a:lvl5pPr>
+            <a:lvl6pPr marL="2514600" indent="-228600" defTabSz="966788" eaLnBrk="0" fontAlgn="base" hangingPunct="0">
+              <a:spcBef>
+                <a:spcPct val="0"/>
+              </a:spcBef>
+              <a:spcAft>
+                <a:spcPct val="0"/>
+              </a:spcAft>
+              <a:defRPr>
+                <a:solidFill>
+                  <a:schemeClr val="tx1"/>
+                </a:solidFill>
+                <a:latin typeface="Arial" panose="020B0604020202020204" pitchFamily="34" charset="0"/>
+              </a:defRPr>
+            </a:lvl6pPr>
+            <a:lvl7pPr marL="2971800" indent="-228600" defTabSz="966788" eaLnBrk="0" fontAlgn="base" hangingPunct="0">
+              <a:spcBef>
+                <a:spcPct val="0"/>
+              </a:spcBef>
+              <a:spcAft>
+                <a:spcPct val="0"/>
+              </a:spcAft>
+              <a:defRPr>
+                <a:solidFill>
+                  <a:schemeClr val="tx1"/>
+                </a:solidFill>
+                <a:latin typeface="Arial" panose="020B0604020202020204" pitchFamily="34" charset="0"/>
+              </a:defRPr>
+            </a:lvl7pPr>
+            <a:lvl8pPr marL="3429000" indent="-228600" defTabSz="966788" eaLnBrk="0" fontAlgn="base" hangingPunct="0">
+              <a:spcBef>
+                <a:spcPct val="0"/>
+              </a:spcBef>
+              <a:spcAft>
+                <a:spcPct val="0"/>
+              </a:spcAft>
+              <a:defRPr>
+                <a:solidFill>
+                  <a:schemeClr val="tx1"/>
+                </a:solidFill>
+                <a:latin typeface="Arial" panose="020B0604020202020204" pitchFamily="34" charset="0"/>
+              </a:defRPr>
+            </a:lvl8pPr>
+            <a:lvl9pPr marL="3886200" indent="-228600" defTabSz="966788" eaLnBrk="0" fontAlgn="base" hangingPunct="0">
+              <a:spcBef>
+                <a:spcPct val="0"/>
+              </a:spcBef>
+              <a:spcAft>
+                <a:spcPct val="0"/>
+              </a:spcAft>
+              <a:defRPr>
+                <a:solidFill>
+                  <a:schemeClr val="tx1"/>
+                </a:solidFill>
+                <a:latin typeface="Arial" panose="020B0604020202020204" pitchFamily="34" charset="0"/>
+              </a:defRPr>
+            </a:lvl9pPr>
+          </a:lstStyle>
+          <a:p>
+            <a:fld id="{04543D1C-4621-4736-B86A-345C752D5A29}" type="slidenum">
+              <a:rPr lang="en-US">
+                <a:latin typeface="Times New Roman" panose="02020603050405020304" pitchFamily="18" charset="0"/>
+              </a:rPr>
+              <a:pPr/>
+              <a:t>9</a:t>
+            </a:fld>
+            <a:endParaRPr lang="en-US">
+              <a:latin typeface="Times New Roman" panose="02020603050405020304" pitchFamily="18" charset="0"/>
+            </a:endParaRPr>
+          </a:p>
+        </p:txBody>
+      </p:sp>
+      <p:sp>
+        <p:nvSpPr>
+          <p:cNvPr id="74758" name="Rectangle 2"/>
+          <p:cNvSpPr>
+            <a:spLocks noGrp="1" noRot="1" noChangeAspect="1" noChangeArrowheads="1" noTextEdit="1"/>
+          </p:cNvSpPr>
+          <p:nvPr>
+            <p:ph type="sldImg"/>
+          </p:nvPr>
+        </p:nvSpPr>
+        <p:spPr>
+          <a:ln/>
+        </p:spPr>
+      </p:sp>
+      <p:sp>
+        <p:nvSpPr>
+          <p:cNvPr id="74759" name="Rectangle 3"/>
+          <p:cNvSpPr>
+            <a:spLocks noGrp="1" noChangeArrowheads="1"/>
+          </p:cNvSpPr>
+          <p:nvPr>
+            <p:ph type="body" idx="1"/>
+          </p:nvPr>
+        </p:nvSpPr>
+        <p:spPr>
+          <a:noFill/>
+        </p:spPr>
+        <p:txBody>
+          <a:bodyPr/>
+          <a:lstStyle/>
+          <a:p>
+            <a:endParaRPr lang="en-AU" smtClean="0"/>
+          </a:p>
+        </p:txBody>
+      </p:sp>
+    </p:spTree>
+    <p:extLst>
+      <p:ext uri="{BB962C8B-B14F-4D97-AF65-F5344CB8AC3E}">
+        <p14:creationId xmlns:p14="http://schemas.microsoft.com/office/powerpoint/2010/main" xmlns:p="http://schemas.openxmlformats.org/presentationml/2006/main" xmlns:r="http://schemas.openxmlformats.org/officeDocument/2006/relationships" xmlns:a="http://schemas.openxmlformats.org/drawingml/2006/main" xmlns="" val="774606590"/>
+      </p:ext>
+    </p:extLst>
+  </p:cSld>
+  <p:clrMapOvr>
+    <a:masterClrMapping/>
+  </p:clrMapOvr>
+</p:notes>
+</file>
+
+<file path=ppt/notesSlides/notesSlide5.xml><?xml version="1.0" encoding="utf-8"?>
+<p:notes xmlns:a="http://schemas.openxmlformats.org/drawingml/2006/main" xmlns:r="http://schemas.openxmlformats.org/officeDocument/2006/relationships" xmlns:mc="http://schemas.openxmlformats.org/markup-compatibility/2006" xmlns:mv="urn:schemas-microsoft-com:mac:vml" xmlns:p="http://schemas.openxmlformats.org/presentationml/2006/main" mc:Ignorable="mv" mc:PreserveAttributes="mv:*">
+  <p:cSld>
+    <p:spTree>
+      <p:nvGrpSpPr>
+        <p:cNvPr id="1" name=""/>
+        <p:cNvGrpSpPr/>
+        <p:nvPr/>
+      </p:nvGrpSpPr>
+      <p:grpSpPr>
+        <a:xfrm>
+          <a:off x="0" y="0"/>
+          <a:ext cx="0" cy="0"/>
+          <a:chOff x="0" y="0"/>
+          <a:chExt cx="0" cy="0"/>
+        </a:xfrm>
+      </p:grpSpPr>
+      <p:sp>
+        <p:nvSpPr>
+          <p:cNvPr id="75778" name="Rectangle 2"/>
+          <p:cNvSpPr>
+            <a:spLocks noGrp="1" noChangeArrowheads="1"/>
+          </p:cNvSpPr>
+          <p:nvPr>
+            <p:ph type="hdr" sz="quarter"/>
+          </p:nvPr>
+        </p:nvSpPr>
+        <p:spPr>
+          <a:noFill/>
+        </p:spPr>
+        <p:txBody>
+          <a:bodyPr/>
+          <a:lstStyle>
+            <a:lvl1pPr defTabSz="966788">
+              <a:defRPr>
+                <a:solidFill>
+                  <a:schemeClr val="tx1"/>
+                </a:solidFill>
+                <a:latin typeface="Arial" panose="020B0604020202020204" pitchFamily="34" charset="0"/>
+              </a:defRPr>
+            </a:lvl1pPr>
+            <a:lvl2pPr marL="742950" indent="-285750" defTabSz="966788">
+              <a:defRPr>
+                <a:solidFill>
+                  <a:schemeClr val="tx1"/>
+                </a:solidFill>
+                <a:latin typeface="Arial" panose="020B0604020202020204" pitchFamily="34" charset="0"/>
+              </a:defRPr>
+            </a:lvl2pPr>
+            <a:lvl3pPr marL="1143000" indent="-228600" defTabSz="966788">
+              <a:defRPr>
+                <a:solidFill>
+                  <a:schemeClr val="tx1"/>
+                </a:solidFill>
+                <a:latin typeface="Arial" panose="020B0604020202020204" pitchFamily="34" charset="0"/>
+              </a:defRPr>
+            </a:lvl3pPr>
+            <a:lvl4pPr marL="1600200" indent="-228600" defTabSz="966788">
+              <a:defRPr>
+                <a:solidFill>
+                  <a:schemeClr val="tx1"/>
+                </a:solidFill>
+                <a:latin typeface="Arial" panose="020B0604020202020204" pitchFamily="34" charset="0"/>
+              </a:defRPr>
+            </a:lvl4pPr>
+            <a:lvl5pPr marL="2057400" indent="-228600" defTabSz="966788">
+              <a:defRPr>
+                <a:solidFill>
+                  <a:schemeClr val="tx1"/>
+                </a:solidFill>
+                <a:latin typeface="Arial" panose="020B0604020202020204" pitchFamily="34" charset="0"/>
+              </a:defRPr>
+            </a:lvl5pPr>
+            <a:lvl6pPr marL="2514600" indent="-228600" defTabSz="966788" eaLnBrk="0" fontAlgn="base" hangingPunct="0">
+              <a:spcBef>
+                <a:spcPct val="0"/>
+              </a:spcBef>
+              <a:spcAft>
+                <a:spcPct val="0"/>
+              </a:spcAft>
+              <a:defRPr>
+                <a:solidFill>
+                  <a:schemeClr val="tx1"/>
+                </a:solidFill>
+                <a:latin typeface="Arial" panose="020B0604020202020204" pitchFamily="34" charset="0"/>
+              </a:defRPr>
+            </a:lvl6pPr>
+            <a:lvl7pPr marL="2971800" indent="-228600" defTabSz="966788" eaLnBrk="0" fontAlgn="base" hangingPunct="0">
+              <a:spcBef>
+                <a:spcPct val="0"/>
+              </a:spcBef>
+              <a:spcAft>
+                <a:spcPct val="0"/>
+              </a:spcAft>
+              <a:defRPr>
+                <a:solidFill>
+                  <a:schemeClr val="tx1"/>
+                </a:solidFill>
+                <a:latin typeface="Arial" panose="020B0604020202020204" pitchFamily="34" charset="0"/>
+              </a:defRPr>
+            </a:lvl7pPr>
+            <a:lvl8pPr marL="3429000" indent="-228600" defTabSz="966788" eaLnBrk="0" fontAlgn="base" hangingPunct="0">
+              <a:spcBef>
+                <a:spcPct val="0"/>
+              </a:spcBef>
+              <a:spcAft>
+                <a:spcPct val="0"/>
+              </a:spcAft>
+              <a:defRPr>
+                <a:solidFill>
+                  <a:schemeClr val="tx1"/>
+                </a:solidFill>
+                <a:latin typeface="Arial" panose="020B0604020202020204" pitchFamily="34" charset="0"/>
+              </a:defRPr>
+            </a:lvl8pPr>
+            <a:lvl9pPr marL="3886200" indent="-228600" defTabSz="966788" eaLnBrk="0" fontAlgn="base" hangingPunct="0">
+              <a:spcBef>
+                <a:spcPct val="0"/>
+              </a:spcBef>
+              <a:spcAft>
+                <a:spcPct val="0"/>
+              </a:spcAft>
+              <a:defRPr>
+                <a:solidFill>
+                  <a:schemeClr val="tx1"/>
+                </a:solidFill>
+                <a:latin typeface="Arial" panose="020B0604020202020204" pitchFamily="34" charset="0"/>
+              </a:defRPr>
+            </a:lvl9pPr>
+          </a:lstStyle>
+          <a:p>
+            <a:r>
+              <a:rPr lang="en-US">
+                <a:latin typeface="Times New Roman" panose="02020603050405020304" pitchFamily="18" charset="0"/>
+              </a:rPr>
+              <a:t>Morgan Kaufmann Publishers</a:t>
+            </a:r>
+          </a:p>
+        </p:txBody>
+      </p:sp>
+      <p:sp>
+        <p:nvSpPr>
+          <p:cNvPr id="75779" name="Rectangle 3"/>
+          <p:cNvSpPr>
+            <a:spLocks noGrp="1" noChangeArrowheads="1"/>
+          </p:cNvSpPr>
+          <p:nvPr>
+            <p:ph type="dt" sz="quarter" idx="1"/>
+          </p:nvPr>
+        </p:nvSpPr>
+        <p:spPr>
+          <a:noFill/>
+        </p:spPr>
+        <p:txBody>
+          <a:bodyPr/>
+          <a:lstStyle>
+            <a:lvl1pPr defTabSz="966788">
+              <a:defRPr>
+                <a:solidFill>
+                  <a:schemeClr val="tx1"/>
+                </a:solidFill>
+                <a:latin typeface="Arial" panose="020B0604020202020204" pitchFamily="34" charset="0"/>
+              </a:defRPr>
+            </a:lvl1pPr>
+            <a:lvl2pPr marL="742950" indent="-285750" defTabSz="966788">
+              <a:defRPr>
+                <a:solidFill>
+                  <a:schemeClr val="tx1"/>
+                </a:solidFill>
+                <a:latin typeface="Arial" panose="020B0604020202020204" pitchFamily="34" charset="0"/>
+              </a:defRPr>
+            </a:lvl2pPr>
+            <a:lvl3pPr marL="1143000" indent="-228600" defTabSz="966788">
+              <a:defRPr>
+                <a:solidFill>
+                  <a:schemeClr val="tx1"/>
+                </a:solidFill>
+                <a:latin typeface="Arial" panose="020B0604020202020204" pitchFamily="34" charset="0"/>
+              </a:defRPr>
+            </a:lvl3pPr>
+            <a:lvl4pPr marL="1600200" indent="-228600" defTabSz="966788">
+              <a:defRPr>
+                <a:solidFill>
+                  <a:schemeClr val="tx1"/>
+                </a:solidFill>
+                <a:latin typeface="Arial" panose="020B0604020202020204" pitchFamily="34" charset="0"/>
+              </a:defRPr>
+            </a:lvl4pPr>
+            <a:lvl5pPr marL="2057400" indent="-228600" defTabSz="966788">
+              <a:defRPr>
+                <a:solidFill>
+                  <a:schemeClr val="tx1"/>
+                </a:solidFill>
+                <a:latin typeface="Arial" panose="020B0604020202020204" pitchFamily="34" charset="0"/>
+              </a:defRPr>
+            </a:lvl5pPr>
+            <a:lvl6pPr marL="2514600" indent="-228600" defTabSz="966788" eaLnBrk="0" fontAlgn="base" hangingPunct="0">
+              <a:spcBef>
+                <a:spcPct val="0"/>
+              </a:spcBef>
+              <a:spcAft>
+                <a:spcPct val="0"/>
+              </a:spcAft>
+              <a:defRPr>
+                <a:solidFill>
+                  <a:schemeClr val="tx1"/>
+                </a:solidFill>
+                <a:latin typeface="Arial" panose="020B0604020202020204" pitchFamily="34" charset="0"/>
+              </a:defRPr>
+            </a:lvl6pPr>
+            <a:lvl7pPr marL="2971800" indent="-228600" defTabSz="966788" eaLnBrk="0" fontAlgn="base" hangingPunct="0">
+              <a:spcBef>
+                <a:spcPct val="0"/>
+              </a:spcBef>
+              <a:spcAft>
+                <a:spcPct val="0"/>
+              </a:spcAft>
+              <a:defRPr>
+                <a:solidFill>
+                  <a:schemeClr val="tx1"/>
+                </a:solidFill>
+                <a:latin typeface="Arial" panose="020B0604020202020204" pitchFamily="34" charset="0"/>
+              </a:defRPr>
+            </a:lvl7pPr>
+            <a:lvl8pPr marL="3429000" indent="-228600" defTabSz="966788" eaLnBrk="0" fontAlgn="base" hangingPunct="0">
+              <a:spcBef>
+                <a:spcPct val="0"/>
+              </a:spcBef>
+              <a:spcAft>
+                <a:spcPct val="0"/>
+              </a:spcAft>
+              <a:defRPr>
+                <a:solidFill>
+                  <a:schemeClr val="tx1"/>
+                </a:solidFill>
+                <a:latin typeface="Arial" panose="020B0604020202020204" pitchFamily="34" charset="0"/>
+              </a:defRPr>
+            </a:lvl8pPr>
+            <a:lvl9pPr marL="3886200" indent="-228600" defTabSz="966788" eaLnBrk="0" fontAlgn="base" hangingPunct="0">
+              <a:spcBef>
+                <a:spcPct val="0"/>
+              </a:spcBef>
+              <a:spcAft>
+                <a:spcPct val="0"/>
+              </a:spcAft>
+              <a:defRPr>
+                <a:solidFill>
+                  <a:schemeClr val="tx1"/>
+                </a:solidFill>
+                <a:latin typeface="Arial" panose="020B0604020202020204" pitchFamily="34" charset="0"/>
+              </a:defRPr>
+            </a:lvl9pPr>
+          </a:lstStyle>
+          <a:p>
+            <a:fld id="{8887E4E8-C597-4B49-94E5-5783C7DBE7BC}" type="datetime4">
+              <a:rPr lang="en-US">
+                <a:latin typeface="Times New Roman" panose="02020603050405020304" pitchFamily="18" charset="0"/>
+              </a:rPr>
+              <a:pPr/>
+              <a:t>November 17, 2014</a:t>
+            </a:fld>
+            <a:endParaRPr lang="en-US">
+              <a:latin typeface="Times New Roman" panose="02020603050405020304" pitchFamily="18" charset="0"/>
+            </a:endParaRPr>
+          </a:p>
+        </p:txBody>
+      </p:sp>
+      <p:sp>
+        <p:nvSpPr>
+          <p:cNvPr id="75780" name="Rectangle 6"/>
+          <p:cNvSpPr>
+            <a:spLocks noGrp="1" noChangeArrowheads="1"/>
+          </p:cNvSpPr>
+          <p:nvPr>
+            <p:ph type="ftr" sz="quarter" idx="4"/>
+          </p:nvPr>
+        </p:nvSpPr>
+        <p:spPr>
+          <a:noFill/>
+        </p:spPr>
+        <p:txBody>
+          <a:bodyPr/>
+          <a:lstStyle>
+            <a:lvl1pPr defTabSz="966788">
+              <a:defRPr>
+                <a:solidFill>
+                  <a:schemeClr val="tx1"/>
+                </a:solidFill>
+                <a:latin typeface="Arial" panose="020B0604020202020204" pitchFamily="34" charset="0"/>
+              </a:defRPr>
+            </a:lvl1pPr>
+            <a:lvl2pPr marL="742950" indent="-285750" defTabSz="966788">
+              <a:defRPr>
+                <a:solidFill>
+                  <a:schemeClr val="tx1"/>
+                </a:solidFill>
+                <a:latin typeface="Arial" panose="020B0604020202020204" pitchFamily="34" charset="0"/>
+              </a:defRPr>
+            </a:lvl2pPr>
+            <a:lvl3pPr marL="1143000" indent="-228600" defTabSz="966788">
+              <a:defRPr>
+                <a:solidFill>
+                  <a:schemeClr val="tx1"/>
+                </a:solidFill>
+                <a:latin typeface="Arial" panose="020B0604020202020204" pitchFamily="34" charset="0"/>
+              </a:defRPr>
+            </a:lvl3pPr>
+            <a:lvl4pPr marL="1600200" indent="-228600" defTabSz="966788">
+              <a:defRPr>
+                <a:solidFill>
+                  <a:schemeClr val="tx1"/>
+                </a:solidFill>
+                <a:latin typeface="Arial" panose="020B0604020202020204" pitchFamily="34" charset="0"/>
+              </a:defRPr>
+            </a:lvl4pPr>
+            <a:lvl5pPr marL="2057400" indent="-228600" defTabSz="966788">
+              <a:defRPr>
+                <a:solidFill>
+                  <a:schemeClr val="tx1"/>
+                </a:solidFill>
+                <a:latin typeface="Arial" panose="020B0604020202020204" pitchFamily="34" charset="0"/>
+              </a:defRPr>
+            </a:lvl5pPr>
+            <a:lvl6pPr marL="2514600" indent="-228600" defTabSz="966788" eaLnBrk="0" fontAlgn="base" hangingPunct="0">
+              <a:spcBef>
+                <a:spcPct val="0"/>
+              </a:spcBef>
+              <a:spcAft>
+                <a:spcPct val="0"/>
+              </a:spcAft>
+              <a:defRPr>
+                <a:solidFill>
+                  <a:schemeClr val="tx1"/>
+                </a:solidFill>
+                <a:latin typeface="Arial" panose="020B0604020202020204" pitchFamily="34" charset="0"/>
+              </a:defRPr>
+            </a:lvl6pPr>
+            <a:lvl7pPr marL="2971800" indent="-228600" defTabSz="966788" eaLnBrk="0" fontAlgn="base" hangingPunct="0">
+              <a:spcBef>
+                <a:spcPct val="0"/>
+              </a:spcBef>
+              <a:spcAft>
+                <a:spcPct val="0"/>
+              </a:spcAft>
+              <a:defRPr>
+                <a:solidFill>
+                  <a:schemeClr val="tx1"/>
+                </a:solidFill>
+                <a:latin typeface="Arial" panose="020B0604020202020204" pitchFamily="34" charset="0"/>
+              </a:defRPr>
+            </a:lvl7pPr>
+            <a:lvl8pPr marL="3429000" indent="-228600" defTabSz="966788" eaLnBrk="0" fontAlgn="base" hangingPunct="0">
+              <a:spcBef>
+                <a:spcPct val="0"/>
+              </a:spcBef>
+              <a:spcAft>
+                <a:spcPct val="0"/>
+              </a:spcAft>
+              <a:defRPr>
+                <a:solidFill>
+                  <a:schemeClr val="tx1"/>
+                </a:solidFill>
+                <a:latin typeface="Arial" panose="020B0604020202020204" pitchFamily="34" charset="0"/>
+              </a:defRPr>
+            </a:lvl8pPr>
+            <a:lvl9pPr marL="3886200" indent="-228600" defTabSz="966788" eaLnBrk="0" fontAlgn="base" hangingPunct="0">
+              <a:spcBef>
+                <a:spcPct val="0"/>
+              </a:spcBef>
+              <a:spcAft>
+                <a:spcPct val="0"/>
+              </a:spcAft>
+              <a:defRPr>
+                <a:solidFill>
+                  <a:schemeClr val="tx1"/>
+                </a:solidFill>
+                <a:latin typeface="Arial" panose="020B0604020202020204" pitchFamily="34" charset="0"/>
+              </a:defRPr>
+            </a:lvl9pPr>
+          </a:lstStyle>
+          <a:p>
+            <a:r>
+              <a:rPr lang="en-US">
+                <a:latin typeface="Times New Roman" panose="02020603050405020304" pitchFamily="18" charset="0"/>
+              </a:rPr>
+              <a:t>Chapter 1 — Computer Abstractions and Technology</a:t>
+            </a:r>
+          </a:p>
+        </p:txBody>
+      </p:sp>
+      <p:sp>
+        <p:nvSpPr>
+          <p:cNvPr id="75781" name="Rectangle 7"/>
+          <p:cNvSpPr>
+            <a:spLocks noGrp="1" noChangeArrowheads="1"/>
+          </p:cNvSpPr>
+          <p:nvPr>
+            <p:ph type="sldNum" sz="quarter" idx="5"/>
+          </p:nvPr>
+        </p:nvSpPr>
+        <p:spPr>
+          <a:noFill/>
+        </p:spPr>
+        <p:txBody>
+          <a:bodyPr/>
+          <a:lstStyle>
+            <a:lvl1pPr defTabSz="966788">
+              <a:defRPr>
+                <a:solidFill>
+                  <a:schemeClr val="tx1"/>
+                </a:solidFill>
+                <a:latin typeface="Arial" panose="020B0604020202020204" pitchFamily="34" charset="0"/>
+              </a:defRPr>
+            </a:lvl1pPr>
+            <a:lvl2pPr marL="742950" indent="-285750" defTabSz="966788">
+              <a:defRPr>
+                <a:solidFill>
+                  <a:schemeClr val="tx1"/>
+                </a:solidFill>
+                <a:latin typeface="Arial" panose="020B0604020202020204" pitchFamily="34" charset="0"/>
+              </a:defRPr>
+            </a:lvl2pPr>
+            <a:lvl3pPr marL="1143000" indent="-228600" defTabSz="966788">
+              <a:defRPr>
+                <a:solidFill>
+                  <a:schemeClr val="tx1"/>
+                </a:solidFill>
+                <a:latin typeface="Arial" panose="020B0604020202020204" pitchFamily="34" charset="0"/>
+              </a:defRPr>
+            </a:lvl3pPr>
+            <a:lvl4pPr marL="1600200" indent="-228600" defTabSz="966788">
+              <a:defRPr>
+                <a:solidFill>
+                  <a:schemeClr val="tx1"/>
+                </a:solidFill>
+                <a:latin typeface="Arial" panose="020B0604020202020204" pitchFamily="34" charset="0"/>
+              </a:defRPr>
+            </a:lvl4pPr>
+            <a:lvl5pPr marL="2057400" indent="-228600" defTabSz="966788">
+              <a:defRPr>
+                <a:solidFill>
+                  <a:schemeClr val="tx1"/>
+                </a:solidFill>
+                <a:latin typeface="Arial" panose="020B0604020202020204" pitchFamily="34" charset="0"/>
+              </a:defRPr>
+            </a:lvl5pPr>
+            <a:lvl6pPr marL="2514600" indent="-228600" defTabSz="966788" eaLnBrk="0" fontAlgn="base" hangingPunct="0">
+              <a:spcBef>
+                <a:spcPct val="0"/>
+              </a:spcBef>
+              <a:spcAft>
+                <a:spcPct val="0"/>
+              </a:spcAft>
+              <a:defRPr>
+                <a:solidFill>
+                  <a:schemeClr val="tx1"/>
+                </a:solidFill>
+                <a:latin typeface="Arial" panose="020B0604020202020204" pitchFamily="34" charset="0"/>
+              </a:defRPr>
+            </a:lvl6pPr>
+            <a:lvl7pPr marL="2971800" indent="-228600" defTabSz="966788" eaLnBrk="0" fontAlgn="base" hangingPunct="0">
+              <a:spcBef>
+                <a:spcPct val="0"/>
+              </a:spcBef>
+              <a:spcAft>
+                <a:spcPct val="0"/>
+              </a:spcAft>
+              <a:defRPr>
+                <a:solidFill>
+                  <a:schemeClr val="tx1"/>
+                </a:solidFill>
+                <a:latin typeface="Arial" panose="020B0604020202020204" pitchFamily="34" charset="0"/>
+              </a:defRPr>
+            </a:lvl7pPr>
+            <a:lvl8pPr marL="3429000" indent="-228600" defTabSz="966788" eaLnBrk="0" fontAlgn="base" hangingPunct="0">
+              <a:spcBef>
+                <a:spcPct val="0"/>
+              </a:spcBef>
+              <a:spcAft>
+                <a:spcPct val="0"/>
+              </a:spcAft>
+              <a:defRPr>
+                <a:solidFill>
+                  <a:schemeClr val="tx1"/>
+                </a:solidFill>
+                <a:latin typeface="Arial" panose="020B0604020202020204" pitchFamily="34" charset="0"/>
+              </a:defRPr>
+            </a:lvl8pPr>
+            <a:lvl9pPr marL="3886200" indent="-228600" defTabSz="966788" eaLnBrk="0" fontAlgn="base" hangingPunct="0">
+              <a:spcBef>
+                <a:spcPct val="0"/>
+              </a:spcBef>
+              <a:spcAft>
+                <a:spcPct val="0"/>
+              </a:spcAft>
+              <a:defRPr>
+                <a:solidFill>
+                  <a:schemeClr val="tx1"/>
+                </a:solidFill>
+                <a:latin typeface="Arial" panose="020B0604020202020204" pitchFamily="34" charset="0"/>
+              </a:defRPr>
+            </a:lvl9pPr>
+          </a:lstStyle>
+          <a:p>
+            <a:fld id="{AE3DED84-D1EF-4974-9AE6-3C69ED3298AC}" type="slidenum">
+              <a:rPr lang="en-US">
+                <a:latin typeface="Times New Roman" panose="02020603050405020304" pitchFamily="18" charset="0"/>
+              </a:rPr>
+              <a:pPr/>
+              <a:t>10</a:t>
+            </a:fld>
+            <a:endParaRPr lang="en-US">
+              <a:latin typeface="Times New Roman" panose="02020603050405020304" pitchFamily="18" charset="0"/>
+            </a:endParaRPr>
+          </a:p>
+        </p:txBody>
+      </p:sp>
+      <p:sp>
+        <p:nvSpPr>
+          <p:cNvPr id="75782" name="Rectangle 2"/>
+          <p:cNvSpPr>
+            <a:spLocks noGrp="1" noRot="1" noChangeAspect="1" noChangeArrowheads="1" noTextEdit="1"/>
+          </p:cNvSpPr>
+          <p:nvPr>
+            <p:ph type="sldImg"/>
+          </p:nvPr>
+        </p:nvSpPr>
+        <p:spPr>
+          <a:ln/>
+        </p:spPr>
+      </p:sp>
+      <p:sp>
+        <p:nvSpPr>
+          <p:cNvPr id="75783" name="Rectangle 3"/>
+          <p:cNvSpPr>
+            <a:spLocks noGrp="1" noChangeArrowheads="1"/>
+          </p:cNvSpPr>
+          <p:nvPr>
+            <p:ph type="body" idx="1"/>
+          </p:nvPr>
+        </p:nvSpPr>
+        <p:spPr>
+          <a:noFill/>
+        </p:spPr>
+        <p:txBody>
+          <a:bodyPr/>
+          <a:lstStyle/>
+          <a:p>
+            <a:endParaRPr lang="en-AU" smtClean="0"/>
+          </a:p>
+        </p:txBody>
+      </p:sp>
+    </p:spTree>
+    <p:extLst>
+      <p:ext uri="{BB962C8B-B14F-4D97-AF65-F5344CB8AC3E}">
+        <p14:creationId xmlns:p14="http://schemas.microsoft.com/office/powerpoint/2010/main" xmlns:p="http://schemas.openxmlformats.org/presentationml/2006/main" xmlns:r="http://schemas.openxmlformats.org/officeDocument/2006/relationships" xmlns:a="http://schemas.openxmlformats.org/drawingml/2006/main" xmlns="" val="2056673383"/>
+      </p:ext>
+    </p:extLst>
+  </p:cSld>
+  <p:clrMapOvr>
+    <a:masterClrMapping/>
+  </p:clrMapOvr>
+</p:notes>
+</file>
+
+<file path=ppt/notesSlides/notesSlide6.xml><?xml version="1.0" encoding="utf-8"?>
+<p:notes xmlns:a="http://schemas.openxmlformats.org/drawingml/2006/main" xmlns:r="http://schemas.openxmlformats.org/officeDocument/2006/relationships" xmlns:mc="http://schemas.openxmlformats.org/markup-compatibility/2006" xmlns:mv="urn:schemas-microsoft-com:mac:vml" xmlns:p="http://schemas.openxmlformats.org/presentationml/2006/main" mc:Ignorable="mv" mc:PreserveAttributes="mv:*">
+  <p:cSld>
+    <p:spTree>
+      <p:nvGrpSpPr>
+        <p:cNvPr id="1" name=""/>
+        <p:cNvGrpSpPr/>
+        <p:nvPr/>
+      </p:nvGrpSpPr>
+      <p:grpSpPr>
+        <a:xfrm>
+          <a:off x="0" y="0"/>
+          <a:ext cx="0" cy="0"/>
+          <a:chOff x="0" y="0"/>
+          <a:chExt cx="0" cy="0"/>
+        </a:xfrm>
+      </p:grpSpPr>
+      <p:sp>
+        <p:nvSpPr>
+          <p:cNvPr id="76802" name="Rectangle 2"/>
+          <p:cNvSpPr>
+            <a:spLocks noGrp="1" noChangeArrowheads="1"/>
+          </p:cNvSpPr>
+          <p:nvPr>
+            <p:ph type="hdr" sz="quarter"/>
+          </p:nvPr>
+        </p:nvSpPr>
+        <p:spPr>
+          <a:noFill/>
+        </p:spPr>
+        <p:txBody>
+          <a:bodyPr/>
+          <a:lstStyle>
+            <a:lvl1pPr defTabSz="966788">
+              <a:defRPr>
+                <a:solidFill>
+                  <a:schemeClr val="tx1"/>
+                </a:solidFill>
+                <a:latin typeface="Arial" panose="020B0604020202020204" pitchFamily="34" charset="0"/>
+              </a:defRPr>
+            </a:lvl1pPr>
+            <a:lvl2pPr marL="742950" indent="-285750" defTabSz="966788">
+              <a:defRPr>
+                <a:solidFill>
+                  <a:schemeClr val="tx1"/>
+                </a:solidFill>
+                <a:latin typeface="Arial" panose="020B0604020202020204" pitchFamily="34" charset="0"/>
+              </a:defRPr>
+            </a:lvl2pPr>
+            <a:lvl3pPr marL="1143000" indent="-228600" defTabSz="966788">
+              <a:defRPr>
+                <a:solidFill>
+                  <a:schemeClr val="tx1"/>
+                </a:solidFill>
+                <a:latin typeface="Arial" panose="020B0604020202020204" pitchFamily="34" charset="0"/>
+              </a:defRPr>
+            </a:lvl3pPr>
+            <a:lvl4pPr marL="1600200" indent="-228600" defTabSz="966788">
+              <a:defRPr>
+                <a:solidFill>
+                  <a:schemeClr val="tx1"/>
+                </a:solidFill>
+                <a:latin typeface="Arial" panose="020B0604020202020204" pitchFamily="34" charset="0"/>
+              </a:defRPr>
+            </a:lvl4pPr>
+            <a:lvl5pPr marL="2057400" indent="-228600" defTabSz="966788">
+              <a:defRPr>
+                <a:solidFill>
+                  <a:schemeClr val="tx1"/>
+                </a:solidFill>
+                <a:latin typeface="Arial" panose="020B0604020202020204" pitchFamily="34" charset="0"/>
+              </a:defRPr>
+            </a:lvl5pPr>
+            <a:lvl6pPr marL="2514600" indent="-228600" defTabSz="966788" eaLnBrk="0" fontAlgn="base" hangingPunct="0">
+              <a:spcBef>
+                <a:spcPct val="0"/>
+              </a:spcBef>
+              <a:spcAft>
+                <a:spcPct val="0"/>
+              </a:spcAft>
+              <a:defRPr>
+                <a:solidFill>
+                  <a:schemeClr val="tx1"/>
+                </a:solidFill>
+                <a:latin typeface="Arial" panose="020B0604020202020204" pitchFamily="34" charset="0"/>
+              </a:defRPr>
+            </a:lvl6pPr>
+            <a:lvl7pPr marL="2971800" indent="-228600" defTabSz="966788" eaLnBrk="0" fontAlgn="base" hangingPunct="0">
+              <a:spcBef>
+                <a:spcPct val="0"/>
+              </a:spcBef>
+              <a:spcAft>
+                <a:spcPct val="0"/>
+              </a:spcAft>
+              <a:defRPr>
+                <a:solidFill>
+                  <a:schemeClr val="tx1"/>
+                </a:solidFill>
+                <a:latin typeface="Arial" panose="020B0604020202020204" pitchFamily="34" charset="0"/>
+              </a:defRPr>
+            </a:lvl7pPr>
+            <a:lvl8pPr marL="3429000" indent="-228600" defTabSz="966788" eaLnBrk="0" fontAlgn="base" hangingPunct="0">
+              <a:spcBef>
+                <a:spcPct val="0"/>
+              </a:spcBef>
+              <a:spcAft>
+                <a:spcPct val="0"/>
+              </a:spcAft>
+              <a:defRPr>
+                <a:solidFill>
+                  <a:schemeClr val="tx1"/>
+                </a:solidFill>
+                <a:latin typeface="Arial" panose="020B0604020202020204" pitchFamily="34" charset="0"/>
+              </a:defRPr>
+            </a:lvl8pPr>
+            <a:lvl9pPr marL="3886200" indent="-228600" defTabSz="966788" eaLnBrk="0" fontAlgn="base" hangingPunct="0">
+              <a:spcBef>
+                <a:spcPct val="0"/>
+              </a:spcBef>
+              <a:spcAft>
+                <a:spcPct val="0"/>
+              </a:spcAft>
+              <a:defRPr>
+                <a:solidFill>
+                  <a:schemeClr val="tx1"/>
+                </a:solidFill>
+                <a:latin typeface="Arial" panose="020B0604020202020204" pitchFamily="34" charset="0"/>
+              </a:defRPr>
+            </a:lvl9pPr>
+          </a:lstStyle>
+          <a:p>
+            <a:r>
+              <a:rPr lang="en-US">
+                <a:latin typeface="Times New Roman" panose="02020603050405020304" pitchFamily="18" charset="0"/>
+              </a:rPr>
+              <a:t>Morgan Kaufmann Publishers</a:t>
+            </a:r>
+          </a:p>
+        </p:txBody>
+      </p:sp>
+      <p:sp>
+        <p:nvSpPr>
+          <p:cNvPr id="76803" name="Rectangle 3"/>
+          <p:cNvSpPr>
+            <a:spLocks noGrp="1" noChangeArrowheads="1"/>
+          </p:cNvSpPr>
+          <p:nvPr>
+            <p:ph type="dt" sz="quarter" idx="1"/>
+          </p:nvPr>
+        </p:nvSpPr>
+        <p:spPr>
+          <a:noFill/>
+        </p:spPr>
+        <p:txBody>
+          <a:bodyPr/>
+          <a:lstStyle>
+            <a:lvl1pPr defTabSz="966788">
+              <a:defRPr>
+                <a:solidFill>
+                  <a:schemeClr val="tx1"/>
+                </a:solidFill>
+                <a:latin typeface="Arial" panose="020B0604020202020204" pitchFamily="34" charset="0"/>
+              </a:defRPr>
+            </a:lvl1pPr>
+            <a:lvl2pPr marL="742950" indent="-285750" defTabSz="966788">
+              <a:defRPr>
+                <a:solidFill>
+                  <a:schemeClr val="tx1"/>
+                </a:solidFill>
+                <a:latin typeface="Arial" panose="020B0604020202020204" pitchFamily="34" charset="0"/>
+              </a:defRPr>
+            </a:lvl2pPr>
+            <a:lvl3pPr marL="1143000" indent="-228600" defTabSz="966788">
+              <a:defRPr>
+                <a:solidFill>
+                  <a:schemeClr val="tx1"/>
+                </a:solidFill>
+                <a:latin typeface="Arial" panose="020B0604020202020204" pitchFamily="34" charset="0"/>
+              </a:defRPr>
+            </a:lvl3pPr>
+            <a:lvl4pPr marL="1600200" indent="-228600" defTabSz="966788">
+              <a:defRPr>
+                <a:solidFill>
+                  <a:schemeClr val="tx1"/>
+                </a:solidFill>
+                <a:latin typeface="Arial" panose="020B0604020202020204" pitchFamily="34" charset="0"/>
+              </a:defRPr>
+            </a:lvl4pPr>
+            <a:lvl5pPr marL="2057400" indent="-228600" defTabSz="966788">
+              <a:defRPr>
+                <a:solidFill>
+                  <a:schemeClr val="tx1"/>
+                </a:solidFill>
+                <a:latin typeface="Arial" panose="020B0604020202020204" pitchFamily="34" charset="0"/>
+              </a:defRPr>
+            </a:lvl5pPr>
+            <a:lvl6pPr marL="2514600" indent="-228600" defTabSz="966788" eaLnBrk="0" fontAlgn="base" hangingPunct="0">
+              <a:spcBef>
+                <a:spcPct val="0"/>
+              </a:spcBef>
+              <a:spcAft>
+                <a:spcPct val="0"/>
+              </a:spcAft>
+              <a:defRPr>
+                <a:solidFill>
+                  <a:schemeClr val="tx1"/>
+                </a:solidFill>
+                <a:latin typeface="Arial" panose="020B0604020202020204" pitchFamily="34" charset="0"/>
+              </a:defRPr>
+            </a:lvl6pPr>
+            <a:lvl7pPr marL="2971800" indent="-228600" defTabSz="966788" eaLnBrk="0" fontAlgn="base" hangingPunct="0">
+              <a:spcBef>
+                <a:spcPct val="0"/>
+              </a:spcBef>
+              <a:spcAft>
+                <a:spcPct val="0"/>
+              </a:spcAft>
+              <a:defRPr>
+                <a:solidFill>
+                  <a:schemeClr val="tx1"/>
+                </a:solidFill>
+                <a:latin typeface="Arial" panose="020B0604020202020204" pitchFamily="34" charset="0"/>
+              </a:defRPr>
+            </a:lvl7pPr>
+            <a:lvl8pPr marL="3429000" indent="-228600" defTabSz="966788" eaLnBrk="0" fontAlgn="base" hangingPunct="0">
+              <a:spcBef>
+                <a:spcPct val="0"/>
+              </a:spcBef>
+              <a:spcAft>
+                <a:spcPct val="0"/>
+              </a:spcAft>
+              <a:defRPr>
+                <a:solidFill>
+                  <a:schemeClr val="tx1"/>
+                </a:solidFill>
+                <a:latin typeface="Arial" panose="020B0604020202020204" pitchFamily="34" charset="0"/>
+              </a:defRPr>
+            </a:lvl8pPr>
+            <a:lvl9pPr marL="3886200" indent="-228600" defTabSz="966788" eaLnBrk="0" fontAlgn="base" hangingPunct="0">
+              <a:spcBef>
+                <a:spcPct val="0"/>
+              </a:spcBef>
+              <a:spcAft>
+                <a:spcPct val="0"/>
+              </a:spcAft>
+              <a:defRPr>
+                <a:solidFill>
+                  <a:schemeClr val="tx1"/>
+                </a:solidFill>
+                <a:latin typeface="Arial" panose="020B0604020202020204" pitchFamily="34" charset="0"/>
+              </a:defRPr>
+            </a:lvl9pPr>
+          </a:lstStyle>
+          <a:p>
+            <a:fld id="{4E24C7B5-5F7D-4572-A79B-67E2C6EB6E68}" type="datetime4">
+              <a:rPr lang="en-US">
+                <a:latin typeface="Times New Roman" panose="02020603050405020304" pitchFamily="18" charset="0"/>
+              </a:rPr>
+              <a:pPr/>
+              <a:t>November 17, 2014</a:t>
+            </a:fld>
+            <a:endParaRPr lang="en-US">
+              <a:latin typeface="Times New Roman" panose="02020603050405020304" pitchFamily="18" charset="0"/>
+            </a:endParaRPr>
+          </a:p>
+        </p:txBody>
+      </p:sp>
+      <p:sp>
+        <p:nvSpPr>
+          <p:cNvPr id="76804" name="Rectangle 6"/>
+          <p:cNvSpPr>
+            <a:spLocks noGrp="1" noChangeArrowheads="1"/>
+          </p:cNvSpPr>
+          <p:nvPr>
+            <p:ph type="ftr" sz="quarter" idx="4"/>
+          </p:nvPr>
+        </p:nvSpPr>
+        <p:spPr>
+          <a:noFill/>
+        </p:spPr>
+        <p:txBody>
+          <a:bodyPr/>
+          <a:lstStyle>
+            <a:lvl1pPr defTabSz="966788">
+              <a:defRPr>
+                <a:solidFill>
+                  <a:schemeClr val="tx1"/>
+                </a:solidFill>
+                <a:latin typeface="Arial" panose="020B0604020202020204" pitchFamily="34" charset="0"/>
+              </a:defRPr>
+            </a:lvl1pPr>
+            <a:lvl2pPr marL="742950" indent="-285750" defTabSz="966788">
+              <a:defRPr>
+                <a:solidFill>
+                  <a:schemeClr val="tx1"/>
+                </a:solidFill>
+                <a:latin typeface="Arial" panose="020B0604020202020204" pitchFamily="34" charset="0"/>
+              </a:defRPr>
+            </a:lvl2pPr>
+            <a:lvl3pPr marL="1143000" indent="-228600" defTabSz="966788">
+              <a:defRPr>
+                <a:solidFill>
+                  <a:schemeClr val="tx1"/>
+                </a:solidFill>
+                <a:latin typeface="Arial" panose="020B0604020202020204" pitchFamily="34" charset="0"/>
+              </a:defRPr>
+            </a:lvl3pPr>
+            <a:lvl4pPr marL="1600200" indent="-228600" defTabSz="966788">
+              <a:defRPr>
+                <a:solidFill>
+                  <a:schemeClr val="tx1"/>
+                </a:solidFill>
+                <a:latin typeface="Arial" panose="020B0604020202020204" pitchFamily="34" charset="0"/>
+              </a:defRPr>
+            </a:lvl4pPr>
+            <a:lvl5pPr marL="2057400" indent="-228600" defTabSz="966788">
+              <a:defRPr>
+                <a:solidFill>
+                  <a:schemeClr val="tx1"/>
+                </a:solidFill>
+                <a:latin typeface="Arial" panose="020B0604020202020204" pitchFamily="34" charset="0"/>
+              </a:defRPr>
+            </a:lvl5pPr>
+            <a:lvl6pPr marL="2514600" indent="-228600" defTabSz="966788" eaLnBrk="0" fontAlgn="base" hangingPunct="0">
+              <a:spcBef>
+                <a:spcPct val="0"/>
+              </a:spcBef>
+              <a:spcAft>
+                <a:spcPct val="0"/>
+              </a:spcAft>
+              <a:defRPr>
+                <a:solidFill>
+                  <a:schemeClr val="tx1"/>
+                </a:solidFill>
+                <a:latin typeface="Arial" panose="020B0604020202020204" pitchFamily="34" charset="0"/>
+              </a:defRPr>
+            </a:lvl6pPr>
+            <a:lvl7pPr marL="2971800" indent="-228600" defTabSz="966788" eaLnBrk="0" fontAlgn="base" hangingPunct="0">
+              <a:spcBef>
+                <a:spcPct val="0"/>
+              </a:spcBef>
+              <a:spcAft>
+                <a:spcPct val="0"/>
+              </a:spcAft>
+              <a:defRPr>
+                <a:solidFill>
+                  <a:schemeClr val="tx1"/>
+                </a:solidFill>
+                <a:latin typeface="Arial" panose="020B0604020202020204" pitchFamily="34" charset="0"/>
+              </a:defRPr>
+            </a:lvl7pPr>
+            <a:lvl8pPr marL="3429000" indent="-228600" defTabSz="966788" eaLnBrk="0" fontAlgn="base" hangingPunct="0">
+              <a:spcBef>
+                <a:spcPct val="0"/>
+              </a:spcBef>
+              <a:spcAft>
+                <a:spcPct val="0"/>
+              </a:spcAft>
+              <a:defRPr>
+                <a:solidFill>
+                  <a:schemeClr val="tx1"/>
+                </a:solidFill>
+                <a:latin typeface="Arial" panose="020B0604020202020204" pitchFamily="34" charset="0"/>
+              </a:defRPr>
+            </a:lvl8pPr>
+            <a:lvl9pPr marL="3886200" indent="-228600" defTabSz="966788" eaLnBrk="0" fontAlgn="base" hangingPunct="0">
+              <a:spcBef>
+                <a:spcPct val="0"/>
+              </a:spcBef>
+              <a:spcAft>
+                <a:spcPct val="0"/>
+              </a:spcAft>
+              <a:defRPr>
+                <a:solidFill>
+                  <a:schemeClr val="tx1"/>
+                </a:solidFill>
+                <a:latin typeface="Arial" panose="020B0604020202020204" pitchFamily="34" charset="0"/>
+              </a:defRPr>
+            </a:lvl9pPr>
+          </a:lstStyle>
+          <a:p>
+            <a:r>
+              <a:rPr lang="en-US">
+                <a:latin typeface="Times New Roman" panose="02020603050405020304" pitchFamily="18" charset="0"/>
+              </a:rPr>
+              <a:t>Chapter 1 — Computer Abstractions and Technology</a:t>
+            </a:r>
+          </a:p>
+        </p:txBody>
+      </p:sp>
+      <p:sp>
+        <p:nvSpPr>
+          <p:cNvPr id="76805" name="Rectangle 7"/>
+          <p:cNvSpPr>
+            <a:spLocks noGrp="1" noChangeArrowheads="1"/>
+          </p:cNvSpPr>
+          <p:nvPr>
+            <p:ph type="sldNum" sz="quarter" idx="5"/>
+          </p:nvPr>
+        </p:nvSpPr>
+        <p:spPr>
+          <a:noFill/>
+        </p:spPr>
+        <p:txBody>
+          <a:bodyPr/>
+          <a:lstStyle>
+            <a:lvl1pPr defTabSz="966788">
+              <a:defRPr>
+                <a:solidFill>
+                  <a:schemeClr val="tx1"/>
+                </a:solidFill>
+                <a:latin typeface="Arial" panose="020B0604020202020204" pitchFamily="34" charset="0"/>
+              </a:defRPr>
+            </a:lvl1pPr>
+            <a:lvl2pPr marL="742950" indent="-285750" defTabSz="966788">
+              <a:defRPr>
+                <a:solidFill>
+                  <a:schemeClr val="tx1"/>
+                </a:solidFill>
+                <a:latin typeface="Arial" panose="020B0604020202020204" pitchFamily="34" charset="0"/>
+              </a:defRPr>
+            </a:lvl2pPr>
+            <a:lvl3pPr marL="1143000" indent="-228600" defTabSz="966788">
+              <a:defRPr>
+                <a:solidFill>
+                  <a:schemeClr val="tx1"/>
+                </a:solidFill>
+                <a:latin typeface="Arial" panose="020B0604020202020204" pitchFamily="34" charset="0"/>
+              </a:defRPr>
+            </a:lvl3pPr>
+            <a:lvl4pPr marL="1600200" indent="-228600" defTabSz="966788">
+              <a:defRPr>
+                <a:solidFill>
+                  <a:schemeClr val="tx1"/>
+                </a:solidFill>
+                <a:latin typeface="Arial" panose="020B0604020202020204" pitchFamily="34" charset="0"/>
+              </a:defRPr>
+            </a:lvl4pPr>
+            <a:lvl5pPr marL="2057400" indent="-228600" defTabSz="966788">
+              <a:defRPr>
+                <a:solidFill>
+                  <a:schemeClr val="tx1"/>
+                </a:solidFill>
+                <a:latin typeface="Arial" panose="020B0604020202020204" pitchFamily="34" charset="0"/>
+              </a:defRPr>
+            </a:lvl5pPr>
+            <a:lvl6pPr marL="2514600" indent="-228600" defTabSz="966788" eaLnBrk="0" fontAlgn="base" hangingPunct="0">
+              <a:spcBef>
+                <a:spcPct val="0"/>
+              </a:spcBef>
+              <a:spcAft>
+                <a:spcPct val="0"/>
+              </a:spcAft>
+              <a:defRPr>
+                <a:solidFill>
+                  <a:schemeClr val="tx1"/>
+                </a:solidFill>
+                <a:latin typeface="Arial" panose="020B0604020202020204" pitchFamily="34" charset="0"/>
+              </a:defRPr>
+            </a:lvl6pPr>
+            <a:lvl7pPr marL="2971800" indent="-228600" defTabSz="966788" eaLnBrk="0" fontAlgn="base" hangingPunct="0">
+              <a:spcBef>
+                <a:spcPct val="0"/>
+              </a:spcBef>
+              <a:spcAft>
+                <a:spcPct val="0"/>
+              </a:spcAft>
+              <a:defRPr>
+                <a:solidFill>
+                  <a:schemeClr val="tx1"/>
+                </a:solidFill>
+                <a:latin typeface="Arial" panose="020B0604020202020204" pitchFamily="34" charset="0"/>
+              </a:defRPr>
+            </a:lvl7pPr>
+            <a:lvl8pPr marL="3429000" indent="-228600" defTabSz="966788" eaLnBrk="0" fontAlgn="base" hangingPunct="0">
+              <a:spcBef>
+                <a:spcPct val="0"/>
+              </a:spcBef>
+              <a:spcAft>
+                <a:spcPct val="0"/>
+              </a:spcAft>
+              <a:defRPr>
+                <a:solidFill>
+                  <a:schemeClr val="tx1"/>
+                </a:solidFill>
+                <a:latin typeface="Arial" panose="020B0604020202020204" pitchFamily="34" charset="0"/>
+              </a:defRPr>
+            </a:lvl8pPr>
+            <a:lvl9pPr marL="3886200" indent="-228600" defTabSz="966788" eaLnBrk="0" fontAlgn="base" hangingPunct="0">
+              <a:spcBef>
+                <a:spcPct val="0"/>
+              </a:spcBef>
+              <a:spcAft>
+                <a:spcPct val="0"/>
+              </a:spcAft>
+              <a:defRPr>
+                <a:solidFill>
+                  <a:schemeClr val="tx1"/>
+                </a:solidFill>
+                <a:latin typeface="Arial" panose="020B0604020202020204" pitchFamily="34" charset="0"/>
+              </a:defRPr>
+            </a:lvl9pPr>
+          </a:lstStyle>
+          <a:p>
+            <a:fld id="{51E6F837-9912-4F2F-8459-3DA887203D40}" type="slidenum">
+              <a:rPr lang="en-US">
+                <a:latin typeface="Times New Roman" panose="02020603050405020304" pitchFamily="18" charset="0"/>
+              </a:rPr>
+              <a:pPr/>
+              <a:t>12</a:t>
+            </a:fld>
+            <a:endParaRPr lang="en-US">
+              <a:latin typeface="Times New Roman" panose="02020603050405020304" pitchFamily="18" charset="0"/>
+            </a:endParaRPr>
+          </a:p>
+        </p:txBody>
+      </p:sp>
+      <p:sp>
+        <p:nvSpPr>
+          <p:cNvPr id="76806" name="Rectangle 2"/>
+          <p:cNvSpPr>
+            <a:spLocks noGrp="1" noRot="1" noChangeAspect="1" noChangeArrowheads="1" noTextEdit="1"/>
+          </p:cNvSpPr>
+          <p:nvPr>
+            <p:ph type="sldImg"/>
+          </p:nvPr>
+        </p:nvSpPr>
+        <p:spPr>
+          <a:ln/>
+        </p:spPr>
+      </p:sp>
+      <p:sp>
+        <p:nvSpPr>
+          <p:cNvPr id="76807" name="Rectangle 3"/>
+          <p:cNvSpPr>
+            <a:spLocks noGrp="1" noChangeArrowheads="1"/>
+          </p:cNvSpPr>
+          <p:nvPr>
+            <p:ph type="body" idx="1"/>
+          </p:nvPr>
+        </p:nvSpPr>
+        <p:spPr>
+          <a:noFill/>
+        </p:spPr>
+        <p:txBody>
+          <a:bodyPr/>
+          <a:lstStyle/>
+          <a:p>
+            <a:endParaRPr lang="en-AU" smtClean="0"/>
+          </a:p>
+        </p:txBody>
+      </p:sp>
+    </p:spTree>
+    <p:extLst>
+      <p:ext uri="{BB962C8B-B14F-4D97-AF65-F5344CB8AC3E}">
+        <p14:creationId xmlns:p14="http://schemas.microsoft.com/office/powerpoint/2010/main" xmlns:p="http://schemas.openxmlformats.org/presentationml/2006/main" xmlns:r="http://schemas.openxmlformats.org/officeDocument/2006/relationships" xmlns:a="http://schemas.openxmlformats.org/drawingml/2006/main" xmlns="" val="4256705709"/>
+      </p:ext>
+    </p:extLst>
+  </p:cSld>
+  <p:clrMapOvr>
+    <a:masterClrMapping/>
+  </p:clrMapOvr>
+</p:notes>
+</file>
+
+<file path=ppt/notesSlides/notesSlide7.xml><?xml version="1.0" encoding="utf-8"?>
+<p:notes xmlns:a="http://schemas.openxmlformats.org/drawingml/2006/main" xmlns:r="http://schemas.openxmlformats.org/officeDocument/2006/relationships" xmlns:mc="http://schemas.openxmlformats.org/markup-compatibility/2006" xmlns:mv="urn:schemas-microsoft-com:mac:vml" xmlns:p="http://schemas.openxmlformats.org/presentationml/2006/main" mc:Ignorable="mv" mc:PreserveAttributes="mv:*">
+  <p:cSld>
+    <p:spTree>
+      <p:nvGrpSpPr>
+        <p:cNvPr id="1" name=""/>
+        <p:cNvGrpSpPr/>
+        <p:nvPr/>
+      </p:nvGrpSpPr>
+      <p:grpSpPr>
+        <a:xfrm>
+          <a:off x="0" y="0"/>
+          <a:ext cx="0" cy="0"/>
+          <a:chOff x="0" y="0"/>
+          <a:chExt cx="0" cy="0"/>
+        </a:xfrm>
+      </p:grpSpPr>
+      <p:sp>
+        <p:nvSpPr>
+          <p:cNvPr id="2" name="Slide Image Placeholder 1"/>
+          <p:cNvSpPr>
+            <a:spLocks noGrp="1" noRot="1" noChangeAspect="1"/>
+          </p:cNvSpPr>
+          <p:nvPr>
+            <p:ph type="sldImg"/>
+          </p:nvPr>
+        </p:nvSpPr>
+        <p:spPr/>
+      </p:sp>
+      <p:sp>
+        <p:nvSpPr>
+          <p:cNvPr id="3" name="Notes Placeholder 2"/>
+          <p:cNvSpPr>
+            <a:spLocks noGrp="1"/>
+          </p:cNvSpPr>
+          <p:nvPr>
+            <p:ph type="body" idx="1"/>
+          </p:nvPr>
+        </p:nvSpPr>
+        <p:spPr/>
+        <p:txBody>
+          <a:bodyPr/>
+          <a:lstStyle/>
+          <a:p>
+            <a:endParaRPr lang="en-US" dirty="0"/>
+          </a:p>
+        </p:txBody>
+      </p:sp>
+      <p:sp>
+        <p:nvSpPr>
+          <p:cNvPr id="4" name="Slide Number Placeholder 3"/>
+          <p:cNvSpPr>
+            <a:spLocks noGrp="1"/>
+          </p:cNvSpPr>
+          <p:nvPr>
+            <p:ph type="sldNum" sz="quarter" idx="10"/>
+          </p:nvPr>
+        </p:nvSpPr>
+        <p:spPr/>
+        <p:txBody>
+          <a:bodyPr/>
+          <a:lstStyle/>
+          <a:p>
+            <a:fld id="{6B15D8FC-C889-4410-8862-C922C3EC1A28}" type="slidenum">
+              <a:rPr lang="en-US" smtClean="0"/>
+              <a:pPr/>
+              <a:t>15</a:t>
+            </a:fld>
+            <a:endParaRPr lang="en-US"/>
+          </a:p>
+        </p:txBody>
+      </p:sp>
+    </p:spTree>
+    <p:extLst>
+      <p:ext uri="{BB962C8B-B14F-4D97-AF65-F5344CB8AC3E}">
+        <p14:creationId xmlns:p14="http://schemas.microsoft.com/office/powerpoint/2010/main" xmlns:p="http://schemas.openxmlformats.org/presentationml/2006/main" xmlns:r="http://schemas.openxmlformats.org/officeDocument/2006/relationships" xmlns:a="http://schemas.openxmlformats.org/drawingml/2006/main" xmlns="" val="2951910185"/>
+      </p:ext>
+    </p:extLst>
+  </p:cSld>
+  <p:clrMapOvr>
+    <a:masterClrMapping/>
+  </p:clrMapOvr>
+</p:notes>
+</file>
+
+<file path=ppt/notesSlides/notesSlide8.xml><?xml version="1.0" encoding="utf-8"?>
+<p:notes xmlns:a="http://schemas.openxmlformats.org/drawingml/2006/main" xmlns:r="http://schemas.openxmlformats.org/officeDocument/2006/relationships" xmlns:mc="http://schemas.openxmlformats.org/markup-compatibility/2006" xmlns:mv="urn:schemas-microsoft-com:mac:vml" xmlns:p="http://schemas.openxmlformats.org/presentationml/2006/main" mc:Ignorable="mv" mc:PreserveAttributes="mv:*">
+  <p:cSld>
+    <p:spTree>
+      <p:nvGrpSpPr>
+        <p:cNvPr id="1" name=""/>
+        <p:cNvGrpSpPr/>
+        <p:nvPr/>
+      </p:nvGrpSpPr>
+      <p:grpSpPr>
+        <a:xfrm>
+          <a:off x="0" y="0"/>
+          <a:ext cx="0" cy="0"/>
+          <a:chOff x="0" y="0"/>
+          <a:chExt cx="0" cy="0"/>
+        </a:xfrm>
+      </p:grpSpPr>
+      <p:sp>
+        <p:nvSpPr>
+          <p:cNvPr id="2" name="Slide Image Placeholder 1"/>
+          <p:cNvSpPr>
+            <a:spLocks noGrp="1" noRot="1" noChangeAspect="1"/>
+          </p:cNvSpPr>
+          <p:nvPr>
+            <p:ph type="sldImg"/>
+          </p:nvPr>
+        </p:nvSpPr>
+        <p:spPr/>
+      </p:sp>
+      <p:sp>
+        <p:nvSpPr>
+          <p:cNvPr id="3" name="Notes Placeholder 2"/>
+          <p:cNvSpPr>
+            <a:spLocks noGrp="1"/>
+          </p:cNvSpPr>
+          <p:nvPr>
+            <p:ph type="body" idx="1"/>
+          </p:nvPr>
+        </p:nvSpPr>
+        <p:spPr/>
+        <p:txBody>
+          <a:bodyPr/>
+          <a:lstStyle/>
+          <a:p>
+            <a:endParaRPr lang="en-US" dirty="0"/>
+          </a:p>
+        </p:txBody>
+      </p:sp>
+      <p:sp>
+        <p:nvSpPr>
+          <p:cNvPr id="4" name="Slide Number Placeholder 3"/>
+          <p:cNvSpPr>
+            <a:spLocks noGrp="1"/>
+          </p:cNvSpPr>
+          <p:nvPr>
+            <p:ph type="sldNum" sz="quarter" idx="10"/>
+          </p:nvPr>
+        </p:nvSpPr>
+        <p:spPr/>
+        <p:txBody>
+          <a:bodyPr/>
+          <a:lstStyle/>
+          <a:p>
+            <a:fld id="{6B15D8FC-C889-4410-8862-C922C3EC1A28}" type="slidenum">
+              <a:rPr lang="en-US" smtClean="0"/>
+              <a:pPr/>
+              <a:t>16</a:t>
+            </a:fld>
+            <a:endParaRPr lang="en-US"/>
+          </a:p>
+        </p:txBody>
+      </p:sp>
+    </p:spTree>
+    <p:extLst>
+      <p:ext uri="{BB962C8B-B14F-4D97-AF65-F5344CB8AC3E}">
+        <p14:creationId xmlns:p14="http://schemas.microsoft.com/office/powerpoint/2010/main" xmlns:p="http://schemas.openxmlformats.org/presentationml/2006/main" xmlns:r="http://schemas.openxmlformats.org/officeDocument/2006/relationships" xmlns:a="http://schemas.openxmlformats.org/drawingml/2006/main" xmlns="" val="975735723"/>
+      </p:ext>
+    </p:extLst>
+  </p:cSld>
+  <p:clrMapOvr>
+    <a:masterClrMapping/>
+  </p:clrMapOvr>
+</p:notes>
+</file>
+
+<file path=ppt/notesSlides/notesSlide9.xml><?xml version="1.0" encoding="utf-8"?>
+<p:notes xmlns:a="http://schemas.openxmlformats.org/drawingml/2006/main" xmlns:r="http://schemas.openxmlformats.org/officeDocument/2006/relationships" xmlns:mc="http://schemas.openxmlformats.org/markup-compatibility/2006" xmlns:mv="urn:schemas-microsoft-com:mac:vml" xmlns:p="http://schemas.openxmlformats.org/presentationml/2006/main" mc:Ignorable="mv" mc:PreserveAttributes="mv:*">
+  <p:cSld>
+    <p:spTree>
+      <p:nvGrpSpPr>
+        <p:cNvPr id="1" name=""/>
+        <p:cNvGrpSpPr/>
+        <p:nvPr/>
+      </p:nvGrpSpPr>
+      <p:grpSpPr>
+        <a:xfrm>
+          <a:off x="0" y="0"/>
+          <a:ext cx="0" cy="0"/>
+          <a:chOff x="0" y="0"/>
+          <a:chExt cx="0" cy="0"/>
+        </a:xfrm>
+      </p:grpSpPr>
+      <p:sp>
+        <p:nvSpPr>
           <p:cNvPr id="79874" name="Rectangle 2"/>
           <p:cNvSpPr>
             <a:spLocks noGrp="1" noChangeArrowheads="1"/>
@@ -9774,7 +10380,7 @@
                 <a:latin typeface="Times New Roman" panose="02020603050405020304" pitchFamily="18" charset="0"/>
               </a:rPr>
               <a:pPr/>
-              <a:t>November 13, 2013</a:t>
+              <a:t>November 17, 2014</a:t>
             </a:fld>
             <a:endParaRPr lang="en-US">
               <a:latin typeface="Times New Roman" panose="02020603050405020304" pitchFamily="18" charset="0"/>
@@ -10070,7 +10676,7 @@
     </p:spTree>
     <p:extLst>
       <p:ext uri="{BB962C8B-B14F-4D97-AF65-F5344CB8AC3E}">
-        <p14:creationId xmlns:p14="http://schemas.microsoft.com/office/powerpoint/2010/main" val="2936069120"/>
+        <p14:creationId xmlns:p14="http://schemas.microsoft.com/office/powerpoint/2010/main" xmlns:p="http://schemas.openxmlformats.org/presentationml/2006/main" xmlns:r="http://schemas.openxmlformats.org/officeDocument/2006/relationships" xmlns:a="http://schemas.openxmlformats.org/drawingml/2006/main" xmlns="" val="2936069120"/>
       </p:ext>
     </p:extLst>
   </p:cSld>
@@ -10081,7 +10687,7 @@
 </file>
 
 <file path=ppt/slideLayouts/slideLayout1.xml><?xml version="1.0" encoding="utf-8"?>
-<p:sldLayout xmlns:a="http://schemas.openxmlformats.org/drawingml/2006/main" xmlns:r="http://schemas.openxmlformats.org/officeDocument/2006/relationships" xmlns:p="http://schemas.openxmlformats.org/presentationml/2006/main" type="title" preserve="1">
+<p:sldLayout xmlns:a="http://schemas.openxmlformats.org/drawingml/2006/main" xmlns:r="http://schemas.openxmlformats.org/officeDocument/2006/relationships" xmlns:mc="http://schemas.openxmlformats.org/markup-compatibility/2006" xmlns:mv="urn:schemas-microsoft-com:mac:vml" xmlns:p="http://schemas.openxmlformats.org/presentationml/2006/main" mc:Ignorable="mv" mc:PreserveAttributes="mv:*" type="title" preserve="1">
   <p:cSld name="Title Slide">
     <p:spTree>
       <p:nvGrpSpPr>
@@ -10268,7 +10874,8 @@
           <a:p>
             <a:fld id="{AC55B63E-A6A8-4BE5-847E-7E221DE12168}" type="datetimeFigureOut">
               <a:rPr lang="en-US" smtClean="0"/>
-              <a:t>11/13/2013</a:t>
+              <a:pPr/>
+              <a:t>11/17/14</a:t>
             </a:fld>
             <a:endParaRPr lang="en-US"/>
           </a:p>
@@ -10310,6 +10917,7 @@
           <a:p>
             <a:fld id="{ACDDADA0-E9F1-42BA-A746-6A828666AA76}" type="slidenum">
               <a:rPr lang="en-US" smtClean="0"/>
+              <a:pPr/>
               <a:t>‹#›</a:t>
             </a:fld>
             <a:endParaRPr lang="en-US"/>
@@ -10360,7 +10968,7 @@
 </file>
 
 <file path=ppt/slideLayouts/slideLayout10.xml><?xml version="1.0" encoding="utf-8"?>
-<p:sldLayout xmlns:a="http://schemas.openxmlformats.org/drawingml/2006/main" xmlns:r="http://schemas.openxmlformats.org/officeDocument/2006/relationships" xmlns:p="http://schemas.openxmlformats.org/presentationml/2006/main" type="vertTx" preserve="1">
+<p:sldLayout xmlns:a="http://schemas.openxmlformats.org/drawingml/2006/main" xmlns:r="http://schemas.openxmlformats.org/officeDocument/2006/relationships" xmlns:mc="http://schemas.openxmlformats.org/markup-compatibility/2006" xmlns:mv="urn:schemas-microsoft-com:mac:vml" xmlns:p="http://schemas.openxmlformats.org/presentationml/2006/main" mc:Ignorable="mv" mc:PreserveAttributes="mv:*" type="vertTx" preserve="1">
   <p:cSld name="Title and Vertical Text">
     <p:spTree>
       <p:nvGrpSpPr>
@@ -10468,7 +11076,8 @@
           <a:p>
             <a:fld id="{AC55B63E-A6A8-4BE5-847E-7E221DE12168}" type="datetimeFigureOut">
               <a:rPr lang="en-US" smtClean="0"/>
-              <a:t>11/13/2013</a:t>
+              <a:pPr/>
+              <a:t>11/17/14</a:t>
             </a:fld>
             <a:endParaRPr lang="en-US"/>
           </a:p>
@@ -10510,6 +11119,7 @@
           <a:p>
             <a:fld id="{ACDDADA0-E9F1-42BA-A746-6A828666AA76}" type="slidenum">
               <a:rPr lang="en-US" smtClean="0"/>
+              <a:pPr/>
               <a:t>‹#›</a:t>
             </a:fld>
             <a:endParaRPr lang="en-US"/>
@@ -10525,7 +11135,7 @@
 </file>
 
 <file path=ppt/slideLayouts/slideLayout11.xml><?xml version="1.0" encoding="utf-8"?>
-<p:sldLayout xmlns:a="http://schemas.openxmlformats.org/drawingml/2006/main" xmlns:r="http://schemas.openxmlformats.org/officeDocument/2006/relationships" xmlns:p="http://schemas.openxmlformats.org/presentationml/2006/main" type="vertTitleAndTx" preserve="1">
+<p:sldLayout xmlns:a="http://schemas.openxmlformats.org/drawingml/2006/main" xmlns:r="http://schemas.openxmlformats.org/officeDocument/2006/relationships" xmlns:mc="http://schemas.openxmlformats.org/markup-compatibility/2006" xmlns:mv="urn:schemas-microsoft-com:mac:vml" xmlns:p="http://schemas.openxmlformats.org/presentationml/2006/main" mc:Ignorable="mv" mc:PreserveAttributes="mv:*" type="vertTitleAndTx" preserve="1">
   <p:cSld name="Vertical Title and Text">
     <p:spTree>
       <p:nvGrpSpPr>
@@ -10643,7 +11253,8 @@
           <a:p>
             <a:fld id="{AC55B63E-A6A8-4BE5-847E-7E221DE12168}" type="datetimeFigureOut">
               <a:rPr lang="en-US" smtClean="0"/>
-              <a:t>11/13/2013</a:t>
+              <a:pPr/>
+              <a:t>11/17/14</a:t>
             </a:fld>
             <a:endParaRPr lang="en-US"/>
           </a:p>
@@ -10685,6 +11296,7 @@
           <a:p>
             <a:fld id="{ACDDADA0-E9F1-42BA-A746-6A828666AA76}" type="slidenum">
               <a:rPr lang="en-US" smtClean="0"/>
+              <a:pPr/>
               <a:t>‹#›</a:t>
             </a:fld>
             <a:endParaRPr lang="en-US"/>
@@ -10700,7 +11312,7 @@
 </file>
 
 <file path=ppt/slideLayouts/slideLayout2.xml><?xml version="1.0" encoding="utf-8"?>
-<p:sldLayout xmlns:a="http://schemas.openxmlformats.org/drawingml/2006/main" xmlns:r="http://schemas.openxmlformats.org/officeDocument/2006/relationships" xmlns:p="http://schemas.openxmlformats.org/presentationml/2006/main" type="obj" preserve="1">
+<p:sldLayout xmlns:a="http://schemas.openxmlformats.org/drawingml/2006/main" xmlns:r="http://schemas.openxmlformats.org/officeDocument/2006/relationships" xmlns:mc="http://schemas.openxmlformats.org/markup-compatibility/2006" xmlns:mv="urn:schemas-microsoft-com:mac:vml" xmlns:p="http://schemas.openxmlformats.org/presentationml/2006/main" mc:Ignorable="mv" mc:PreserveAttributes="mv:*" type="obj" preserve="1">
   <p:cSld name="Title and Content">
     <p:spTree>
       <p:nvGrpSpPr>
@@ -10808,7 +11420,8 @@
           <a:p>
             <a:fld id="{AC55B63E-A6A8-4BE5-847E-7E221DE12168}" type="datetimeFigureOut">
               <a:rPr lang="en-US" smtClean="0"/>
-              <a:t>11/13/2013</a:t>
+              <a:pPr/>
+              <a:t>11/17/14</a:t>
             </a:fld>
             <a:endParaRPr lang="en-US"/>
           </a:p>
@@ -10850,6 +11463,7 @@
           <a:p>
             <a:fld id="{ACDDADA0-E9F1-42BA-A746-6A828666AA76}" type="slidenum">
               <a:rPr lang="en-US" smtClean="0"/>
+              <a:pPr/>
               <a:t>‹#›</a:t>
             </a:fld>
             <a:endParaRPr lang="en-US"/>
@@ -10865,7 +11479,7 @@
 </file>
 
 <file path=ppt/slideLayouts/slideLayout3.xml><?xml version="1.0" encoding="utf-8"?>
-<p:sldLayout xmlns:a="http://schemas.openxmlformats.org/drawingml/2006/main" xmlns:r="http://schemas.openxmlformats.org/officeDocument/2006/relationships" xmlns:p="http://schemas.openxmlformats.org/presentationml/2006/main" type="secHead" preserve="1">
+<p:sldLayout xmlns:a="http://schemas.openxmlformats.org/drawingml/2006/main" xmlns:r="http://schemas.openxmlformats.org/officeDocument/2006/relationships" xmlns:mc="http://schemas.openxmlformats.org/markup-compatibility/2006" xmlns:mv="urn:schemas-microsoft-com:mac:vml" xmlns:p="http://schemas.openxmlformats.org/presentationml/2006/main" mc:Ignorable="mv" mc:PreserveAttributes="mv:*" type="secHead" preserve="1">
   <p:cSld name="Section Header">
     <p:bg>
       <p:bgRef idx="1001">
@@ -11056,7 +11670,8 @@
           <a:p>
             <a:fld id="{AC55B63E-A6A8-4BE5-847E-7E221DE12168}" type="datetimeFigureOut">
               <a:rPr lang="en-US" smtClean="0"/>
-              <a:t>11/13/2013</a:t>
+              <a:pPr/>
+              <a:t>11/17/14</a:t>
             </a:fld>
             <a:endParaRPr lang="en-US"/>
           </a:p>
@@ -11098,6 +11713,7 @@
           <a:p>
             <a:fld id="{ACDDADA0-E9F1-42BA-A746-6A828666AA76}" type="slidenum">
               <a:rPr lang="en-US" smtClean="0"/>
+              <a:pPr/>
               <a:t>‹#›</a:t>
             </a:fld>
             <a:endParaRPr lang="en-US"/>
@@ -11148,7 +11764,7 @@
 </file>
 
 <file path=ppt/slideLayouts/slideLayout4.xml><?xml version="1.0" encoding="utf-8"?>
-<p:sldLayout xmlns:a="http://schemas.openxmlformats.org/drawingml/2006/main" xmlns:r="http://schemas.openxmlformats.org/officeDocument/2006/relationships" xmlns:p="http://schemas.openxmlformats.org/presentationml/2006/main" type="twoObj" preserve="1">
+<p:sldLayout xmlns:a="http://schemas.openxmlformats.org/drawingml/2006/main" xmlns:r="http://schemas.openxmlformats.org/officeDocument/2006/relationships" xmlns:mc="http://schemas.openxmlformats.org/markup-compatibility/2006" xmlns:mv="urn:schemas-microsoft-com:mac:vml" xmlns:p="http://schemas.openxmlformats.org/presentationml/2006/main" mc:Ignorable="mv" mc:PreserveAttributes="mv:*" type="twoObj" preserve="1">
   <p:cSld name="Two Content">
     <p:spTree>
       <p:nvGrpSpPr>
@@ -11374,7 +11990,8 @@
           <a:p>
             <a:fld id="{AC55B63E-A6A8-4BE5-847E-7E221DE12168}" type="datetimeFigureOut">
               <a:rPr lang="en-US" smtClean="0"/>
-              <a:t>11/13/2013</a:t>
+              <a:pPr/>
+              <a:t>11/17/14</a:t>
             </a:fld>
             <a:endParaRPr lang="en-US"/>
           </a:p>
@@ -11416,6 +12033,7 @@
           <a:p>
             <a:fld id="{ACDDADA0-E9F1-42BA-A746-6A828666AA76}" type="slidenum">
               <a:rPr lang="en-US" smtClean="0"/>
+              <a:pPr/>
               <a:t>‹#›</a:t>
             </a:fld>
             <a:endParaRPr lang="en-US"/>
@@ -11431,7 +12049,7 @@
 </file>
 
 <file path=ppt/slideLayouts/slideLayout5.xml><?xml version="1.0" encoding="utf-8"?>
-<p:sldLayout xmlns:a="http://schemas.openxmlformats.org/drawingml/2006/main" xmlns:r="http://schemas.openxmlformats.org/officeDocument/2006/relationships" xmlns:p="http://schemas.openxmlformats.org/presentationml/2006/main" type="twoTxTwoObj" preserve="1">
+<p:sldLayout xmlns:a="http://schemas.openxmlformats.org/drawingml/2006/main" xmlns:r="http://schemas.openxmlformats.org/officeDocument/2006/relationships" xmlns:mc="http://schemas.openxmlformats.org/markup-compatibility/2006" xmlns:mv="urn:schemas-microsoft-com:mac:vml" xmlns:p="http://schemas.openxmlformats.org/presentationml/2006/main" mc:Ignorable="mv" mc:PreserveAttributes="mv:*" type="twoTxTwoObj" preserve="1">
   <p:cSld name="Comparison">
     <p:spTree>
       <p:nvGrpSpPr>
@@ -11840,7 +12458,8 @@
           <a:p>
             <a:fld id="{AC55B63E-A6A8-4BE5-847E-7E221DE12168}" type="datetimeFigureOut">
               <a:rPr lang="en-US" smtClean="0"/>
-              <a:t>11/13/2013</a:t>
+              <a:pPr/>
+              <a:t>11/17/14</a:t>
             </a:fld>
             <a:endParaRPr lang="en-US"/>
           </a:p>
@@ -11882,6 +12501,7 @@
           <a:p>
             <a:fld id="{ACDDADA0-E9F1-42BA-A746-6A828666AA76}" type="slidenum">
               <a:rPr lang="en-US" smtClean="0"/>
+              <a:pPr/>
               <a:t>‹#›</a:t>
             </a:fld>
             <a:endParaRPr lang="en-US"/>
@@ -11932,7 +12552,7 @@
 </file>
 
 <file path=ppt/slideLayouts/slideLayout6.xml><?xml version="1.0" encoding="utf-8"?>
-<p:sldLayout xmlns:a="http://schemas.openxmlformats.org/drawingml/2006/main" xmlns:r="http://schemas.openxmlformats.org/officeDocument/2006/relationships" xmlns:p="http://schemas.openxmlformats.org/presentationml/2006/main" type="titleOnly" preserve="1">
+<p:sldLayout xmlns:a="http://schemas.openxmlformats.org/drawingml/2006/main" xmlns:r="http://schemas.openxmlformats.org/officeDocument/2006/relationships" xmlns:mc="http://schemas.openxmlformats.org/markup-compatibility/2006" xmlns:mv="urn:schemas-microsoft-com:mac:vml" xmlns:p="http://schemas.openxmlformats.org/presentationml/2006/main" mc:Ignorable="mv" mc:PreserveAttributes="mv:*" type="titleOnly" preserve="1">
   <p:cSld name="Title Only">
     <p:spTree>
       <p:nvGrpSpPr>
@@ -11988,7 +12608,8 @@
           <a:p>
             <a:fld id="{AC55B63E-A6A8-4BE5-847E-7E221DE12168}" type="datetimeFigureOut">
               <a:rPr lang="en-US" smtClean="0"/>
-              <a:t>11/13/2013</a:t>
+              <a:pPr/>
+              <a:t>11/17/14</a:t>
             </a:fld>
             <a:endParaRPr lang="en-US"/>
           </a:p>
@@ -12030,6 +12651,7 @@
           <a:p>
             <a:fld id="{ACDDADA0-E9F1-42BA-A746-6A828666AA76}" type="slidenum">
               <a:rPr lang="en-US" smtClean="0"/>
+              <a:pPr/>
               <a:t>‹#›</a:t>
             </a:fld>
             <a:endParaRPr lang="en-US"/>
@@ -12045,7 +12667,7 @@
 </file>
 
 <file path=ppt/slideLayouts/slideLayout7.xml><?xml version="1.0" encoding="utf-8"?>
-<p:sldLayout xmlns:a="http://schemas.openxmlformats.org/drawingml/2006/main" xmlns:r="http://schemas.openxmlformats.org/officeDocument/2006/relationships" xmlns:p="http://schemas.openxmlformats.org/presentationml/2006/main" type="blank" preserve="1">
+<p:sldLayout xmlns:a="http://schemas.openxmlformats.org/drawingml/2006/main" xmlns:r="http://schemas.openxmlformats.org/officeDocument/2006/relationships" xmlns:mc="http://schemas.openxmlformats.org/markup-compatibility/2006" xmlns:mv="urn:schemas-microsoft-com:mac:vml" xmlns:p="http://schemas.openxmlformats.org/presentationml/2006/main" mc:Ignorable="mv" mc:PreserveAttributes="mv:*" type="blank" preserve="1">
   <p:cSld name="Blank">
     <p:spTree>
       <p:nvGrpSpPr>
@@ -12078,7 +12700,8 @@
           <a:p>
             <a:fld id="{AC55B63E-A6A8-4BE5-847E-7E221DE12168}" type="datetimeFigureOut">
               <a:rPr lang="en-US" smtClean="0"/>
-              <a:t>11/13/2013</a:t>
+              <a:pPr/>
+              <a:t>11/17/14</a:t>
             </a:fld>
             <a:endParaRPr lang="en-US"/>
           </a:p>
@@ -12120,6 +12743,7 @@
           <a:p>
             <a:fld id="{ACDDADA0-E9F1-42BA-A746-6A828666AA76}" type="slidenum">
               <a:rPr lang="en-US" smtClean="0"/>
+              <a:pPr/>
               <a:t>‹#›</a:t>
             </a:fld>
             <a:endParaRPr lang="en-US"/>
@@ -12135,7 +12759,7 @@
 </file>
 
 <file path=ppt/slideLayouts/slideLayout8.xml><?xml version="1.0" encoding="utf-8"?>
-<p:sldLayout xmlns:a="http://schemas.openxmlformats.org/drawingml/2006/main" xmlns:r="http://schemas.openxmlformats.org/officeDocument/2006/relationships" xmlns:p="http://schemas.openxmlformats.org/presentationml/2006/main" type="objTx" preserve="1">
+<p:sldLayout xmlns:a="http://schemas.openxmlformats.org/drawingml/2006/main" xmlns:r="http://schemas.openxmlformats.org/officeDocument/2006/relationships" xmlns:mc="http://schemas.openxmlformats.org/markup-compatibility/2006" xmlns:mv="urn:schemas-microsoft-com:mac:vml" xmlns:p="http://schemas.openxmlformats.org/presentationml/2006/main" mc:Ignorable="mv" mc:PreserveAttributes="mv:*" type="objTx" preserve="1">
   <p:cSld name="Content with Caption">
     <p:spTree>
       <p:nvGrpSpPr>
@@ -12352,7 +12976,8 @@
           <a:p>
             <a:fld id="{AC55B63E-A6A8-4BE5-847E-7E221DE12168}" type="datetimeFigureOut">
               <a:rPr lang="en-US" smtClean="0"/>
-              <a:t>11/13/2013</a:t>
+              <a:pPr/>
+              <a:t>11/17/14</a:t>
             </a:fld>
             <a:endParaRPr lang="en-US"/>
           </a:p>
@@ -12394,6 +13019,7 @@
           <a:p>
             <a:fld id="{ACDDADA0-E9F1-42BA-A746-6A828666AA76}" type="slidenum">
               <a:rPr lang="en-US" smtClean="0"/>
+              <a:pPr/>
               <a:t>‹#›</a:t>
             </a:fld>
             <a:endParaRPr lang="en-US"/>
@@ -12444,7 +13070,7 @@
 </file>
 
 <file path=ppt/slideLayouts/slideLayout9.xml><?xml version="1.0" encoding="utf-8"?>
-<p:sldLayout xmlns:a="http://schemas.openxmlformats.org/drawingml/2006/main" xmlns:r="http://schemas.openxmlformats.org/officeDocument/2006/relationships" xmlns:p="http://schemas.openxmlformats.org/presentationml/2006/main" type="picTx" preserve="1">
+<p:sldLayout xmlns:a="http://schemas.openxmlformats.org/drawingml/2006/main" xmlns:r="http://schemas.openxmlformats.org/officeDocument/2006/relationships" xmlns:mc="http://schemas.openxmlformats.org/markup-compatibility/2006" xmlns:mv="urn:schemas-microsoft-com:mac:vml" xmlns:p="http://schemas.openxmlformats.org/presentationml/2006/main" mc:Ignorable="mv" mc:PreserveAttributes="mv:*" type="picTx" preserve="1">
   <p:cSld name="Picture with Caption">
     <p:spTree>
       <p:nvGrpSpPr>
@@ -12657,7 +13283,8 @@
           <a:p>
             <a:fld id="{AC55B63E-A6A8-4BE5-847E-7E221DE12168}" type="datetimeFigureOut">
               <a:rPr lang="en-US" smtClean="0"/>
-              <a:t>11/13/2013</a:t>
+              <a:pPr/>
+              <a:t>11/17/14</a:t>
             </a:fld>
             <a:endParaRPr lang="en-US"/>
           </a:p>
@@ -12699,6 +13326,7 @@
           <a:p>
             <a:fld id="{ACDDADA0-E9F1-42BA-A746-6A828666AA76}" type="slidenum">
               <a:rPr lang="en-US" smtClean="0"/>
+              <a:pPr/>
               <a:t>‹#›</a:t>
             </a:fld>
             <a:endParaRPr lang="en-US"/>
@@ -12714,7 +13342,7 @@
 </file>
 
 <file path=ppt/slideMasters/slideMaster1.xml><?xml version="1.0" encoding="utf-8"?>
-<p:sldMaster xmlns:a="http://schemas.openxmlformats.org/drawingml/2006/main" xmlns:r="http://schemas.openxmlformats.org/officeDocument/2006/relationships" xmlns:p="http://schemas.openxmlformats.org/presentationml/2006/main">
+<p:sldMaster xmlns:a="http://schemas.openxmlformats.org/drawingml/2006/main" xmlns:r="http://schemas.openxmlformats.org/officeDocument/2006/relationships" xmlns:mc="http://schemas.openxmlformats.org/markup-compatibility/2006" xmlns:mv="urn:schemas-microsoft-com:mac:vml" xmlns:p="http://schemas.openxmlformats.org/presentationml/2006/main" mc:Ignorable="mv" mc:PreserveAttributes="mv:*">
   <p:cSld>
     <p:bg>
       <p:bgRef idx="1001">
@@ -12955,7 +13583,8 @@
           <a:p>
             <a:fld id="{AC55B63E-A6A8-4BE5-847E-7E221DE12168}" type="datetimeFigureOut">
               <a:rPr lang="en-US" smtClean="0"/>
-              <a:t>11/13/2013</a:t>
+              <a:pPr/>
+              <a:t>11/17/14</a:t>
             </a:fld>
             <a:endParaRPr lang="en-US"/>
           </a:p>
@@ -13029,6 +13658,7 @@
           <a:p>
             <a:fld id="{ACDDADA0-E9F1-42BA-A746-6A828666AA76}" type="slidenum">
               <a:rPr lang="en-US" smtClean="0"/>
+              <a:pPr/>
               <a:t>‹#›</a:t>
             </a:fld>
             <a:endParaRPr lang="en-US"/>
@@ -13336,7 +13966,7 @@
 </file>
 
 <file path=ppt/slides/slide1.xml><?xml version="1.0" encoding="utf-8"?>
-<p:sld xmlns:a="http://schemas.openxmlformats.org/drawingml/2006/main" xmlns:r="http://schemas.openxmlformats.org/officeDocument/2006/relationships" xmlns:p="http://schemas.openxmlformats.org/presentationml/2006/main">
+<p:sld xmlns:a="http://schemas.openxmlformats.org/drawingml/2006/main" xmlns:r="http://schemas.openxmlformats.org/officeDocument/2006/relationships" xmlns:mc="http://schemas.openxmlformats.org/markup-compatibility/2006" xmlns:mv="urn:schemas-microsoft-com:mac:vml" xmlns:p="http://schemas.openxmlformats.org/presentationml/2006/main" mc:Ignorable="mv" mc:PreserveAttributes="mv:*">
   <p:cSld>
     <p:spTree>
       <p:nvGrpSpPr>
@@ -13399,7 +14029,7 @@
     </p:spTree>
     <p:extLst>
       <p:ext uri="{BB962C8B-B14F-4D97-AF65-F5344CB8AC3E}">
-        <p14:creationId xmlns:p14="http://schemas.microsoft.com/office/powerpoint/2010/main" val="4096039565"/>
+        <p14:creationId xmlns:p14="http://schemas.microsoft.com/office/powerpoint/2010/main" xmlns:p="http://schemas.openxmlformats.org/presentationml/2006/main" xmlns:r="http://schemas.openxmlformats.org/officeDocument/2006/relationships" xmlns:a="http://schemas.openxmlformats.org/drawingml/2006/main" xmlns="" val="4096039565"/>
       </p:ext>
     </p:extLst>
   </p:cSld>
@@ -13417,7 +14047,7 @@
 </file>
 
 <file path=ppt/slides/slide10.xml><?xml version="1.0" encoding="utf-8"?>
-<p:sld xmlns:a="http://schemas.openxmlformats.org/drawingml/2006/main" xmlns:r="http://schemas.openxmlformats.org/officeDocument/2006/relationships" xmlns:p="http://schemas.openxmlformats.org/presentationml/2006/main">
+<p:sld xmlns:a="http://schemas.openxmlformats.org/drawingml/2006/main" xmlns:r="http://schemas.openxmlformats.org/officeDocument/2006/relationships" xmlns:mc="http://schemas.openxmlformats.org/markup-compatibility/2006" xmlns:mv="urn:schemas-microsoft-com:mac:vml" xmlns:p="http://schemas.openxmlformats.org/presentationml/2006/main" mc:Ignorable="mv" mc:PreserveAttributes="mv:*">
   <p:cSld>
     <p:spTree>
       <p:nvGrpSpPr>
@@ -13567,7 +14197,7 @@
     </p:spTree>
     <p:extLst>
       <p:ext uri="{BB962C8B-B14F-4D97-AF65-F5344CB8AC3E}">
-        <p14:creationId xmlns:p14="http://schemas.microsoft.com/office/powerpoint/2010/main" val="2595663491"/>
+        <p14:creationId xmlns:p14="http://schemas.microsoft.com/office/powerpoint/2010/main" xmlns:p="http://schemas.openxmlformats.org/presentationml/2006/main" xmlns:r="http://schemas.openxmlformats.org/officeDocument/2006/relationships" xmlns:a="http://schemas.openxmlformats.org/drawingml/2006/main" xmlns="" val="2595663491"/>
       </p:ext>
     </p:extLst>
   </p:cSld>
@@ -13585,7 +14215,7 @@
 </file>
 
 <file path=ppt/slides/slide11.xml><?xml version="1.0" encoding="utf-8"?>
-<p:sld xmlns:a="http://schemas.openxmlformats.org/drawingml/2006/main" xmlns:r="http://schemas.openxmlformats.org/officeDocument/2006/relationships" xmlns:p="http://schemas.openxmlformats.org/presentationml/2006/main">
+<p:sld xmlns:a="http://schemas.openxmlformats.org/drawingml/2006/main" xmlns:r="http://schemas.openxmlformats.org/officeDocument/2006/relationships" xmlns:mc="http://schemas.openxmlformats.org/markup-compatibility/2006" xmlns:mv="urn:schemas-microsoft-com:mac:vml" xmlns:p="http://schemas.openxmlformats.org/presentationml/2006/main" mc:Ignorable="mv" mc:PreserveAttributes="mv:*">
   <p:cSld>
     <p:spTree>
       <p:nvGrpSpPr>
@@ -13671,7 +14301,7 @@
     </p:spTree>
     <p:extLst>
       <p:ext uri="{BB962C8B-B14F-4D97-AF65-F5344CB8AC3E}">
-        <p14:creationId xmlns:p14="http://schemas.microsoft.com/office/powerpoint/2010/main" val="3934192701"/>
+        <p14:creationId xmlns:p14="http://schemas.microsoft.com/office/powerpoint/2010/main" xmlns:p="http://schemas.openxmlformats.org/presentationml/2006/main" xmlns:r="http://schemas.openxmlformats.org/officeDocument/2006/relationships" xmlns:a="http://schemas.openxmlformats.org/drawingml/2006/main" xmlns="" val="3934192701"/>
       </p:ext>
     </p:extLst>
   </p:cSld>
@@ -13689,7 +14319,7 @@
 </file>
 
 <file path=ppt/slides/slide12.xml><?xml version="1.0" encoding="utf-8"?>
-<p:sld xmlns:a="http://schemas.openxmlformats.org/drawingml/2006/main" xmlns:r="http://schemas.openxmlformats.org/officeDocument/2006/relationships" xmlns:p="http://schemas.openxmlformats.org/presentationml/2006/main">
+<p:sld xmlns:a="http://schemas.openxmlformats.org/drawingml/2006/main" xmlns:r="http://schemas.openxmlformats.org/officeDocument/2006/relationships" xmlns:mc="http://schemas.openxmlformats.org/markup-compatibility/2006" xmlns:mv="urn:schemas-microsoft-com:mac:vml" xmlns:p="http://schemas.openxmlformats.org/presentationml/2006/main" mc:Ignorable="mv" mc:PreserveAttributes="mv:*">
   <p:cSld>
     <p:spTree>
       <p:nvGrpSpPr>
@@ -14132,7 +14762,7 @@
     </p:spTree>
     <p:extLst>
       <p:ext uri="{BB962C8B-B14F-4D97-AF65-F5344CB8AC3E}">
-        <p14:creationId xmlns:p14="http://schemas.microsoft.com/office/powerpoint/2010/main" val="278808956"/>
+        <p14:creationId xmlns:p14="http://schemas.microsoft.com/office/powerpoint/2010/main" xmlns:p="http://schemas.openxmlformats.org/presentationml/2006/main" xmlns:r="http://schemas.openxmlformats.org/officeDocument/2006/relationships" xmlns:a="http://schemas.openxmlformats.org/drawingml/2006/main" xmlns="" val="278808956"/>
       </p:ext>
     </p:extLst>
   </p:cSld>
@@ -14451,7 +15081,7 @@
 </file>
 
 <file path=ppt/slides/slide13.xml><?xml version="1.0" encoding="utf-8"?>
-<p:sld xmlns:a="http://schemas.openxmlformats.org/drawingml/2006/main" xmlns:r="http://schemas.openxmlformats.org/officeDocument/2006/relationships" xmlns:p="http://schemas.openxmlformats.org/presentationml/2006/main">
+<p:sld xmlns:a="http://schemas.openxmlformats.org/drawingml/2006/main" xmlns:r="http://schemas.openxmlformats.org/officeDocument/2006/relationships" xmlns:mc="http://schemas.openxmlformats.org/markup-compatibility/2006" xmlns:mv="urn:schemas-microsoft-com:mac:vml" xmlns:p="http://schemas.openxmlformats.org/presentationml/2006/main" mc:Ignorable="mv" mc:PreserveAttributes="mv:*">
   <p:cSld>
     <p:spTree>
       <p:nvGrpSpPr>
@@ -14603,7 +15233,7 @@
     </p:spTree>
     <p:extLst>
       <p:ext uri="{BB962C8B-B14F-4D97-AF65-F5344CB8AC3E}">
-        <p14:creationId xmlns:p14="http://schemas.microsoft.com/office/powerpoint/2010/main" val="3376145174"/>
+        <p14:creationId xmlns:p14="http://schemas.microsoft.com/office/powerpoint/2010/main" xmlns:p="http://schemas.openxmlformats.org/presentationml/2006/main" xmlns:r="http://schemas.openxmlformats.org/officeDocument/2006/relationships" xmlns:a="http://schemas.openxmlformats.org/drawingml/2006/main" xmlns="" val="3376145174"/>
       </p:ext>
     </p:extLst>
   </p:cSld>
@@ -14621,7 +15251,7 @@
 </file>
 
 <file path=ppt/slides/slide14.xml><?xml version="1.0" encoding="utf-8"?>
-<p:sld xmlns:a="http://schemas.openxmlformats.org/drawingml/2006/main" xmlns:r="http://schemas.openxmlformats.org/officeDocument/2006/relationships" xmlns:p="http://schemas.openxmlformats.org/presentationml/2006/main">
+<p:sld xmlns:a="http://schemas.openxmlformats.org/drawingml/2006/main" xmlns:r="http://schemas.openxmlformats.org/officeDocument/2006/relationships" xmlns:mc="http://schemas.openxmlformats.org/markup-compatibility/2006" xmlns:mv="urn:schemas-microsoft-com:mac:vml" xmlns:p="http://schemas.openxmlformats.org/presentationml/2006/main" mc:Ignorable="mv" mc:PreserveAttributes="mv:*">
   <p:cSld>
     <p:spTree>
       <p:nvGrpSpPr>
@@ -14715,7 +15345,7 @@
     </p:spTree>
     <p:extLst>
       <p:ext uri="{BB962C8B-B14F-4D97-AF65-F5344CB8AC3E}">
-        <p14:creationId xmlns:p14="http://schemas.microsoft.com/office/powerpoint/2010/main" val="2061392082"/>
+        <p14:creationId xmlns:p14="http://schemas.microsoft.com/office/powerpoint/2010/main" xmlns:p="http://schemas.openxmlformats.org/presentationml/2006/main" xmlns:r="http://schemas.openxmlformats.org/officeDocument/2006/relationships" xmlns:a="http://schemas.openxmlformats.org/drawingml/2006/main" xmlns="" val="2061392082"/>
       </p:ext>
     </p:extLst>
   </p:cSld>
@@ -14733,7 +15363,7 @@
 </file>
 
 <file path=ppt/slides/slide15.xml><?xml version="1.0" encoding="utf-8"?>
-<p:sld xmlns:a="http://schemas.openxmlformats.org/drawingml/2006/main" xmlns:r="http://schemas.openxmlformats.org/officeDocument/2006/relationships" xmlns:p="http://schemas.openxmlformats.org/presentationml/2006/main">
+<p:sld xmlns:a="http://schemas.openxmlformats.org/drawingml/2006/main" xmlns:r="http://schemas.openxmlformats.org/officeDocument/2006/relationships" xmlns:mc="http://schemas.openxmlformats.org/markup-compatibility/2006" xmlns:mv="urn:schemas-microsoft-com:mac:vml" xmlns:p="http://schemas.openxmlformats.org/presentationml/2006/main" mc:Ignorable="mv" mc:PreserveAttributes="mv:*">
   <p:cSld>
     <p:spTree>
       <p:nvGrpSpPr>
@@ -15091,7 +15721,7 @@
     </p:spTree>
     <p:extLst>
       <p:ext uri="{BB962C8B-B14F-4D97-AF65-F5344CB8AC3E}">
-        <p14:creationId xmlns:p14="http://schemas.microsoft.com/office/powerpoint/2010/main" val="2298098273"/>
+        <p14:creationId xmlns:p14="http://schemas.microsoft.com/office/powerpoint/2010/main" xmlns:p="http://schemas.openxmlformats.org/presentationml/2006/main" xmlns:r="http://schemas.openxmlformats.org/officeDocument/2006/relationships" xmlns:a="http://schemas.openxmlformats.org/drawingml/2006/main" xmlns="" val="2298098273"/>
       </p:ext>
     </p:extLst>
   </p:cSld>
@@ -15272,7 +15902,7 @@
 </file>
 
 <file path=ppt/slides/slide16.xml><?xml version="1.0" encoding="utf-8"?>
-<p:sld xmlns:a="http://schemas.openxmlformats.org/drawingml/2006/main" xmlns:r="http://schemas.openxmlformats.org/officeDocument/2006/relationships" xmlns:p="http://schemas.openxmlformats.org/presentationml/2006/main">
+<p:sld xmlns:a="http://schemas.openxmlformats.org/drawingml/2006/main" xmlns:r="http://schemas.openxmlformats.org/officeDocument/2006/relationships" xmlns:mc="http://schemas.openxmlformats.org/markup-compatibility/2006" xmlns:mv="urn:schemas-microsoft-com:mac:vml" xmlns:p="http://schemas.openxmlformats.org/presentationml/2006/main" mc:Ignorable="mv" mc:PreserveAttributes="mv:*">
   <p:cSld>
     <p:spTree>
       <p:nvGrpSpPr>
@@ -15680,7 +16310,7 @@
     </p:spTree>
     <p:extLst>
       <p:ext uri="{BB962C8B-B14F-4D97-AF65-F5344CB8AC3E}">
-        <p14:creationId xmlns:p14="http://schemas.microsoft.com/office/powerpoint/2010/main" val="1433693400"/>
+        <p14:creationId xmlns:p14="http://schemas.microsoft.com/office/powerpoint/2010/main" xmlns:p="http://schemas.openxmlformats.org/presentationml/2006/main" xmlns:r="http://schemas.openxmlformats.org/officeDocument/2006/relationships" xmlns:a="http://schemas.openxmlformats.org/drawingml/2006/main" xmlns="" val="1433693400"/>
       </p:ext>
     </p:extLst>
   </p:cSld>
@@ -15769,7 +16399,7 @@
 </file>
 
 <file path=ppt/slides/slide17.xml><?xml version="1.0" encoding="utf-8"?>
-<p:sld xmlns:a="http://schemas.openxmlformats.org/drawingml/2006/main" xmlns:r="http://schemas.openxmlformats.org/officeDocument/2006/relationships" xmlns:p="http://schemas.openxmlformats.org/presentationml/2006/main">
+<p:sld xmlns:a="http://schemas.openxmlformats.org/drawingml/2006/main" xmlns:r="http://schemas.openxmlformats.org/officeDocument/2006/relationships" xmlns:mc="http://schemas.openxmlformats.org/markup-compatibility/2006" xmlns:mv="urn:schemas-microsoft-com:mac:vml" xmlns:p="http://schemas.openxmlformats.org/presentationml/2006/main" mc:Ignorable="mv" mc:PreserveAttributes="mv:*">
   <p:cSld>
     <p:spTree>
       <p:nvGrpSpPr>
@@ -15853,7 +16483,7 @@
     </p:spTree>
     <p:extLst>
       <p:ext uri="{BB962C8B-B14F-4D97-AF65-F5344CB8AC3E}">
-        <p14:creationId xmlns:p14="http://schemas.microsoft.com/office/powerpoint/2010/main" val="2962955488"/>
+        <p14:creationId xmlns:p14="http://schemas.microsoft.com/office/powerpoint/2010/main" xmlns:p="http://schemas.openxmlformats.org/presentationml/2006/main" xmlns:r="http://schemas.openxmlformats.org/officeDocument/2006/relationships" xmlns:a="http://schemas.openxmlformats.org/drawingml/2006/main" xmlns="" val="2962955488"/>
       </p:ext>
     </p:extLst>
   </p:cSld>
@@ -15871,7 +16501,7 @@
 </file>
 
 <file path=ppt/slides/slide18.xml><?xml version="1.0" encoding="utf-8"?>
-<p:sld xmlns:a="http://schemas.openxmlformats.org/drawingml/2006/main" xmlns:r="http://schemas.openxmlformats.org/officeDocument/2006/relationships" xmlns:p="http://schemas.openxmlformats.org/presentationml/2006/main">
+<p:sld xmlns:a="http://schemas.openxmlformats.org/drawingml/2006/main" xmlns:r="http://schemas.openxmlformats.org/officeDocument/2006/relationships" xmlns:mc="http://schemas.openxmlformats.org/markup-compatibility/2006" xmlns:mv="urn:schemas-microsoft-com:mac:vml" xmlns:p="http://schemas.openxmlformats.org/presentationml/2006/main" mc:Ignorable="mv" mc:PreserveAttributes="mv:*">
   <p:cSld>
     <p:spTree>
       <p:nvGrpSpPr>
@@ -16292,7 +16922,7 @@
             </a:ln>
             <a:extLst>
               <a:ext uri="{909E8E84-426E-40DD-AFC4-6F175D3DCCD1}">
-                <a14:hiddenFill xmlns:a14="http://schemas.microsoft.com/office/drawing/2010/main">
+                <a14:hiddenFill xmlns:a14="http://schemas.microsoft.com/office/drawing/2010/main" xmlns:p="http://schemas.openxmlformats.org/presentationml/2006/main" xmlns:r="http://schemas.openxmlformats.org/officeDocument/2006/relationships" xmlns:a="http://schemas.openxmlformats.org/drawingml/2006/main" xmlns="">
                   <a:noFill/>
                 </a14:hiddenFill>
               </a:ext>
@@ -16333,7 +16963,7 @@
             </a:ln>
             <a:extLst>
               <a:ext uri="{909E8E84-426E-40DD-AFC4-6F175D3DCCD1}">
-                <a14:hiddenFill xmlns:a14="http://schemas.microsoft.com/office/drawing/2010/main">
+                <a14:hiddenFill xmlns:a14="http://schemas.microsoft.com/office/drawing/2010/main" xmlns:p="http://schemas.openxmlformats.org/presentationml/2006/main" xmlns:r="http://schemas.openxmlformats.org/officeDocument/2006/relationships" xmlns:a="http://schemas.openxmlformats.org/drawingml/2006/main" xmlns="">
                   <a:noFill/>
                 </a14:hiddenFill>
               </a:ext>
@@ -16374,7 +17004,7 @@
             </a:ln>
             <a:extLst>
               <a:ext uri="{909E8E84-426E-40DD-AFC4-6F175D3DCCD1}">
-                <a14:hiddenFill xmlns:a14="http://schemas.microsoft.com/office/drawing/2010/main">
+                <a14:hiddenFill xmlns:a14="http://schemas.microsoft.com/office/drawing/2010/main" xmlns:p="http://schemas.openxmlformats.org/presentationml/2006/main" xmlns:r="http://schemas.openxmlformats.org/officeDocument/2006/relationships" xmlns:a="http://schemas.openxmlformats.org/drawingml/2006/main" xmlns="">
                   <a:noFill/>
                 </a14:hiddenFill>
               </a:ext>
@@ -16415,7 +17045,7 @@
             </a:ln>
             <a:extLst>
               <a:ext uri="{909E8E84-426E-40DD-AFC4-6F175D3DCCD1}">
-                <a14:hiddenFill xmlns:a14="http://schemas.microsoft.com/office/drawing/2010/main">
+                <a14:hiddenFill xmlns:a14="http://schemas.microsoft.com/office/drawing/2010/main" xmlns:p="http://schemas.openxmlformats.org/presentationml/2006/main" xmlns:r="http://schemas.openxmlformats.org/officeDocument/2006/relationships" xmlns:a="http://schemas.openxmlformats.org/drawingml/2006/main" xmlns="">
                   <a:noFill/>
                 </a14:hiddenFill>
               </a:ext>
@@ -16456,7 +17086,7 @@
             </a:ln>
             <a:extLst>
               <a:ext uri="{909E8E84-426E-40DD-AFC4-6F175D3DCCD1}">
-                <a14:hiddenFill xmlns:a14="http://schemas.microsoft.com/office/drawing/2010/main">
+                <a14:hiddenFill xmlns:a14="http://schemas.microsoft.com/office/drawing/2010/main" xmlns:p="http://schemas.openxmlformats.org/presentationml/2006/main" xmlns:r="http://schemas.openxmlformats.org/officeDocument/2006/relationships" xmlns:a="http://schemas.openxmlformats.org/drawingml/2006/main" xmlns="">
                   <a:noFill/>
                 </a14:hiddenFill>
               </a:ext>
@@ -16497,7 +17127,7 @@
             </a:ln>
             <a:extLst>
               <a:ext uri="{909E8E84-426E-40DD-AFC4-6F175D3DCCD1}">
-                <a14:hiddenFill xmlns:a14="http://schemas.microsoft.com/office/drawing/2010/main">
+                <a14:hiddenFill xmlns:a14="http://schemas.microsoft.com/office/drawing/2010/main" xmlns:p="http://schemas.openxmlformats.org/presentationml/2006/main" xmlns:r="http://schemas.openxmlformats.org/officeDocument/2006/relationships" xmlns:a="http://schemas.openxmlformats.org/drawingml/2006/main" xmlns="">
                   <a:noFill/>
                 </a14:hiddenFill>
               </a:ext>
@@ -16538,7 +17168,7 @@
             </a:ln>
             <a:extLst>
               <a:ext uri="{909E8E84-426E-40DD-AFC4-6F175D3DCCD1}">
-                <a14:hiddenFill xmlns:a14="http://schemas.microsoft.com/office/drawing/2010/main">
+                <a14:hiddenFill xmlns:a14="http://schemas.microsoft.com/office/drawing/2010/main" xmlns:p="http://schemas.openxmlformats.org/presentationml/2006/main" xmlns:r="http://schemas.openxmlformats.org/officeDocument/2006/relationships" xmlns:a="http://schemas.openxmlformats.org/drawingml/2006/main" xmlns="">
                   <a:noFill/>
                 </a14:hiddenFill>
               </a:ext>
@@ -16579,7 +17209,7 @@
             </a:ln>
             <a:extLst>
               <a:ext uri="{909E8E84-426E-40DD-AFC4-6F175D3DCCD1}">
-                <a14:hiddenFill xmlns:a14="http://schemas.microsoft.com/office/drawing/2010/main">
+                <a14:hiddenFill xmlns:a14="http://schemas.microsoft.com/office/drawing/2010/main" xmlns:p="http://schemas.openxmlformats.org/presentationml/2006/main" xmlns:r="http://schemas.openxmlformats.org/officeDocument/2006/relationships" xmlns:a="http://schemas.openxmlformats.org/drawingml/2006/main" xmlns="">
                   <a:noFill/>
                 </a14:hiddenFill>
               </a:ext>
@@ -16620,7 +17250,7 @@
             </a:ln>
             <a:extLst>
               <a:ext uri="{909E8E84-426E-40DD-AFC4-6F175D3DCCD1}">
-                <a14:hiddenFill xmlns:a14="http://schemas.microsoft.com/office/drawing/2010/main">
+                <a14:hiddenFill xmlns:a14="http://schemas.microsoft.com/office/drawing/2010/main" xmlns:p="http://schemas.openxmlformats.org/presentationml/2006/main" xmlns:r="http://schemas.openxmlformats.org/officeDocument/2006/relationships" xmlns:a="http://schemas.openxmlformats.org/drawingml/2006/main" xmlns="">
                   <a:noFill/>
                 </a14:hiddenFill>
               </a:ext>
@@ -16661,7 +17291,7 @@
             </a:ln>
             <a:extLst>
               <a:ext uri="{909E8E84-426E-40DD-AFC4-6F175D3DCCD1}">
-                <a14:hiddenFill xmlns:a14="http://schemas.microsoft.com/office/drawing/2010/main">
+                <a14:hiddenFill xmlns:a14="http://schemas.microsoft.com/office/drawing/2010/main" xmlns:p="http://schemas.openxmlformats.org/presentationml/2006/main" xmlns:r="http://schemas.openxmlformats.org/officeDocument/2006/relationships" xmlns:a="http://schemas.openxmlformats.org/drawingml/2006/main" xmlns="">
                   <a:noFill/>
                 </a14:hiddenFill>
               </a:ext>
@@ -16722,7 +17352,7 @@
     </p:spTree>
     <p:extLst>
       <p:ext uri="{BB962C8B-B14F-4D97-AF65-F5344CB8AC3E}">
-        <p14:creationId xmlns:p14="http://schemas.microsoft.com/office/powerpoint/2010/main" val="2176863468"/>
+        <p14:creationId xmlns:p14="http://schemas.microsoft.com/office/powerpoint/2010/main" xmlns:p="http://schemas.openxmlformats.org/presentationml/2006/main" xmlns:r="http://schemas.openxmlformats.org/officeDocument/2006/relationships" xmlns:a="http://schemas.openxmlformats.org/drawingml/2006/main" xmlns="" val="2176863468"/>
       </p:ext>
     </p:extLst>
   </p:cSld>
@@ -16740,7 +17370,7 @@
 </file>
 
 <file path=ppt/slides/slide19.xml><?xml version="1.0" encoding="utf-8"?>
-<p:sld xmlns:a="http://schemas.openxmlformats.org/drawingml/2006/main" xmlns:r="http://schemas.openxmlformats.org/officeDocument/2006/relationships" xmlns:p="http://schemas.openxmlformats.org/presentationml/2006/main">
+<p:sld xmlns:a="http://schemas.openxmlformats.org/drawingml/2006/main" xmlns:r="http://schemas.openxmlformats.org/officeDocument/2006/relationships" xmlns:mc="http://schemas.openxmlformats.org/markup-compatibility/2006" xmlns:mv="urn:schemas-microsoft-com:mac:vml" xmlns:p="http://schemas.openxmlformats.org/presentationml/2006/main" mc:Ignorable="mv" mc:PreserveAttributes="mv:*">
   <p:cSld>
     <p:spTree>
       <p:nvGrpSpPr>
@@ -16914,7 +17544,7 @@
     </p:spTree>
     <p:extLst>
       <p:ext uri="{BB962C8B-B14F-4D97-AF65-F5344CB8AC3E}">
-        <p14:creationId xmlns:p14="http://schemas.microsoft.com/office/powerpoint/2010/main" val="3172945912"/>
+        <p14:creationId xmlns:p14="http://schemas.microsoft.com/office/powerpoint/2010/main" xmlns:p="http://schemas.openxmlformats.org/presentationml/2006/main" xmlns:r="http://schemas.openxmlformats.org/officeDocument/2006/relationships" xmlns:a="http://schemas.openxmlformats.org/drawingml/2006/main" xmlns="" val="3172945912"/>
       </p:ext>
     </p:extLst>
   </p:cSld>
@@ -17337,7 +17967,7 @@
 </file>
 
 <file path=ppt/slides/slide2.xml><?xml version="1.0" encoding="utf-8"?>
-<p:sld xmlns:a="http://schemas.openxmlformats.org/drawingml/2006/main" xmlns:r="http://schemas.openxmlformats.org/officeDocument/2006/relationships" xmlns:p="http://schemas.openxmlformats.org/presentationml/2006/main">
+<p:sld xmlns:a="http://schemas.openxmlformats.org/drawingml/2006/main" xmlns:r="http://schemas.openxmlformats.org/officeDocument/2006/relationships" xmlns:mc="http://schemas.openxmlformats.org/markup-compatibility/2006" xmlns:mv="urn:schemas-microsoft-com:mac:vml" xmlns:p="http://schemas.openxmlformats.org/presentationml/2006/main" mc:Ignorable="mv" mc:PreserveAttributes="mv:*">
   <p:cSld>
     <p:spTree>
       <p:nvGrpSpPr>
@@ -17443,7 +18073,7 @@
     </p:spTree>
     <p:extLst>
       <p:ext uri="{BB962C8B-B14F-4D97-AF65-F5344CB8AC3E}">
-        <p14:creationId xmlns:p14="http://schemas.microsoft.com/office/powerpoint/2010/main" val="3655779049"/>
+        <p14:creationId xmlns:p14="http://schemas.microsoft.com/office/powerpoint/2010/main" xmlns:p="http://schemas.openxmlformats.org/presentationml/2006/main" xmlns:r="http://schemas.openxmlformats.org/officeDocument/2006/relationships" xmlns:a="http://schemas.openxmlformats.org/drawingml/2006/main" xmlns="" val="3655779049"/>
       </p:ext>
     </p:extLst>
   </p:cSld>
@@ -17454,7 +18084,7 @@
 </file>
 
 <file path=ppt/slides/slide20.xml><?xml version="1.0" encoding="utf-8"?>
-<p:sld xmlns:a="http://schemas.openxmlformats.org/drawingml/2006/main" xmlns:r="http://schemas.openxmlformats.org/officeDocument/2006/relationships" xmlns:p="http://schemas.openxmlformats.org/presentationml/2006/main">
+<p:sld xmlns:a="http://schemas.openxmlformats.org/drawingml/2006/main" xmlns:r="http://schemas.openxmlformats.org/officeDocument/2006/relationships" xmlns:mc="http://schemas.openxmlformats.org/markup-compatibility/2006" xmlns:mv="urn:schemas-microsoft-com:mac:vml" xmlns:p="http://schemas.openxmlformats.org/presentationml/2006/main" mc:Ignorable="mv" mc:PreserveAttributes="mv:*">
   <p:cSld>
     <p:spTree>
       <p:nvGrpSpPr>
@@ -17563,7 +18193,7 @@
           <p:nvPr>
             <p:extLst>
               <p:ext uri="{D42A27DB-BD31-4B8C-83A1-F6EECF244321}">
-                <p14:modId xmlns:p14="http://schemas.microsoft.com/office/powerpoint/2010/main" val="2518235789"/>
+                <p14:modId xmlns:p14="http://schemas.microsoft.com/office/powerpoint/2010/main" xmlns:p="http://schemas.openxmlformats.org/presentationml/2006/main" xmlns:r="http://schemas.openxmlformats.org/officeDocument/2006/relationships" xmlns:a="http://schemas.openxmlformats.org/drawingml/2006/main" xmlns="" val="2518235789"/>
               </p:ext>
             </p:extLst>
           </p:nvPr>
@@ -17574,59 +18204,16 @@
         </p:xfrm>
         <a:graphic>
           <a:graphicData uri="http://schemas.openxmlformats.org/presentationml/2006/ole">
-            <mc:AlternateContent xmlns:mc="http://schemas.openxmlformats.org/markup-compatibility/2006">
-              <mc:Choice xmlns:v="urn:schemas-microsoft-com:vml" Requires="v">
-                <p:oleObj spid="_x0000_s7181" name="Equation" r:id="rId4" imgW="1231560" imgH="431640" progId="Equation.3">
-                  <p:embed/>
-                </p:oleObj>
-              </mc:Choice>
-              <mc:Fallback>
-                <p:oleObj name="Equation" r:id="rId4" imgW="1231560" imgH="431640" progId="Equation.3">
-                  <p:embed/>
-                  <p:pic>
-                    <p:nvPicPr>
-                      <p:cNvPr id="0" name=""/>
-                      <p:cNvPicPr>
-                        <a:picLocks noChangeAspect="1" noChangeArrowheads="1"/>
-                      </p:cNvPicPr>
-                      <p:nvPr/>
-                    </p:nvPicPr>
-                    <p:blipFill>
-                      <a:blip r:embed="rId5"/>
-                      <a:srcRect/>
-                      <a:stretch>
-                        <a:fillRect/>
-                      </a:stretch>
-                    </p:blipFill>
-                    <p:spPr bwMode="auto">
-                      <a:xfrm>
-                        <a:off x="2971800" y="3276600"/>
-                        <a:ext cx="2709863" cy="949325"/>
-                      </a:xfrm>
-                      <a:prstGeom prst="rect">
-                        <a:avLst/>
-                      </a:prstGeom>
-                      <a:solidFill>
-                        <a:schemeClr val="bg1"/>
-                      </a:solidFill>
-                      <a:ln w="19050">
-                        <a:solidFill>
-                          <a:schemeClr val="accent1"/>
-                        </a:solidFill>
-                      </a:ln>
-                      <a:effectLst/>
-                    </p:spPr>
-                  </p:pic>
-                </p:oleObj>
-              </mc:Fallback>
-            </mc:AlternateContent>
+            <p:oleObj spid="_x0000_s7181" name="Equation" r:id="rId4" imgW="1231560" imgH="431640" progId="Equation.3">
+              <p:embed/>
+            </p:oleObj>
           </a:graphicData>
         </a:graphic>
       </p:graphicFrame>
     </p:spTree>
     <p:extLst>
       <p:ext uri="{BB962C8B-B14F-4D97-AF65-F5344CB8AC3E}">
-        <p14:creationId xmlns:p14="http://schemas.microsoft.com/office/powerpoint/2010/main" val="1267859485"/>
+        <p14:creationId xmlns:p14="http://schemas.microsoft.com/office/powerpoint/2010/main" xmlns:p="http://schemas.openxmlformats.org/presentationml/2006/main" xmlns:r="http://schemas.openxmlformats.org/officeDocument/2006/relationships" xmlns:a="http://schemas.openxmlformats.org/drawingml/2006/main" xmlns="" val="1267859485"/>
       </p:ext>
     </p:extLst>
   </p:cSld>
@@ -17644,7 +18231,7 @@
 </file>
 
 <file path=ppt/slides/slide21.xml><?xml version="1.0" encoding="utf-8"?>
-<p:sld xmlns:a="http://schemas.openxmlformats.org/drawingml/2006/main" xmlns:r="http://schemas.openxmlformats.org/officeDocument/2006/relationships" xmlns:p="http://schemas.openxmlformats.org/presentationml/2006/main">
+<p:sld xmlns:a="http://schemas.openxmlformats.org/drawingml/2006/main" xmlns:r="http://schemas.openxmlformats.org/officeDocument/2006/relationships" xmlns:mc="http://schemas.openxmlformats.org/markup-compatibility/2006" xmlns:mv="urn:schemas-microsoft-com:mac:vml" xmlns:p="http://schemas.openxmlformats.org/presentationml/2006/main" mc:Ignorable="mv" mc:PreserveAttributes="mv:*">
   <p:cSld>
     <p:spTree>
       <p:nvGrpSpPr>
@@ -17721,7 +18308,7 @@
           <p:nvPr>
             <p:extLst>
               <p:ext uri="{D42A27DB-BD31-4B8C-83A1-F6EECF244321}">
-                <p14:modId xmlns:p14="http://schemas.microsoft.com/office/powerpoint/2010/main" val="467598839"/>
+                <p14:modId xmlns:p14="http://schemas.microsoft.com/office/powerpoint/2010/main" xmlns:p="http://schemas.openxmlformats.org/presentationml/2006/main" xmlns:r="http://schemas.openxmlformats.org/officeDocument/2006/relationships" xmlns:a="http://schemas.openxmlformats.org/drawingml/2006/main" xmlns="" val="467598839"/>
               </p:ext>
             </p:extLst>
           </p:nvPr>
@@ -19269,14 +19856,14 @@
           <a:effectLst/>
           <a:extLst>
             <a:ext uri="{909E8E84-426E-40DD-AFC4-6F175D3DCCD1}">
-              <a14:hiddenFill xmlns:a14="http://schemas.microsoft.com/office/drawing/2010/main">
+              <a14:hiddenFill xmlns:a14="http://schemas.microsoft.com/office/drawing/2010/main" xmlns:p="http://schemas.openxmlformats.org/presentationml/2006/main" xmlns:r="http://schemas.openxmlformats.org/officeDocument/2006/relationships" xmlns:a="http://schemas.openxmlformats.org/drawingml/2006/main" xmlns="">
                 <a:solidFill>
                   <a:schemeClr val="accent1"/>
                 </a:solidFill>
               </a14:hiddenFill>
             </a:ext>
             <a:ext uri="{91240B29-F687-4F45-9708-019B960494DF}">
-              <a14:hiddenLine xmlns:a14="http://schemas.microsoft.com/office/drawing/2010/main" w="9525">
+              <a14:hiddenLine xmlns:a14="http://schemas.microsoft.com/office/drawing/2010/main" xmlns:p="http://schemas.openxmlformats.org/presentationml/2006/main" xmlns:r="http://schemas.openxmlformats.org/officeDocument/2006/relationships" xmlns:a="http://schemas.openxmlformats.org/drawingml/2006/main" xmlns="" w="9525">
                 <a:solidFill>
                   <a:schemeClr val="tx1"/>
                 </a:solidFill>
@@ -19286,7 +19873,7 @@
               </a14:hiddenLine>
             </a:ext>
             <a:ext uri="{AF507438-7753-43E0-B8FC-AC1667EBCBE1}">
-              <a14:hiddenEffects xmlns:a14="http://schemas.microsoft.com/office/drawing/2010/main">
+              <a14:hiddenEffects xmlns:a14="http://schemas.microsoft.com/office/drawing/2010/main" xmlns:p="http://schemas.openxmlformats.org/presentationml/2006/main" xmlns:r="http://schemas.openxmlformats.org/officeDocument/2006/relationships" xmlns:a="http://schemas.openxmlformats.org/drawingml/2006/main" xmlns="">
                 <a:effectLst>
                   <a:outerShdw dist="35921" dir="2700000" algn="ctr" rotWithShape="0">
                     <a:schemeClr val="bg2"/>
@@ -19486,14 +20073,14 @@
           <a:effectLst/>
           <a:extLst>
             <a:ext uri="{909E8E84-426E-40DD-AFC4-6F175D3DCCD1}">
-              <a14:hiddenFill xmlns:a14="http://schemas.microsoft.com/office/drawing/2010/main">
+              <a14:hiddenFill xmlns:a14="http://schemas.microsoft.com/office/drawing/2010/main" xmlns:p="http://schemas.openxmlformats.org/presentationml/2006/main" xmlns:r="http://schemas.openxmlformats.org/officeDocument/2006/relationships" xmlns:a="http://schemas.openxmlformats.org/drawingml/2006/main" xmlns="">
                 <a:solidFill>
                   <a:schemeClr val="accent1"/>
                 </a:solidFill>
               </a14:hiddenFill>
             </a:ext>
             <a:ext uri="{91240B29-F687-4F45-9708-019B960494DF}">
-              <a14:hiddenLine xmlns:a14="http://schemas.microsoft.com/office/drawing/2010/main" w="9525">
+              <a14:hiddenLine xmlns:a14="http://schemas.microsoft.com/office/drawing/2010/main" xmlns:p="http://schemas.openxmlformats.org/presentationml/2006/main" xmlns:r="http://schemas.openxmlformats.org/officeDocument/2006/relationships" xmlns:a="http://schemas.openxmlformats.org/drawingml/2006/main" xmlns="" w="9525">
                 <a:solidFill>
                   <a:schemeClr val="tx1"/>
                 </a:solidFill>
@@ -19503,7 +20090,7 @@
               </a14:hiddenLine>
             </a:ext>
             <a:ext uri="{AF507438-7753-43E0-B8FC-AC1667EBCBE1}">
-              <a14:hiddenEffects xmlns:a14="http://schemas.microsoft.com/office/drawing/2010/main">
+              <a14:hiddenEffects xmlns:a14="http://schemas.microsoft.com/office/drawing/2010/main" xmlns:p="http://schemas.openxmlformats.org/presentationml/2006/main" xmlns:r="http://schemas.openxmlformats.org/officeDocument/2006/relationships" xmlns:a="http://schemas.openxmlformats.org/drawingml/2006/main" xmlns="">
                 <a:effectLst>
                   <a:outerShdw dist="35921" dir="2700000" algn="ctr" rotWithShape="0">
                     <a:schemeClr val="bg2"/>
@@ -19683,7 +20270,7 @@
     </p:spTree>
     <p:extLst>
       <p:ext uri="{BB962C8B-B14F-4D97-AF65-F5344CB8AC3E}">
-        <p14:creationId xmlns:p14="http://schemas.microsoft.com/office/powerpoint/2010/main" val="3648708744"/>
+        <p14:creationId xmlns:p14="http://schemas.microsoft.com/office/powerpoint/2010/main" xmlns:p="http://schemas.openxmlformats.org/presentationml/2006/main" xmlns:r="http://schemas.openxmlformats.org/officeDocument/2006/relationships" xmlns:a="http://schemas.openxmlformats.org/drawingml/2006/main" xmlns="" val="3648708744"/>
       </p:ext>
     </p:extLst>
   </p:cSld>
@@ -19818,7 +20405,7 @@
 </file>
 
 <file path=ppt/slides/slide22.xml><?xml version="1.0" encoding="utf-8"?>
-<p:sld xmlns:a="http://schemas.openxmlformats.org/drawingml/2006/main" xmlns:r="http://schemas.openxmlformats.org/officeDocument/2006/relationships" xmlns:p="http://schemas.openxmlformats.org/presentationml/2006/main">
+<p:sld xmlns:a="http://schemas.openxmlformats.org/drawingml/2006/main" xmlns:r="http://schemas.openxmlformats.org/officeDocument/2006/relationships" xmlns:mc="http://schemas.openxmlformats.org/markup-compatibility/2006" xmlns:mv="urn:schemas-microsoft-com:mac:vml" xmlns:p="http://schemas.openxmlformats.org/presentationml/2006/main" mc:Ignorable="mv" mc:PreserveAttributes="mv:*">
   <p:cSld>
     <p:spTree>
       <p:nvGrpSpPr>
@@ -19915,7 +20502,7 @@
           <p:nvPr>
             <p:extLst>
               <p:ext uri="{D42A27DB-BD31-4B8C-83A1-F6EECF244321}">
-                <p14:modId xmlns:p14="http://schemas.microsoft.com/office/powerpoint/2010/main" val="3320769438"/>
+                <p14:modId xmlns:p14="http://schemas.microsoft.com/office/powerpoint/2010/main" xmlns:p="http://schemas.openxmlformats.org/presentationml/2006/main" xmlns:r="http://schemas.openxmlformats.org/officeDocument/2006/relationships" xmlns:a="http://schemas.openxmlformats.org/drawingml/2006/main" xmlns="" val="3320769438"/>
               </p:ext>
             </p:extLst>
           </p:nvPr>
@@ -20233,7 +20820,7 @@
     </p:spTree>
     <p:extLst>
       <p:ext uri="{BB962C8B-B14F-4D97-AF65-F5344CB8AC3E}">
-        <p14:creationId xmlns:p14="http://schemas.microsoft.com/office/powerpoint/2010/main" val="2257582718"/>
+        <p14:creationId xmlns:p14="http://schemas.microsoft.com/office/powerpoint/2010/main" xmlns:p="http://schemas.openxmlformats.org/presentationml/2006/main" xmlns:r="http://schemas.openxmlformats.org/officeDocument/2006/relationships" xmlns:a="http://schemas.openxmlformats.org/drawingml/2006/main" xmlns="" val="2257582718"/>
       </p:ext>
     </p:extLst>
   </p:cSld>
@@ -20251,7 +20838,7 @@
 </file>
 
 <file path=ppt/slides/slide23.xml><?xml version="1.0" encoding="utf-8"?>
-<p:sld xmlns:a="http://schemas.openxmlformats.org/drawingml/2006/main" xmlns:r="http://schemas.openxmlformats.org/officeDocument/2006/relationships" xmlns:p="http://schemas.openxmlformats.org/presentationml/2006/main">
+<p:sld xmlns:a="http://schemas.openxmlformats.org/drawingml/2006/main" xmlns:r="http://schemas.openxmlformats.org/officeDocument/2006/relationships" xmlns:mc="http://schemas.openxmlformats.org/markup-compatibility/2006" xmlns:mv="urn:schemas-microsoft-com:mac:vml" xmlns:p="http://schemas.openxmlformats.org/presentationml/2006/main" mc:Ignorable="mv" mc:PreserveAttributes="mv:*">
   <p:cSld>
     <p:spTree>
       <p:nvGrpSpPr>
@@ -20376,7 +20963,7 @@
     </p:spTree>
     <p:extLst>
       <p:ext uri="{BB962C8B-B14F-4D97-AF65-F5344CB8AC3E}">
-        <p14:creationId xmlns:p14="http://schemas.microsoft.com/office/powerpoint/2010/main" val="2688403891"/>
+        <p14:creationId xmlns:p14="http://schemas.microsoft.com/office/powerpoint/2010/main" xmlns:p="http://schemas.openxmlformats.org/presentationml/2006/main" xmlns:r="http://schemas.openxmlformats.org/officeDocument/2006/relationships" xmlns:a="http://schemas.openxmlformats.org/drawingml/2006/main" xmlns="" val="2688403891"/>
       </p:ext>
     </p:extLst>
   </p:cSld>
@@ -20394,7 +20981,7 @@
 </file>
 
 <file path=ppt/slides/slide24.xml><?xml version="1.0" encoding="utf-8"?>
-<p:sld xmlns:a="http://schemas.openxmlformats.org/drawingml/2006/main" xmlns:r="http://schemas.openxmlformats.org/officeDocument/2006/relationships" xmlns:p="http://schemas.openxmlformats.org/presentationml/2006/main">
+<p:sld xmlns:a="http://schemas.openxmlformats.org/drawingml/2006/main" xmlns:r="http://schemas.openxmlformats.org/officeDocument/2006/relationships" xmlns:mc="http://schemas.openxmlformats.org/markup-compatibility/2006" xmlns:mv="urn:schemas-microsoft-com:mac:vml" xmlns:p="http://schemas.openxmlformats.org/presentationml/2006/main" mc:Ignorable="mv" mc:PreserveAttributes="mv:*">
   <p:cSld>
     <p:spTree>
       <p:nvGrpSpPr>
@@ -20579,7 +21166,7 @@
     </p:spTree>
     <p:extLst>
       <p:ext uri="{BB962C8B-B14F-4D97-AF65-F5344CB8AC3E}">
-        <p14:creationId xmlns:p14="http://schemas.microsoft.com/office/powerpoint/2010/main" val="371115026"/>
+        <p14:creationId xmlns:p14="http://schemas.microsoft.com/office/powerpoint/2010/main" xmlns:p="http://schemas.openxmlformats.org/presentationml/2006/main" xmlns:r="http://schemas.openxmlformats.org/officeDocument/2006/relationships" xmlns:a="http://schemas.openxmlformats.org/drawingml/2006/main" xmlns="" val="371115026"/>
       </p:ext>
     </p:extLst>
   </p:cSld>
@@ -20597,7 +21184,7 @@
 </file>
 
 <file path=ppt/slides/slide25.xml><?xml version="1.0" encoding="utf-8"?>
-<p:sld xmlns:a="http://schemas.openxmlformats.org/drawingml/2006/main" xmlns:r="http://schemas.openxmlformats.org/officeDocument/2006/relationships" xmlns:p="http://schemas.openxmlformats.org/presentationml/2006/main">
+<p:sld xmlns:a="http://schemas.openxmlformats.org/drawingml/2006/main" xmlns:r="http://schemas.openxmlformats.org/officeDocument/2006/relationships" xmlns:mc="http://schemas.openxmlformats.org/markup-compatibility/2006" xmlns:mv="urn:schemas-microsoft-com:mac:vml" xmlns:p="http://schemas.openxmlformats.org/presentationml/2006/main" mc:Ignorable="mv" mc:PreserveAttributes="mv:*">
   <p:cSld>
     <p:spTree>
       <p:nvGrpSpPr>
@@ -20680,11 +21267,7 @@
           <a:p>
             <a:r>
               <a:rPr lang="en-US" dirty="0" smtClean="0"/>
-              <a:t>MIPS-E CPI: 	</a:t>
-            </a:r>
-            <a:r>
-              <a:rPr lang="en-US" dirty="0" smtClean="0"/>
-              <a:t>1.4 / .85 = 1.7</a:t>
+              <a:t>MIPS-E CPI: 	1.4 / .85 = 1.7</a:t>
             </a:r>
             <a:endParaRPr lang="en-US" dirty="0"/>
           </a:p>
@@ -20699,7 +21282,7 @@
           <p:nvPr>
             <p:extLst>
               <p:ext uri="{D42A27DB-BD31-4B8C-83A1-F6EECF244321}">
-                <p14:modId xmlns:p14="http://schemas.microsoft.com/office/powerpoint/2010/main" val="3253092642"/>
+                <p14:modId xmlns:p14="http://schemas.microsoft.com/office/powerpoint/2010/main" xmlns:p="http://schemas.openxmlformats.org/presentationml/2006/main" xmlns:r="http://schemas.openxmlformats.org/officeDocument/2006/relationships" xmlns:a="http://schemas.openxmlformats.org/drawingml/2006/main" xmlns="" val="3253092642"/>
               </p:ext>
             </p:extLst>
           </p:nvPr>
@@ -21079,7 +21662,7 @@
     </p:spTree>
     <p:extLst>
       <p:ext uri="{BB962C8B-B14F-4D97-AF65-F5344CB8AC3E}">
-        <p14:creationId xmlns:p14="http://schemas.microsoft.com/office/powerpoint/2010/main" val="3231343716"/>
+        <p14:creationId xmlns:p14="http://schemas.microsoft.com/office/powerpoint/2010/main" xmlns:p="http://schemas.openxmlformats.org/presentationml/2006/main" xmlns:r="http://schemas.openxmlformats.org/officeDocument/2006/relationships" xmlns:a="http://schemas.openxmlformats.org/drawingml/2006/main" xmlns="" val="3231343716"/>
       </p:ext>
     </p:extLst>
   </p:cSld>
@@ -21097,7 +21680,7 @@
 </file>
 
 <file path=ppt/slides/slide26.xml><?xml version="1.0" encoding="utf-8"?>
-<p:sld xmlns:a="http://schemas.openxmlformats.org/drawingml/2006/main" xmlns:r="http://schemas.openxmlformats.org/officeDocument/2006/relationships" xmlns:p="http://schemas.openxmlformats.org/presentationml/2006/main">
+<p:sld xmlns:a="http://schemas.openxmlformats.org/drawingml/2006/main" xmlns:r="http://schemas.openxmlformats.org/officeDocument/2006/relationships" xmlns:mc="http://schemas.openxmlformats.org/markup-compatibility/2006" xmlns:mv="urn:schemas-microsoft-com:mac:vml" xmlns:p="http://schemas.openxmlformats.org/presentationml/2006/main" mc:Ignorable="mv" mc:PreserveAttributes="mv:*">
   <p:cSld>
     <p:spTree>
       <p:nvGrpSpPr>
@@ -21203,7 +21786,7 @@
     </p:spTree>
     <p:extLst>
       <p:ext uri="{BB962C8B-B14F-4D97-AF65-F5344CB8AC3E}">
-        <p14:creationId xmlns:p14="http://schemas.microsoft.com/office/powerpoint/2010/main" val="433313014"/>
+        <p14:creationId xmlns:p14="http://schemas.microsoft.com/office/powerpoint/2010/main" xmlns:p="http://schemas.openxmlformats.org/presentationml/2006/main" xmlns:r="http://schemas.openxmlformats.org/officeDocument/2006/relationships" xmlns:a="http://schemas.openxmlformats.org/drawingml/2006/main" xmlns="" val="433313014"/>
       </p:ext>
     </p:extLst>
   </p:cSld>
@@ -21221,7 +21804,7 @@
 </file>
 
 <file path=ppt/slides/slide27.xml><?xml version="1.0" encoding="utf-8"?>
-<p:sld xmlns:a="http://schemas.openxmlformats.org/drawingml/2006/main" xmlns:r="http://schemas.openxmlformats.org/officeDocument/2006/relationships" xmlns:p="http://schemas.openxmlformats.org/presentationml/2006/main">
+<p:sld xmlns:a="http://schemas.openxmlformats.org/drawingml/2006/main" xmlns:r="http://schemas.openxmlformats.org/officeDocument/2006/relationships" xmlns:mc="http://schemas.openxmlformats.org/markup-compatibility/2006" xmlns:mv="urn:schemas-microsoft-com:mac:vml" xmlns:p="http://schemas.openxmlformats.org/presentationml/2006/main" mc:Ignorable="mv" mc:PreserveAttributes="mv:*">
   <p:cSld>
     <p:spTree>
       <p:nvGrpSpPr>
@@ -21443,7 +22026,7 @@
     </p:spTree>
     <p:extLst>
       <p:ext uri="{BB962C8B-B14F-4D97-AF65-F5344CB8AC3E}">
-        <p14:creationId xmlns:p14="http://schemas.microsoft.com/office/powerpoint/2010/main" val="3494608764"/>
+        <p14:creationId xmlns:p14="http://schemas.microsoft.com/office/powerpoint/2010/main" xmlns:p="http://schemas.openxmlformats.org/presentationml/2006/main" xmlns:r="http://schemas.openxmlformats.org/officeDocument/2006/relationships" xmlns:a="http://schemas.openxmlformats.org/drawingml/2006/main" xmlns="" val="3494608764"/>
       </p:ext>
     </p:extLst>
   </p:cSld>
@@ -21461,7 +22044,7 @@
 </file>
 
 <file path=ppt/slides/slide28.xml><?xml version="1.0" encoding="utf-8"?>
-<p:sld xmlns:a="http://schemas.openxmlformats.org/drawingml/2006/main" xmlns:r="http://schemas.openxmlformats.org/officeDocument/2006/relationships" xmlns:p="http://schemas.openxmlformats.org/presentationml/2006/main">
+<p:sld xmlns:a="http://schemas.openxmlformats.org/drawingml/2006/main" xmlns:r="http://schemas.openxmlformats.org/officeDocument/2006/relationships" xmlns:mc="http://schemas.openxmlformats.org/markup-compatibility/2006" xmlns:mv="urn:schemas-microsoft-com:mac:vml" xmlns:p="http://schemas.openxmlformats.org/presentationml/2006/main" mc:Ignorable="mv" mc:PreserveAttributes="mv:*">
   <p:cSld>
     <p:spTree>
       <p:nvGrpSpPr>
@@ -21767,7 +22350,7 @@
     </p:spTree>
     <p:extLst>
       <p:ext uri="{BB962C8B-B14F-4D97-AF65-F5344CB8AC3E}">
-        <p14:creationId xmlns:p14="http://schemas.microsoft.com/office/powerpoint/2010/main" val="1688905875"/>
+        <p14:creationId xmlns:p14="http://schemas.microsoft.com/office/powerpoint/2010/main" xmlns:p="http://schemas.openxmlformats.org/presentationml/2006/main" xmlns:r="http://schemas.openxmlformats.org/officeDocument/2006/relationships" xmlns:a="http://schemas.openxmlformats.org/drawingml/2006/main" xmlns="" val="1688905875"/>
       </p:ext>
     </p:extLst>
   </p:cSld>
@@ -21856,7 +22439,7 @@
 </file>
 
 <file path=ppt/slides/slide29.xml><?xml version="1.0" encoding="utf-8"?>
-<p:sld xmlns:a="http://schemas.openxmlformats.org/drawingml/2006/main" xmlns:r="http://schemas.openxmlformats.org/officeDocument/2006/relationships" xmlns:p="http://schemas.openxmlformats.org/presentationml/2006/main">
+<p:sld xmlns:a="http://schemas.openxmlformats.org/drawingml/2006/main" xmlns:r="http://schemas.openxmlformats.org/officeDocument/2006/relationships" xmlns:mc="http://schemas.openxmlformats.org/markup-compatibility/2006" xmlns:mv="urn:schemas-microsoft-com:mac:vml" xmlns:p="http://schemas.openxmlformats.org/presentationml/2006/main" mc:Ignorable="mv" mc:PreserveAttributes="mv:*">
   <p:cSld>
     <p:spTree>
       <p:nvGrpSpPr>
@@ -22218,7 +22801,7 @@
     </p:spTree>
     <p:extLst>
       <p:ext uri="{BB962C8B-B14F-4D97-AF65-F5344CB8AC3E}">
-        <p14:creationId xmlns:p14="http://schemas.microsoft.com/office/powerpoint/2010/main" val="3204800112"/>
+        <p14:creationId xmlns:p14="http://schemas.microsoft.com/office/powerpoint/2010/main" xmlns:p="http://schemas.openxmlformats.org/presentationml/2006/main" xmlns:r="http://schemas.openxmlformats.org/officeDocument/2006/relationships" xmlns:a="http://schemas.openxmlformats.org/drawingml/2006/main" xmlns="" val="3204800112"/>
       </p:ext>
     </p:extLst>
   </p:cSld>
@@ -22504,7 +23087,7 @@
 </file>
 
 <file path=ppt/slides/slide3.xml><?xml version="1.0" encoding="utf-8"?>
-<p:sld xmlns:a="http://schemas.openxmlformats.org/drawingml/2006/main" xmlns:r="http://schemas.openxmlformats.org/officeDocument/2006/relationships" xmlns:p="http://schemas.openxmlformats.org/presentationml/2006/main">
+<p:sld xmlns:a="http://schemas.openxmlformats.org/drawingml/2006/main" xmlns:r="http://schemas.openxmlformats.org/officeDocument/2006/relationships" xmlns:mc="http://schemas.openxmlformats.org/markup-compatibility/2006" xmlns:mv="urn:schemas-microsoft-com:mac:vml" xmlns:p="http://schemas.openxmlformats.org/presentationml/2006/main" mc:Ignorable="mv" mc:PreserveAttributes="mv:*">
   <p:cSld>
     <p:spTree>
       <p:nvGrpSpPr>
@@ -22575,7 +23158,7 @@
           <p:nvPr>
             <p:extLst>
               <p:ext uri="{D42A27DB-BD31-4B8C-83A1-F6EECF244321}">
-                <p14:modId xmlns:p14="http://schemas.microsoft.com/office/powerpoint/2010/main" val="1581844331"/>
+                <p14:modId xmlns:p14="http://schemas.microsoft.com/office/powerpoint/2010/main" xmlns:p="http://schemas.openxmlformats.org/presentationml/2006/main" xmlns:r="http://schemas.openxmlformats.org/officeDocument/2006/relationships" xmlns:a="http://schemas.openxmlformats.org/drawingml/2006/main" xmlns="" val="1581844331"/>
               </p:ext>
             </p:extLst>
           </p:nvPr>
@@ -22892,7 +23475,7 @@
     </p:spTree>
     <p:extLst>
       <p:ext uri="{BB962C8B-B14F-4D97-AF65-F5344CB8AC3E}">
-        <p14:creationId xmlns:p14="http://schemas.microsoft.com/office/powerpoint/2010/main" val="3952100115"/>
+        <p14:creationId xmlns:p14="http://schemas.microsoft.com/office/powerpoint/2010/main" xmlns:p="http://schemas.openxmlformats.org/presentationml/2006/main" xmlns:r="http://schemas.openxmlformats.org/officeDocument/2006/relationships" xmlns:a="http://schemas.openxmlformats.org/drawingml/2006/main" xmlns="" val="3952100115"/>
       </p:ext>
     </p:extLst>
   </p:cSld>
@@ -22903,7 +23486,7 @@
 </file>
 
 <file path=ppt/slides/slide30.xml><?xml version="1.0" encoding="utf-8"?>
-<p:sld xmlns:a="http://schemas.openxmlformats.org/drawingml/2006/main" xmlns:r="http://schemas.openxmlformats.org/officeDocument/2006/relationships" xmlns:p="http://schemas.openxmlformats.org/presentationml/2006/main">
+<p:sld xmlns:a="http://schemas.openxmlformats.org/drawingml/2006/main" xmlns:r="http://schemas.openxmlformats.org/officeDocument/2006/relationships" xmlns:mc="http://schemas.openxmlformats.org/markup-compatibility/2006" xmlns:mv="urn:schemas-microsoft-com:mac:vml" xmlns:p="http://schemas.openxmlformats.org/presentationml/2006/main" mc:Ignorable="mv" mc:PreserveAttributes="mv:*">
   <p:cSld>
     <p:spTree>
       <p:nvGrpSpPr>
@@ -23052,7 +23635,7 @@
     </p:spTree>
     <p:extLst>
       <p:ext uri="{BB962C8B-B14F-4D97-AF65-F5344CB8AC3E}">
-        <p14:creationId xmlns:p14="http://schemas.microsoft.com/office/powerpoint/2010/main" val="2459503737"/>
+        <p14:creationId xmlns:p14="http://schemas.microsoft.com/office/powerpoint/2010/main" xmlns:p="http://schemas.openxmlformats.org/presentationml/2006/main" xmlns:r="http://schemas.openxmlformats.org/officeDocument/2006/relationships" xmlns:a="http://schemas.openxmlformats.org/drawingml/2006/main" xmlns="" val="2459503737"/>
       </p:ext>
     </p:extLst>
   </p:cSld>
@@ -23070,7 +23653,7 @@
 </file>
 
 <file path=ppt/slides/slide31.xml><?xml version="1.0" encoding="utf-8"?>
-<p:sld xmlns:a="http://schemas.openxmlformats.org/drawingml/2006/main" xmlns:r="http://schemas.openxmlformats.org/officeDocument/2006/relationships" xmlns:p="http://schemas.openxmlformats.org/presentationml/2006/main">
+<p:sld xmlns:a="http://schemas.openxmlformats.org/drawingml/2006/main" xmlns:r="http://schemas.openxmlformats.org/officeDocument/2006/relationships" xmlns:mc="http://schemas.openxmlformats.org/markup-compatibility/2006" xmlns:mv="urn:schemas-microsoft-com:mac:vml" xmlns:p="http://schemas.openxmlformats.org/presentationml/2006/main" mc:Ignorable="mv" mc:PreserveAttributes="mv:*">
   <p:cSld>
     <p:spTree>
       <p:nvGrpSpPr>
@@ -23317,7 +23900,7 @@
     </p:spTree>
     <p:extLst>
       <p:ext uri="{BB962C8B-B14F-4D97-AF65-F5344CB8AC3E}">
-        <p14:creationId xmlns:p14="http://schemas.microsoft.com/office/powerpoint/2010/main" val="390441612"/>
+        <p14:creationId xmlns:p14="http://schemas.microsoft.com/office/powerpoint/2010/main" xmlns:p="http://schemas.openxmlformats.org/presentationml/2006/main" xmlns:r="http://schemas.openxmlformats.org/officeDocument/2006/relationships" xmlns:a="http://schemas.openxmlformats.org/drawingml/2006/main" xmlns="" val="390441612"/>
       </p:ext>
     </p:extLst>
   </p:cSld>
@@ -23335,7 +23918,7 @@
 </file>
 
 <file path=ppt/slides/slide32.xml><?xml version="1.0" encoding="utf-8"?>
-<p:sld xmlns:a="http://schemas.openxmlformats.org/drawingml/2006/main" xmlns:r="http://schemas.openxmlformats.org/officeDocument/2006/relationships" xmlns:p="http://schemas.openxmlformats.org/presentationml/2006/main">
+<p:sld xmlns:a="http://schemas.openxmlformats.org/drawingml/2006/main" xmlns:r="http://schemas.openxmlformats.org/officeDocument/2006/relationships" xmlns:mc="http://schemas.openxmlformats.org/markup-compatibility/2006" xmlns:mv="urn:schemas-microsoft-com:mac:vml" xmlns:p="http://schemas.openxmlformats.org/presentationml/2006/main" mc:Ignorable="mv" mc:PreserveAttributes="mv:*">
   <p:cSld>
     <p:spTree>
       <p:nvGrpSpPr>
@@ -23716,7 +24299,7 @@
     </p:spTree>
     <p:extLst>
       <p:ext uri="{BB962C8B-B14F-4D97-AF65-F5344CB8AC3E}">
-        <p14:creationId xmlns:p14="http://schemas.microsoft.com/office/powerpoint/2010/main" val="3337477478"/>
+        <p14:creationId xmlns:p14="http://schemas.microsoft.com/office/powerpoint/2010/main" xmlns:p="http://schemas.openxmlformats.org/presentationml/2006/main" xmlns:r="http://schemas.openxmlformats.org/officeDocument/2006/relationships" xmlns:a="http://schemas.openxmlformats.org/drawingml/2006/main" xmlns="" val="3337477478"/>
       </p:ext>
     </p:extLst>
   </p:cSld>
@@ -23805,7 +24388,7 @@
 </file>
 
 <file path=ppt/slides/slide33.xml><?xml version="1.0" encoding="utf-8"?>
-<p:sld xmlns:a="http://schemas.openxmlformats.org/drawingml/2006/main" xmlns:r="http://schemas.openxmlformats.org/officeDocument/2006/relationships" xmlns:p="http://schemas.openxmlformats.org/presentationml/2006/main">
+<p:sld xmlns:a="http://schemas.openxmlformats.org/drawingml/2006/main" xmlns:r="http://schemas.openxmlformats.org/officeDocument/2006/relationships" xmlns:mc="http://schemas.openxmlformats.org/markup-compatibility/2006" xmlns:mv="urn:schemas-microsoft-com:mac:vml" xmlns:p="http://schemas.openxmlformats.org/presentationml/2006/main" mc:Ignorable="mv" mc:PreserveAttributes="mv:*">
   <p:cSld>
     <p:spTree>
       <p:nvGrpSpPr>
@@ -23959,7 +24542,7 @@
           <p:nvPr>
             <p:extLst>
               <p:ext uri="{D42A27DB-BD31-4B8C-83A1-F6EECF244321}">
-                <p14:modId xmlns:p14="http://schemas.microsoft.com/office/powerpoint/2010/main" val="4051926175"/>
+                <p14:modId xmlns:p14="http://schemas.microsoft.com/office/powerpoint/2010/main" xmlns:p="http://schemas.openxmlformats.org/presentationml/2006/main" xmlns:r="http://schemas.openxmlformats.org/officeDocument/2006/relationships" xmlns:a="http://schemas.openxmlformats.org/drawingml/2006/main" xmlns="" val="4051926175"/>
               </p:ext>
             </p:extLst>
           </p:nvPr>
@@ -24773,7 +25356,7 @@
     </p:spTree>
     <p:extLst>
       <p:ext uri="{BB962C8B-B14F-4D97-AF65-F5344CB8AC3E}">
-        <p14:creationId xmlns:p14="http://schemas.microsoft.com/office/powerpoint/2010/main" val="4069203742"/>
+        <p14:creationId xmlns:p14="http://schemas.microsoft.com/office/powerpoint/2010/main" xmlns:p="http://schemas.openxmlformats.org/presentationml/2006/main" xmlns:r="http://schemas.openxmlformats.org/officeDocument/2006/relationships" xmlns:a="http://schemas.openxmlformats.org/drawingml/2006/main" xmlns="" val="4069203742"/>
       </p:ext>
     </p:extLst>
   </p:cSld>
@@ -24894,7 +25477,7 @@
 </file>
 
 <file path=ppt/slides/slide34.xml><?xml version="1.0" encoding="utf-8"?>
-<p:sld xmlns:a="http://schemas.openxmlformats.org/drawingml/2006/main" xmlns:r="http://schemas.openxmlformats.org/officeDocument/2006/relationships" xmlns:p="http://schemas.openxmlformats.org/presentationml/2006/main">
+<p:sld xmlns:a="http://schemas.openxmlformats.org/drawingml/2006/main" xmlns:r="http://schemas.openxmlformats.org/officeDocument/2006/relationships" xmlns:mc="http://schemas.openxmlformats.org/markup-compatibility/2006" xmlns:mv="urn:schemas-microsoft-com:mac:vml" xmlns:p="http://schemas.openxmlformats.org/presentationml/2006/main" mc:Ignorable="mv" mc:PreserveAttributes="mv:*">
   <p:cSld>
     <p:spTree>
       <p:nvGrpSpPr>
@@ -25094,7 +25677,7 @@
     </p:spTree>
     <p:extLst>
       <p:ext uri="{BB962C8B-B14F-4D97-AF65-F5344CB8AC3E}">
-        <p14:creationId xmlns:p14="http://schemas.microsoft.com/office/powerpoint/2010/main" val="1431856642"/>
+        <p14:creationId xmlns:p14="http://schemas.microsoft.com/office/powerpoint/2010/main" xmlns:p="http://schemas.openxmlformats.org/presentationml/2006/main" xmlns:r="http://schemas.openxmlformats.org/officeDocument/2006/relationships" xmlns:a="http://schemas.openxmlformats.org/drawingml/2006/main" xmlns="" val="1431856642"/>
       </p:ext>
     </p:extLst>
   </p:cSld>
@@ -25183,7 +25766,7 @@
 </file>
 
 <file path=ppt/slides/slide35.xml><?xml version="1.0" encoding="utf-8"?>
-<p:sld xmlns:a="http://schemas.openxmlformats.org/drawingml/2006/main" xmlns:r="http://schemas.openxmlformats.org/officeDocument/2006/relationships" xmlns:p="http://schemas.openxmlformats.org/presentationml/2006/main">
+<p:sld xmlns:a="http://schemas.openxmlformats.org/drawingml/2006/main" xmlns:r="http://schemas.openxmlformats.org/officeDocument/2006/relationships" xmlns:mc="http://schemas.openxmlformats.org/markup-compatibility/2006" xmlns:mv="urn:schemas-microsoft-com:mac:vml" xmlns:p="http://schemas.openxmlformats.org/presentationml/2006/main" mc:Ignorable="mv" mc:PreserveAttributes="mv:*">
   <p:cSld>
     <p:spTree>
       <p:nvGrpSpPr>
@@ -25315,7 +25898,7 @@
     </p:spTree>
     <p:extLst>
       <p:ext uri="{BB962C8B-B14F-4D97-AF65-F5344CB8AC3E}">
-        <p14:creationId xmlns:p14="http://schemas.microsoft.com/office/powerpoint/2010/main" val="897092311"/>
+        <p14:creationId xmlns:p14="http://schemas.microsoft.com/office/powerpoint/2010/main" xmlns:p="http://schemas.openxmlformats.org/presentationml/2006/main" xmlns:r="http://schemas.openxmlformats.org/officeDocument/2006/relationships" xmlns:a="http://schemas.openxmlformats.org/drawingml/2006/main" xmlns="" val="897092311"/>
       </p:ext>
     </p:extLst>
   </p:cSld>
@@ -25333,7 +25916,7 @@
 </file>
 
 <file path=ppt/slides/slide36.xml><?xml version="1.0" encoding="utf-8"?>
-<p:sld xmlns:a="http://schemas.openxmlformats.org/drawingml/2006/main" xmlns:r="http://schemas.openxmlformats.org/officeDocument/2006/relationships" xmlns:p="http://schemas.openxmlformats.org/presentationml/2006/main">
+<p:sld xmlns:a="http://schemas.openxmlformats.org/drawingml/2006/main" xmlns:r="http://schemas.openxmlformats.org/officeDocument/2006/relationships" xmlns:mc="http://schemas.openxmlformats.org/markup-compatibility/2006" xmlns:mv="urn:schemas-microsoft-com:mac:vml" xmlns:p="http://schemas.openxmlformats.org/presentationml/2006/main" mc:Ignorable="mv" mc:PreserveAttributes="mv:*">
   <p:cSld>
     <p:spTree>
       <p:nvGrpSpPr>
@@ -25498,7 +26081,7 @@
     </p:spTree>
     <p:extLst>
       <p:ext uri="{BB962C8B-B14F-4D97-AF65-F5344CB8AC3E}">
-        <p14:creationId xmlns:p14="http://schemas.microsoft.com/office/powerpoint/2010/main" val="2690873183"/>
+        <p14:creationId xmlns:p14="http://schemas.microsoft.com/office/powerpoint/2010/main" xmlns:p="http://schemas.openxmlformats.org/presentationml/2006/main" xmlns:r="http://schemas.openxmlformats.org/officeDocument/2006/relationships" xmlns:a="http://schemas.openxmlformats.org/drawingml/2006/main" xmlns="" val="2690873183"/>
       </p:ext>
     </p:extLst>
   </p:cSld>
@@ -25516,7 +26099,7 @@
 </file>
 
 <file path=ppt/slides/slide37.xml><?xml version="1.0" encoding="utf-8"?>
-<p:sld xmlns:a="http://schemas.openxmlformats.org/drawingml/2006/main" xmlns:r="http://schemas.openxmlformats.org/officeDocument/2006/relationships" xmlns:p="http://schemas.openxmlformats.org/presentationml/2006/main">
+<p:sld xmlns:a="http://schemas.openxmlformats.org/drawingml/2006/main" xmlns:r="http://schemas.openxmlformats.org/officeDocument/2006/relationships" xmlns:mc="http://schemas.openxmlformats.org/markup-compatibility/2006" xmlns:mv="urn:schemas-microsoft-com:mac:vml" xmlns:p="http://schemas.openxmlformats.org/presentationml/2006/main" mc:Ignorable="mv" mc:PreserveAttributes="mv:*">
   <p:cSld>
     <p:spTree>
       <p:nvGrpSpPr>
@@ -25688,7 +26271,7 @@
     </p:spTree>
     <p:extLst>
       <p:ext uri="{BB962C8B-B14F-4D97-AF65-F5344CB8AC3E}">
-        <p14:creationId xmlns:p14="http://schemas.microsoft.com/office/powerpoint/2010/main" val="609994766"/>
+        <p14:creationId xmlns:p14="http://schemas.microsoft.com/office/powerpoint/2010/main" xmlns:p="http://schemas.openxmlformats.org/presentationml/2006/main" xmlns:r="http://schemas.openxmlformats.org/officeDocument/2006/relationships" xmlns:a="http://schemas.openxmlformats.org/drawingml/2006/main" xmlns="" val="609994766"/>
       </p:ext>
     </p:extLst>
   </p:cSld>
@@ -25699,7 +26282,7 @@
 </file>
 
 <file path=ppt/slides/slide38.xml><?xml version="1.0" encoding="utf-8"?>
-<p:sld xmlns:a="http://schemas.openxmlformats.org/drawingml/2006/main" xmlns:r="http://schemas.openxmlformats.org/officeDocument/2006/relationships" xmlns:p="http://schemas.openxmlformats.org/presentationml/2006/main">
+<p:sld xmlns:a="http://schemas.openxmlformats.org/drawingml/2006/main" xmlns:r="http://schemas.openxmlformats.org/officeDocument/2006/relationships" xmlns:mc="http://schemas.openxmlformats.org/markup-compatibility/2006" xmlns:mv="urn:schemas-microsoft-com:mac:vml" xmlns:p="http://schemas.openxmlformats.org/presentationml/2006/main" mc:Ignorable="mv" mc:PreserveAttributes="mv:*">
   <p:cSld>
     <p:spTree>
       <p:nvGrpSpPr>
@@ -25779,7 +26362,7 @@
           <p:nvPr>
             <p:extLst>
               <p:ext uri="{D42A27DB-BD31-4B8C-83A1-F6EECF244321}">
-                <p14:modId xmlns:p14="http://schemas.microsoft.com/office/powerpoint/2010/main" val="1403971415"/>
+                <p14:modId xmlns:p14="http://schemas.microsoft.com/office/powerpoint/2010/main" xmlns:p="http://schemas.openxmlformats.org/presentationml/2006/main" xmlns:r="http://schemas.openxmlformats.org/officeDocument/2006/relationships" xmlns:a="http://schemas.openxmlformats.org/drawingml/2006/main" xmlns="" val="1403971415"/>
               </p:ext>
             </p:extLst>
           </p:nvPr>
@@ -26414,7 +26997,7 @@
     </p:spTree>
     <p:extLst>
       <p:ext uri="{BB962C8B-B14F-4D97-AF65-F5344CB8AC3E}">
-        <p14:creationId xmlns:p14="http://schemas.microsoft.com/office/powerpoint/2010/main" val="2587771019"/>
+        <p14:creationId xmlns:p14="http://schemas.microsoft.com/office/powerpoint/2010/main" xmlns:p="http://schemas.openxmlformats.org/presentationml/2006/main" xmlns:r="http://schemas.openxmlformats.org/officeDocument/2006/relationships" xmlns:a="http://schemas.openxmlformats.org/drawingml/2006/main" xmlns="" val="2587771019"/>
       </p:ext>
     </p:extLst>
   </p:cSld>
@@ -26425,7 +27008,7 @@
 </file>
 
 <file path=ppt/slides/slide39.xml><?xml version="1.0" encoding="utf-8"?>
-<p:sld xmlns:a="http://schemas.openxmlformats.org/drawingml/2006/main" xmlns:r="http://schemas.openxmlformats.org/officeDocument/2006/relationships" xmlns:p="http://schemas.openxmlformats.org/presentationml/2006/main">
+<p:sld xmlns:a="http://schemas.openxmlformats.org/drawingml/2006/main" xmlns:r="http://schemas.openxmlformats.org/officeDocument/2006/relationships" xmlns:mc="http://schemas.openxmlformats.org/markup-compatibility/2006" xmlns:mv="urn:schemas-microsoft-com:mac:vml" xmlns:p="http://schemas.openxmlformats.org/presentationml/2006/main" mc:Ignorable="mv" mc:PreserveAttributes="mv:*">
   <p:cSld>
     <p:spTree>
       <p:nvGrpSpPr>
@@ -26538,7 +27121,7 @@
           <p:nvPr>
             <p:extLst>
               <p:ext uri="{D42A27DB-BD31-4B8C-83A1-F6EECF244321}">
-                <p14:modId xmlns:p14="http://schemas.microsoft.com/office/powerpoint/2010/main" val="1411177053"/>
+                <p14:modId xmlns:p14="http://schemas.microsoft.com/office/powerpoint/2010/main" xmlns:p="http://schemas.openxmlformats.org/presentationml/2006/main" xmlns:r="http://schemas.openxmlformats.org/officeDocument/2006/relationships" xmlns:a="http://schemas.openxmlformats.org/drawingml/2006/main" xmlns="" val="1411177053"/>
               </p:ext>
             </p:extLst>
           </p:nvPr>
@@ -27287,7 +27870,7 @@
     </p:spTree>
     <p:extLst>
       <p:ext uri="{BB962C8B-B14F-4D97-AF65-F5344CB8AC3E}">
-        <p14:creationId xmlns:p14="http://schemas.microsoft.com/office/powerpoint/2010/main" val="568642381"/>
+        <p14:creationId xmlns:p14="http://schemas.microsoft.com/office/powerpoint/2010/main" xmlns:p="http://schemas.openxmlformats.org/presentationml/2006/main" xmlns:r="http://schemas.openxmlformats.org/officeDocument/2006/relationships" xmlns:a="http://schemas.openxmlformats.org/drawingml/2006/main" xmlns="" val="568642381"/>
       </p:ext>
     </p:extLst>
   </p:cSld>
@@ -27377,7 +27960,7 @@
 </file>
 
 <file path=ppt/slides/slide4.xml><?xml version="1.0" encoding="utf-8"?>
-<p:sld xmlns:a="http://schemas.openxmlformats.org/drawingml/2006/main" xmlns:r="http://schemas.openxmlformats.org/officeDocument/2006/relationships" xmlns:p="http://schemas.openxmlformats.org/presentationml/2006/main">
+<p:sld xmlns:a="http://schemas.openxmlformats.org/drawingml/2006/main" xmlns:r="http://schemas.openxmlformats.org/officeDocument/2006/relationships" xmlns:mc="http://schemas.openxmlformats.org/markup-compatibility/2006" xmlns:mv="urn:schemas-microsoft-com:mac:vml" xmlns:p="http://schemas.openxmlformats.org/presentationml/2006/main" mc:Ignorable="mv" mc:PreserveAttributes="mv:*">
   <p:cSld>
     <p:spTree>
       <p:nvGrpSpPr>
@@ -27483,7 +28066,7 @@
     </p:spTree>
     <p:extLst>
       <p:ext uri="{BB962C8B-B14F-4D97-AF65-F5344CB8AC3E}">
-        <p14:creationId xmlns:p14="http://schemas.microsoft.com/office/powerpoint/2010/main" val="2689631365"/>
+        <p14:creationId xmlns:p14="http://schemas.microsoft.com/office/powerpoint/2010/main" xmlns:p="http://schemas.openxmlformats.org/presentationml/2006/main" xmlns:r="http://schemas.openxmlformats.org/officeDocument/2006/relationships" xmlns:a="http://schemas.openxmlformats.org/drawingml/2006/main" xmlns="" val="2689631365"/>
       </p:ext>
     </p:extLst>
   </p:cSld>
@@ -27501,7 +28084,7 @@
 </file>
 
 <file path=ppt/slides/slide40.xml><?xml version="1.0" encoding="utf-8"?>
-<p:sld xmlns:a="http://schemas.openxmlformats.org/drawingml/2006/main" xmlns:r="http://schemas.openxmlformats.org/officeDocument/2006/relationships" xmlns:p="http://schemas.openxmlformats.org/presentationml/2006/main">
+<p:sld xmlns:a="http://schemas.openxmlformats.org/drawingml/2006/main" xmlns:r="http://schemas.openxmlformats.org/officeDocument/2006/relationships" xmlns:mc="http://schemas.openxmlformats.org/markup-compatibility/2006" xmlns:mv="urn:schemas-microsoft-com:mac:vml" xmlns:p="http://schemas.openxmlformats.org/presentationml/2006/main" mc:Ignorable="mv" mc:PreserveAttributes="mv:*">
   <p:cSld>
     <p:spTree>
       <p:nvGrpSpPr>
@@ -28366,7 +28949,7 @@
     </p:spTree>
     <p:extLst>
       <p:ext uri="{BB962C8B-B14F-4D97-AF65-F5344CB8AC3E}">
-        <p14:creationId xmlns:p14="http://schemas.microsoft.com/office/powerpoint/2010/main" val="1134216805"/>
+        <p14:creationId xmlns:p14="http://schemas.microsoft.com/office/powerpoint/2010/main" xmlns:p="http://schemas.openxmlformats.org/presentationml/2006/main" xmlns:r="http://schemas.openxmlformats.org/officeDocument/2006/relationships" xmlns:a="http://schemas.openxmlformats.org/drawingml/2006/main" xmlns="" val="1134216805"/>
       </p:ext>
     </p:extLst>
   </p:cSld>
@@ -28456,7 +29039,7 @@
 </file>
 
 <file path=ppt/slides/slide41.xml><?xml version="1.0" encoding="utf-8"?>
-<p:sld xmlns:a="http://schemas.openxmlformats.org/drawingml/2006/main" xmlns:r="http://schemas.openxmlformats.org/officeDocument/2006/relationships" xmlns:p="http://schemas.openxmlformats.org/presentationml/2006/main">
+<p:sld xmlns:a="http://schemas.openxmlformats.org/drawingml/2006/main" xmlns:r="http://schemas.openxmlformats.org/officeDocument/2006/relationships" xmlns:mc="http://schemas.openxmlformats.org/markup-compatibility/2006" xmlns:mv="urn:schemas-microsoft-com:mac:vml" xmlns:p="http://schemas.openxmlformats.org/presentationml/2006/main" mc:Ignorable="mv" mc:PreserveAttributes="mv:*">
   <p:cSld>
     <p:spTree>
       <p:nvGrpSpPr>
@@ -29323,7 +29906,7 @@
     </p:spTree>
     <p:extLst>
       <p:ext uri="{BB962C8B-B14F-4D97-AF65-F5344CB8AC3E}">
-        <p14:creationId xmlns:p14="http://schemas.microsoft.com/office/powerpoint/2010/main" val="453127864"/>
+        <p14:creationId xmlns:p14="http://schemas.microsoft.com/office/powerpoint/2010/main" xmlns:p="http://schemas.openxmlformats.org/presentationml/2006/main" xmlns:r="http://schemas.openxmlformats.org/officeDocument/2006/relationships" xmlns:a="http://schemas.openxmlformats.org/drawingml/2006/main" xmlns="" val="453127864"/>
       </p:ext>
     </p:extLst>
   </p:cSld>
@@ -29462,7 +30045,7 @@
 </file>
 
 <file path=ppt/slides/slide42.xml><?xml version="1.0" encoding="utf-8"?>
-<p:sld xmlns:a="http://schemas.openxmlformats.org/drawingml/2006/main" xmlns:r="http://schemas.openxmlformats.org/officeDocument/2006/relationships" xmlns:p="http://schemas.openxmlformats.org/presentationml/2006/main">
+<p:sld xmlns:a="http://schemas.openxmlformats.org/drawingml/2006/main" xmlns:r="http://schemas.openxmlformats.org/officeDocument/2006/relationships" xmlns:mc="http://schemas.openxmlformats.org/markup-compatibility/2006" xmlns:mv="urn:schemas-microsoft-com:mac:vml" xmlns:p="http://schemas.openxmlformats.org/presentationml/2006/main" mc:Ignorable="mv" mc:PreserveAttributes="mv:*">
   <p:cSld>
     <p:spTree>
       <p:nvGrpSpPr>
@@ -29658,7 +30241,7 @@
     </p:spTree>
     <p:extLst>
       <p:ext uri="{BB962C8B-B14F-4D97-AF65-F5344CB8AC3E}">
-        <p14:creationId xmlns:p14="http://schemas.microsoft.com/office/powerpoint/2010/main" val="1575385147"/>
+        <p14:creationId xmlns:p14="http://schemas.microsoft.com/office/powerpoint/2010/main" xmlns:p="http://schemas.openxmlformats.org/presentationml/2006/main" xmlns:r="http://schemas.openxmlformats.org/officeDocument/2006/relationships" xmlns:a="http://schemas.openxmlformats.org/drawingml/2006/main" xmlns="" val="1575385147"/>
       </p:ext>
     </p:extLst>
   </p:cSld>
@@ -29876,7 +30459,7 @@
 </file>
 
 <file path=ppt/slides/slide43.xml><?xml version="1.0" encoding="utf-8"?>
-<p:sld xmlns:a="http://schemas.openxmlformats.org/drawingml/2006/main" xmlns:r="http://schemas.openxmlformats.org/officeDocument/2006/relationships" xmlns:p="http://schemas.openxmlformats.org/presentationml/2006/main">
+<p:sld xmlns:a="http://schemas.openxmlformats.org/drawingml/2006/main" xmlns:r="http://schemas.openxmlformats.org/officeDocument/2006/relationships" xmlns:mc="http://schemas.openxmlformats.org/markup-compatibility/2006" xmlns:mv="urn:schemas-microsoft-com:mac:vml" xmlns:p="http://schemas.openxmlformats.org/presentationml/2006/main" mc:Ignorable="mv" mc:PreserveAttributes="mv:*">
   <p:cSld>
     <p:spTree>
       <p:nvGrpSpPr>
@@ -29978,7 +30561,7 @@
     </p:spTree>
     <p:extLst>
       <p:ext uri="{BB962C8B-B14F-4D97-AF65-F5344CB8AC3E}">
-        <p14:creationId xmlns:p14="http://schemas.microsoft.com/office/powerpoint/2010/main" val="2494374223"/>
+        <p14:creationId xmlns:p14="http://schemas.microsoft.com/office/powerpoint/2010/main" xmlns:p="http://schemas.openxmlformats.org/presentationml/2006/main" xmlns:r="http://schemas.openxmlformats.org/officeDocument/2006/relationships" xmlns:a="http://schemas.openxmlformats.org/drawingml/2006/main" xmlns="" val="2494374223"/>
       </p:ext>
     </p:extLst>
   </p:cSld>
@@ -29996,7 +30579,7 @@
 </file>
 
 <file path=ppt/slides/slide44.xml><?xml version="1.0" encoding="utf-8"?>
-<p:sld xmlns:a="http://schemas.openxmlformats.org/drawingml/2006/main" xmlns:r="http://schemas.openxmlformats.org/officeDocument/2006/relationships" xmlns:p="http://schemas.openxmlformats.org/presentationml/2006/main">
+<p:sld xmlns:a="http://schemas.openxmlformats.org/drawingml/2006/main" xmlns:r="http://schemas.openxmlformats.org/officeDocument/2006/relationships" xmlns:mc="http://schemas.openxmlformats.org/markup-compatibility/2006" xmlns:mv="urn:schemas-microsoft-com:mac:vml" xmlns:p="http://schemas.openxmlformats.org/presentationml/2006/main" mc:Ignorable="mv" mc:PreserveAttributes="mv:*">
   <p:cSld>
     <p:spTree>
       <p:nvGrpSpPr>
@@ -30142,7 +30725,7 @@
           <p:nvPr>
             <p:extLst>
               <p:ext uri="{D42A27DB-BD31-4B8C-83A1-F6EECF244321}">
-                <p14:modId xmlns:p14="http://schemas.microsoft.com/office/powerpoint/2010/main" val="3983593856"/>
+                <p14:modId xmlns:p14="http://schemas.microsoft.com/office/powerpoint/2010/main" xmlns:p="http://schemas.openxmlformats.org/presentationml/2006/main" xmlns:r="http://schemas.openxmlformats.org/officeDocument/2006/relationships" xmlns:a="http://schemas.openxmlformats.org/drawingml/2006/main" xmlns="" val="3983593856"/>
               </p:ext>
             </p:extLst>
           </p:nvPr>
@@ -30891,7 +31474,7 @@
     </p:spTree>
     <p:extLst>
       <p:ext uri="{BB962C8B-B14F-4D97-AF65-F5344CB8AC3E}">
-        <p14:creationId xmlns:p14="http://schemas.microsoft.com/office/powerpoint/2010/main" val="3332676540"/>
+        <p14:creationId xmlns:p14="http://schemas.microsoft.com/office/powerpoint/2010/main" xmlns:p="http://schemas.openxmlformats.org/presentationml/2006/main" xmlns:r="http://schemas.openxmlformats.org/officeDocument/2006/relationships" xmlns:a="http://schemas.openxmlformats.org/drawingml/2006/main" xmlns="" val="3332676540"/>
       </p:ext>
     </p:extLst>
   </p:cSld>
@@ -30909,7 +31492,7 @@
 </file>
 
 <file path=ppt/slides/slide45.xml><?xml version="1.0" encoding="utf-8"?>
-<p:sld xmlns:a="http://schemas.openxmlformats.org/drawingml/2006/main" xmlns:r="http://schemas.openxmlformats.org/officeDocument/2006/relationships" xmlns:p="http://schemas.openxmlformats.org/presentationml/2006/main">
+<p:sld xmlns:a="http://schemas.openxmlformats.org/drawingml/2006/main" xmlns:r="http://schemas.openxmlformats.org/officeDocument/2006/relationships" xmlns:mc="http://schemas.openxmlformats.org/markup-compatibility/2006" xmlns:mv="urn:schemas-microsoft-com:mac:vml" xmlns:p="http://schemas.openxmlformats.org/presentationml/2006/main" mc:Ignorable="mv" mc:PreserveAttributes="mv:*">
   <p:cSld>
     <p:spTree>
       <p:nvGrpSpPr>
@@ -30958,7 +31541,7 @@
           <a:blip r:embed="rId2">
             <a:extLst>
               <a:ext uri="{28A0092B-C50C-407E-A947-70E740481C1C}">
-                <a14:useLocalDpi xmlns:a14="http://schemas.microsoft.com/office/drawing/2010/main" val="0"/>
+                <a14:useLocalDpi xmlns:a14="http://schemas.microsoft.com/office/drawing/2010/main" xmlns:p="http://schemas.openxmlformats.org/presentationml/2006/main" xmlns:r="http://schemas.openxmlformats.org/officeDocument/2006/relationships" xmlns:a="http://schemas.openxmlformats.org/drawingml/2006/main" xmlns="" val="0"/>
               </a:ext>
             </a:extLst>
           </a:blip>
@@ -31100,7 +31683,7 @@
     </p:spTree>
     <p:extLst>
       <p:ext uri="{BB962C8B-B14F-4D97-AF65-F5344CB8AC3E}">
-        <p14:creationId xmlns:p14="http://schemas.microsoft.com/office/powerpoint/2010/main" val="4245737837"/>
+        <p14:creationId xmlns:p14="http://schemas.microsoft.com/office/powerpoint/2010/main" xmlns:p="http://schemas.openxmlformats.org/presentationml/2006/main" xmlns:r="http://schemas.openxmlformats.org/officeDocument/2006/relationships" xmlns:a="http://schemas.openxmlformats.org/drawingml/2006/main" xmlns="" val="4245737837"/>
       </p:ext>
     </p:extLst>
   </p:cSld>
@@ -31118,7 +31701,7 @@
 </file>
 
 <file path=ppt/slides/slide46.xml><?xml version="1.0" encoding="utf-8"?>
-<p:sld xmlns:a="http://schemas.openxmlformats.org/drawingml/2006/main" xmlns:r="http://schemas.openxmlformats.org/officeDocument/2006/relationships" xmlns:p="http://schemas.openxmlformats.org/presentationml/2006/main">
+<p:sld xmlns:a="http://schemas.openxmlformats.org/drawingml/2006/main" xmlns:r="http://schemas.openxmlformats.org/officeDocument/2006/relationships" xmlns:mc="http://schemas.openxmlformats.org/markup-compatibility/2006" xmlns:mv="urn:schemas-microsoft-com:mac:vml" xmlns:p="http://schemas.openxmlformats.org/presentationml/2006/main" mc:Ignorable="mv" mc:PreserveAttributes="mv:*">
   <p:cSld>
     <p:spTree>
       <p:nvGrpSpPr>
@@ -31274,7 +31857,7 @@
     </p:spTree>
     <p:extLst>
       <p:ext uri="{BB962C8B-B14F-4D97-AF65-F5344CB8AC3E}">
-        <p14:creationId xmlns:p14="http://schemas.microsoft.com/office/powerpoint/2010/main" val="1654193641"/>
+        <p14:creationId xmlns:p14="http://schemas.microsoft.com/office/powerpoint/2010/main" xmlns:p="http://schemas.openxmlformats.org/presentationml/2006/main" xmlns:r="http://schemas.openxmlformats.org/officeDocument/2006/relationships" xmlns:a="http://schemas.openxmlformats.org/drawingml/2006/main" xmlns="" val="1654193641"/>
       </p:ext>
     </p:extLst>
   </p:cSld>
@@ -31363,7 +31946,7 @@
 </file>
 
 <file path=ppt/slides/slide47.xml><?xml version="1.0" encoding="utf-8"?>
-<p:sld xmlns:a="http://schemas.openxmlformats.org/drawingml/2006/main" xmlns:r="http://schemas.openxmlformats.org/officeDocument/2006/relationships" xmlns:p="http://schemas.openxmlformats.org/presentationml/2006/main">
+<p:sld xmlns:a="http://schemas.openxmlformats.org/drawingml/2006/main" xmlns:r="http://schemas.openxmlformats.org/officeDocument/2006/relationships" xmlns:mc="http://schemas.openxmlformats.org/markup-compatibility/2006" xmlns:mv="urn:schemas-microsoft-com:mac:vml" xmlns:p="http://schemas.openxmlformats.org/presentationml/2006/main" mc:Ignorable="mv" mc:PreserveAttributes="mv:*">
   <p:cSld>
     <p:spTree>
       <p:nvGrpSpPr>
@@ -31462,7 +32045,7 @@
     </p:spTree>
     <p:extLst>
       <p:ext uri="{BB962C8B-B14F-4D97-AF65-F5344CB8AC3E}">
-        <p14:creationId xmlns:p14="http://schemas.microsoft.com/office/powerpoint/2010/main" val="200008888"/>
+        <p14:creationId xmlns:p14="http://schemas.microsoft.com/office/powerpoint/2010/main" xmlns:p="http://schemas.openxmlformats.org/presentationml/2006/main" xmlns:r="http://schemas.openxmlformats.org/officeDocument/2006/relationships" xmlns:a="http://schemas.openxmlformats.org/drawingml/2006/main" xmlns="" val="200008888"/>
       </p:ext>
     </p:extLst>
   </p:cSld>
@@ -31583,7 +32166,7 @@
 </file>
 
 <file path=ppt/slides/slide48.xml><?xml version="1.0" encoding="utf-8"?>
-<p:sld xmlns:a="http://schemas.openxmlformats.org/drawingml/2006/main" xmlns:r="http://schemas.openxmlformats.org/officeDocument/2006/relationships" xmlns:p="http://schemas.openxmlformats.org/presentationml/2006/main">
+<p:sld xmlns:a="http://schemas.openxmlformats.org/drawingml/2006/main" xmlns:r="http://schemas.openxmlformats.org/officeDocument/2006/relationships" xmlns:mc="http://schemas.openxmlformats.org/markup-compatibility/2006" xmlns:mv="urn:schemas-microsoft-com:mac:vml" xmlns:p="http://schemas.openxmlformats.org/presentationml/2006/main" mc:Ignorable="mv" mc:PreserveAttributes="mv:*">
   <p:cSld>
     <p:spTree>
       <p:nvGrpSpPr>
@@ -31728,7 +32311,7 @@
     </p:spTree>
     <p:extLst>
       <p:ext uri="{BB962C8B-B14F-4D97-AF65-F5344CB8AC3E}">
-        <p14:creationId xmlns:p14="http://schemas.microsoft.com/office/powerpoint/2010/main" val="3674790032"/>
+        <p14:creationId xmlns:p14="http://schemas.microsoft.com/office/powerpoint/2010/main" xmlns:p="http://schemas.openxmlformats.org/presentationml/2006/main" xmlns:r="http://schemas.openxmlformats.org/officeDocument/2006/relationships" xmlns:a="http://schemas.openxmlformats.org/drawingml/2006/main" xmlns="" val="3674790032"/>
       </p:ext>
     </p:extLst>
   </p:cSld>
@@ -31747,7 +32330,7 @@
 </file>
 
 <file path=ppt/slides/slide49.xml><?xml version="1.0" encoding="utf-8"?>
-<p:sld xmlns:a="http://schemas.openxmlformats.org/drawingml/2006/main" xmlns:r="http://schemas.openxmlformats.org/officeDocument/2006/relationships" xmlns:p="http://schemas.openxmlformats.org/presentationml/2006/main">
+<p:sld xmlns:a="http://schemas.openxmlformats.org/drawingml/2006/main" xmlns:r="http://schemas.openxmlformats.org/officeDocument/2006/relationships" xmlns:mc="http://schemas.openxmlformats.org/markup-compatibility/2006" xmlns:mv="urn:schemas-microsoft-com:mac:vml" xmlns:p="http://schemas.openxmlformats.org/presentationml/2006/main" mc:Ignorable="mv" mc:PreserveAttributes="mv:*">
   <p:cSld>
     <p:spTree>
       <p:nvGrpSpPr>
@@ -31882,7 +32465,7 @@
     </p:spTree>
     <p:extLst>
       <p:ext uri="{BB962C8B-B14F-4D97-AF65-F5344CB8AC3E}">
-        <p14:creationId xmlns:p14="http://schemas.microsoft.com/office/powerpoint/2010/main" val="1971239874"/>
+        <p14:creationId xmlns:p14="http://schemas.microsoft.com/office/powerpoint/2010/main" xmlns:p="http://schemas.openxmlformats.org/presentationml/2006/main" xmlns:r="http://schemas.openxmlformats.org/officeDocument/2006/relationships" xmlns:a="http://schemas.openxmlformats.org/drawingml/2006/main" xmlns="" val="1971239874"/>
       </p:ext>
     </p:extLst>
   </p:cSld>
@@ -31900,7 +32483,7 @@
 </file>
 
 <file path=ppt/slides/slide5.xml><?xml version="1.0" encoding="utf-8"?>
-<p:sld xmlns:a="http://schemas.openxmlformats.org/drawingml/2006/main" xmlns:r="http://schemas.openxmlformats.org/officeDocument/2006/relationships" xmlns:p="http://schemas.openxmlformats.org/presentationml/2006/main">
+<p:sld xmlns:a="http://schemas.openxmlformats.org/drawingml/2006/main" xmlns:r="http://schemas.openxmlformats.org/officeDocument/2006/relationships" xmlns:mc="http://schemas.openxmlformats.org/markup-compatibility/2006" xmlns:mv="urn:schemas-microsoft-com:mac:vml" xmlns:p="http://schemas.openxmlformats.org/presentationml/2006/main" mc:Ignorable="mv" mc:PreserveAttributes="mv:*">
   <p:cSld>
     <p:spTree>
       <p:nvGrpSpPr>
@@ -32168,7 +32751,7 @@
     </p:spTree>
     <p:extLst>
       <p:ext uri="{BB962C8B-B14F-4D97-AF65-F5344CB8AC3E}">
-        <p14:creationId xmlns:p14="http://schemas.microsoft.com/office/powerpoint/2010/main" val="3636705324"/>
+        <p14:creationId xmlns:p14="http://schemas.microsoft.com/office/powerpoint/2010/main" xmlns:p="http://schemas.openxmlformats.org/presentationml/2006/main" xmlns:r="http://schemas.openxmlformats.org/officeDocument/2006/relationships" xmlns:a="http://schemas.openxmlformats.org/drawingml/2006/main" xmlns="" val="3636705324"/>
       </p:ext>
     </p:extLst>
   </p:cSld>
@@ -32186,7 +32769,7 @@
 </file>
 
 <file path=ppt/slides/slide50.xml><?xml version="1.0" encoding="utf-8"?>
-<p:sld xmlns:a="http://schemas.openxmlformats.org/drawingml/2006/main" xmlns:r="http://schemas.openxmlformats.org/officeDocument/2006/relationships" xmlns:p="http://schemas.openxmlformats.org/presentationml/2006/main">
+<p:sld xmlns:a="http://schemas.openxmlformats.org/drawingml/2006/main" xmlns:r="http://schemas.openxmlformats.org/officeDocument/2006/relationships" xmlns:mc="http://schemas.openxmlformats.org/markup-compatibility/2006" xmlns:mv="urn:schemas-microsoft-com:mac:vml" xmlns:p="http://schemas.openxmlformats.org/presentationml/2006/main" mc:Ignorable="mv" mc:PreserveAttributes="mv:*">
   <p:cSld>
     <p:spTree>
       <p:nvGrpSpPr>
@@ -32316,7 +32899,7 @@
     </p:spTree>
     <p:extLst>
       <p:ext uri="{BB962C8B-B14F-4D97-AF65-F5344CB8AC3E}">
-        <p14:creationId xmlns:p14="http://schemas.microsoft.com/office/powerpoint/2010/main" val="1380821430"/>
+        <p14:creationId xmlns:p14="http://schemas.microsoft.com/office/powerpoint/2010/main" xmlns:p="http://schemas.openxmlformats.org/presentationml/2006/main" xmlns:r="http://schemas.openxmlformats.org/officeDocument/2006/relationships" xmlns:a="http://schemas.openxmlformats.org/drawingml/2006/main" xmlns="" val="1380821430"/>
       </p:ext>
     </p:extLst>
   </p:cSld>
@@ -32334,7 +32917,7 @@
 </file>
 
 <file path=ppt/slides/slide51.xml><?xml version="1.0" encoding="utf-8"?>
-<p:sld xmlns:a="http://schemas.openxmlformats.org/drawingml/2006/main" xmlns:r="http://schemas.openxmlformats.org/officeDocument/2006/relationships" xmlns:p="http://schemas.openxmlformats.org/presentationml/2006/main">
+<p:sld xmlns:a="http://schemas.openxmlformats.org/drawingml/2006/main" xmlns:r="http://schemas.openxmlformats.org/officeDocument/2006/relationships" xmlns:mc="http://schemas.openxmlformats.org/markup-compatibility/2006" xmlns:mv="urn:schemas-microsoft-com:mac:vml" xmlns:p="http://schemas.openxmlformats.org/presentationml/2006/main" mc:Ignorable="mv" mc:PreserveAttributes="mv:*">
   <p:cSld>
     <p:spTree>
       <p:nvGrpSpPr>
@@ -32431,7 +33014,7 @@
           <p:nvPr>
             <p:extLst>
               <p:ext uri="{D42A27DB-BD31-4B8C-83A1-F6EECF244321}">
-                <p14:modId xmlns:p14="http://schemas.microsoft.com/office/powerpoint/2010/main" val="355305301"/>
+                <p14:modId xmlns:p14="http://schemas.microsoft.com/office/powerpoint/2010/main" xmlns:p="http://schemas.openxmlformats.org/presentationml/2006/main" xmlns:r="http://schemas.openxmlformats.org/officeDocument/2006/relationships" xmlns:a="http://schemas.openxmlformats.org/drawingml/2006/main" xmlns="" val="355305301"/>
               </p:ext>
             </p:extLst>
           </p:nvPr>
@@ -32442,67 +33025,16 @@
         </p:xfrm>
         <a:graphic>
           <a:graphicData uri="http://schemas.openxmlformats.org/presentationml/2006/ole">
-            <mc:AlternateContent xmlns:mc="http://schemas.openxmlformats.org/markup-compatibility/2006">
-              <mc:Choice xmlns:v="urn:schemas-microsoft-com:vml" Requires="v">
-                <p:oleObj spid="_x0000_s14342" name="Equation" r:id="rId3" imgW="1714500" imgH="482600" progId="Equation.3">
-                  <p:embed/>
-                </p:oleObj>
-              </mc:Choice>
-              <mc:Fallback>
-                <p:oleObj name="Equation" r:id="rId3" imgW="1714500" imgH="482600" progId="Equation.3">
-                  <p:embed/>
-                  <p:pic>
-                    <p:nvPicPr>
-                      <p:cNvPr id="0" name=""/>
-                      <p:cNvPicPr>
-                        <a:picLocks noChangeAspect="1" noChangeArrowheads="1"/>
-                      </p:cNvPicPr>
-                      <p:nvPr/>
-                    </p:nvPicPr>
-                    <p:blipFill>
-                      <a:blip r:embed="rId4">
-                        <a:extLst>
-                          <a:ext uri="{28A0092B-C50C-407E-A947-70E740481C1C}">
-                            <a14:useLocalDpi xmlns:a14="http://schemas.microsoft.com/office/drawing/2010/main" val="0"/>
-                          </a:ext>
-                        </a:extLst>
-                      </a:blip>
-                      <a:srcRect/>
-                      <a:stretch>
-                        <a:fillRect/>
-                      </a:stretch>
-                    </p:blipFill>
-                    <p:spPr bwMode="auto">
-                      <a:xfrm>
-                        <a:off x="2590800" y="2976563"/>
-                        <a:ext cx="3771900" cy="1062037"/>
-                      </a:xfrm>
-                      <a:prstGeom prst="rect">
-                        <a:avLst/>
-                      </a:prstGeom>
-                      <a:solidFill>
-                        <a:schemeClr val="accent3">
-                          <a:lumMod val="40000"/>
-                          <a:lumOff val="60000"/>
-                        </a:schemeClr>
-                      </a:solidFill>
-                      <a:ln>
-                        <a:noFill/>
-                      </a:ln>
-                      <a:effectLst/>
-                      <a:extLst/>
-                    </p:spPr>
-                  </p:pic>
-                </p:oleObj>
-              </mc:Fallback>
-            </mc:AlternateContent>
+            <p:oleObj spid="_x0000_s14342" name="Equation" r:id="rId4" imgW="1714500" imgH="482600" progId="Equation.3">
+              <p:embed/>
+            </p:oleObj>
           </a:graphicData>
         </a:graphic>
       </p:graphicFrame>
     </p:spTree>
     <p:extLst>
       <p:ext uri="{BB962C8B-B14F-4D97-AF65-F5344CB8AC3E}">
-        <p14:creationId xmlns:p14="http://schemas.microsoft.com/office/powerpoint/2010/main" val="3656702784"/>
+        <p14:creationId xmlns:p14="http://schemas.microsoft.com/office/powerpoint/2010/main" xmlns:p="http://schemas.openxmlformats.org/presentationml/2006/main" xmlns:r="http://schemas.openxmlformats.org/officeDocument/2006/relationships" xmlns:a="http://schemas.openxmlformats.org/drawingml/2006/main" xmlns="" val="3656702784"/>
       </p:ext>
     </p:extLst>
   </p:cSld>
@@ -32520,7 +33052,7 @@
 </file>
 
 <file path=ppt/slides/slide52.xml><?xml version="1.0" encoding="utf-8"?>
-<p:sld xmlns:a="http://schemas.openxmlformats.org/drawingml/2006/main" xmlns:r="http://schemas.openxmlformats.org/officeDocument/2006/relationships" xmlns:p="http://schemas.openxmlformats.org/presentationml/2006/main">
+<p:sld xmlns:a="http://schemas.openxmlformats.org/drawingml/2006/main" xmlns:r="http://schemas.openxmlformats.org/officeDocument/2006/relationships" xmlns:mc="http://schemas.openxmlformats.org/markup-compatibility/2006" xmlns:mv="urn:schemas-microsoft-com:mac:vml" xmlns:p="http://schemas.openxmlformats.org/presentationml/2006/main" mc:Ignorable="mv" mc:PreserveAttributes="mv:*">
   <p:cSld>
     <p:spTree>
       <p:nvGrpSpPr>
@@ -32626,7 +33158,7 @@
     </p:spTree>
     <p:extLst>
       <p:ext uri="{BB962C8B-B14F-4D97-AF65-F5344CB8AC3E}">
-        <p14:creationId xmlns:p14="http://schemas.microsoft.com/office/powerpoint/2010/main" val="3148509946"/>
+        <p14:creationId xmlns:p14="http://schemas.microsoft.com/office/powerpoint/2010/main" xmlns:p="http://schemas.openxmlformats.org/presentationml/2006/main" xmlns:r="http://schemas.openxmlformats.org/officeDocument/2006/relationships" xmlns:a="http://schemas.openxmlformats.org/drawingml/2006/main" xmlns="" val="3148509946"/>
       </p:ext>
     </p:extLst>
   </p:cSld>
@@ -32644,7 +33176,7 @@
 </file>
 
 <file path=ppt/slides/slide53.xml><?xml version="1.0" encoding="utf-8"?>
-<p:sld xmlns:a="http://schemas.openxmlformats.org/drawingml/2006/main" xmlns:r="http://schemas.openxmlformats.org/officeDocument/2006/relationships" xmlns:p="http://schemas.openxmlformats.org/presentationml/2006/main">
+<p:sld xmlns:a="http://schemas.openxmlformats.org/drawingml/2006/main" xmlns:r="http://schemas.openxmlformats.org/officeDocument/2006/relationships" xmlns:mc="http://schemas.openxmlformats.org/markup-compatibility/2006" xmlns:mv="urn:schemas-microsoft-com:mac:vml" xmlns:p="http://schemas.openxmlformats.org/presentationml/2006/main" mc:Ignorable="mv" mc:PreserveAttributes="mv:*">
   <p:cSld>
     <p:spTree>
       <p:nvGrpSpPr>
@@ -32719,7 +33251,7 @@
     </p:spTree>
     <p:extLst>
       <p:ext uri="{BB962C8B-B14F-4D97-AF65-F5344CB8AC3E}">
-        <p14:creationId xmlns:p14="http://schemas.microsoft.com/office/powerpoint/2010/main" val="2001921540"/>
+        <p14:creationId xmlns:p14="http://schemas.microsoft.com/office/powerpoint/2010/main" xmlns:p="http://schemas.openxmlformats.org/presentationml/2006/main" xmlns:r="http://schemas.openxmlformats.org/officeDocument/2006/relationships" xmlns:a="http://schemas.openxmlformats.org/drawingml/2006/main" xmlns="" val="2001921540"/>
       </p:ext>
     </p:extLst>
   </p:cSld>
@@ -32809,7 +33341,7 @@
 </file>
 
 <file path=ppt/slides/slide54.xml><?xml version="1.0" encoding="utf-8"?>
-<p:sld xmlns:a="http://schemas.openxmlformats.org/drawingml/2006/main" xmlns:r="http://schemas.openxmlformats.org/officeDocument/2006/relationships" xmlns:p="http://schemas.openxmlformats.org/presentationml/2006/main">
+<p:sld xmlns:a="http://schemas.openxmlformats.org/drawingml/2006/main" xmlns:r="http://schemas.openxmlformats.org/officeDocument/2006/relationships" xmlns:mc="http://schemas.openxmlformats.org/markup-compatibility/2006" xmlns:mv="urn:schemas-microsoft-com:mac:vml" xmlns:p="http://schemas.openxmlformats.org/presentationml/2006/main" mc:Ignorable="mv" mc:PreserveAttributes="mv:*">
   <p:cSld>
     <p:spTree>
       <p:nvGrpSpPr>
@@ -32884,7 +33416,7 @@
           <p:nvPr>
             <p:extLst>
               <p:ext uri="{D42A27DB-BD31-4B8C-83A1-F6EECF244321}">
-                <p14:modId xmlns:p14="http://schemas.microsoft.com/office/powerpoint/2010/main" val="454384001"/>
+                <p14:modId xmlns:p14="http://schemas.microsoft.com/office/powerpoint/2010/main" xmlns:p="http://schemas.openxmlformats.org/presentationml/2006/main" xmlns:r="http://schemas.openxmlformats.org/officeDocument/2006/relationships" xmlns:a="http://schemas.openxmlformats.org/drawingml/2006/main" xmlns="" val="454384001"/>
               </p:ext>
             </p:extLst>
           </p:nvPr>
@@ -32895,67 +33427,16 @@
         </p:xfrm>
         <a:graphic>
           <a:graphicData uri="http://schemas.openxmlformats.org/presentationml/2006/ole">
-            <mc:AlternateContent xmlns:mc="http://schemas.openxmlformats.org/markup-compatibility/2006">
-              <mc:Choice xmlns:v="urn:schemas-microsoft-com:vml" Requires="v">
-                <p:oleObj spid="_x0000_s15366" name="Equation" r:id="rId4" imgW="2641600" imgH="419100" progId="Equation.3">
-                  <p:embed/>
-                </p:oleObj>
-              </mc:Choice>
-              <mc:Fallback>
-                <p:oleObj name="Equation" r:id="rId4" imgW="2641600" imgH="419100" progId="Equation.3">
-                  <p:embed/>
-                  <p:pic>
-                    <p:nvPicPr>
-                      <p:cNvPr id="0" name=""/>
-                      <p:cNvPicPr>
-                        <a:picLocks noChangeAspect="1" noChangeArrowheads="1"/>
-                      </p:cNvPicPr>
-                      <p:nvPr/>
-                    </p:nvPicPr>
-                    <p:blipFill>
-                      <a:blip r:embed="rId5">
-                        <a:extLst>
-                          <a:ext uri="{28A0092B-C50C-407E-A947-70E740481C1C}">
-                            <a14:useLocalDpi xmlns:a14="http://schemas.microsoft.com/office/drawing/2010/main" val="0"/>
-                          </a:ext>
-                        </a:extLst>
-                      </a:blip>
-                      <a:srcRect/>
-                      <a:stretch>
-                        <a:fillRect/>
-                      </a:stretch>
-                    </p:blipFill>
-                    <p:spPr bwMode="auto">
-                      <a:xfrm>
-                        <a:off x="1676400" y="3505200"/>
-                        <a:ext cx="5287962" cy="839788"/>
-                      </a:xfrm>
-                      <a:prstGeom prst="rect">
-                        <a:avLst/>
-                      </a:prstGeom>
-                      <a:solidFill>
-                        <a:schemeClr val="accent3">
-                          <a:lumMod val="40000"/>
-                          <a:lumOff val="60000"/>
-                        </a:schemeClr>
-                      </a:solidFill>
-                      <a:ln>
-                        <a:noFill/>
-                      </a:ln>
-                      <a:effectLst/>
-                      <a:extLst/>
-                    </p:spPr>
-                  </p:pic>
-                </p:oleObj>
-              </mc:Fallback>
-            </mc:AlternateContent>
+            <p:oleObj spid="_x0000_s15366" name="Equation" r:id="rId4" imgW="2641600" imgH="419100" progId="Equation.3">
+              <p:embed/>
+            </p:oleObj>
           </a:graphicData>
         </a:graphic>
       </p:graphicFrame>
     </p:spTree>
     <p:extLst>
       <p:ext uri="{BB962C8B-B14F-4D97-AF65-F5344CB8AC3E}">
-        <p14:creationId xmlns:p14="http://schemas.microsoft.com/office/powerpoint/2010/main" val="1965397970"/>
+        <p14:creationId xmlns:p14="http://schemas.microsoft.com/office/powerpoint/2010/main" xmlns:p="http://schemas.openxmlformats.org/presentationml/2006/main" xmlns:r="http://schemas.openxmlformats.org/officeDocument/2006/relationships" xmlns:a="http://schemas.openxmlformats.org/drawingml/2006/main" xmlns="" val="1965397970"/>
       </p:ext>
     </p:extLst>
   </p:cSld>
@@ -32973,7 +33454,7 @@
 </file>
 
 <file path=ppt/slides/slide55.xml><?xml version="1.0" encoding="utf-8"?>
-<p:sld xmlns:a="http://schemas.openxmlformats.org/drawingml/2006/main" xmlns:r="http://schemas.openxmlformats.org/officeDocument/2006/relationships" xmlns:p="http://schemas.openxmlformats.org/presentationml/2006/main">
+<p:sld xmlns:a="http://schemas.openxmlformats.org/drawingml/2006/main" xmlns:r="http://schemas.openxmlformats.org/officeDocument/2006/relationships" xmlns:mc="http://schemas.openxmlformats.org/markup-compatibility/2006" xmlns:mv="urn:schemas-microsoft-com:mac:vml" xmlns:p="http://schemas.openxmlformats.org/presentationml/2006/main" mc:Ignorable="mv" mc:PreserveAttributes="mv:*">
   <p:cSld>
     <p:spTree>
       <p:nvGrpSpPr>
@@ -33337,7 +33818,7 @@
     </p:spTree>
     <p:extLst>
       <p:ext uri="{BB962C8B-B14F-4D97-AF65-F5344CB8AC3E}">
-        <p14:creationId xmlns:p14="http://schemas.microsoft.com/office/powerpoint/2010/main" val="3860556680"/>
+        <p14:creationId xmlns:p14="http://schemas.microsoft.com/office/powerpoint/2010/main" xmlns:p="http://schemas.openxmlformats.org/presentationml/2006/main" xmlns:r="http://schemas.openxmlformats.org/officeDocument/2006/relationships" xmlns:a="http://schemas.openxmlformats.org/drawingml/2006/main" xmlns="" val="3860556680"/>
       </p:ext>
     </p:extLst>
   </p:cSld>
@@ -33564,7 +34045,7 @@
 </file>
 
 <file path=ppt/slides/slide56.xml><?xml version="1.0" encoding="utf-8"?>
-<p:sld xmlns:a="http://schemas.openxmlformats.org/drawingml/2006/main" xmlns:r="http://schemas.openxmlformats.org/officeDocument/2006/relationships" xmlns:p="http://schemas.openxmlformats.org/presentationml/2006/main">
+<p:sld xmlns:a="http://schemas.openxmlformats.org/drawingml/2006/main" xmlns:r="http://schemas.openxmlformats.org/officeDocument/2006/relationships" xmlns:mc="http://schemas.openxmlformats.org/markup-compatibility/2006" xmlns:mv="urn:schemas-microsoft-com:mac:vml" xmlns:p="http://schemas.openxmlformats.org/presentationml/2006/main" mc:Ignorable="mv" mc:PreserveAttributes="mv:*">
   <p:cSld>
     <p:spTree>
       <p:nvGrpSpPr>
@@ -33645,7 +34126,7 @@
     </p:spTree>
     <p:extLst>
       <p:ext uri="{BB962C8B-B14F-4D97-AF65-F5344CB8AC3E}">
-        <p14:creationId xmlns:p14="http://schemas.microsoft.com/office/powerpoint/2010/main" val="3825221547"/>
+        <p14:creationId xmlns:p14="http://schemas.microsoft.com/office/powerpoint/2010/main" xmlns:p="http://schemas.openxmlformats.org/presentationml/2006/main" xmlns:r="http://schemas.openxmlformats.org/officeDocument/2006/relationships" xmlns:a="http://schemas.openxmlformats.org/drawingml/2006/main" xmlns="" val="3825221547"/>
       </p:ext>
     </p:extLst>
   </p:cSld>
@@ -33663,7 +34144,7 @@
 </file>
 
 <file path=ppt/slides/slide57.xml><?xml version="1.0" encoding="utf-8"?>
-<p:sld xmlns:a="http://schemas.openxmlformats.org/drawingml/2006/main" xmlns:r="http://schemas.openxmlformats.org/officeDocument/2006/relationships" xmlns:p="http://schemas.openxmlformats.org/presentationml/2006/main">
+<p:sld xmlns:a="http://schemas.openxmlformats.org/drawingml/2006/main" xmlns:r="http://schemas.openxmlformats.org/officeDocument/2006/relationships" xmlns:mc="http://schemas.openxmlformats.org/markup-compatibility/2006" xmlns:mv="urn:schemas-microsoft-com:mac:vml" xmlns:p="http://schemas.openxmlformats.org/presentationml/2006/main" mc:Ignorable="mv" mc:PreserveAttributes="mv:*">
   <p:cSld>
     <p:spTree>
       <p:nvGrpSpPr>
@@ -33767,7 +34248,7 @@
     </p:spTree>
     <p:extLst>
       <p:ext uri="{BB962C8B-B14F-4D97-AF65-F5344CB8AC3E}">
-        <p14:creationId xmlns:p14="http://schemas.microsoft.com/office/powerpoint/2010/main" val="2133111923"/>
+        <p14:creationId xmlns:p14="http://schemas.microsoft.com/office/powerpoint/2010/main" xmlns:p="http://schemas.openxmlformats.org/presentationml/2006/main" xmlns:r="http://schemas.openxmlformats.org/officeDocument/2006/relationships" xmlns:a="http://schemas.openxmlformats.org/drawingml/2006/main" xmlns="" val="2133111923"/>
       </p:ext>
     </p:extLst>
   </p:cSld>
@@ -33785,7 +34266,7 @@
 </file>
 
 <file path=ppt/slides/slide58.xml><?xml version="1.0" encoding="utf-8"?>
-<p:sld xmlns:a="http://schemas.openxmlformats.org/drawingml/2006/main" xmlns:r="http://schemas.openxmlformats.org/officeDocument/2006/relationships" xmlns:p="http://schemas.openxmlformats.org/presentationml/2006/main">
+<p:sld xmlns:a="http://schemas.openxmlformats.org/drawingml/2006/main" xmlns:r="http://schemas.openxmlformats.org/officeDocument/2006/relationships" xmlns:mc="http://schemas.openxmlformats.org/markup-compatibility/2006" xmlns:mv="urn:schemas-microsoft-com:mac:vml" xmlns:p="http://schemas.openxmlformats.org/presentationml/2006/main" mc:Ignorable="mv" mc:PreserveAttributes="mv:*">
   <p:cSld>
     <p:spTree>
       <p:nvGrpSpPr>
@@ -33857,7 +34338,7 @@
     </p:spTree>
     <p:extLst>
       <p:ext uri="{BB962C8B-B14F-4D97-AF65-F5344CB8AC3E}">
-        <p14:creationId xmlns:p14="http://schemas.microsoft.com/office/powerpoint/2010/main" val="1735607837"/>
+        <p14:creationId xmlns:p14="http://schemas.microsoft.com/office/powerpoint/2010/main" xmlns:p="http://schemas.openxmlformats.org/presentationml/2006/main" xmlns:r="http://schemas.openxmlformats.org/officeDocument/2006/relationships" xmlns:a="http://schemas.openxmlformats.org/drawingml/2006/main" xmlns="" val="1735607837"/>
       </p:ext>
     </p:extLst>
   </p:cSld>
@@ -33875,7 +34356,7 @@
 </file>
 
 <file path=ppt/slides/slide59.xml><?xml version="1.0" encoding="utf-8"?>
-<p:sld xmlns:a="http://schemas.openxmlformats.org/drawingml/2006/main" xmlns:r="http://schemas.openxmlformats.org/officeDocument/2006/relationships" xmlns:p="http://schemas.openxmlformats.org/presentationml/2006/main">
+<p:sld xmlns:a="http://schemas.openxmlformats.org/drawingml/2006/main" xmlns:r="http://schemas.openxmlformats.org/officeDocument/2006/relationships" xmlns:mc="http://schemas.openxmlformats.org/markup-compatibility/2006" xmlns:mv="urn:schemas-microsoft-com:mac:vml" xmlns:p="http://schemas.openxmlformats.org/presentationml/2006/main" mc:Ignorable="mv" mc:PreserveAttributes="mv:*">
   <p:cSld>
     <p:spTree>
       <p:nvGrpSpPr>
@@ -33923,7 +34404,7 @@
           <p:nvPr>
             <p:extLst>
               <p:ext uri="{D42A27DB-BD31-4B8C-83A1-F6EECF244321}">
-                <p14:modId xmlns:p14="http://schemas.microsoft.com/office/powerpoint/2010/main" val="2325765445"/>
+                <p14:modId xmlns:p14="http://schemas.microsoft.com/office/powerpoint/2010/main" xmlns:p="http://schemas.openxmlformats.org/presentationml/2006/main" xmlns:r="http://schemas.openxmlformats.org/officeDocument/2006/relationships" xmlns:a="http://schemas.openxmlformats.org/drawingml/2006/main" xmlns="" val="2325765445"/>
               </p:ext>
             </p:extLst>
           </p:nvPr>
@@ -33934,60 +34415,9 @@
         </p:xfrm>
         <a:graphic>
           <a:graphicData uri="http://schemas.openxmlformats.org/presentationml/2006/ole">
-            <mc:AlternateContent xmlns:mc="http://schemas.openxmlformats.org/markup-compatibility/2006">
-              <mc:Choice xmlns:v="urn:schemas-microsoft-com:vml" Requires="v">
-                <p:oleObj spid="_x0000_s11275" name="Equation" r:id="rId4" imgW="3213100" imgH="228600" progId="Equation.3">
-                  <p:embed/>
-                </p:oleObj>
-              </mc:Choice>
-              <mc:Fallback>
-                <p:oleObj name="Equation" r:id="rId4" imgW="3213100" imgH="228600" progId="Equation.3">
-                  <p:embed/>
-                  <p:pic>
-                    <p:nvPicPr>
-                      <p:cNvPr id="0" name=""/>
-                      <p:cNvPicPr>
-                        <a:picLocks noChangeAspect="1" noChangeArrowheads="1"/>
-                      </p:cNvPicPr>
-                      <p:nvPr/>
-                    </p:nvPicPr>
-                    <p:blipFill>
-                      <a:blip r:embed="rId5">
-                        <a:extLst>
-                          <a:ext uri="{28A0092B-C50C-407E-A947-70E740481C1C}">
-                            <a14:useLocalDpi xmlns:a14="http://schemas.microsoft.com/office/drawing/2010/main" val="0"/>
-                          </a:ext>
-                        </a:extLst>
-                      </a:blip>
-                      <a:srcRect/>
-                      <a:stretch>
-                        <a:fillRect/>
-                      </a:stretch>
-                    </p:blipFill>
-                    <p:spPr bwMode="auto">
-                      <a:xfrm>
-                        <a:off x="857097" y="5943600"/>
-                        <a:ext cx="7081837" cy="503237"/>
-                      </a:xfrm>
-                      <a:prstGeom prst="rect">
-                        <a:avLst/>
-                      </a:prstGeom>
-                      <a:solidFill>
-                        <a:schemeClr val="accent3">
-                          <a:lumMod val="40000"/>
-                          <a:lumOff val="60000"/>
-                        </a:schemeClr>
-                      </a:solidFill>
-                      <a:ln>
-                        <a:noFill/>
-                      </a:ln>
-                      <a:effectLst/>
-                      <a:extLst/>
-                    </p:spPr>
-                  </p:pic>
-                </p:oleObj>
-              </mc:Fallback>
-            </mc:AlternateContent>
+            <p:oleObj spid="_x0000_s11275" name="Equation" r:id="rId4" imgW="3213100" imgH="228600" progId="Equation.3">
+              <p:embed/>
+            </p:oleObj>
           </a:graphicData>
         </a:graphic>
       </p:graphicFrame>
@@ -34000,10 +34430,10 @@
           <p:nvPr/>
         </p:nvPicPr>
         <p:blipFill>
-          <a:blip r:embed="rId6" cstate="print">
+          <a:blip r:embed="rId5" cstate="print">
             <a:extLst>
               <a:ext uri="{28A0092B-C50C-407E-A947-70E740481C1C}">
-                <a14:useLocalDpi xmlns:a14="http://schemas.microsoft.com/office/drawing/2010/main" val="0"/>
+                <a14:useLocalDpi xmlns:a14="http://schemas.microsoft.com/office/drawing/2010/main" xmlns:p="http://schemas.openxmlformats.org/presentationml/2006/main" xmlns:r="http://schemas.openxmlformats.org/officeDocument/2006/relationships" xmlns:a="http://schemas.openxmlformats.org/drawingml/2006/main" xmlns="" val="0"/>
               </a:ext>
             </a:extLst>
           </a:blip>
@@ -34026,14 +34456,14 @@
           </a:ln>
           <a:extLst>
             <a:ext uri="{909E8E84-426E-40DD-AFC4-6F175D3DCCD1}">
-              <a14:hiddenFill xmlns:a14="http://schemas.microsoft.com/office/drawing/2010/main">
+              <a14:hiddenFill xmlns:a14="http://schemas.microsoft.com/office/drawing/2010/main" xmlns:p="http://schemas.openxmlformats.org/presentationml/2006/main" xmlns:r="http://schemas.openxmlformats.org/officeDocument/2006/relationships" xmlns:a="http://schemas.openxmlformats.org/drawingml/2006/main" xmlns="">
                 <a:solidFill>
                   <a:srgbClr val="FFFFFF"/>
                 </a:solidFill>
               </a14:hiddenFill>
             </a:ext>
             <a:ext uri="{91240B29-F687-4F45-9708-019B960494DF}">
-              <a14:hiddenLine xmlns:a14="http://schemas.microsoft.com/office/drawing/2010/main" w="9525">
+              <a14:hiddenLine xmlns:a14="http://schemas.microsoft.com/office/drawing/2010/main" xmlns:p="http://schemas.openxmlformats.org/presentationml/2006/main" xmlns:r="http://schemas.openxmlformats.org/officeDocument/2006/relationships" xmlns:a="http://schemas.openxmlformats.org/drawingml/2006/main" xmlns="" w="9525">
                 <a:solidFill>
                   <a:srgbClr val="000000"/>
                 </a:solidFill>
@@ -34048,7 +34478,7 @@
     </p:spTree>
     <p:extLst>
       <p:ext uri="{BB962C8B-B14F-4D97-AF65-F5344CB8AC3E}">
-        <p14:creationId xmlns:p14="http://schemas.microsoft.com/office/powerpoint/2010/main" val="862103814"/>
+        <p14:creationId xmlns:p14="http://schemas.microsoft.com/office/powerpoint/2010/main" xmlns:p="http://schemas.openxmlformats.org/presentationml/2006/main" xmlns:r="http://schemas.openxmlformats.org/officeDocument/2006/relationships" xmlns:a="http://schemas.openxmlformats.org/drawingml/2006/main" xmlns="" val="862103814"/>
       </p:ext>
     </p:extLst>
   </p:cSld>
@@ -34134,7 +34564,7 @@
 </file>
 
 <file path=ppt/slides/slide6.xml><?xml version="1.0" encoding="utf-8"?>
-<p:sld xmlns:a="http://schemas.openxmlformats.org/drawingml/2006/main" xmlns:r="http://schemas.openxmlformats.org/officeDocument/2006/relationships" xmlns:p="http://schemas.openxmlformats.org/presentationml/2006/main">
+<p:sld xmlns:a="http://schemas.openxmlformats.org/drawingml/2006/main" xmlns:r="http://schemas.openxmlformats.org/officeDocument/2006/relationships" xmlns:mc="http://schemas.openxmlformats.org/markup-compatibility/2006" xmlns:mv="urn:schemas-microsoft-com:mac:vml" xmlns:p="http://schemas.openxmlformats.org/presentationml/2006/main" mc:Ignorable="mv" mc:PreserveAttributes="mv:*">
   <p:cSld>
     <p:spTree>
       <p:nvGrpSpPr>
@@ -34508,7 +34938,7 @@
     </p:spTree>
     <p:extLst>
       <p:ext uri="{BB962C8B-B14F-4D97-AF65-F5344CB8AC3E}">
-        <p14:creationId xmlns:p14="http://schemas.microsoft.com/office/powerpoint/2010/main" val="1472300551"/>
+        <p14:creationId xmlns:p14="http://schemas.microsoft.com/office/powerpoint/2010/main" xmlns:p="http://schemas.openxmlformats.org/presentationml/2006/main" xmlns:r="http://schemas.openxmlformats.org/officeDocument/2006/relationships" xmlns:a="http://schemas.openxmlformats.org/drawingml/2006/main" xmlns="" val="1472300551"/>
       </p:ext>
     </p:extLst>
   </p:cSld>
@@ -34738,7 +35168,7 @@
 </file>
 
 <file path=ppt/slides/slide60.xml><?xml version="1.0" encoding="utf-8"?>
-<p:sld xmlns:a="http://schemas.openxmlformats.org/drawingml/2006/main" xmlns:r="http://schemas.openxmlformats.org/officeDocument/2006/relationships" xmlns:p="http://schemas.openxmlformats.org/presentationml/2006/main">
+<p:sld xmlns:a="http://schemas.openxmlformats.org/drawingml/2006/main" xmlns:r="http://schemas.openxmlformats.org/officeDocument/2006/relationships" xmlns:mc="http://schemas.openxmlformats.org/markup-compatibility/2006" xmlns:mv="urn:schemas-microsoft-com:mac:vml" xmlns:p="http://schemas.openxmlformats.org/presentationml/2006/main" mc:Ignorable="mv" mc:PreserveAttributes="mv:*">
   <p:cSld>
     <p:spTree>
       <p:nvGrpSpPr>
@@ -34837,7 +35267,7 @@
     </p:spTree>
     <p:extLst>
       <p:ext uri="{BB962C8B-B14F-4D97-AF65-F5344CB8AC3E}">
-        <p14:creationId xmlns:p14="http://schemas.microsoft.com/office/powerpoint/2010/main" val="4287584859"/>
+        <p14:creationId xmlns:p14="http://schemas.microsoft.com/office/powerpoint/2010/main" xmlns:p="http://schemas.openxmlformats.org/presentationml/2006/main" xmlns:r="http://schemas.openxmlformats.org/officeDocument/2006/relationships" xmlns:a="http://schemas.openxmlformats.org/drawingml/2006/main" xmlns="" val="4287584859"/>
       </p:ext>
     </p:extLst>
   </p:cSld>
@@ -34855,7 +35285,7 @@
 </file>
 
 <file path=ppt/slides/slide61.xml><?xml version="1.0" encoding="utf-8"?>
-<p:sld xmlns:a="http://schemas.openxmlformats.org/drawingml/2006/main" xmlns:r="http://schemas.openxmlformats.org/officeDocument/2006/relationships" xmlns:p="http://schemas.openxmlformats.org/presentationml/2006/main">
+<p:sld xmlns:a="http://schemas.openxmlformats.org/drawingml/2006/main" xmlns:r="http://schemas.openxmlformats.org/officeDocument/2006/relationships" xmlns:mc="http://schemas.openxmlformats.org/markup-compatibility/2006" xmlns:mv="urn:schemas-microsoft-com:mac:vml" xmlns:p="http://schemas.openxmlformats.org/presentationml/2006/main" mc:Ignorable="mv" mc:PreserveAttributes="mv:*">
   <p:cSld>
     <p:spTree>
       <p:nvGrpSpPr>
@@ -34966,7 +35396,7 @@
     </p:spTree>
     <p:extLst>
       <p:ext uri="{BB962C8B-B14F-4D97-AF65-F5344CB8AC3E}">
-        <p14:creationId xmlns:p14="http://schemas.microsoft.com/office/powerpoint/2010/main" val="3487430833"/>
+        <p14:creationId xmlns:p14="http://schemas.microsoft.com/office/powerpoint/2010/main" xmlns:p="http://schemas.openxmlformats.org/presentationml/2006/main" xmlns:r="http://schemas.openxmlformats.org/officeDocument/2006/relationships" xmlns:a="http://schemas.openxmlformats.org/drawingml/2006/main" xmlns="" val="3487430833"/>
       </p:ext>
     </p:extLst>
   </p:cSld>
@@ -34984,7 +35414,7 @@
 </file>
 
 <file path=ppt/slides/slide7.xml><?xml version="1.0" encoding="utf-8"?>
-<p:sld xmlns:a="http://schemas.openxmlformats.org/drawingml/2006/main" xmlns:r="http://schemas.openxmlformats.org/officeDocument/2006/relationships" xmlns:p="http://schemas.openxmlformats.org/presentationml/2006/main">
+<p:sld xmlns:a="http://schemas.openxmlformats.org/drawingml/2006/main" xmlns:r="http://schemas.openxmlformats.org/officeDocument/2006/relationships" xmlns:mc="http://schemas.openxmlformats.org/markup-compatibility/2006" xmlns:mv="urn:schemas-microsoft-com:mac:vml" xmlns:p="http://schemas.openxmlformats.org/presentationml/2006/main" mc:Ignorable="mv" mc:PreserveAttributes="mv:*">
   <p:cSld>
     <p:spTree>
       <p:nvGrpSpPr>
@@ -35055,7 +35485,7 @@
     </p:spTree>
     <p:extLst>
       <p:ext uri="{BB962C8B-B14F-4D97-AF65-F5344CB8AC3E}">
-        <p14:creationId xmlns:p14="http://schemas.microsoft.com/office/powerpoint/2010/main" val="1440555486"/>
+        <p14:creationId xmlns:p14="http://schemas.microsoft.com/office/powerpoint/2010/main" xmlns:p="http://schemas.openxmlformats.org/presentationml/2006/main" xmlns:r="http://schemas.openxmlformats.org/officeDocument/2006/relationships" xmlns:a="http://schemas.openxmlformats.org/drawingml/2006/main" xmlns="" val="1440555486"/>
       </p:ext>
     </p:extLst>
   </p:cSld>
@@ -35073,7 +35503,7 @@
 </file>
 
 <file path=ppt/slides/slide8.xml><?xml version="1.0" encoding="utf-8"?>
-<p:sld xmlns:a="http://schemas.openxmlformats.org/drawingml/2006/main" xmlns:r="http://schemas.openxmlformats.org/officeDocument/2006/relationships" xmlns:p="http://schemas.openxmlformats.org/presentationml/2006/main">
+<p:sld xmlns:a="http://schemas.openxmlformats.org/drawingml/2006/main" xmlns:r="http://schemas.openxmlformats.org/officeDocument/2006/relationships" xmlns:mc="http://schemas.openxmlformats.org/markup-compatibility/2006" xmlns:mv="urn:schemas-microsoft-com:mac:vml" xmlns:p="http://schemas.openxmlformats.org/presentationml/2006/main" mc:Ignorable="mv" mc:PreserveAttributes="mv:*">
   <p:cSld>
     <p:spTree>
       <p:nvGrpSpPr>
@@ -35326,7 +35756,7 @@
     </p:spTree>
     <p:extLst>
       <p:ext uri="{BB962C8B-B14F-4D97-AF65-F5344CB8AC3E}">
-        <p14:creationId xmlns:p14="http://schemas.microsoft.com/office/powerpoint/2010/main" val="1208260048"/>
+        <p14:creationId xmlns:p14="http://schemas.microsoft.com/office/powerpoint/2010/main" xmlns:p="http://schemas.openxmlformats.org/presentationml/2006/main" xmlns:r="http://schemas.openxmlformats.org/officeDocument/2006/relationships" xmlns:a="http://schemas.openxmlformats.org/drawingml/2006/main" xmlns="" val="1208260048"/>
       </p:ext>
     </p:extLst>
   </p:cSld>
@@ -35344,7 +35774,7 @@
 </file>
 
 <file path=ppt/slides/slide9.xml><?xml version="1.0" encoding="utf-8"?>
-<p:sld xmlns:a="http://schemas.openxmlformats.org/drawingml/2006/main" xmlns:r="http://schemas.openxmlformats.org/officeDocument/2006/relationships" xmlns:p="http://schemas.openxmlformats.org/presentationml/2006/main">
+<p:sld xmlns:a="http://schemas.openxmlformats.org/drawingml/2006/main" xmlns:r="http://schemas.openxmlformats.org/officeDocument/2006/relationships" xmlns:mc="http://schemas.openxmlformats.org/markup-compatibility/2006" xmlns:mv="urn:schemas-microsoft-com:mac:vml" xmlns:p="http://schemas.openxmlformats.org/presentationml/2006/main" mc:Ignorable="mv" mc:PreserveAttributes="mv:*">
   <p:cSld>
     <p:spTree>
       <p:nvGrpSpPr>
@@ -35388,12 +35818,12 @@
           <a:effectLst/>
           <a:extLst>
             <a:ext uri="{909E8E84-426E-40DD-AFC4-6F175D3DCCD1}">
-              <a14:hiddenFill xmlns:a14="http://schemas.microsoft.com/office/drawing/2010/main">
+              <a14:hiddenFill xmlns:a14="http://schemas.microsoft.com/office/drawing/2010/main" xmlns:p="http://schemas.openxmlformats.org/presentationml/2006/main" xmlns:r="http://schemas.openxmlformats.org/officeDocument/2006/relationships" xmlns:a="http://schemas.openxmlformats.org/drawingml/2006/main" xmlns="">
                 <a:noFill/>
               </a14:hiddenFill>
             </a:ext>
             <a:ext uri="{AF507438-7753-43E0-B8FC-AC1667EBCBE1}">
-              <a14:hiddenEffects xmlns:a14="http://schemas.microsoft.com/office/drawing/2010/main">
+              <a14:hiddenEffects xmlns:a14="http://schemas.microsoft.com/office/drawing/2010/main" xmlns:p="http://schemas.openxmlformats.org/presentationml/2006/main" xmlns:r="http://schemas.openxmlformats.org/officeDocument/2006/relationships" xmlns:a="http://schemas.openxmlformats.org/drawingml/2006/main" xmlns="">
                 <a:effectLst>
                   <a:outerShdw dist="35921" dir="2700000" algn="ctr" rotWithShape="0">
                     <a:schemeClr val="bg2"/>
@@ -35440,12 +35870,12 @@
           <a:effectLst/>
           <a:extLst>
             <a:ext uri="{909E8E84-426E-40DD-AFC4-6F175D3DCCD1}">
-              <a14:hiddenFill xmlns:a14="http://schemas.microsoft.com/office/drawing/2010/main">
+              <a14:hiddenFill xmlns:a14="http://schemas.microsoft.com/office/drawing/2010/main" xmlns:p="http://schemas.openxmlformats.org/presentationml/2006/main" xmlns:r="http://schemas.openxmlformats.org/officeDocument/2006/relationships" xmlns:a="http://schemas.openxmlformats.org/drawingml/2006/main" xmlns="">
                 <a:noFill/>
               </a14:hiddenFill>
             </a:ext>
             <a:ext uri="{AF507438-7753-43E0-B8FC-AC1667EBCBE1}">
-              <a14:hiddenEffects xmlns:a14="http://schemas.microsoft.com/office/drawing/2010/main">
+              <a14:hiddenEffects xmlns:a14="http://schemas.microsoft.com/office/drawing/2010/main" xmlns:p="http://schemas.openxmlformats.org/presentationml/2006/main" xmlns:r="http://schemas.openxmlformats.org/officeDocument/2006/relationships" xmlns:a="http://schemas.openxmlformats.org/drawingml/2006/main" xmlns="">
                 <a:effectLst>
                   <a:outerShdw dist="35921" dir="2700000" algn="ctr" rotWithShape="0">
                     <a:schemeClr val="bg2"/>
@@ -35492,12 +35922,12 @@
           <a:effectLst/>
           <a:extLst>
             <a:ext uri="{909E8E84-426E-40DD-AFC4-6F175D3DCCD1}">
-              <a14:hiddenFill xmlns:a14="http://schemas.microsoft.com/office/drawing/2010/main">
+              <a14:hiddenFill xmlns:a14="http://schemas.microsoft.com/office/drawing/2010/main" xmlns:p="http://schemas.openxmlformats.org/presentationml/2006/main" xmlns:r="http://schemas.openxmlformats.org/officeDocument/2006/relationships" xmlns:a="http://schemas.openxmlformats.org/drawingml/2006/main" xmlns="">
                 <a:noFill/>
               </a14:hiddenFill>
             </a:ext>
             <a:ext uri="{AF507438-7753-43E0-B8FC-AC1667EBCBE1}">
-              <a14:hiddenEffects xmlns:a14="http://schemas.microsoft.com/office/drawing/2010/main">
+              <a14:hiddenEffects xmlns:a14="http://schemas.microsoft.com/office/drawing/2010/main" xmlns:p="http://schemas.openxmlformats.org/presentationml/2006/main" xmlns:r="http://schemas.openxmlformats.org/officeDocument/2006/relationships" xmlns:a="http://schemas.openxmlformats.org/drawingml/2006/main" xmlns="">
                 <a:effectLst>
                   <a:outerShdw dist="35921" dir="2700000" algn="ctr" rotWithShape="0">
                     <a:schemeClr val="bg2"/>
@@ -35544,12 +35974,12 @@
           <a:effectLst/>
           <a:extLst>
             <a:ext uri="{909E8E84-426E-40DD-AFC4-6F175D3DCCD1}">
-              <a14:hiddenFill xmlns:a14="http://schemas.microsoft.com/office/drawing/2010/main">
+              <a14:hiddenFill xmlns:a14="http://schemas.microsoft.com/office/drawing/2010/main" xmlns:p="http://schemas.openxmlformats.org/presentationml/2006/main" xmlns:r="http://schemas.openxmlformats.org/officeDocument/2006/relationships" xmlns:a="http://schemas.openxmlformats.org/drawingml/2006/main" xmlns="">
                 <a:noFill/>
               </a14:hiddenFill>
             </a:ext>
             <a:ext uri="{AF507438-7753-43E0-B8FC-AC1667EBCBE1}">
-              <a14:hiddenEffects xmlns:a14="http://schemas.microsoft.com/office/drawing/2010/main">
+              <a14:hiddenEffects xmlns:a14="http://schemas.microsoft.com/office/drawing/2010/main" xmlns:p="http://schemas.openxmlformats.org/presentationml/2006/main" xmlns:r="http://schemas.openxmlformats.org/officeDocument/2006/relationships" xmlns:a="http://schemas.openxmlformats.org/drawingml/2006/main" xmlns="">
                 <a:effectLst>
                   <a:outerShdw dist="35921" dir="2700000" algn="ctr" rotWithShape="0">
                     <a:schemeClr val="bg2"/>
@@ -35596,12 +36026,12 @@
           <a:effectLst/>
           <a:extLst>
             <a:ext uri="{909E8E84-426E-40DD-AFC4-6F175D3DCCD1}">
-              <a14:hiddenFill xmlns:a14="http://schemas.microsoft.com/office/drawing/2010/main">
+              <a14:hiddenFill xmlns:a14="http://schemas.microsoft.com/office/drawing/2010/main" xmlns:p="http://schemas.openxmlformats.org/presentationml/2006/main" xmlns:r="http://schemas.openxmlformats.org/officeDocument/2006/relationships" xmlns:a="http://schemas.openxmlformats.org/drawingml/2006/main" xmlns="">
                 <a:noFill/>
               </a14:hiddenFill>
             </a:ext>
             <a:ext uri="{AF507438-7753-43E0-B8FC-AC1667EBCBE1}">
-              <a14:hiddenEffects xmlns:a14="http://schemas.microsoft.com/office/drawing/2010/main">
+              <a14:hiddenEffects xmlns:a14="http://schemas.microsoft.com/office/drawing/2010/main" xmlns:p="http://schemas.openxmlformats.org/presentationml/2006/main" xmlns:r="http://schemas.openxmlformats.org/officeDocument/2006/relationships" xmlns:a="http://schemas.openxmlformats.org/drawingml/2006/main" xmlns="">
                 <a:effectLst>
                   <a:outerShdw dist="35921" dir="2700000" algn="ctr" rotWithShape="0">
                     <a:schemeClr val="bg2"/>
@@ -35719,12 +36149,12 @@
           <a:effectLst/>
           <a:extLst>
             <a:ext uri="{909E8E84-426E-40DD-AFC4-6F175D3DCCD1}">
-              <a14:hiddenFill xmlns:a14="http://schemas.microsoft.com/office/drawing/2010/main">
+              <a14:hiddenFill xmlns:a14="http://schemas.microsoft.com/office/drawing/2010/main" xmlns:p="http://schemas.openxmlformats.org/presentationml/2006/main" xmlns:r="http://schemas.openxmlformats.org/officeDocument/2006/relationships" xmlns:a="http://schemas.openxmlformats.org/drawingml/2006/main" xmlns="">
                 <a:noFill/>
               </a14:hiddenFill>
             </a:ext>
             <a:ext uri="{AF507438-7753-43E0-B8FC-AC1667EBCBE1}">
-              <a14:hiddenEffects xmlns:a14="http://schemas.microsoft.com/office/drawing/2010/main">
+              <a14:hiddenEffects xmlns:a14="http://schemas.microsoft.com/office/drawing/2010/main" xmlns:p="http://schemas.openxmlformats.org/presentationml/2006/main" xmlns:r="http://schemas.openxmlformats.org/officeDocument/2006/relationships" xmlns:a="http://schemas.openxmlformats.org/drawingml/2006/main" xmlns="">
                 <a:effectLst>
                   <a:outerShdw dist="35921" dir="2700000" algn="ctr" rotWithShape="0">
                     <a:schemeClr val="bg2"/>
@@ -35770,12 +36200,12 @@
           <a:effectLst/>
           <a:extLst>
             <a:ext uri="{909E8E84-426E-40DD-AFC4-6F175D3DCCD1}">
-              <a14:hiddenFill xmlns:a14="http://schemas.microsoft.com/office/drawing/2010/main">
+              <a14:hiddenFill xmlns:a14="http://schemas.microsoft.com/office/drawing/2010/main" xmlns:p="http://schemas.openxmlformats.org/presentationml/2006/main" xmlns:r="http://schemas.openxmlformats.org/officeDocument/2006/relationships" xmlns:a="http://schemas.openxmlformats.org/drawingml/2006/main" xmlns="">
                 <a:noFill/>
               </a14:hiddenFill>
             </a:ext>
             <a:ext uri="{AF507438-7753-43E0-B8FC-AC1667EBCBE1}">
-              <a14:hiddenEffects xmlns:a14="http://schemas.microsoft.com/office/drawing/2010/main">
+              <a14:hiddenEffects xmlns:a14="http://schemas.microsoft.com/office/drawing/2010/main" xmlns:p="http://schemas.openxmlformats.org/presentationml/2006/main" xmlns:r="http://schemas.openxmlformats.org/officeDocument/2006/relationships" xmlns:a="http://schemas.openxmlformats.org/drawingml/2006/main" xmlns="">
                 <a:effectLst>
                   <a:outerShdw dist="35921" dir="2700000" algn="ctr" rotWithShape="0">
                     <a:schemeClr val="bg2"/>
@@ -35821,12 +36251,12 @@
           <a:effectLst/>
           <a:extLst>
             <a:ext uri="{909E8E84-426E-40DD-AFC4-6F175D3DCCD1}">
-              <a14:hiddenFill xmlns:a14="http://schemas.microsoft.com/office/drawing/2010/main">
+              <a14:hiddenFill xmlns:a14="http://schemas.microsoft.com/office/drawing/2010/main" xmlns:p="http://schemas.openxmlformats.org/presentationml/2006/main" xmlns:r="http://schemas.openxmlformats.org/officeDocument/2006/relationships" xmlns:a="http://schemas.openxmlformats.org/drawingml/2006/main" xmlns="">
                 <a:noFill/>
               </a14:hiddenFill>
             </a:ext>
             <a:ext uri="{AF507438-7753-43E0-B8FC-AC1667EBCBE1}">
-              <a14:hiddenEffects xmlns:a14="http://schemas.microsoft.com/office/drawing/2010/main">
+              <a14:hiddenEffects xmlns:a14="http://schemas.microsoft.com/office/drawing/2010/main" xmlns:p="http://schemas.openxmlformats.org/presentationml/2006/main" xmlns:r="http://schemas.openxmlformats.org/officeDocument/2006/relationships" xmlns:a="http://schemas.openxmlformats.org/drawingml/2006/main" xmlns="">
                 <a:effectLst>
                   <a:outerShdw dist="35921" dir="2700000" algn="ctr" rotWithShape="0">
                     <a:schemeClr val="bg2"/>
@@ -35872,12 +36302,12 @@
           <a:effectLst/>
           <a:extLst>
             <a:ext uri="{909E8E84-426E-40DD-AFC4-6F175D3DCCD1}">
-              <a14:hiddenFill xmlns:a14="http://schemas.microsoft.com/office/drawing/2010/main">
+              <a14:hiddenFill xmlns:a14="http://schemas.microsoft.com/office/drawing/2010/main" xmlns:p="http://schemas.openxmlformats.org/presentationml/2006/main" xmlns:r="http://schemas.openxmlformats.org/officeDocument/2006/relationships" xmlns:a="http://schemas.openxmlformats.org/drawingml/2006/main" xmlns="">
                 <a:noFill/>
               </a14:hiddenFill>
             </a:ext>
             <a:ext uri="{AF507438-7753-43E0-B8FC-AC1667EBCBE1}">
-              <a14:hiddenEffects xmlns:a14="http://schemas.microsoft.com/office/drawing/2010/main">
+              <a14:hiddenEffects xmlns:a14="http://schemas.microsoft.com/office/drawing/2010/main" xmlns:p="http://schemas.openxmlformats.org/presentationml/2006/main" xmlns:r="http://schemas.openxmlformats.org/officeDocument/2006/relationships" xmlns:a="http://schemas.openxmlformats.org/drawingml/2006/main" xmlns="">
                 <a:effectLst>
                   <a:outerShdw dist="35921" dir="2700000" algn="ctr" rotWithShape="0">
                     <a:schemeClr val="bg2"/>
@@ -35923,12 +36353,12 @@
           <a:effectLst/>
           <a:extLst>
             <a:ext uri="{909E8E84-426E-40DD-AFC4-6F175D3DCCD1}">
-              <a14:hiddenFill xmlns:a14="http://schemas.microsoft.com/office/drawing/2010/main">
+              <a14:hiddenFill xmlns:a14="http://schemas.microsoft.com/office/drawing/2010/main" xmlns:p="http://schemas.openxmlformats.org/presentationml/2006/main" xmlns:r="http://schemas.openxmlformats.org/officeDocument/2006/relationships" xmlns:a="http://schemas.openxmlformats.org/drawingml/2006/main" xmlns="">
                 <a:noFill/>
               </a14:hiddenFill>
             </a:ext>
             <a:ext uri="{AF507438-7753-43E0-B8FC-AC1667EBCBE1}">
-              <a14:hiddenEffects xmlns:a14="http://schemas.microsoft.com/office/drawing/2010/main">
+              <a14:hiddenEffects xmlns:a14="http://schemas.microsoft.com/office/drawing/2010/main" xmlns:p="http://schemas.openxmlformats.org/presentationml/2006/main" xmlns:r="http://schemas.openxmlformats.org/officeDocument/2006/relationships" xmlns:a="http://schemas.openxmlformats.org/drawingml/2006/main" xmlns="">
                 <a:effectLst>
                   <a:outerShdw dist="35921" dir="2700000" algn="ctr" rotWithShape="0">
                     <a:schemeClr val="bg2"/>
@@ -35974,12 +36404,12 @@
           <a:effectLst/>
           <a:extLst>
             <a:ext uri="{909E8E84-426E-40DD-AFC4-6F175D3DCCD1}">
-              <a14:hiddenFill xmlns:a14="http://schemas.microsoft.com/office/drawing/2010/main">
+              <a14:hiddenFill xmlns:a14="http://schemas.microsoft.com/office/drawing/2010/main" xmlns:p="http://schemas.openxmlformats.org/presentationml/2006/main" xmlns:r="http://schemas.openxmlformats.org/officeDocument/2006/relationships" xmlns:a="http://schemas.openxmlformats.org/drawingml/2006/main" xmlns="">
                 <a:noFill/>
               </a14:hiddenFill>
             </a:ext>
             <a:ext uri="{AF507438-7753-43E0-B8FC-AC1667EBCBE1}">
-              <a14:hiddenEffects xmlns:a14="http://schemas.microsoft.com/office/drawing/2010/main">
+              <a14:hiddenEffects xmlns:a14="http://schemas.microsoft.com/office/drawing/2010/main" xmlns:p="http://schemas.openxmlformats.org/presentationml/2006/main" xmlns:r="http://schemas.openxmlformats.org/officeDocument/2006/relationships" xmlns:a="http://schemas.openxmlformats.org/drawingml/2006/main" xmlns="">
                 <a:effectLst>
                   <a:outerShdw dist="35921" dir="2700000" algn="ctr" rotWithShape="0">
                     <a:schemeClr val="bg2"/>
@@ -36025,12 +36455,12 @@
           <a:effectLst/>
           <a:extLst>
             <a:ext uri="{909E8E84-426E-40DD-AFC4-6F175D3DCCD1}">
-              <a14:hiddenFill xmlns:a14="http://schemas.microsoft.com/office/drawing/2010/main">
+              <a14:hiddenFill xmlns:a14="http://schemas.microsoft.com/office/drawing/2010/main" xmlns:p="http://schemas.openxmlformats.org/presentationml/2006/main" xmlns:r="http://schemas.openxmlformats.org/officeDocument/2006/relationships" xmlns:a="http://schemas.openxmlformats.org/drawingml/2006/main" xmlns="">
                 <a:noFill/>
               </a14:hiddenFill>
             </a:ext>
             <a:ext uri="{AF507438-7753-43E0-B8FC-AC1667EBCBE1}">
-              <a14:hiddenEffects xmlns:a14="http://schemas.microsoft.com/office/drawing/2010/main">
+              <a14:hiddenEffects xmlns:a14="http://schemas.microsoft.com/office/drawing/2010/main" xmlns:p="http://schemas.openxmlformats.org/presentationml/2006/main" xmlns:r="http://schemas.openxmlformats.org/officeDocument/2006/relationships" xmlns:a="http://schemas.openxmlformats.org/drawingml/2006/main" xmlns="">
                 <a:effectLst>
                   <a:outerShdw dist="35921" dir="2700000" algn="ctr" rotWithShape="0">
                     <a:schemeClr val="bg2"/>
@@ -36076,12 +36506,12 @@
           <a:effectLst/>
           <a:extLst>
             <a:ext uri="{909E8E84-426E-40DD-AFC4-6F175D3DCCD1}">
-              <a14:hiddenFill xmlns:a14="http://schemas.microsoft.com/office/drawing/2010/main">
+              <a14:hiddenFill xmlns:a14="http://schemas.microsoft.com/office/drawing/2010/main" xmlns:p="http://schemas.openxmlformats.org/presentationml/2006/main" xmlns:r="http://schemas.openxmlformats.org/officeDocument/2006/relationships" xmlns:a="http://schemas.openxmlformats.org/drawingml/2006/main" xmlns="">
                 <a:noFill/>
               </a14:hiddenFill>
             </a:ext>
             <a:ext uri="{AF507438-7753-43E0-B8FC-AC1667EBCBE1}">
-              <a14:hiddenEffects xmlns:a14="http://schemas.microsoft.com/office/drawing/2010/main">
+              <a14:hiddenEffects xmlns:a14="http://schemas.microsoft.com/office/drawing/2010/main" xmlns:p="http://schemas.openxmlformats.org/presentationml/2006/main" xmlns:r="http://schemas.openxmlformats.org/officeDocument/2006/relationships" xmlns:a="http://schemas.openxmlformats.org/drawingml/2006/main" xmlns="">
                 <a:effectLst>
                   <a:outerShdw dist="35921" dir="2700000" algn="ctr" rotWithShape="0">
                     <a:schemeClr val="bg2"/>
@@ -36127,12 +36557,12 @@
           <a:effectLst/>
           <a:extLst>
             <a:ext uri="{909E8E84-426E-40DD-AFC4-6F175D3DCCD1}">
-              <a14:hiddenFill xmlns:a14="http://schemas.microsoft.com/office/drawing/2010/main">
+              <a14:hiddenFill xmlns:a14="http://schemas.microsoft.com/office/drawing/2010/main" xmlns:p="http://schemas.openxmlformats.org/presentationml/2006/main" xmlns:r="http://schemas.openxmlformats.org/officeDocument/2006/relationships" xmlns:a="http://schemas.openxmlformats.org/drawingml/2006/main" xmlns="">
                 <a:noFill/>
               </a14:hiddenFill>
             </a:ext>
             <a:ext uri="{AF507438-7753-43E0-B8FC-AC1667EBCBE1}">
-              <a14:hiddenEffects xmlns:a14="http://schemas.microsoft.com/office/drawing/2010/main">
+              <a14:hiddenEffects xmlns:a14="http://schemas.microsoft.com/office/drawing/2010/main" xmlns:p="http://schemas.openxmlformats.org/presentationml/2006/main" xmlns:r="http://schemas.openxmlformats.org/officeDocument/2006/relationships" xmlns:a="http://schemas.openxmlformats.org/drawingml/2006/main" xmlns="">
                 <a:effectLst>
                   <a:outerShdw dist="35921" dir="2700000" algn="ctr" rotWithShape="0">
                     <a:schemeClr val="bg2"/>
@@ -36178,12 +36608,12 @@
           <a:effectLst/>
           <a:extLst>
             <a:ext uri="{909E8E84-426E-40DD-AFC4-6F175D3DCCD1}">
-              <a14:hiddenFill xmlns:a14="http://schemas.microsoft.com/office/drawing/2010/main">
+              <a14:hiddenFill xmlns:a14="http://schemas.microsoft.com/office/drawing/2010/main" xmlns:p="http://schemas.openxmlformats.org/presentationml/2006/main" xmlns:r="http://schemas.openxmlformats.org/officeDocument/2006/relationships" xmlns:a="http://schemas.openxmlformats.org/drawingml/2006/main" xmlns="">
                 <a:noFill/>
               </a14:hiddenFill>
             </a:ext>
             <a:ext uri="{AF507438-7753-43E0-B8FC-AC1667EBCBE1}">
-              <a14:hiddenEffects xmlns:a14="http://schemas.microsoft.com/office/drawing/2010/main">
+              <a14:hiddenEffects xmlns:a14="http://schemas.microsoft.com/office/drawing/2010/main" xmlns:p="http://schemas.openxmlformats.org/presentationml/2006/main" xmlns:r="http://schemas.openxmlformats.org/officeDocument/2006/relationships" xmlns:a="http://schemas.openxmlformats.org/drawingml/2006/main" xmlns="">
                 <a:effectLst>
                   <a:outerShdw dist="35921" dir="2700000" algn="ctr" rotWithShape="0">
                     <a:schemeClr val="bg2"/>
@@ -36229,12 +36659,12 @@
           <a:effectLst/>
           <a:extLst>
             <a:ext uri="{909E8E84-426E-40DD-AFC4-6F175D3DCCD1}">
-              <a14:hiddenFill xmlns:a14="http://schemas.microsoft.com/office/drawing/2010/main">
+              <a14:hiddenFill xmlns:a14="http://schemas.microsoft.com/office/drawing/2010/main" xmlns:p="http://schemas.openxmlformats.org/presentationml/2006/main" xmlns:r="http://schemas.openxmlformats.org/officeDocument/2006/relationships" xmlns:a="http://schemas.openxmlformats.org/drawingml/2006/main" xmlns="">
                 <a:noFill/>
               </a14:hiddenFill>
             </a:ext>
             <a:ext uri="{AF507438-7753-43E0-B8FC-AC1667EBCBE1}">
-              <a14:hiddenEffects xmlns:a14="http://schemas.microsoft.com/office/drawing/2010/main">
+              <a14:hiddenEffects xmlns:a14="http://schemas.microsoft.com/office/drawing/2010/main" xmlns:p="http://schemas.openxmlformats.org/presentationml/2006/main" xmlns:r="http://schemas.openxmlformats.org/officeDocument/2006/relationships" xmlns:a="http://schemas.openxmlformats.org/drawingml/2006/main" xmlns="">
                 <a:effectLst>
                   <a:outerShdw dist="35921" dir="2700000" algn="ctr" rotWithShape="0">
                     <a:schemeClr val="bg2"/>
@@ -36280,12 +36710,12 @@
           <a:effectLst/>
           <a:extLst>
             <a:ext uri="{909E8E84-426E-40DD-AFC4-6F175D3DCCD1}">
-              <a14:hiddenFill xmlns:a14="http://schemas.microsoft.com/office/drawing/2010/main">
+              <a14:hiddenFill xmlns:a14="http://schemas.microsoft.com/office/drawing/2010/main" xmlns:p="http://schemas.openxmlformats.org/presentationml/2006/main" xmlns:r="http://schemas.openxmlformats.org/officeDocument/2006/relationships" xmlns:a="http://schemas.openxmlformats.org/drawingml/2006/main" xmlns="">
                 <a:noFill/>
               </a14:hiddenFill>
             </a:ext>
             <a:ext uri="{AF507438-7753-43E0-B8FC-AC1667EBCBE1}">
-              <a14:hiddenEffects xmlns:a14="http://schemas.microsoft.com/office/drawing/2010/main">
+              <a14:hiddenEffects xmlns:a14="http://schemas.microsoft.com/office/drawing/2010/main" xmlns:p="http://schemas.openxmlformats.org/presentationml/2006/main" xmlns:r="http://schemas.openxmlformats.org/officeDocument/2006/relationships" xmlns:a="http://schemas.openxmlformats.org/drawingml/2006/main" xmlns="">
                 <a:effectLst>
                   <a:outerShdw dist="35921" dir="2700000" algn="ctr" rotWithShape="0">
                     <a:schemeClr val="bg2"/>
@@ -36331,12 +36761,12 @@
           <a:effectLst/>
           <a:extLst>
             <a:ext uri="{909E8E84-426E-40DD-AFC4-6F175D3DCCD1}">
-              <a14:hiddenFill xmlns:a14="http://schemas.microsoft.com/office/drawing/2010/main">
+              <a14:hiddenFill xmlns:a14="http://schemas.microsoft.com/office/drawing/2010/main" xmlns:p="http://schemas.openxmlformats.org/presentationml/2006/main" xmlns:r="http://schemas.openxmlformats.org/officeDocument/2006/relationships" xmlns:a="http://schemas.openxmlformats.org/drawingml/2006/main" xmlns="">
                 <a:noFill/>
               </a14:hiddenFill>
             </a:ext>
             <a:ext uri="{AF507438-7753-43E0-B8FC-AC1667EBCBE1}">
-              <a14:hiddenEffects xmlns:a14="http://schemas.microsoft.com/office/drawing/2010/main">
+              <a14:hiddenEffects xmlns:a14="http://schemas.microsoft.com/office/drawing/2010/main" xmlns:p="http://schemas.openxmlformats.org/presentationml/2006/main" xmlns:r="http://schemas.openxmlformats.org/officeDocument/2006/relationships" xmlns:a="http://schemas.openxmlformats.org/drawingml/2006/main" xmlns="">
                 <a:effectLst>
                   <a:outerShdw dist="35921" dir="2700000" algn="ctr" rotWithShape="0">
                     <a:schemeClr val="bg2"/>
@@ -36382,12 +36812,12 @@
           <a:effectLst/>
           <a:extLst>
             <a:ext uri="{909E8E84-426E-40DD-AFC4-6F175D3DCCD1}">
-              <a14:hiddenFill xmlns:a14="http://schemas.microsoft.com/office/drawing/2010/main">
+              <a14:hiddenFill xmlns:a14="http://schemas.microsoft.com/office/drawing/2010/main" xmlns:p="http://schemas.openxmlformats.org/presentationml/2006/main" xmlns:r="http://schemas.openxmlformats.org/officeDocument/2006/relationships" xmlns:a="http://schemas.openxmlformats.org/drawingml/2006/main" xmlns="">
                 <a:noFill/>
               </a14:hiddenFill>
             </a:ext>
             <a:ext uri="{AF507438-7753-43E0-B8FC-AC1667EBCBE1}">
-              <a14:hiddenEffects xmlns:a14="http://schemas.microsoft.com/office/drawing/2010/main">
+              <a14:hiddenEffects xmlns:a14="http://schemas.microsoft.com/office/drawing/2010/main" xmlns:p="http://schemas.openxmlformats.org/presentationml/2006/main" xmlns:r="http://schemas.openxmlformats.org/officeDocument/2006/relationships" xmlns:a="http://schemas.openxmlformats.org/drawingml/2006/main" xmlns="">
                 <a:effectLst>
                   <a:outerShdw dist="35921" dir="2700000" algn="ctr" rotWithShape="0">
                     <a:schemeClr val="bg2"/>
@@ -36433,12 +36863,12 @@
           <a:effectLst/>
           <a:extLst>
             <a:ext uri="{909E8E84-426E-40DD-AFC4-6F175D3DCCD1}">
-              <a14:hiddenFill xmlns:a14="http://schemas.microsoft.com/office/drawing/2010/main">
+              <a14:hiddenFill xmlns:a14="http://schemas.microsoft.com/office/drawing/2010/main" xmlns:p="http://schemas.openxmlformats.org/presentationml/2006/main" xmlns:r="http://schemas.openxmlformats.org/officeDocument/2006/relationships" xmlns:a="http://schemas.openxmlformats.org/drawingml/2006/main" xmlns="">
                 <a:noFill/>
               </a14:hiddenFill>
             </a:ext>
             <a:ext uri="{AF507438-7753-43E0-B8FC-AC1667EBCBE1}">
-              <a14:hiddenEffects xmlns:a14="http://schemas.microsoft.com/office/drawing/2010/main">
+              <a14:hiddenEffects xmlns:a14="http://schemas.microsoft.com/office/drawing/2010/main" xmlns:p="http://schemas.openxmlformats.org/presentationml/2006/main" xmlns:r="http://schemas.openxmlformats.org/officeDocument/2006/relationships" xmlns:a="http://schemas.openxmlformats.org/drawingml/2006/main" xmlns="">
                 <a:effectLst>
                   <a:outerShdw dist="35921" dir="2700000" algn="ctr" rotWithShape="0">
                     <a:schemeClr val="bg2"/>
@@ -36560,7 +36990,7 @@
           <a:effectLst/>
           <a:extLst>
             <a:ext uri="{AF507438-7753-43E0-B8FC-AC1667EBCBE1}">
-              <a14:hiddenEffects xmlns:a14="http://schemas.microsoft.com/office/drawing/2010/main">
+              <a14:hiddenEffects xmlns:a14="http://schemas.microsoft.com/office/drawing/2010/main" xmlns:p="http://schemas.openxmlformats.org/presentationml/2006/main" xmlns:r="http://schemas.openxmlformats.org/officeDocument/2006/relationships" xmlns:a="http://schemas.openxmlformats.org/drawingml/2006/main" xmlns="">
                 <a:effectLst>
                   <a:outerShdw dist="35921" dir="2700000" algn="ctr" rotWithShape="0">
                     <a:schemeClr val="bg2"/>
@@ -36682,7 +37112,7 @@
           <a:effectLst/>
           <a:extLst>
             <a:ext uri="{AF507438-7753-43E0-B8FC-AC1667EBCBE1}">
-              <a14:hiddenEffects xmlns:a14="http://schemas.microsoft.com/office/drawing/2010/main">
+              <a14:hiddenEffects xmlns:a14="http://schemas.microsoft.com/office/drawing/2010/main" xmlns:p="http://schemas.openxmlformats.org/presentationml/2006/main" xmlns:r="http://schemas.openxmlformats.org/officeDocument/2006/relationships" xmlns:a="http://schemas.openxmlformats.org/drawingml/2006/main" xmlns="">
                 <a:effectLst>
                   <a:outerShdw dist="35921" dir="2700000" algn="ctr" rotWithShape="0">
                     <a:schemeClr val="bg2"/>
@@ -36804,7 +37234,7 @@
           <a:effectLst/>
           <a:extLst>
             <a:ext uri="{AF507438-7753-43E0-B8FC-AC1667EBCBE1}">
-              <a14:hiddenEffects xmlns:a14="http://schemas.microsoft.com/office/drawing/2010/main">
+              <a14:hiddenEffects xmlns:a14="http://schemas.microsoft.com/office/drawing/2010/main" xmlns:p="http://schemas.openxmlformats.org/presentationml/2006/main" xmlns:r="http://schemas.openxmlformats.org/officeDocument/2006/relationships" xmlns:a="http://schemas.openxmlformats.org/drawingml/2006/main" xmlns="">
                 <a:effectLst>
                   <a:outerShdw dist="35921" dir="2700000" algn="ctr" rotWithShape="0">
                     <a:schemeClr val="bg2"/>
@@ -36850,12 +37280,12 @@
           <a:effectLst/>
           <a:extLst>
             <a:ext uri="{909E8E84-426E-40DD-AFC4-6F175D3DCCD1}">
-              <a14:hiddenFill xmlns:a14="http://schemas.microsoft.com/office/drawing/2010/main">
+              <a14:hiddenFill xmlns:a14="http://schemas.microsoft.com/office/drawing/2010/main" xmlns:p="http://schemas.openxmlformats.org/presentationml/2006/main" xmlns:r="http://schemas.openxmlformats.org/officeDocument/2006/relationships" xmlns:a="http://schemas.openxmlformats.org/drawingml/2006/main" xmlns="">
                 <a:noFill/>
               </a14:hiddenFill>
             </a:ext>
             <a:ext uri="{AF507438-7753-43E0-B8FC-AC1667EBCBE1}">
-              <a14:hiddenEffects xmlns:a14="http://schemas.microsoft.com/office/drawing/2010/main">
+              <a14:hiddenEffects xmlns:a14="http://schemas.microsoft.com/office/drawing/2010/main" xmlns:p="http://schemas.openxmlformats.org/presentationml/2006/main" xmlns:r="http://schemas.openxmlformats.org/officeDocument/2006/relationships" xmlns:a="http://schemas.openxmlformats.org/drawingml/2006/main" xmlns="">
                 <a:effectLst>
                   <a:outerShdw dist="35921" dir="2700000" algn="ctr" rotWithShape="0">
                     <a:schemeClr val="bg2"/>
@@ -36901,12 +37331,12 @@
           <a:effectLst/>
           <a:extLst>
             <a:ext uri="{909E8E84-426E-40DD-AFC4-6F175D3DCCD1}">
-              <a14:hiddenFill xmlns:a14="http://schemas.microsoft.com/office/drawing/2010/main">
+              <a14:hiddenFill xmlns:a14="http://schemas.microsoft.com/office/drawing/2010/main" xmlns:p="http://schemas.openxmlformats.org/presentationml/2006/main" xmlns:r="http://schemas.openxmlformats.org/officeDocument/2006/relationships" xmlns:a="http://schemas.openxmlformats.org/drawingml/2006/main" xmlns="">
                 <a:noFill/>
               </a14:hiddenFill>
             </a:ext>
             <a:ext uri="{AF507438-7753-43E0-B8FC-AC1667EBCBE1}">
-              <a14:hiddenEffects xmlns:a14="http://schemas.microsoft.com/office/drawing/2010/main">
+              <a14:hiddenEffects xmlns:a14="http://schemas.microsoft.com/office/drawing/2010/main" xmlns:p="http://schemas.openxmlformats.org/presentationml/2006/main" xmlns:r="http://schemas.openxmlformats.org/officeDocument/2006/relationships" xmlns:a="http://schemas.openxmlformats.org/drawingml/2006/main" xmlns="">
                 <a:effectLst>
                   <a:outerShdw dist="35921" dir="2700000" algn="ctr" rotWithShape="0">
                     <a:schemeClr val="bg2"/>
@@ -36947,14 +37377,14 @@
           <a:effectLst/>
           <a:extLst>
             <a:ext uri="{909E8E84-426E-40DD-AFC4-6F175D3DCCD1}">
-              <a14:hiddenFill xmlns:a14="http://schemas.microsoft.com/office/drawing/2010/main">
+              <a14:hiddenFill xmlns:a14="http://schemas.microsoft.com/office/drawing/2010/main" xmlns:p="http://schemas.openxmlformats.org/presentationml/2006/main" xmlns:r="http://schemas.openxmlformats.org/officeDocument/2006/relationships" xmlns:a="http://schemas.openxmlformats.org/drawingml/2006/main" xmlns="">
                 <a:solidFill>
                   <a:schemeClr val="accent1"/>
                 </a:solidFill>
               </a14:hiddenFill>
             </a:ext>
             <a:ext uri="{91240B29-F687-4F45-9708-019B960494DF}">
-              <a14:hiddenLine xmlns:a14="http://schemas.microsoft.com/office/drawing/2010/main" w="9525">
+              <a14:hiddenLine xmlns:a14="http://schemas.microsoft.com/office/drawing/2010/main" xmlns:p="http://schemas.openxmlformats.org/presentationml/2006/main" xmlns:r="http://schemas.openxmlformats.org/officeDocument/2006/relationships" xmlns:a="http://schemas.openxmlformats.org/drawingml/2006/main" xmlns="" w="9525">
                 <a:solidFill>
                   <a:schemeClr val="tx1"/>
                 </a:solidFill>
@@ -36964,7 +37394,7 @@
               </a14:hiddenLine>
             </a:ext>
             <a:ext uri="{AF507438-7753-43E0-B8FC-AC1667EBCBE1}">
-              <a14:hiddenEffects xmlns:a14="http://schemas.microsoft.com/office/drawing/2010/main">
+              <a14:hiddenEffects xmlns:a14="http://schemas.microsoft.com/office/drawing/2010/main" xmlns:p="http://schemas.openxmlformats.org/presentationml/2006/main" xmlns:r="http://schemas.openxmlformats.org/officeDocument/2006/relationships" xmlns:a="http://schemas.openxmlformats.org/drawingml/2006/main" xmlns="">
                 <a:effectLst>
                   <a:outerShdw dist="35921" dir="2700000" algn="ctr" rotWithShape="0">
                     <a:schemeClr val="bg2"/>
@@ -37108,14 +37538,14 @@
           <a:effectLst/>
           <a:extLst>
             <a:ext uri="{909E8E84-426E-40DD-AFC4-6F175D3DCCD1}">
-              <a14:hiddenFill xmlns:a14="http://schemas.microsoft.com/office/drawing/2010/main">
+              <a14:hiddenFill xmlns:a14="http://schemas.microsoft.com/office/drawing/2010/main" xmlns:p="http://schemas.openxmlformats.org/presentationml/2006/main" xmlns:r="http://schemas.openxmlformats.org/officeDocument/2006/relationships" xmlns:a="http://schemas.openxmlformats.org/drawingml/2006/main" xmlns="">
                 <a:solidFill>
                   <a:schemeClr val="accent1"/>
                 </a:solidFill>
               </a14:hiddenFill>
             </a:ext>
             <a:ext uri="{91240B29-F687-4F45-9708-019B960494DF}">
-              <a14:hiddenLine xmlns:a14="http://schemas.microsoft.com/office/drawing/2010/main" w="9525">
+              <a14:hiddenLine xmlns:a14="http://schemas.microsoft.com/office/drawing/2010/main" xmlns:p="http://schemas.openxmlformats.org/presentationml/2006/main" xmlns:r="http://schemas.openxmlformats.org/officeDocument/2006/relationships" xmlns:a="http://schemas.openxmlformats.org/drawingml/2006/main" xmlns="" w="9525">
                 <a:solidFill>
                   <a:schemeClr val="tx1"/>
                 </a:solidFill>
@@ -37125,7 +37555,7 @@
               </a14:hiddenLine>
             </a:ext>
             <a:ext uri="{AF507438-7753-43E0-B8FC-AC1667EBCBE1}">
-              <a14:hiddenEffects xmlns:a14="http://schemas.microsoft.com/office/drawing/2010/main">
+              <a14:hiddenEffects xmlns:a14="http://schemas.microsoft.com/office/drawing/2010/main" xmlns:p="http://schemas.openxmlformats.org/presentationml/2006/main" xmlns:r="http://schemas.openxmlformats.org/officeDocument/2006/relationships" xmlns:a="http://schemas.openxmlformats.org/drawingml/2006/main" xmlns="">
                 <a:effectLst>
                   <a:outerShdw dist="35921" dir="2700000" algn="ctr" rotWithShape="0">
                     <a:schemeClr val="bg2"/>
@@ -37276,14 +37706,14 @@
           <a:effectLst/>
           <a:extLst>
             <a:ext uri="{909E8E84-426E-40DD-AFC4-6F175D3DCCD1}">
-              <a14:hiddenFill xmlns:a14="http://schemas.microsoft.com/office/drawing/2010/main">
+              <a14:hiddenFill xmlns:a14="http://schemas.microsoft.com/office/drawing/2010/main" xmlns:p="http://schemas.openxmlformats.org/presentationml/2006/main" xmlns:r="http://schemas.openxmlformats.org/officeDocument/2006/relationships" xmlns:a="http://schemas.openxmlformats.org/drawingml/2006/main" xmlns="">
                 <a:solidFill>
                   <a:schemeClr val="accent1"/>
                 </a:solidFill>
               </a14:hiddenFill>
             </a:ext>
             <a:ext uri="{91240B29-F687-4F45-9708-019B960494DF}">
-              <a14:hiddenLine xmlns:a14="http://schemas.microsoft.com/office/drawing/2010/main" w="9525">
+              <a14:hiddenLine xmlns:a14="http://schemas.microsoft.com/office/drawing/2010/main" xmlns:p="http://schemas.openxmlformats.org/presentationml/2006/main" xmlns:r="http://schemas.openxmlformats.org/officeDocument/2006/relationships" xmlns:a="http://schemas.openxmlformats.org/drawingml/2006/main" xmlns="" w="9525">
                 <a:solidFill>
                   <a:schemeClr val="tx1"/>
                 </a:solidFill>
@@ -37293,7 +37723,7 @@
               </a14:hiddenLine>
             </a:ext>
             <a:ext uri="{AF507438-7753-43E0-B8FC-AC1667EBCBE1}">
-              <a14:hiddenEffects xmlns:a14="http://schemas.microsoft.com/office/drawing/2010/main">
+              <a14:hiddenEffects xmlns:a14="http://schemas.microsoft.com/office/drawing/2010/main" xmlns:p="http://schemas.openxmlformats.org/presentationml/2006/main" xmlns:r="http://schemas.openxmlformats.org/officeDocument/2006/relationships" xmlns:a="http://schemas.openxmlformats.org/drawingml/2006/main" xmlns="">
                 <a:effectLst>
                   <a:outerShdw dist="35921" dir="2700000" algn="ctr" rotWithShape="0">
                     <a:schemeClr val="bg2"/>
@@ -37439,7 +37869,7 @@
           <a:effectLst/>
           <a:extLst>
             <a:ext uri="{91240B29-F687-4F45-9708-019B960494DF}">
-              <a14:hiddenLine xmlns:a14="http://schemas.microsoft.com/office/drawing/2010/main" w="9525">
+              <a14:hiddenLine xmlns:a14="http://schemas.microsoft.com/office/drawing/2010/main" xmlns:p="http://schemas.openxmlformats.org/presentationml/2006/main" xmlns:r="http://schemas.openxmlformats.org/officeDocument/2006/relationships" xmlns:a="http://schemas.openxmlformats.org/drawingml/2006/main" xmlns="" w="9525">
                 <a:solidFill>
                   <a:schemeClr val="tx1"/>
                 </a:solidFill>
@@ -37449,7 +37879,7 @@
               </a14:hiddenLine>
             </a:ext>
             <a:ext uri="{AF507438-7753-43E0-B8FC-AC1667EBCBE1}">
-              <a14:hiddenEffects xmlns:a14="http://schemas.microsoft.com/office/drawing/2010/main">
+              <a14:hiddenEffects xmlns:a14="http://schemas.microsoft.com/office/drawing/2010/main" xmlns:p="http://schemas.openxmlformats.org/presentationml/2006/main" xmlns:r="http://schemas.openxmlformats.org/officeDocument/2006/relationships" xmlns:a="http://schemas.openxmlformats.org/drawingml/2006/main" xmlns="">
                 <a:effectLst>
                   <a:outerShdw dist="35921" dir="2700000" algn="ctr" rotWithShape="0">
                     <a:schemeClr val="bg2"/>
@@ -37587,14 +38017,14 @@
           <a:effectLst/>
           <a:extLst>
             <a:ext uri="{909E8E84-426E-40DD-AFC4-6F175D3DCCD1}">
-              <a14:hiddenFill xmlns:a14="http://schemas.microsoft.com/office/drawing/2010/main">
+              <a14:hiddenFill xmlns:a14="http://schemas.microsoft.com/office/drawing/2010/main" xmlns:p="http://schemas.openxmlformats.org/presentationml/2006/main" xmlns:r="http://schemas.openxmlformats.org/officeDocument/2006/relationships" xmlns:a="http://schemas.openxmlformats.org/drawingml/2006/main" xmlns="">
                 <a:solidFill>
                   <a:schemeClr val="accent1"/>
                 </a:solidFill>
               </a14:hiddenFill>
             </a:ext>
             <a:ext uri="{91240B29-F687-4F45-9708-019B960494DF}">
-              <a14:hiddenLine xmlns:a14="http://schemas.microsoft.com/office/drawing/2010/main" w="9525">
+              <a14:hiddenLine xmlns:a14="http://schemas.microsoft.com/office/drawing/2010/main" xmlns:p="http://schemas.openxmlformats.org/presentationml/2006/main" xmlns:r="http://schemas.openxmlformats.org/officeDocument/2006/relationships" xmlns:a="http://schemas.openxmlformats.org/drawingml/2006/main" xmlns="" w="9525">
                 <a:solidFill>
                   <a:schemeClr val="tx1"/>
                 </a:solidFill>
@@ -37604,7 +38034,7 @@
               </a14:hiddenLine>
             </a:ext>
             <a:ext uri="{AF507438-7753-43E0-B8FC-AC1667EBCBE1}">
-              <a14:hiddenEffects xmlns:a14="http://schemas.microsoft.com/office/drawing/2010/main">
+              <a14:hiddenEffects xmlns:a14="http://schemas.microsoft.com/office/drawing/2010/main" xmlns:p="http://schemas.openxmlformats.org/presentationml/2006/main" xmlns:r="http://schemas.openxmlformats.org/officeDocument/2006/relationships" xmlns:a="http://schemas.openxmlformats.org/drawingml/2006/main" xmlns="">
                 <a:effectLst>
                   <a:outerShdw dist="35921" dir="2700000" algn="ctr" rotWithShape="0">
                     <a:schemeClr val="bg2"/>
@@ -37830,7 +38260,7 @@
           <a:effectLst/>
           <a:extLst>
             <a:ext uri="{AF507438-7753-43E0-B8FC-AC1667EBCBE1}">
-              <a14:hiddenEffects xmlns:a14="http://schemas.microsoft.com/office/drawing/2010/main">
+              <a14:hiddenEffects xmlns:a14="http://schemas.microsoft.com/office/drawing/2010/main" xmlns:p="http://schemas.openxmlformats.org/presentationml/2006/main" xmlns:r="http://schemas.openxmlformats.org/officeDocument/2006/relationships" xmlns:a="http://schemas.openxmlformats.org/drawingml/2006/main" xmlns="">
                 <a:effectLst>
                   <a:outerShdw dist="35921" dir="2700000" algn="ctr" rotWithShape="0">
                     <a:schemeClr val="bg2"/>
@@ -37952,7 +38382,7 @@
           <a:effectLst/>
           <a:extLst>
             <a:ext uri="{AF507438-7753-43E0-B8FC-AC1667EBCBE1}">
-              <a14:hiddenEffects xmlns:a14="http://schemas.microsoft.com/office/drawing/2010/main">
+              <a14:hiddenEffects xmlns:a14="http://schemas.microsoft.com/office/drawing/2010/main" xmlns:p="http://schemas.openxmlformats.org/presentationml/2006/main" xmlns:r="http://schemas.openxmlformats.org/officeDocument/2006/relationships" xmlns:a="http://schemas.openxmlformats.org/drawingml/2006/main" xmlns="">
                 <a:effectLst>
                   <a:outerShdw dist="35921" dir="2700000" algn="ctr" rotWithShape="0">
                     <a:schemeClr val="bg2"/>
@@ -38074,7 +38504,7 @@
           <a:effectLst/>
           <a:extLst>
             <a:ext uri="{AF507438-7753-43E0-B8FC-AC1667EBCBE1}">
-              <a14:hiddenEffects xmlns:a14="http://schemas.microsoft.com/office/drawing/2010/main">
+              <a14:hiddenEffects xmlns:a14="http://schemas.microsoft.com/office/drawing/2010/main" xmlns:p="http://schemas.openxmlformats.org/presentationml/2006/main" xmlns:r="http://schemas.openxmlformats.org/officeDocument/2006/relationships" xmlns:a="http://schemas.openxmlformats.org/drawingml/2006/main" xmlns="">
                 <a:effectLst>
                   <a:outerShdw dist="35921" dir="2700000" algn="ctr" rotWithShape="0">
                     <a:schemeClr val="bg2"/>
@@ -38095,7 +38525,7 @@
     </p:spTree>
     <p:extLst>
       <p:ext uri="{BB962C8B-B14F-4D97-AF65-F5344CB8AC3E}">
-        <p14:creationId xmlns:p14="http://schemas.microsoft.com/office/powerpoint/2010/main" val="1036221331"/>
+        <p14:creationId xmlns:p14="http://schemas.microsoft.com/office/powerpoint/2010/main" xmlns:p="http://schemas.openxmlformats.org/presentationml/2006/main" xmlns:r="http://schemas.openxmlformats.org/officeDocument/2006/relationships" xmlns:a="http://schemas.openxmlformats.org/drawingml/2006/main" xmlns="" val="1036221331"/>
       </p:ext>
     </p:extLst>
   </p:cSld>
@@ -38443,7 +38873,7 @@
     </a:clrScheme>
     <a:fontScheme name="Office">
       <a:majorFont>
-        <a:latin typeface="Calibri Light" panose="020F0302020204030204"/>
+        <a:latin typeface="Calibri Light"/>
         <a:ea typeface=""/>
         <a:cs typeface=""/>
         <a:font script="Jpan" typeface="ＭＳ Ｐゴシック"/>
@@ -38478,7 +38908,7 @@
         <a:font script="Geor" typeface="Sylfaen"/>
       </a:majorFont>
       <a:minorFont>
-        <a:latin typeface="Calibri" panose="020F0502020204030204"/>
+        <a:latin typeface="Calibri"/>
         <a:ea typeface=""/>
         <a:cs typeface=""/>
         <a:font script="Jpan" typeface="ＭＳ Ｐゴシック"/>
@@ -38655,7 +39085,7 @@
   <a:extraClrSchemeLst/>
   <a:extLst>
     <a:ext uri="{05A4C25C-085E-4340-85A3-A5531E510DB2}">
-      <thm15:themeFamily xmlns:thm15="http://schemas.microsoft.com/office/thememl/2012/main" name="Office Theme" id="{62F939B6-93AF-4DB8-9C6B-D6C7DFDC589F}" vid="{4A3C46E8-61CC-4603-A589-7422A47A8E4A}"/>
+      <thm15:themeFamily xmlns:thm15="http://schemas.microsoft.com/office/thememl/2012/main" xmlns:a="http://schemas.openxmlformats.org/drawingml/2006/main" xmlns="" name="Office Theme" id="{62F939B6-93AF-4DB8-9C6B-D6C7DFDC589F}" vid="{4A3C46E8-61CC-4603-A589-7422A47A8E4A}"/>
     </a:ext>
   </a:extLst>
 </a:theme>
